--- a/CloveV2/62x67.pptx
+++ b/CloveV2/62x67.pptx
@@ -107,6 +107,11 @@
       </a:defRPr>
     </a:lvl9pPr>
   </p:defaultTextStyle>
+  <p:extLst>
+    <p:ext uri="{EFAFB233-063F-42B5-8137-9DF3F51BA10A}">
+      <p15:sldGuideLst xmlns:p15="http://schemas.microsoft.com/office/powerpoint/2012/main"/>
+    </p:ext>
+  </p:extLst>
 </p:presentation>
 </file>
 
@@ -192,7 +197,7 @@
           <a:p>
             <a:fld id="{47387990-2C8D-6748-AB2A-2063CE69BB71}" type="datetimeFigureOut">
               <a:rPr kumimoji="1" lang="zh-CN" altLang="en-US" smtClean="0"/>
-              <a:t>2024/5/22</a:t>
+              <a:t>2024/5/29</a:t>
             </a:fld>
             <a:endParaRPr kumimoji="1" lang="zh-CN" altLang="en-US"/>
           </a:p>
@@ -674,7 +679,7 @@
           <a:p>
             <a:fld id="{D1B47FD8-00A2-1B45-8BC5-7CC1CB8F2C72}" type="datetimeFigureOut">
               <a:rPr kumimoji="1" lang="zh-CN" altLang="en-US" smtClean="0"/>
-              <a:t>2024/5/22</a:t>
+              <a:t>2024/5/29</a:t>
             </a:fld>
             <a:endParaRPr kumimoji="1" lang="zh-CN" altLang="en-US"/>
           </a:p>
@@ -844,7 +849,7 @@
           <a:p>
             <a:fld id="{D1B47FD8-00A2-1B45-8BC5-7CC1CB8F2C72}" type="datetimeFigureOut">
               <a:rPr kumimoji="1" lang="zh-CN" altLang="en-US" smtClean="0"/>
-              <a:t>2024/5/22</a:t>
+              <a:t>2024/5/29</a:t>
             </a:fld>
             <a:endParaRPr kumimoji="1" lang="zh-CN" altLang="en-US"/>
           </a:p>
@@ -1024,7 +1029,7 @@
           <a:p>
             <a:fld id="{D1B47FD8-00A2-1B45-8BC5-7CC1CB8F2C72}" type="datetimeFigureOut">
               <a:rPr kumimoji="1" lang="zh-CN" altLang="en-US" smtClean="0"/>
-              <a:t>2024/5/22</a:t>
+              <a:t>2024/5/29</a:t>
             </a:fld>
             <a:endParaRPr kumimoji="1" lang="zh-CN" altLang="en-US"/>
           </a:p>
@@ -1194,7 +1199,7 @@
           <a:p>
             <a:fld id="{D1B47FD8-00A2-1B45-8BC5-7CC1CB8F2C72}" type="datetimeFigureOut">
               <a:rPr kumimoji="1" lang="zh-CN" altLang="en-US" smtClean="0"/>
-              <a:t>2024/5/22</a:t>
+              <a:t>2024/5/29</a:t>
             </a:fld>
             <a:endParaRPr kumimoji="1" lang="zh-CN" altLang="en-US"/>
           </a:p>
@@ -1438,7 +1443,7 @@
           <a:p>
             <a:fld id="{D1B47FD8-00A2-1B45-8BC5-7CC1CB8F2C72}" type="datetimeFigureOut">
               <a:rPr kumimoji="1" lang="zh-CN" altLang="en-US" smtClean="0"/>
-              <a:t>2024/5/22</a:t>
+              <a:t>2024/5/29</a:t>
             </a:fld>
             <a:endParaRPr kumimoji="1" lang="zh-CN" altLang="en-US"/>
           </a:p>
@@ -1670,7 +1675,7 @@
           <a:p>
             <a:fld id="{D1B47FD8-00A2-1B45-8BC5-7CC1CB8F2C72}" type="datetimeFigureOut">
               <a:rPr kumimoji="1" lang="zh-CN" altLang="en-US" smtClean="0"/>
-              <a:t>2024/5/22</a:t>
+              <a:t>2024/5/29</a:t>
             </a:fld>
             <a:endParaRPr kumimoji="1" lang="zh-CN" altLang="en-US"/>
           </a:p>
@@ -2037,7 +2042,7 @@
           <a:p>
             <a:fld id="{D1B47FD8-00A2-1B45-8BC5-7CC1CB8F2C72}" type="datetimeFigureOut">
               <a:rPr kumimoji="1" lang="zh-CN" altLang="en-US" smtClean="0"/>
-              <a:t>2024/5/22</a:t>
+              <a:t>2024/5/29</a:t>
             </a:fld>
             <a:endParaRPr kumimoji="1" lang="zh-CN" altLang="en-US"/>
           </a:p>
@@ -2155,7 +2160,7 @@
           <a:p>
             <a:fld id="{D1B47FD8-00A2-1B45-8BC5-7CC1CB8F2C72}" type="datetimeFigureOut">
               <a:rPr kumimoji="1" lang="zh-CN" altLang="en-US" smtClean="0"/>
-              <a:t>2024/5/22</a:t>
+              <a:t>2024/5/29</a:t>
             </a:fld>
             <a:endParaRPr kumimoji="1" lang="zh-CN" altLang="en-US"/>
           </a:p>
@@ -2250,7 +2255,7 @@
           <a:p>
             <a:fld id="{D1B47FD8-00A2-1B45-8BC5-7CC1CB8F2C72}" type="datetimeFigureOut">
               <a:rPr kumimoji="1" lang="zh-CN" altLang="en-US" smtClean="0"/>
-              <a:t>2024/5/22</a:t>
+              <a:t>2024/5/29</a:t>
             </a:fld>
             <a:endParaRPr kumimoji="1" lang="zh-CN" altLang="en-US"/>
           </a:p>
@@ -2527,7 +2532,7 @@
           <a:p>
             <a:fld id="{D1B47FD8-00A2-1B45-8BC5-7CC1CB8F2C72}" type="datetimeFigureOut">
               <a:rPr kumimoji="1" lang="zh-CN" altLang="en-US" smtClean="0"/>
-              <a:t>2024/5/22</a:t>
+              <a:t>2024/5/29</a:t>
             </a:fld>
             <a:endParaRPr kumimoji="1" lang="zh-CN" altLang="en-US"/>
           </a:p>
@@ -2784,7 +2789,7 @@
           <a:p>
             <a:fld id="{D1B47FD8-00A2-1B45-8BC5-7CC1CB8F2C72}" type="datetimeFigureOut">
               <a:rPr kumimoji="1" lang="zh-CN" altLang="en-US" smtClean="0"/>
-              <a:t>2024/5/22</a:t>
+              <a:t>2024/5/29</a:t>
             </a:fld>
             <a:endParaRPr kumimoji="1" lang="zh-CN" altLang="en-US"/>
           </a:p>
@@ -2997,7 +3002,7 @@
           <a:p>
             <a:fld id="{D1B47FD8-00A2-1B45-8BC5-7CC1CB8F2C72}" type="datetimeFigureOut">
               <a:rPr kumimoji="1" lang="zh-CN" altLang="en-US" smtClean="0"/>
-              <a:t>2024/5/22</a:t>
+              <a:t>2024/5/29</a:t>
             </a:fld>
             <a:endParaRPr kumimoji="1" lang="zh-CN" altLang="en-US"/>
           </a:p>
@@ -3631,46 +3636,6 @@
       </p:sp>
       <p:sp>
         <p:nvSpPr>
-          <p:cNvPr id="11" name="文本框 10">
-            <a:extLst>
-              <a:ext uri="{FF2B5EF4-FFF2-40B4-BE49-F238E27FC236}">
-                <a16:creationId xmlns:a16="http://schemas.microsoft.com/office/drawing/2014/main" id="{E31819B1-2622-ECF8-2DB2-C40067E271B8}"/>
-              </a:ext>
-            </a:extLst>
-          </p:cNvPr>
-          <p:cNvSpPr txBox="1"/>
-          <p:nvPr/>
-        </p:nvSpPr>
-        <p:spPr>
-          <a:xfrm>
-            <a:off x="1066355" y="9378712"/>
-            <a:ext cx="1245854" cy="1200329"/>
-          </a:xfrm>
-          <a:prstGeom prst="rect">
-            <a:avLst/>
-          </a:prstGeom>
-          <a:noFill/>
-        </p:spPr>
-        <p:txBody>
-          <a:bodyPr wrap="none" rtlCol="0">
-            <a:spAutoFit/>
-          </a:bodyPr>
-          <a:lstStyle/>
-          <a:p>
-            <a:r>
-              <a:rPr lang="en" altLang="zh-CN" sz="7200" b="1" dirty="0">
-                <a:effectLst/>
-                <a:latin typeface="Helvetica Neue" panose="02000503000000020004" pitchFamily="2" charset="0"/>
-                <a:ea typeface="Helvetica Neue" panose="02000503000000020004" pitchFamily="2" charset="0"/>
-                <a:cs typeface="Helvetica Neue" panose="02000503000000020004" pitchFamily="2" charset="0"/>
-              </a:rPr>
-              <a:t>F1</a:t>
-            </a:r>
-          </a:p>
-        </p:txBody>
-      </p:sp>
-      <p:sp>
-        <p:nvSpPr>
           <p:cNvPr id="12" name="文本框 11">
             <a:extLst>
               <a:ext uri="{FF2B5EF4-FFF2-40B4-BE49-F238E27FC236}">
@@ -3803,10 +3768,10 @@
       </p:sp>
       <p:sp>
         <p:nvSpPr>
-          <p:cNvPr id="20" name="文本框 19">
+          <p:cNvPr id="23" name="文本框 22">
             <a:extLst>
               <a:ext uri="{FF2B5EF4-FFF2-40B4-BE49-F238E27FC236}">
-                <a16:creationId xmlns:a16="http://schemas.microsoft.com/office/drawing/2014/main" id="{20AAAD13-02C6-78F8-349F-049A46F7FB0D}"/>
+                <a16:creationId xmlns:a16="http://schemas.microsoft.com/office/drawing/2014/main" id="{E58F534C-9F9E-CD5C-F2DD-C552800E43C2}"/>
               </a:ext>
             </a:extLst>
           </p:cNvPr>
@@ -3815,8 +3780,8 @@
         </p:nvSpPr>
         <p:spPr>
           <a:xfrm>
-            <a:off x="3380291" y="9378712"/>
-            <a:ext cx="1245854" cy="1200329"/>
+            <a:off x="7828321" y="9478071"/>
+            <a:ext cx="6404317" cy="1031051"/>
           </a:xfrm>
           <a:prstGeom prst="rect">
             <a:avLst/>
@@ -3842,19 +3807,86 @@
           </a:lstStyle>
           <a:p>
             <a:r>
-              <a:rPr lang="en" altLang="zh-CN" sz="7200" dirty="0"/>
-              <a:t>F2</a:t>
-            </a:r>
-            <a:endParaRPr lang="zh-CN" altLang="en-US" sz="7200" dirty="0"/>
-          </a:p>
-        </p:txBody>
-      </p:sp>
-      <p:sp>
-        <p:nvSpPr>
-          <p:cNvPr id="21" name="文本框 20">
+              <a:rPr lang="zh-CN" altLang="en-US" sz="6050" dirty="0">
+                <a:latin typeface="Alibaba PuHuiTi B" pitchFamily="18" charset="-122"/>
+                <a:ea typeface="Alibaba PuHuiTi B" pitchFamily="18" charset="-122"/>
+                <a:cs typeface="Alibaba PuHuiTi B" pitchFamily="18" charset="-122"/>
+              </a:rPr>
+              <a:t>英汉</a:t>
+            </a:r>
+            <a:r>
+              <a:rPr lang="en-US" altLang="zh-CN" sz="6050" dirty="0">
+                <a:latin typeface="Alibaba PuHuiTi B" pitchFamily="18" charset="-122"/>
+                <a:ea typeface="Alibaba PuHuiTi B" pitchFamily="18" charset="-122"/>
+                <a:cs typeface="Alibaba PuHuiTi B" pitchFamily="18" charset="-122"/>
+              </a:rPr>
+              <a:t> </a:t>
+            </a:r>
+            <a:r>
+              <a:rPr lang="zh-CN" altLang="en-US" sz="6050" dirty="0">
+                <a:latin typeface="Alibaba PuHuiTi B" pitchFamily="18" charset="-122"/>
+                <a:ea typeface="Alibaba PuHuiTi B" pitchFamily="18" charset="-122"/>
+                <a:cs typeface="Alibaba PuHuiTi B" pitchFamily="18" charset="-122"/>
+              </a:rPr>
+              <a:t> </a:t>
+            </a:r>
+            <a:r>
+              <a:rPr lang="en-US" altLang="zh-CN" sz="6050" dirty="0">
+                <a:latin typeface="Alibaba PuHuiTi B" pitchFamily="18" charset="-122"/>
+                <a:ea typeface="Alibaba PuHuiTi B" pitchFamily="18" charset="-122"/>
+                <a:cs typeface="Alibaba PuHuiTi B" pitchFamily="18" charset="-122"/>
+              </a:rPr>
+              <a:t> </a:t>
+            </a:r>
+            <a:r>
+              <a:rPr lang="zh-CN" altLang="en-US" sz="6050" dirty="0">
+                <a:latin typeface="Alibaba PuHuiTi B" pitchFamily="18" charset="-122"/>
+                <a:ea typeface="Alibaba PuHuiTi B" pitchFamily="18" charset="-122"/>
+                <a:cs typeface="Alibaba PuHuiTi B" pitchFamily="18" charset="-122"/>
+              </a:rPr>
+              <a:t> 名片</a:t>
+            </a:r>
+            <a:r>
+              <a:rPr lang="en-US" altLang="zh-CN" sz="6050" dirty="0">
+                <a:latin typeface="Alibaba PuHuiTi B" pitchFamily="18" charset="-122"/>
+                <a:ea typeface="Alibaba PuHuiTi B" pitchFamily="18" charset="-122"/>
+                <a:cs typeface="Alibaba PuHuiTi B" pitchFamily="18" charset="-122"/>
+              </a:rPr>
+              <a:t> </a:t>
+            </a:r>
+            <a:r>
+              <a:rPr lang="zh-CN" altLang="en-US" sz="6050" dirty="0">
+                <a:latin typeface="Alibaba PuHuiTi B" pitchFamily="18" charset="-122"/>
+                <a:ea typeface="Alibaba PuHuiTi B" pitchFamily="18" charset="-122"/>
+                <a:cs typeface="Alibaba PuHuiTi B" pitchFamily="18" charset="-122"/>
+              </a:rPr>
+              <a:t>  </a:t>
+            </a:r>
+            <a:r>
+              <a:rPr lang="en-US" altLang="zh-CN" sz="6050" dirty="0">
+                <a:latin typeface="Alibaba PuHuiTi B" pitchFamily="18" charset="-122"/>
+                <a:ea typeface="Alibaba PuHuiTi B" pitchFamily="18" charset="-122"/>
+                <a:cs typeface="Alibaba PuHuiTi B" pitchFamily="18" charset="-122"/>
+              </a:rPr>
+              <a:t> </a:t>
+            </a:r>
+            <a:r>
+              <a:rPr lang="zh-CN" altLang="en-US" sz="6050" dirty="0">
+                <a:latin typeface="Alibaba PuHuiTi B" pitchFamily="18" charset="-122"/>
+                <a:ea typeface="Alibaba PuHuiTi B" pitchFamily="18" charset="-122"/>
+                <a:cs typeface="Alibaba PuHuiTi B" pitchFamily="18" charset="-122"/>
+              </a:rPr>
+              <a:t>计算</a:t>
+            </a:r>
+          </a:p>
+        </p:txBody>
+      </p:sp>
+      <p:sp>
+        <p:nvSpPr>
+          <p:cNvPr id="24" name="文本框 23">
             <a:extLst>
               <a:ext uri="{FF2B5EF4-FFF2-40B4-BE49-F238E27FC236}">
-                <a16:creationId xmlns:a16="http://schemas.microsoft.com/office/drawing/2014/main" id="{D4A7982C-F900-5056-CBD5-51B4B7F222AF}"/>
+                <a16:creationId xmlns:a16="http://schemas.microsoft.com/office/drawing/2014/main" id="{E53E1D27-6574-98EC-2CE2-12184B934099}"/>
               </a:ext>
             </a:extLst>
           </p:cNvPr>
@@ -3863,8 +3895,1491 @@
         </p:nvSpPr>
         <p:spPr>
           <a:xfrm>
-            <a:off x="5746736" y="9378712"/>
-            <a:ext cx="1245854" cy="1200329"/>
+            <a:off x="3417682" y="11431833"/>
+            <a:ext cx="1152880" cy="1323439"/>
+          </a:xfrm>
+          <a:prstGeom prst="rect">
+            <a:avLst/>
+          </a:prstGeom>
+          <a:noFill/>
+        </p:spPr>
+        <p:txBody>
+          <a:bodyPr wrap="none" rtlCol="0" anchor="ctr">
+            <a:spAutoFit/>
+          </a:bodyPr>
+          <a:lstStyle/>
+          <a:p>
+            <a:r>
+              <a:rPr lang="en" altLang="zh-CN" sz="8000" b="1" dirty="0">
+                <a:effectLst/>
+                <a:latin typeface="Helvetica Neue" panose="02000503000000020004" pitchFamily="2" charset="0"/>
+                <a:ea typeface="Helvetica Neue" panose="02000503000000020004" pitchFamily="2" charset="0"/>
+                <a:cs typeface="Helvetica Neue" panose="02000503000000020004" pitchFamily="2" charset="0"/>
+              </a:rPr>
+              <a:t>W</a:t>
+            </a:r>
+          </a:p>
+        </p:txBody>
+      </p:sp>
+      <p:sp>
+        <p:nvSpPr>
+          <p:cNvPr id="25" name="文本框 24">
+            <a:extLst>
+              <a:ext uri="{FF2B5EF4-FFF2-40B4-BE49-F238E27FC236}">
+                <a16:creationId xmlns:a16="http://schemas.microsoft.com/office/drawing/2014/main" id="{4E6C0CB4-BBB3-A7A2-9F94-540594152014}"/>
+              </a:ext>
+            </a:extLst>
+          </p:cNvPr>
+          <p:cNvSpPr txBox="1"/>
+          <p:nvPr/>
+        </p:nvSpPr>
+        <p:spPr>
+          <a:xfrm>
+            <a:off x="5891847" y="11431833"/>
+            <a:ext cx="849913" cy="1323439"/>
+          </a:xfrm>
+          <a:prstGeom prst="rect">
+            <a:avLst/>
+          </a:prstGeom>
+          <a:noFill/>
+        </p:spPr>
+        <p:txBody>
+          <a:bodyPr wrap="none" rtlCol="0" anchor="ctr">
+            <a:spAutoFit/>
+          </a:bodyPr>
+          <a:lstStyle/>
+          <a:p>
+            <a:r>
+              <a:rPr lang="en" altLang="zh-CN" sz="8000" b="1" dirty="0">
+                <a:effectLst/>
+                <a:latin typeface="Helvetica Neue" panose="02000503000000020004" pitchFamily="2" charset="0"/>
+                <a:ea typeface="Helvetica Neue" panose="02000503000000020004" pitchFamily="2" charset="0"/>
+                <a:cs typeface="Helvetica Neue" panose="02000503000000020004" pitchFamily="2" charset="0"/>
+              </a:rPr>
+              <a:t>E</a:t>
+            </a:r>
+          </a:p>
+        </p:txBody>
+      </p:sp>
+      <p:sp>
+        <p:nvSpPr>
+          <p:cNvPr id="26" name="文本框 25">
+            <a:extLst>
+              <a:ext uri="{FF2B5EF4-FFF2-40B4-BE49-F238E27FC236}">
+                <a16:creationId xmlns:a16="http://schemas.microsoft.com/office/drawing/2014/main" id="{969D5542-94C7-8874-D995-EE90BC9C2962}"/>
+              </a:ext>
+            </a:extLst>
+          </p:cNvPr>
+          <p:cNvSpPr txBox="1"/>
+          <p:nvPr/>
+        </p:nvSpPr>
+        <p:spPr>
+          <a:xfrm>
+            <a:off x="8190307" y="11442343"/>
+            <a:ext cx="925253" cy="1323439"/>
+          </a:xfrm>
+          <a:prstGeom prst="rect">
+            <a:avLst/>
+          </a:prstGeom>
+          <a:noFill/>
+        </p:spPr>
+        <p:txBody>
+          <a:bodyPr wrap="none" rtlCol="0" anchor="ctr">
+            <a:spAutoFit/>
+          </a:bodyPr>
+          <a:lstStyle/>
+          <a:p>
+            <a:r>
+              <a:rPr lang="en" altLang="zh-CN" sz="8000" b="1" dirty="0">
+                <a:effectLst/>
+                <a:latin typeface="Helvetica Neue" panose="02000503000000020004" pitchFamily="2" charset="0"/>
+                <a:ea typeface="Helvetica Neue" panose="02000503000000020004" pitchFamily="2" charset="0"/>
+                <a:cs typeface="Helvetica Neue" panose="02000503000000020004" pitchFamily="2" charset="0"/>
+              </a:rPr>
+              <a:t>R</a:t>
+            </a:r>
+          </a:p>
+        </p:txBody>
+      </p:sp>
+      <p:sp>
+        <p:nvSpPr>
+          <p:cNvPr id="27" name="文本框 26">
+            <a:extLst>
+              <a:ext uri="{FF2B5EF4-FFF2-40B4-BE49-F238E27FC236}">
+                <a16:creationId xmlns:a16="http://schemas.microsoft.com/office/drawing/2014/main" id="{9A70ADA2-9BD5-961F-957F-569BCCFF5E72}"/>
+              </a:ext>
+            </a:extLst>
+          </p:cNvPr>
+          <p:cNvSpPr txBox="1"/>
+          <p:nvPr/>
+        </p:nvSpPr>
+        <p:spPr>
+          <a:xfrm>
+            <a:off x="10570174" y="11440310"/>
+            <a:ext cx="811441" cy="1323439"/>
+          </a:xfrm>
+          <a:prstGeom prst="rect">
+            <a:avLst/>
+          </a:prstGeom>
+          <a:noFill/>
+        </p:spPr>
+        <p:txBody>
+          <a:bodyPr wrap="none" rtlCol="0" anchor="ctr">
+            <a:spAutoFit/>
+          </a:bodyPr>
+          <a:lstStyle/>
+          <a:p>
+            <a:r>
+              <a:rPr lang="en" altLang="zh-CN" sz="8000" b="1" dirty="0">
+                <a:effectLst/>
+                <a:latin typeface="Helvetica Neue" panose="02000503000000020004" pitchFamily="2" charset="0"/>
+                <a:ea typeface="Helvetica Neue" panose="02000503000000020004" pitchFamily="2" charset="0"/>
+                <a:cs typeface="Helvetica Neue" panose="02000503000000020004" pitchFamily="2" charset="0"/>
+              </a:rPr>
+              <a:t>T</a:t>
+            </a:r>
+          </a:p>
+        </p:txBody>
+      </p:sp>
+      <p:sp>
+        <p:nvSpPr>
+          <p:cNvPr id="28" name="文本框 27">
+            <a:extLst>
+              <a:ext uri="{FF2B5EF4-FFF2-40B4-BE49-F238E27FC236}">
+                <a16:creationId xmlns:a16="http://schemas.microsoft.com/office/drawing/2014/main" id="{14A38C87-DFA9-59EB-27C6-8E479846A8C1}"/>
+              </a:ext>
+            </a:extLst>
+          </p:cNvPr>
+          <p:cNvSpPr txBox="1"/>
+          <p:nvPr/>
+        </p:nvSpPr>
+        <p:spPr>
+          <a:xfrm>
+            <a:off x="12905591" y="11440310"/>
+            <a:ext cx="869149" cy="1323439"/>
+          </a:xfrm>
+          <a:prstGeom prst="rect">
+            <a:avLst/>
+          </a:prstGeom>
+          <a:noFill/>
+        </p:spPr>
+        <p:txBody>
+          <a:bodyPr wrap="none" rtlCol="0" anchor="ctr">
+            <a:spAutoFit/>
+          </a:bodyPr>
+          <a:lstStyle/>
+          <a:p>
+            <a:r>
+              <a:rPr lang="en" altLang="zh-CN" sz="8000" b="1" dirty="0">
+                <a:effectLst/>
+                <a:latin typeface="Helvetica Neue" panose="02000503000000020004" pitchFamily="2" charset="0"/>
+                <a:ea typeface="Helvetica Neue" panose="02000503000000020004" pitchFamily="2" charset="0"/>
+                <a:cs typeface="Helvetica Neue" panose="02000503000000020004" pitchFamily="2" charset="0"/>
+              </a:rPr>
+              <a:t>Y</a:t>
+            </a:r>
+          </a:p>
+        </p:txBody>
+      </p:sp>
+      <p:sp>
+        <p:nvSpPr>
+          <p:cNvPr id="29" name="文本框 28">
+            <a:extLst>
+              <a:ext uri="{FF2B5EF4-FFF2-40B4-BE49-F238E27FC236}">
+                <a16:creationId xmlns:a16="http://schemas.microsoft.com/office/drawing/2014/main" id="{68801E9F-D4C6-C537-FB55-659E4FE75AA3}"/>
+              </a:ext>
+            </a:extLst>
+          </p:cNvPr>
+          <p:cNvSpPr txBox="1"/>
+          <p:nvPr/>
+        </p:nvSpPr>
+        <p:spPr>
+          <a:xfrm>
+            <a:off x="15180541" y="11440310"/>
+            <a:ext cx="944489" cy="1323439"/>
+          </a:xfrm>
+          <a:prstGeom prst="rect">
+            <a:avLst/>
+          </a:prstGeom>
+          <a:noFill/>
+        </p:spPr>
+        <p:txBody>
+          <a:bodyPr wrap="none" rtlCol="0" anchor="ctr">
+            <a:spAutoFit/>
+          </a:bodyPr>
+          <a:lstStyle/>
+          <a:p>
+            <a:r>
+              <a:rPr lang="en" altLang="zh-CN" sz="8000" b="1" dirty="0">
+                <a:effectLst/>
+                <a:latin typeface="Helvetica Neue" panose="02000503000000020004" pitchFamily="2" charset="0"/>
+                <a:ea typeface="Helvetica Neue" panose="02000503000000020004" pitchFamily="2" charset="0"/>
+                <a:cs typeface="Helvetica Neue" panose="02000503000000020004" pitchFamily="2" charset="0"/>
+              </a:rPr>
+              <a:t>U</a:t>
+            </a:r>
+          </a:p>
+        </p:txBody>
+      </p:sp>
+      <p:sp>
+        <p:nvSpPr>
+          <p:cNvPr id="30" name="文本框 29">
+            <a:extLst>
+              <a:ext uri="{FF2B5EF4-FFF2-40B4-BE49-F238E27FC236}">
+                <a16:creationId xmlns:a16="http://schemas.microsoft.com/office/drawing/2014/main" id="{E6C03444-86AE-9C0F-30EB-16D7FD1C2B11}"/>
+              </a:ext>
+            </a:extLst>
+          </p:cNvPr>
+          <p:cNvSpPr txBox="1"/>
+          <p:nvPr/>
+        </p:nvSpPr>
+        <p:spPr>
+          <a:xfrm>
+            <a:off x="17781963" y="11440310"/>
+            <a:ext cx="487634" cy="1323439"/>
+          </a:xfrm>
+          <a:prstGeom prst="rect">
+            <a:avLst/>
+          </a:prstGeom>
+          <a:noFill/>
+        </p:spPr>
+        <p:txBody>
+          <a:bodyPr wrap="none" rtlCol="0" anchor="ctr">
+            <a:spAutoFit/>
+          </a:bodyPr>
+          <a:lstStyle/>
+          <a:p>
+            <a:r>
+              <a:rPr lang="en" altLang="zh-CN" sz="8000" b="1" dirty="0">
+                <a:effectLst/>
+                <a:latin typeface="Helvetica Neue" panose="02000503000000020004" pitchFamily="2" charset="0"/>
+                <a:ea typeface="Helvetica Neue" panose="02000503000000020004" pitchFamily="2" charset="0"/>
+                <a:cs typeface="Helvetica Neue" panose="02000503000000020004" pitchFamily="2" charset="0"/>
+              </a:rPr>
+              <a:t>I</a:t>
+            </a:r>
+          </a:p>
+        </p:txBody>
+      </p:sp>
+      <p:sp>
+        <p:nvSpPr>
+          <p:cNvPr id="31" name="文本框 30">
+            <a:extLst>
+              <a:ext uri="{FF2B5EF4-FFF2-40B4-BE49-F238E27FC236}">
+                <a16:creationId xmlns:a16="http://schemas.microsoft.com/office/drawing/2014/main" id="{A412803F-7EC3-1BC1-5118-9FAF1006241B}"/>
+              </a:ext>
+            </a:extLst>
+          </p:cNvPr>
+          <p:cNvSpPr txBox="1"/>
+          <p:nvPr/>
+        </p:nvSpPr>
+        <p:spPr>
+          <a:xfrm>
+            <a:off x="19903396" y="11440310"/>
+            <a:ext cx="982961" cy="1323439"/>
+          </a:xfrm>
+          <a:prstGeom prst="rect">
+            <a:avLst/>
+          </a:prstGeom>
+          <a:noFill/>
+        </p:spPr>
+        <p:txBody>
+          <a:bodyPr wrap="none" rtlCol="0" anchor="ctr">
+            <a:spAutoFit/>
+          </a:bodyPr>
+          <a:lstStyle/>
+          <a:p>
+            <a:r>
+              <a:rPr lang="en" altLang="zh-CN" sz="8000" b="1" dirty="0">
+                <a:effectLst/>
+                <a:latin typeface="Helvetica Neue" panose="02000503000000020004" pitchFamily="2" charset="0"/>
+                <a:ea typeface="Helvetica Neue" panose="02000503000000020004" pitchFamily="2" charset="0"/>
+                <a:cs typeface="Helvetica Neue" panose="02000503000000020004" pitchFamily="2" charset="0"/>
+              </a:rPr>
+              <a:t>O</a:t>
+            </a:r>
+          </a:p>
+        </p:txBody>
+      </p:sp>
+      <p:sp>
+        <p:nvSpPr>
+          <p:cNvPr id="32" name="文本框 31">
+            <a:extLst>
+              <a:ext uri="{FF2B5EF4-FFF2-40B4-BE49-F238E27FC236}">
+                <a16:creationId xmlns:a16="http://schemas.microsoft.com/office/drawing/2014/main" id="{410A0B21-BEA2-1F6F-7A23-7397E824CEF1}"/>
+              </a:ext>
+            </a:extLst>
+          </p:cNvPr>
+          <p:cNvSpPr txBox="1"/>
+          <p:nvPr/>
+        </p:nvSpPr>
+        <p:spPr>
+          <a:xfrm>
+            <a:off x="22313580" y="11440310"/>
+            <a:ext cx="869149" cy="1323439"/>
+          </a:xfrm>
+          <a:prstGeom prst="rect">
+            <a:avLst/>
+          </a:prstGeom>
+          <a:noFill/>
+        </p:spPr>
+        <p:txBody>
+          <a:bodyPr wrap="none" rtlCol="0" anchor="ctr">
+            <a:spAutoFit/>
+          </a:bodyPr>
+          <a:lstStyle/>
+          <a:p>
+            <a:r>
+              <a:rPr lang="en" altLang="zh-CN" sz="8000" b="1" dirty="0">
+                <a:effectLst/>
+                <a:latin typeface="Helvetica Neue" panose="02000503000000020004" pitchFamily="2" charset="0"/>
+                <a:ea typeface="Helvetica Neue" panose="02000503000000020004" pitchFamily="2" charset="0"/>
+                <a:cs typeface="Helvetica Neue" panose="02000503000000020004" pitchFamily="2" charset="0"/>
+              </a:rPr>
+              <a:t>P</a:t>
+            </a:r>
+          </a:p>
+        </p:txBody>
+      </p:sp>
+      <p:sp>
+        <p:nvSpPr>
+          <p:cNvPr id="34" name="文本框 33">
+            <a:extLst>
+              <a:ext uri="{FF2B5EF4-FFF2-40B4-BE49-F238E27FC236}">
+                <a16:creationId xmlns:a16="http://schemas.microsoft.com/office/drawing/2014/main" id="{211419F3-A4A0-49FA-5040-65187CEDCAE8}"/>
+              </a:ext>
+            </a:extLst>
+          </p:cNvPr>
+          <p:cNvSpPr txBox="1"/>
+          <p:nvPr/>
+        </p:nvSpPr>
+        <p:spPr>
+          <a:xfrm>
+            <a:off x="3560992" y="13650688"/>
+            <a:ext cx="849913" cy="1323439"/>
+          </a:xfrm>
+          <a:prstGeom prst="rect">
+            <a:avLst/>
+          </a:prstGeom>
+          <a:noFill/>
+        </p:spPr>
+        <p:txBody>
+          <a:bodyPr wrap="none" rtlCol="0" anchor="ctr">
+            <a:spAutoFit/>
+          </a:bodyPr>
+          <a:lstStyle/>
+          <a:p>
+            <a:r>
+              <a:rPr lang="en" altLang="zh-CN" sz="8000" b="1" dirty="0">
+                <a:effectLst/>
+                <a:latin typeface="Helvetica Neue" panose="02000503000000020004" pitchFamily="2" charset="0"/>
+              </a:rPr>
+              <a:t>S</a:t>
+            </a:r>
+            <a:endParaRPr lang="en" altLang="zh-CN" sz="8000" dirty="0">
+              <a:effectLst/>
+              <a:latin typeface="PingFang SC Medium" panose="020B0400000000000000" pitchFamily="34" charset="-122"/>
+              <a:ea typeface="PingFang SC Medium" panose="020B0400000000000000" pitchFamily="34" charset="-122"/>
+            </a:endParaRPr>
+          </a:p>
+        </p:txBody>
+      </p:sp>
+      <p:sp>
+        <p:nvSpPr>
+          <p:cNvPr id="35" name="文本框 34">
+            <a:extLst>
+              <a:ext uri="{FF2B5EF4-FFF2-40B4-BE49-F238E27FC236}">
+                <a16:creationId xmlns:a16="http://schemas.microsoft.com/office/drawing/2014/main" id="{F780523E-5A2E-ACF2-6F5E-1041FF292D17}"/>
+              </a:ext>
+            </a:extLst>
+          </p:cNvPr>
+          <p:cNvSpPr txBox="1"/>
+          <p:nvPr/>
+        </p:nvSpPr>
+        <p:spPr>
+          <a:xfrm>
+            <a:off x="5888014" y="13654679"/>
+            <a:ext cx="944489" cy="1323439"/>
+          </a:xfrm>
+          <a:prstGeom prst="rect">
+            <a:avLst/>
+          </a:prstGeom>
+          <a:noFill/>
+        </p:spPr>
+        <p:txBody>
+          <a:bodyPr wrap="none" rtlCol="0" anchor="ctr">
+            <a:spAutoFit/>
+          </a:bodyPr>
+          <a:lstStyle/>
+          <a:p>
+            <a:r>
+              <a:rPr lang="en" altLang="zh-CN" sz="8000" b="1" dirty="0">
+                <a:effectLst/>
+                <a:latin typeface="Helvetica Neue" panose="02000503000000020004" pitchFamily="2" charset="0"/>
+              </a:rPr>
+              <a:t>D</a:t>
+            </a:r>
+            <a:endParaRPr lang="en" altLang="zh-CN" sz="8000" dirty="0">
+              <a:effectLst/>
+              <a:latin typeface="PingFang SC Medium" panose="020B0400000000000000" pitchFamily="34" charset="-122"/>
+              <a:ea typeface="PingFang SC Medium" panose="020B0400000000000000" pitchFamily="34" charset="-122"/>
+            </a:endParaRPr>
+          </a:p>
+        </p:txBody>
+      </p:sp>
+      <p:sp>
+        <p:nvSpPr>
+          <p:cNvPr id="36" name="文本框 35">
+            <a:extLst>
+              <a:ext uri="{FF2B5EF4-FFF2-40B4-BE49-F238E27FC236}">
+                <a16:creationId xmlns:a16="http://schemas.microsoft.com/office/drawing/2014/main" id="{FE213E36-198F-CF69-2532-7DA1B1B14422}"/>
+              </a:ext>
+            </a:extLst>
+          </p:cNvPr>
+          <p:cNvSpPr txBox="1"/>
+          <p:nvPr/>
+        </p:nvSpPr>
+        <p:spPr>
+          <a:xfrm>
+            <a:off x="10526595" y="13650688"/>
+            <a:ext cx="963725" cy="1323439"/>
+          </a:xfrm>
+          <a:prstGeom prst="rect">
+            <a:avLst/>
+          </a:prstGeom>
+          <a:noFill/>
+        </p:spPr>
+        <p:txBody>
+          <a:bodyPr wrap="none" rtlCol="0" anchor="ctr">
+            <a:spAutoFit/>
+          </a:bodyPr>
+          <a:lstStyle/>
+          <a:p>
+            <a:r>
+              <a:rPr lang="en" altLang="zh-CN" sz="8000" b="1" dirty="0">
+                <a:effectLst/>
+                <a:latin typeface="Helvetica Neue" panose="02000503000000020004" pitchFamily="2" charset="0"/>
+              </a:rPr>
+              <a:t>G</a:t>
+            </a:r>
+            <a:endParaRPr lang="en" altLang="zh-CN" sz="8000" dirty="0">
+              <a:effectLst/>
+              <a:latin typeface="PingFang SC Medium" panose="020B0400000000000000" pitchFamily="34" charset="-122"/>
+              <a:ea typeface="PingFang SC Medium" panose="020B0400000000000000" pitchFamily="34" charset="-122"/>
+            </a:endParaRPr>
+          </a:p>
+        </p:txBody>
+      </p:sp>
+      <p:sp>
+        <p:nvSpPr>
+          <p:cNvPr id="37" name="文本框 36">
+            <a:extLst>
+              <a:ext uri="{FF2B5EF4-FFF2-40B4-BE49-F238E27FC236}">
+                <a16:creationId xmlns:a16="http://schemas.microsoft.com/office/drawing/2014/main" id="{1889F1AF-100E-6546-AA7C-DA2F32D7E8F8}"/>
+              </a:ext>
+            </a:extLst>
+          </p:cNvPr>
+          <p:cNvSpPr txBox="1"/>
+          <p:nvPr/>
+        </p:nvSpPr>
+        <p:spPr>
+          <a:xfrm>
+            <a:off x="8257971" y="13654679"/>
+            <a:ext cx="793807" cy="1323439"/>
+          </a:xfrm>
+          <a:prstGeom prst="rect">
+            <a:avLst/>
+          </a:prstGeom>
+          <a:noFill/>
+        </p:spPr>
+        <p:txBody>
+          <a:bodyPr wrap="none" rtlCol="0" anchor="ctr">
+            <a:spAutoFit/>
+          </a:bodyPr>
+          <a:lstStyle/>
+          <a:p>
+            <a:r>
+              <a:rPr lang="en" altLang="zh-CN" sz="8000" b="1" dirty="0">
+                <a:effectLst/>
+                <a:latin typeface="Helvetica Neue" panose="02000503000000020004" pitchFamily="2" charset="0"/>
+              </a:rPr>
+              <a:t>F</a:t>
+            </a:r>
+            <a:endParaRPr lang="en" altLang="zh-CN" sz="8000" dirty="0">
+              <a:effectLst/>
+              <a:latin typeface="PingFang SC Medium" panose="020B0400000000000000" pitchFamily="34" charset="-122"/>
+              <a:ea typeface="PingFang SC Medium" panose="020B0400000000000000" pitchFamily="34" charset="-122"/>
+            </a:endParaRPr>
+          </a:p>
+        </p:txBody>
+      </p:sp>
+      <p:sp>
+        <p:nvSpPr>
+          <p:cNvPr id="38" name="文本框 37">
+            <a:extLst>
+              <a:ext uri="{FF2B5EF4-FFF2-40B4-BE49-F238E27FC236}">
+                <a16:creationId xmlns:a16="http://schemas.microsoft.com/office/drawing/2014/main" id="{E6099EF4-558E-FB63-6E56-E19547176EF8}"/>
+              </a:ext>
+            </a:extLst>
+          </p:cNvPr>
+          <p:cNvSpPr txBox="1"/>
+          <p:nvPr/>
+        </p:nvSpPr>
+        <p:spPr>
+          <a:xfrm>
+            <a:off x="12880397" y="13671008"/>
+            <a:ext cx="944489" cy="1323439"/>
+          </a:xfrm>
+          <a:prstGeom prst="rect">
+            <a:avLst/>
+          </a:prstGeom>
+          <a:noFill/>
+        </p:spPr>
+        <p:txBody>
+          <a:bodyPr wrap="none" rtlCol="0" anchor="ctr">
+            <a:spAutoFit/>
+          </a:bodyPr>
+          <a:lstStyle/>
+          <a:p>
+            <a:r>
+              <a:rPr lang="en" altLang="zh-CN" sz="8000" b="1" dirty="0">
+                <a:latin typeface="Helvetica Neue" panose="02000503000000020004" pitchFamily="2" charset="0"/>
+              </a:rPr>
+              <a:t>H</a:t>
+            </a:r>
+            <a:endParaRPr lang="en" altLang="zh-CN" sz="8000" dirty="0">
+              <a:effectLst/>
+              <a:latin typeface="PingFang SC Medium" panose="020B0400000000000000" pitchFamily="34" charset="-122"/>
+              <a:ea typeface="PingFang SC Medium" panose="020B0400000000000000" pitchFamily="34" charset="-122"/>
+            </a:endParaRPr>
+          </a:p>
+        </p:txBody>
+      </p:sp>
+      <p:sp>
+        <p:nvSpPr>
+          <p:cNvPr id="39" name="文本框 38">
+            <a:extLst>
+              <a:ext uri="{FF2B5EF4-FFF2-40B4-BE49-F238E27FC236}">
+                <a16:creationId xmlns:a16="http://schemas.microsoft.com/office/drawing/2014/main" id="{3F7EF8A9-CF46-09C7-16ED-64777030B189}"/>
+              </a:ext>
+            </a:extLst>
+          </p:cNvPr>
+          <p:cNvSpPr txBox="1"/>
+          <p:nvPr/>
+        </p:nvSpPr>
+        <p:spPr>
+          <a:xfrm>
+            <a:off x="22283418" y="13578378"/>
+            <a:ext cx="906017" cy="1569660"/>
+          </a:xfrm>
+          <a:prstGeom prst="rect">
+            <a:avLst/>
+          </a:prstGeom>
+          <a:noFill/>
+        </p:spPr>
+        <p:txBody>
+          <a:bodyPr wrap="none" rtlCol="0" anchor="ctr">
+            <a:spAutoFit/>
+          </a:bodyPr>
+          <a:lstStyle/>
+          <a:p>
+            <a:r>
+              <a:rPr lang="en" altLang="zh-CN" sz="9600" b="1" dirty="0">
+                <a:effectLst/>
+                <a:latin typeface="Alibaba PuHuiTi B" pitchFamily="18" charset="-122"/>
+                <a:ea typeface="Alibaba PuHuiTi B" pitchFamily="18" charset="-122"/>
+                <a:cs typeface="Alibaba PuHuiTi B" pitchFamily="18" charset="-122"/>
+              </a:rPr>
+              <a:t>↵</a:t>
+            </a:r>
+            <a:endParaRPr lang="en" altLang="zh-CN" sz="8000" b="1" dirty="0">
+              <a:effectLst/>
+              <a:latin typeface="Alibaba PuHuiTi B" pitchFamily="18" charset="-122"/>
+              <a:ea typeface="Alibaba PuHuiTi B" pitchFamily="18" charset="-122"/>
+              <a:cs typeface="Alibaba PuHuiTi B" pitchFamily="18" charset="-122"/>
+            </a:endParaRPr>
+          </a:p>
+        </p:txBody>
+      </p:sp>
+      <p:sp>
+        <p:nvSpPr>
+          <p:cNvPr id="40" name="文本框 39">
+            <a:extLst>
+              <a:ext uri="{FF2B5EF4-FFF2-40B4-BE49-F238E27FC236}">
+                <a16:creationId xmlns:a16="http://schemas.microsoft.com/office/drawing/2014/main" id="{1A69E0B0-CEF2-A462-6FB5-DEA0E7DA46C6}"/>
+              </a:ext>
+            </a:extLst>
+          </p:cNvPr>
+          <p:cNvSpPr txBox="1"/>
+          <p:nvPr/>
+        </p:nvSpPr>
+        <p:spPr>
+          <a:xfrm>
+            <a:off x="15281275" y="13650688"/>
+            <a:ext cx="755335" cy="1323439"/>
+          </a:xfrm>
+          <a:prstGeom prst="rect">
+            <a:avLst/>
+          </a:prstGeom>
+          <a:noFill/>
+        </p:spPr>
+        <p:txBody>
+          <a:bodyPr wrap="none" rtlCol="0" anchor="ctr">
+            <a:spAutoFit/>
+          </a:bodyPr>
+          <a:lstStyle/>
+          <a:p>
+            <a:r>
+              <a:rPr lang="en" altLang="zh-CN" sz="8000" b="1" dirty="0">
+                <a:latin typeface="Helvetica Neue" panose="02000503000000020004" pitchFamily="2" charset="0"/>
+              </a:rPr>
+              <a:t>J</a:t>
+            </a:r>
+            <a:endParaRPr lang="en" altLang="zh-CN" sz="8000" dirty="0">
+              <a:effectLst/>
+              <a:latin typeface="PingFang SC Medium" panose="020B0400000000000000" pitchFamily="34" charset="-122"/>
+              <a:ea typeface="PingFang SC Medium" panose="020B0400000000000000" pitchFamily="34" charset="-122"/>
+            </a:endParaRPr>
+          </a:p>
+        </p:txBody>
+      </p:sp>
+      <p:sp>
+        <p:nvSpPr>
+          <p:cNvPr id="41" name="文本框 40">
+            <a:extLst>
+              <a:ext uri="{FF2B5EF4-FFF2-40B4-BE49-F238E27FC236}">
+                <a16:creationId xmlns:a16="http://schemas.microsoft.com/office/drawing/2014/main" id="{0C840016-FB03-688F-A018-A5CFF2B2A950}"/>
+              </a:ext>
+            </a:extLst>
+          </p:cNvPr>
+          <p:cNvSpPr txBox="1"/>
+          <p:nvPr/>
+        </p:nvSpPr>
+        <p:spPr>
+          <a:xfrm>
+            <a:off x="17516540" y="13671008"/>
+            <a:ext cx="925253" cy="1323439"/>
+          </a:xfrm>
+          <a:prstGeom prst="rect">
+            <a:avLst/>
+          </a:prstGeom>
+          <a:noFill/>
+        </p:spPr>
+        <p:txBody>
+          <a:bodyPr wrap="none" rtlCol="0" anchor="ctr">
+            <a:spAutoFit/>
+          </a:bodyPr>
+          <a:lstStyle/>
+          <a:p>
+            <a:r>
+              <a:rPr lang="en" altLang="zh-CN" sz="8000" b="1" dirty="0">
+                <a:latin typeface="Helvetica Neue" panose="02000503000000020004" pitchFamily="2" charset="0"/>
+              </a:rPr>
+              <a:t>K</a:t>
+            </a:r>
+            <a:endParaRPr lang="en" altLang="zh-CN" sz="8000" dirty="0">
+              <a:effectLst/>
+              <a:latin typeface="PingFang SC Medium" panose="020B0400000000000000" pitchFamily="34" charset="-122"/>
+              <a:ea typeface="PingFang SC Medium" panose="020B0400000000000000" pitchFamily="34" charset="-122"/>
+            </a:endParaRPr>
+          </a:p>
+        </p:txBody>
+      </p:sp>
+      <p:sp>
+        <p:nvSpPr>
+          <p:cNvPr id="42" name="文本框 41">
+            <a:extLst>
+              <a:ext uri="{FF2B5EF4-FFF2-40B4-BE49-F238E27FC236}">
+                <a16:creationId xmlns:a16="http://schemas.microsoft.com/office/drawing/2014/main" id="{803936B0-C0DE-11F0-C653-7D1686B6D27F}"/>
+              </a:ext>
+            </a:extLst>
+          </p:cNvPr>
+          <p:cNvSpPr txBox="1"/>
+          <p:nvPr/>
+        </p:nvSpPr>
+        <p:spPr>
+          <a:xfrm>
+            <a:off x="19955546" y="13671008"/>
+            <a:ext cx="793807" cy="1323439"/>
+          </a:xfrm>
+          <a:prstGeom prst="rect">
+            <a:avLst/>
+          </a:prstGeom>
+          <a:noFill/>
+        </p:spPr>
+        <p:txBody>
+          <a:bodyPr wrap="none" rtlCol="0" anchor="ctr">
+            <a:spAutoFit/>
+          </a:bodyPr>
+          <a:lstStyle/>
+          <a:p>
+            <a:r>
+              <a:rPr lang="en" altLang="zh-CN" sz="8000" b="1" dirty="0">
+                <a:latin typeface="Helvetica Neue" panose="02000503000000020004" pitchFamily="2" charset="0"/>
+              </a:rPr>
+              <a:t>L</a:t>
+            </a:r>
+            <a:endParaRPr lang="en" altLang="zh-CN" sz="8000" dirty="0">
+              <a:effectLst/>
+              <a:latin typeface="PingFang SC Medium" panose="020B0400000000000000" pitchFamily="34" charset="-122"/>
+              <a:ea typeface="PingFang SC Medium" panose="020B0400000000000000" pitchFamily="34" charset="-122"/>
+            </a:endParaRPr>
+          </a:p>
+        </p:txBody>
+      </p:sp>
+      <p:sp>
+        <p:nvSpPr>
+          <p:cNvPr id="43" name="文本框 42">
+            <a:extLst>
+              <a:ext uri="{FF2B5EF4-FFF2-40B4-BE49-F238E27FC236}">
+                <a16:creationId xmlns:a16="http://schemas.microsoft.com/office/drawing/2014/main" id="{1B1A895D-3610-CA9A-7281-442DD1DFEDF8}"/>
+              </a:ext>
+            </a:extLst>
+          </p:cNvPr>
+          <p:cNvSpPr txBox="1"/>
+          <p:nvPr/>
+        </p:nvSpPr>
+        <p:spPr>
+          <a:xfrm>
+            <a:off x="1234006" y="15801140"/>
+            <a:ext cx="849913" cy="1323439"/>
+          </a:xfrm>
+          <a:prstGeom prst="rect">
+            <a:avLst/>
+          </a:prstGeom>
+          <a:noFill/>
+        </p:spPr>
+        <p:txBody>
+          <a:bodyPr wrap="none" rtlCol="0" anchor="ctr">
+            <a:spAutoFit/>
+          </a:bodyPr>
+          <a:lstStyle/>
+          <a:p>
+            <a:r>
+              <a:rPr lang="en" altLang="zh-CN" sz="8000" b="1" dirty="0">
+                <a:latin typeface="Helvetica Neue" panose="02000503000000020004" pitchFamily="2" charset="0"/>
+              </a:rPr>
+              <a:t>Z</a:t>
+            </a:r>
+            <a:endParaRPr lang="en" altLang="zh-CN" sz="8000" dirty="0">
+              <a:effectLst/>
+              <a:latin typeface="PingFang SC Medium" panose="020B0400000000000000" pitchFamily="34" charset="-122"/>
+              <a:ea typeface="PingFang SC Medium" panose="020B0400000000000000" pitchFamily="34" charset="-122"/>
+            </a:endParaRPr>
+          </a:p>
+        </p:txBody>
+      </p:sp>
+      <p:sp>
+        <p:nvSpPr>
+          <p:cNvPr id="44" name="文本框 43">
+            <a:extLst>
+              <a:ext uri="{FF2B5EF4-FFF2-40B4-BE49-F238E27FC236}">
+                <a16:creationId xmlns:a16="http://schemas.microsoft.com/office/drawing/2014/main" id="{350223A7-4712-7F52-B430-75CDA674002A}"/>
+              </a:ext>
+            </a:extLst>
+          </p:cNvPr>
+          <p:cNvSpPr txBox="1"/>
+          <p:nvPr/>
+        </p:nvSpPr>
+        <p:spPr>
+          <a:xfrm>
+            <a:off x="3534132" y="15786150"/>
+            <a:ext cx="869149" cy="1323439"/>
+          </a:xfrm>
+          <a:prstGeom prst="rect">
+            <a:avLst/>
+          </a:prstGeom>
+          <a:noFill/>
+        </p:spPr>
+        <p:txBody>
+          <a:bodyPr wrap="none" rtlCol="0" anchor="ctr">
+            <a:spAutoFit/>
+          </a:bodyPr>
+          <a:lstStyle/>
+          <a:p>
+            <a:r>
+              <a:rPr lang="en" altLang="zh-CN" sz="8000" b="1" dirty="0">
+                <a:latin typeface="Helvetica Neue" panose="02000503000000020004" pitchFamily="2" charset="0"/>
+              </a:rPr>
+              <a:t>X</a:t>
+            </a:r>
+            <a:endParaRPr lang="en" altLang="zh-CN" sz="8000" dirty="0">
+              <a:effectLst/>
+              <a:latin typeface="PingFang SC Medium" panose="020B0400000000000000" pitchFamily="34" charset="-122"/>
+              <a:ea typeface="PingFang SC Medium" panose="020B0400000000000000" pitchFamily="34" charset="-122"/>
+            </a:endParaRPr>
+          </a:p>
+        </p:txBody>
+      </p:sp>
+      <p:sp>
+        <p:nvSpPr>
+          <p:cNvPr id="45" name="文本框 44">
+            <a:extLst>
+              <a:ext uri="{FF2B5EF4-FFF2-40B4-BE49-F238E27FC236}">
+                <a16:creationId xmlns:a16="http://schemas.microsoft.com/office/drawing/2014/main" id="{9570CB8B-92B9-47DD-FE4C-D1789616796C}"/>
+              </a:ext>
+            </a:extLst>
+          </p:cNvPr>
+          <p:cNvSpPr txBox="1"/>
+          <p:nvPr/>
+        </p:nvSpPr>
+        <p:spPr>
+          <a:xfrm>
+            <a:off x="5865074" y="15786150"/>
+            <a:ext cx="944489" cy="1323439"/>
+          </a:xfrm>
+          <a:prstGeom prst="rect">
+            <a:avLst/>
+          </a:prstGeom>
+          <a:noFill/>
+        </p:spPr>
+        <p:txBody>
+          <a:bodyPr wrap="none" rtlCol="0" anchor="ctr">
+            <a:spAutoFit/>
+          </a:bodyPr>
+          <a:lstStyle/>
+          <a:p>
+            <a:r>
+              <a:rPr lang="en" altLang="zh-CN" sz="8000" b="1" dirty="0">
+                <a:latin typeface="Helvetica Neue" panose="02000503000000020004" pitchFamily="2" charset="0"/>
+              </a:rPr>
+              <a:t>C</a:t>
+            </a:r>
+            <a:endParaRPr lang="en" altLang="zh-CN" sz="8000" dirty="0">
+              <a:effectLst/>
+              <a:latin typeface="PingFang SC Medium" panose="020B0400000000000000" pitchFamily="34" charset="-122"/>
+              <a:ea typeface="PingFang SC Medium" panose="020B0400000000000000" pitchFamily="34" charset="-122"/>
+            </a:endParaRPr>
+          </a:p>
+        </p:txBody>
+      </p:sp>
+      <p:sp>
+        <p:nvSpPr>
+          <p:cNvPr id="46" name="文本框 45">
+            <a:extLst>
+              <a:ext uri="{FF2B5EF4-FFF2-40B4-BE49-F238E27FC236}">
+                <a16:creationId xmlns:a16="http://schemas.microsoft.com/office/drawing/2014/main" id="{D41B772B-15B4-7C82-5957-E39B4BDF378F}"/>
+              </a:ext>
+            </a:extLst>
+          </p:cNvPr>
+          <p:cNvSpPr txBox="1"/>
+          <p:nvPr/>
+        </p:nvSpPr>
+        <p:spPr>
+          <a:xfrm>
+            <a:off x="8261547" y="15786150"/>
+            <a:ext cx="830677" cy="1323439"/>
+          </a:xfrm>
+          <a:prstGeom prst="rect">
+            <a:avLst/>
+          </a:prstGeom>
+          <a:noFill/>
+        </p:spPr>
+        <p:txBody>
+          <a:bodyPr wrap="none" rtlCol="0" anchor="ctr">
+            <a:spAutoFit/>
+          </a:bodyPr>
+          <a:lstStyle/>
+          <a:p>
+            <a:r>
+              <a:rPr lang="en" altLang="zh-CN" sz="8000" b="1" dirty="0">
+                <a:latin typeface="Helvetica Neue" panose="02000503000000020004" pitchFamily="2" charset="0"/>
+              </a:rPr>
+              <a:t>V</a:t>
+            </a:r>
+            <a:endParaRPr lang="en" altLang="zh-CN" sz="8000" dirty="0">
+              <a:effectLst/>
+              <a:latin typeface="PingFang SC Medium" panose="020B0400000000000000" pitchFamily="34" charset="-122"/>
+              <a:ea typeface="PingFang SC Medium" panose="020B0400000000000000" pitchFamily="34" charset="-122"/>
+            </a:endParaRPr>
+          </a:p>
+        </p:txBody>
+      </p:sp>
+      <p:sp>
+        <p:nvSpPr>
+          <p:cNvPr id="47" name="文本框 46">
+            <a:extLst>
+              <a:ext uri="{FF2B5EF4-FFF2-40B4-BE49-F238E27FC236}">
+                <a16:creationId xmlns:a16="http://schemas.microsoft.com/office/drawing/2014/main" id="{B63C51E3-50BC-437A-83E1-2B107C30EF8F}"/>
+              </a:ext>
+            </a:extLst>
+          </p:cNvPr>
+          <p:cNvSpPr txBox="1"/>
+          <p:nvPr/>
+        </p:nvSpPr>
+        <p:spPr>
+          <a:xfrm>
+            <a:off x="10554533" y="15786150"/>
+            <a:ext cx="907621" cy="1323439"/>
+          </a:xfrm>
+          <a:prstGeom prst="rect">
+            <a:avLst/>
+          </a:prstGeom>
+          <a:noFill/>
+        </p:spPr>
+        <p:txBody>
+          <a:bodyPr wrap="none" rtlCol="0" anchor="ctr">
+            <a:spAutoFit/>
+          </a:bodyPr>
+          <a:lstStyle/>
+          <a:p>
+            <a:r>
+              <a:rPr lang="en" altLang="zh-CN" sz="8000" b="1" dirty="0">
+                <a:latin typeface="Helvetica Neue" panose="02000503000000020004" pitchFamily="2" charset="0"/>
+              </a:rPr>
+              <a:t>B</a:t>
+            </a:r>
+            <a:endParaRPr lang="en" altLang="zh-CN" sz="8000" dirty="0">
+              <a:effectLst/>
+              <a:latin typeface="PingFang SC Medium" panose="020B0400000000000000" pitchFamily="34" charset="-122"/>
+              <a:ea typeface="PingFang SC Medium" panose="020B0400000000000000" pitchFamily="34" charset="-122"/>
+            </a:endParaRPr>
+          </a:p>
+        </p:txBody>
+      </p:sp>
+      <p:sp>
+        <p:nvSpPr>
+          <p:cNvPr id="48" name="文本框 47">
+            <a:extLst>
+              <a:ext uri="{FF2B5EF4-FFF2-40B4-BE49-F238E27FC236}">
+                <a16:creationId xmlns:a16="http://schemas.microsoft.com/office/drawing/2014/main" id="{8397050F-A31F-AA2D-BAB4-F91565B2E81D}"/>
+              </a:ext>
+            </a:extLst>
+          </p:cNvPr>
+          <p:cNvSpPr txBox="1"/>
+          <p:nvPr/>
+        </p:nvSpPr>
+        <p:spPr>
+          <a:xfrm>
+            <a:off x="12871892" y="15786150"/>
+            <a:ext cx="944489" cy="1323439"/>
+          </a:xfrm>
+          <a:prstGeom prst="rect">
+            <a:avLst/>
+          </a:prstGeom>
+          <a:noFill/>
+        </p:spPr>
+        <p:txBody>
+          <a:bodyPr wrap="none" rtlCol="0" anchor="ctr">
+            <a:spAutoFit/>
+          </a:bodyPr>
+          <a:lstStyle/>
+          <a:p>
+            <a:r>
+              <a:rPr lang="en" altLang="zh-CN" sz="8000" b="1" dirty="0">
+                <a:latin typeface="Helvetica Neue" panose="02000503000000020004" pitchFamily="2" charset="0"/>
+              </a:rPr>
+              <a:t>N</a:t>
+            </a:r>
+            <a:endParaRPr lang="en" altLang="zh-CN" sz="8000" dirty="0">
+              <a:effectLst/>
+              <a:latin typeface="PingFang SC Medium" panose="020B0400000000000000" pitchFamily="34" charset="-122"/>
+              <a:ea typeface="PingFang SC Medium" panose="020B0400000000000000" pitchFamily="34" charset="-122"/>
+            </a:endParaRPr>
+          </a:p>
+        </p:txBody>
+      </p:sp>
+      <p:sp>
+        <p:nvSpPr>
+          <p:cNvPr id="49" name="文本框 48">
+            <a:extLst>
+              <a:ext uri="{FF2B5EF4-FFF2-40B4-BE49-F238E27FC236}">
+                <a16:creationId xmlns:a16="http://schemas.microsoft.com/office/drawing/2014/main" id="{A6C4A7EC-0591-380A-5201-268956D6797C}"/>
+              </a:ext>
+            </a:extLst>
+          </p:cNvPr>
+          <p:cNvSpPr txBox="1"/>
+          <p:nvPr/>
+        </p:nvSpPr>
+        <p:spPr>
+          <a:xfrm>
+            <a:off x="15133311" y="15786150"/>
+            <a:ext cx="1114408" cy="1323439"/>
+          </a:xfrm>
+          <a:prstGeom prst="rect">
+            <a:avLst/>
+          </a:prstGeom>
+          <a:noFill/>
+        </p:spPr>
+        <p:txBody>
+          <a:bodyPr wrap="none" rtlCol="0" anchor="ctr">
+            <a:spAutoFit/>
+          </a:bodyPr>
+          <a:lstStyle/>
+          <a:p>
+            <a:r>
+              <a:rPr lang="en" altLang="zh-CN" sz="8000" b="1" dirty="0">
+                <a:latin typeface="Helvetica Neue" panose="02000503000000020004" pitchFamily="2" charset="0"/>
+              </a:rPr>
+              <a:t>M</a:t>
+            </a:r>
+            <a:endParaRPr lang="en" altLang="zh-CN" sz="8000" dirty="0">
+              <a:effectLst/>
+              <a:latin typeface="PingFang SC Medium" panose="020B0400000000000000" pitchFamily="34" charset="-122"/>
+              <a:ea typeface="PingFang SC Medium" panose="020B0400000000000000" pitchFamily="34" charset="-122"/>
+            </a:endParaRPr>
+          </a:p>
+        </p:txBody>
+      </p:sp>
+      <p:sp>
+        <p:nvSpPr>
+          <p:cNvPr id="50" name="文本框 49">
+            <a:extLst>
+              <a:ext uri="{FF2B5EF4-FFF2-40B4-BE49-F238E27FC236}">
+                <a16:creationId xmlns:a16="http://schemas.microsoft.com/office/drawing/2014/main" id="{01F08CD7-A626-31CE-F322-06383834A7B0}"/>
+              </a:ext>
+            </a:extLst>
+          </p:cNvPr>
+          <p:cNvSpPr txBox="1"/>
+          <p:nvPr/>
+        </p:nvSpPr>
+        <p:spPr>
+          <a:xfrm>
+            <a:off x="16908788" y="15904666"/>
+            <a:ext cx="2222083" cy="1015663"/>
+          </a:xfrm>
+          <a:prstGeom prst="rect">
+            <a:avLst/>
+          </a:prstGeom>
+          <a:noFill/>
+        </p:spPr>
+        <p:txBody>
+          <a:bodyPr wrap="none" rtlCol="0" anchor="ctr">
+            <a:spAutoFit/>
+          </a:bodyPr>
+          <a:lstStyle/>
+          <a:p>
+            <a:r>
+              <a:rPr lang="en" altLang="zh-CN" sz="6000" b="1" dirty="0">
+                <a:latin typeface="Alibaba PuHuiTi B" pitchFamily="18" charset="-122"/>
+                <a:ea typeface="Alibaba PuHuiTi B" pitchFamily="18" charset="-122"/>
+                <a:cs typeface="Alibaba PuHuiTi B" pitchFamily="18" charset="-122"/>
+              </a:rPr>
+              <a:t>PgUp</a:t>
+            </a:r>
+            <a:endParaRPr lang="en" altLang="zh-CN" sz="8000" b="1" dirty="0">
+              <a:effectLst/>
+              <a:latin typeface="Alibaba PuHuiTi B" pitchFamily="18" charset="-122"/>
+              <a:ea typeface="Alibaba PuHuiTi B" pitchFamily="18" charset="-122"/>
+              <a:cs typeface="Alibaba PuHuiTi B" pitchFamily="18" charset="-122"/>
+            </a:endParaRPr>
+          </a:p>
+        </p:txBody>
+      </p:sp>
+      <p:sp>
+        <p:nvSpPr>
+          <p:cNvPr id="53" name="文本框 52">
+            <a:extLst>
+              <a:ext uri="{FF2B5EF4-FFF2-40B4-BE49-F238E27FC236}">
+                <a16:creationId xmlns:a16="http://schemas.microsoft.com/office/drawing/2014/main" id="{685AB7CE-99DE-6FB3-23C3-88E52F407DEC}"/>
+              </a:ext>
+            </a:extLst>
+          </p:cNvPr>
+          <p:cNvSpPr txBox="1"/>
+          <p:nvPr/>
+        </p:nvSpPr>
+        <p:spPr>
+          <a:xfrm>
+            <a:off x="3575193" y="17913040"/>
+            <a:ext cx="814647" cy="1323439"/>
+          </a:xfrm>
+          <a:prstGeom prst="rect">
+            <a:avLst/>
+          </a:prstGeom>
+          <a:noFill/>
+        </p:spPr>
+        <p:txBody>
+          <a:bodyPr wrap="none" rtlCol="0" anchor="ctr">
+            <a:spAutoFit/>
+          </a:bodyPr>
+          <a:lstStyle/>
+          <a:p>
+            <a:r>
+              <a:rPr lang="en" altLang="zh-CN" sz="8000" b="1" dirty="0">
+                <a:effectLst/>
+                <a:latin typeface="Helvetica Neue" panose="02000503000000020004" pitchFamily="2" charset="0"/>
+                <a:ea typeface="Helvetica Neue" panose="02000503000000020004" pitchFamily="2" charset="0"/>
+                <a:cs typeface="Helvetica Neue" panose="02000503000000020004" pitchFamily="2" charset="0"/>
+              </a:rPr>
+              <a:t>⇧</a:t>
+            </a:r>
+            <a:endParaRPr lang="zh-CN" altLang="en-US" sz="8000" b="1" dirty="0">
+              <a:effectLst/>
+              <a:latin typeface="Helvetica Neue" panose="02000503000000020004" pitchFamily="2" charset="0"/>
+              <a:ea typeface="Alibaba PuHuiTi H" pitchFamily="18" charset="-122"/>
+              <a:cs typeface="Helvetica Neue" panose="02000503000000020004" pitchFamily="2" charset="0"/>
+            </a:endParaRPr>
+          </a:p>
+        </p:txBody>
+      </p:sp>
+      <p:sp>
+        <p:nvSpPr>
+          <p:cNvPr id="54" name="文本框 53">
+            <a:extLst>
+              <a:ext uri="{FF2B5EF4-FFF2-40B4-BE49-F238E27FC236}">
+                <a16:creationId xmlns:a16="http://schemas.microsoft.com/office/drawing/2014/main" id="{F815CCDC-9EF7-E897-2E31-A20F86A9AAD2}"/>
+              </a:ext>
+            </a:extLst>
+          </p:cNvPr>
+          <p:cNvSpPr txBox="1"/>
+          <p:nvPr/>
+        </p:nvSpPr>
+        <p:spPr>
+          <a:xfrm>
+            <a:off x="5933956" y="17915299"/>
+            <a:ext cx="814647" cy="1323439"/>
+          </a:xfrm>
+          <a:prstGeom prst="rect">
+            <a:avLst/>
+          </a:prstGeom>
+          <a:noFill/>
+        </p:spPr>
+        <p:txBody>
+          <a:bodyPr wrap="none" rtlCol="0" anchor="ctr">
+            <a:spAutoFit/>
+          </a:bodyPr>
+          <a:lstStyle/>
+          <a:p>
+            <a:r>
+              <a:rPr lang="en" altLang="zh-CN" sz="8000" b="1" dirty="0">
+                <a:effectLst/>
+                <a:latin typeface="Alibaba PuHuiTi B" pitchFamily="18" charset="-122"/>
+                <a:ea typeface="Alibaba PuHuiTi B" pitchFamily="18" charset="-122"/>
+                <a:cs typeface="Alibaba PuHuiTi B" pitchFamily="18" charset="-122"/>
+              </a:rPr>
+              <a:t>⇪</a:t>
+            </a:r>
+            <a:endParaRPr lang="zh-CN" altLang="en-US" sz="8000" dirty="0">
+              <a:effectLst/>
+              <a:latin typeface="Helvetica Neue" panose="02000503000000020004" pitchFamily="2" charset="0"/>
+            </a:endParaRPr>
+          </a:p>
+        </p:txBody>
+      </p:sp>
+      <p:sp>
+        <p:nvSpPr>
+          <p:cNvPr id="55" name="文本框 54">
+            <a:extLst>
+              <a:ext uri="{FF2B5EF4-FFF2-40B4-BE49-F238E27FC236}">
+                <a16:creationId xmlns:a16="http://schemas.microsoft.com/office/drawing/2014/main" id="{40B381BA-FA32-E58A-3FC0-214C4D8FB90C}"/>
+              </a:ext>
+            </a:extLst>
+          </p:cNvPr>
+          <p:cNvSpPr txBox="1"/>
+          <p:nvPr/>
+        </p:nvSpPr>
+        <p:spPr>
+          <a:xfrm>
+            <a:off x="7907912" y="18078150"/>
+            <a:ext cx="1516762" cy="1107996"/>
+          </a:xfrm>
+          <a:prstGeom prst="rect">
+            <a:avLst/>
+          </a:prstGeom>
+          <a:noFill/>
+        </p:spPr>
+        <p:txBody>
+          <a:bodyPr wrap="none" rtlCol="0" anchor="ctr">
+            <a:spAutoFit/>
+          </a:bodyPr>
+          <a:lstStyle/>
+          <a:p>
+            <a:r>
+              <a:rPr lang="en" altLang="zh-CN" sz="6600" b="1" dirty="0">
+                <a:effectLst/>
+                <a:latin typeface="Alibaba PuHuiTi B" pitchFamily="18" charset="-122"/>
+                <a:ea typeface="Alibaba PuHuiTi B" pitchFamily="18" charset="-122"/>
+                <a:cs typeface="Alibaba PuHuiTi B" pitchFamily="18" charset="-122"/>
+              </a:rPr>
+              <a:t>esc</a:t>
+            </a:r>
+            <a:endParaRPr lang="zh-CN" altLang="en-US" sz="8000" b="1" dirty="0">
+              <a:effectLst/>
+              <a:latin typeface="Alibaba PuHuiTi B" pitchFamily="18" charset="-122"/>
+              <a:ea typeface="Alibaba PuHuiTi B" pitchFamily="18" charset="-122"/>
+              <a:cs typeface="Alibaba PuHuiTi B" pitchFamily="18" charset="-122"/>
+            </a:endParaRPr>
+          </a:p>
+        </p:txBody>
+      </p:sp>
+      <p:sp>
+        <p:nvSpPr>
+          <p:cNvPr id="57" name="文本框 56">
+            <a:extLst>
+              <a:ext uri="{FF2B5EF4-FFF2-40B4-BE49-F238E27FC236}">
+                <a16:creationId xmlns:a16="http://schemas.microsoft.com/office/drawing/2014/main" id="{3173567A-5232-2BFF-A42F-544007C2ED5F}"/>
+              </a:ext>
+            </a:extLst>
+          </p:cNvPr>
+          <p:cNvSpPr txBox="1"/>
+          <p:nvPr/>
+        </p:nvSpPr>
+        <p:spPr>
+          <a:xfrm>
+            <a:off x="13064926" y="17848805"/>
+            <a:ext cx="556563" cy="1446550"/>
+          </a:xfrm>
+          <a:prstGeom prst="rect">
+            <a:avLst/>
+          </a:prstGeom>
+          <a:noFill/>
+        </p:spPr>
+        <p:txBody>
+          <a:bodyPr wrap="none" rtlCol="0" anchor="ctr">
+            <a:spAutoFit/>
+          </a:bodyPr>
+          <a:lstStyle/>
+          <a:p>
+            <a:r>
+              <a:rPr lang="en" altLang="zh-CN" sz="8800" b="1" dirty="0">
+                <a:effectLst/>
+                <a:latin typeface="Alibaba PuHuiTi B" pitchFamily="18" charset="-122"/>
+                <a:ea typeface="Alibaba PuHuiTi B" pitchFamily="18" charset="-122"/>
+                <a:cs typeface="Alibaba PuHuiTi B" pitchFamily="18" charset="-122"/>
+              </a:rPr>
+              <a:t>.</a:t>
+            </a:r>
+            <a:endParaRPr lang="zh-CN" altLang="en-US" sz="8000" dirty="0">
+              <a:effectLst/>
+              <a:latin typeface="Helvetica Neue" panose="02000503000000020004" pitchFamily="2" charset="0"/>
+            </a:endParaRPr>
+          </a:p>
+        </p:txBody>
+      </p:sp>
+      <p:sp>
+        <p:nvSpPr>
+          <p:cNvPr id="58" name="文本框 57">
+            <a:extLst>
+              <a:ext uri="{FF2B5EF4-FFF2-40B4-BE49-F238E27FC236}">
+                <a16:creationId xmlns:a16="http://schemas.microsoft.com/office/drawing/2014/main" id="{922A4934-3D9A-8E13-7A20-3A890C6A3087}"/>
+              </a:ext>
+            </a:extLst>
+          </p:cNvPr>
+          <p:cNvSpPr txBox="1"/>
+          <p:nvPr/>
+        </p:nvSpPr>
+        <p:spPr>
+          <a:xfrm>
+            <a:off x="15083278" y="17483734"/>
+            <a:ext cx="1200970" cy="1569660"/>
+          </a:xfrm>
+          <a:prstGeom prst="rect">
+            <a:avLst/>
+          </a:prstGeom>
+          <a:noFill/>
+        </p:spPr>
+        <p:txBody>
+          <a:bodyPr wrap="none" rtlCol="0" anchor="ctr">
+            <a:spAutoFit/>
+          </a:bodyPr>
+          <a:lstStyle/>
+          <a:p>
+            <a:r>
+              <a:rPr lang="en" altLang="zh-CN" sz="9600" b="1" dirty="0">
+                <a:effectLst/>
+                <a:latin typeface="Alibaba PuHuiTi B" pitchFamily="18" charset="-122"/>
+                <a:ea typeface="Alibaba PuHuiTi B" pitchFamily="18" charset="-122"/>
+                <a:cs typeface="Alibaba PuHuiTi B" pitchFamily="18" charset="-122"/>
+              </a:rPr>
+              <a:t>␣</a:t>
+            </a:r>
+            <a:endParaRPr lang="zh-CN" altLang="en-US" sz="9600" dirty="0">
+              <a:effectLst/>
+              <a:latin typeface="Helvetica Neue" panose="02000503000000020004" pitchFamily="2" charset="0"/>
+            </a:endParaRPr>
+          </a:p>
+        </p:txBody>
+      </p:sp>
+      <p:sp>
+        <p:nvSpPr>
+          <p:cNvPr id="59" name="文本框 58">
+            <a:extLst>
+              <a:ext uri="{FF2B5EF4-FFF2-40B4-BE49-F238E27FC236}">
+                <a16:creationId xmlns:a16="http://schemas.microsoft.com/office/drawing/2014/main" id="{4C7FC916-000A-693D-0E3D-FC661ACE35F8}"/>
+              </a:ext>
+            </a:extLst>
+          </p:cNvPr>
+          <p:cNvSpPr txBox="1"/>
+          <p:nvPr/>
+        </p:nvSpPr>
+        <p:spPr>
+          <a:xfrm>
+            <a:off x="19755153" y="17964961"/>
+            <a:ext cx="1210588" cy="1323439"/>
+          </a:xfrm>
+          <a:prstGeom prst="rect">
+            <a:avLst/>
+          </a:prstGeom>
+          <a:noFill/>
+        </p:spPr>
+        <p:txBody>
+          <a:bodyPr wrap="none" rtlCol="0" anchor="ctr">
+            <a:spAutoFit/>
+          </a:bodyPr>
+          <a:lstStyle/>
+          <a:p>
+            <a:r>
+              <a:rPr lang="en" altLang="zh-CN" sz="8000" b="1" dirty="0">
+                <a:latin typeface="Alibaba PuHuiTi B" pitchFamily="18" charset="-122"/>
+                <a:ea typeface="Alibaba PuHuiTi B" pitchFamily="18" charset="-122"/>
+                <a:cs typeface="Alibaba PuHuiTi B" pitchFamily="18" charset="-122"/>
+              </a:rPr>
+              <a:t>▼</a:t>
+            </a:r>
+            <a:endParaRPr lang="zh-CN" altLang="en-US" sz="8000" dirty="0">
+              <a:effectLst/>
+              <a:latin typeface="Helvetica Neue" panose="02000503000000020004" pitchFamily="2" charset="0"/>
+            </a:endParaRPr>
+          </a:p>
+        </p:txBody>
+      </p:sp>
+      <p:sp>
+        <p:nvSpPr>
+          <p:cNvPr id="61" name="文本框 60">
+            <a:extLst>
+              <a:ext uri="{FF2B5EF4-FFF2-40B4-BE49-F238E27FC236}">
+                <a16:creationId xmlns:a16="http://schemas.microsoft.com/office/drawing/2014/main" id="{3C1E8206-4B89-86EB-6CE5-461233CC0478}"/>
+              </a:ext>
+            </a:extLst>
+          </p:cNvPr>
+          <p:cNvSpPr txBox="1"/>
+          <p:nvPr/>
+        </p:nvSpPr>
+        <p:spPr>
+          <a:xfrm>
+            <a:off x="21613304" y="15901776"/>
+            <a:ext cx="2204450" cy="1015663"/>
+          </a:xfrm>
+          <a:prstGeom prst="rect">
+            <a:avLst/>
+          </a:prstGeom>
+          <a:noFill/>
+        </p:spPr>
+        <p:txBody>
+          <a:bodyPr wrap="none" rtlCol="0" anchor="ctr">
+            <a:spAutoFit/>
+          </a:bodyPr>
+          <a:lstStyle/>
+          <a:p>
+            <a:r>
+              <a:rPr lang="en" altLang="zh-CN" sz="6000" b="1" dirty="0">
+                <a:latin typeface="Alibaba PuHuiTi B" pitchFamily="18" charset="-122"/>
+                <a:ea typeface="Alibaba PuHuiTi B" pitchFamily="18" charset="-122"/>
+                <a:cs typeface="Alibaba PuHuiTi B" pitchFamily="18" charset="-122"/>
+              </a:rPr>
+              <a:t>PgDn</a:t>
+            </a:r>
+            <a:endParaRPr lang="en" altLang="zh-CN" sz="8000" b="1" dirty="0">
+              <a:effectLst/>
+              <a:latin typeface="Alibaba PuHuiTi B" pitchFamily="18" charset="-122"/>
+              <a:ea typeface="Alibaba PuHuiTi B" pitchFamily="18" charset="-122"/>
+              <a:cs typeface="Alibaba PuHuiTi B" pitchFamily="18" charset="-122"/>
+            </a:endParaRPr>
+          </a:p>
+        </p:txBody>
+      </p:sp>
+      <p:sp>
+        <p:nvSpPr>
+          <p:cNvPr id="62" name="文本框 61">
+            <a:extLst>
+              <a:ext uri="{FF2B5EF4-FFF2-40B4-BE49-F238E27FC236}">
+                <a16:creationId xmlns:a16="http://schemas.microsoft.com/office/drawing/2014/main" id="{0A499CDD-71AA-52C2-BC57-2446E5DC4E59}"/>
+              </a:ext>
+            </a:extLst>
+          </p:cNvPr>
+          <p:cNvSpPr txBox="1"/>
+          <p:nvPr/>
+        </p:nvSpPr>
+        <p:spPr>
+          <a:xfrm rot="5400000">
+            <a:off x="17300837" y="17947344"/>
+            <a:ext cx="1210588" cy="1323439"/>
+          </a:xfrm>
+          <a:prstGeom prst="rect">
+            <a:avLst/>
+          </a:prstGeom>
+          <a:noFill/>
+        </p:spPr>
+        <p:txBody>
+          <a:bodyPr wrap="none" rtlCol="0" anchor="ctr">
+            <a:spAutoFit/>
+          </a:bodyPr>
+          <a:lstStyle/>
+          <a:p>
+            <a:r>
+              <a:rPr lang="en" altLang="zh-CN" sz="8000" b="1" dirty="0">
+                <a:latin typeface="Alibaba PuHuiTi B" pitchFamily="18" charset="-122"/>
+                <a:ea typeface="Alibaba PuHuiTi B" pitchFamily="18" charset="-122"/>
+                <a:cs typeface="Alibaba PuHuiTi B" pitchFamily="18" charset="-122"/>
+              </a:rPr>
+              <a:t>▼</a:t>
+            </a:r>
+            <a:endParaRPr lang="zh-CN" altLang="en-US" sz="8000" dirty="0">
+              <a:effectLst/>
+              <a:latin typeface="Helvetica Neue" panose="02000503000000020004" pitchFamily="2" charset="0"/>
+            </a:endParaRPr>
+          </a:p>
+        </p:txBody>
+      </p:sp>
+      <p:sp>
+        <p:nvSpPr>
+          <p:cNvPr id="63" name="文本框 62">
+            <a:extLst>
+              <a:ext uri="{FF2B5EF4-FFF2-40B4-BE49-F238E27FC236}">
+                <a16:creationId xmlns:a16="http://schemas.microsoft.com/office/drawing/2014/main" id="{AA32068D-D1B3-C44E-CC46-93D310BE9B30}"/>
+              </a:ext>
+            </a:extLst>
+          </p:cNvPr>
+          <p:cNvSpPr txBox="1"/>
+          <p:nvPr/>
+        </p:nvSpPr>
+        <p:spPr>
+          <a:xfrm rot="16200000">
+            <a:off x="22155607" y="17925648"/>
+            <a:ext cx="1210588" cy="1323439"/>
+          </a:xfrm>
+          <a:prstGeom prst="rect">
+            <a:avLst/>
+          </a:prstGeom>
+          <a:noFill/>
+        </p:spPr>
+        <p:txBody>
+          <a:bodyPr wrap="none" rtlCol="0" anchor="ctr">
+            <a:spAutoFit/>
+          </a:bodyPr>
+          <a:lstStyle/>
+          <a:p>
+            <a:r>
+              <a:rPr lang="en" altLang="zh-CN" sz="8000" b="1" dirty="0">
+                <a:latin typeface="Alibaba PuHuiTi B" pitchFamily="18" charset="-122"/>
+                <a:ea typeface="Alibaba PuHuiTi B" pitchFamily="18" charset="-122"/>
+                <a:cs typeface="Alibaba PuHuiTi B" pitchFamily="18" charset="-122"/>
+              </a:rPr>
+              <a:t>▼</a:t>
+            </a:r>
+            <a:endParaRPr lang="zh-CN" altLang="en-US" sz="8000" dirty="0">
+              <a:effectLst/>
+              <a:latin typeface="Helvetica Neue" panose="02000503000000020004" pitchFamily="2" charset="0"/>
+            </a:endParaRPr>
+          </a:p>
+        </p:txBody>
+      </p:sp>
+      <p:sp>
+        <p:nvSpPr>
+          <p:cNvPr id="64" name="文本框 63">
+            <a:extLst>
+              <a:ext uri="{FF2B5EF4-FFF2-40B4-BE49-F238E27FC236}">
+                <a16:creationId xmlns:a16="http://schemas.microsoft.com/office/drawing/2014/main" id="{64E7B833-84A7-9C67-B03C-37E40F7D5C49}"/>
+              </a:ext>
+            </a:extLst>
+          </p:cNvPr>
+          <p:cNvSpPr txBox="1"/>
+          <p:nvPr/>
+        </p:nvSpPr>
+        <p:spPr>
+          <a:xfrm>
+            <a:off x="14828303" y="9478071"/>
+            <a:ext cx="6353021" cy="1023357"/>
           </a:xfrm>
           <a:prstGeom prst="rect">
             <a:avLst/>
@@ -3890,19 +5405,70 @@
           </a:lstStyle>
           <a:p>
             <a:r>
-              <a:rPr lang="en" altLang="zh-CN" sz="7200" dirty="0"/>
-              <a:t>F3</a:t>
-            </a:r>
-            <a:endParaRPr lang="zh-CN" altLang="en-US" sz="7200" dirty="0"/>
-          </a:p>
-        </p:txBody>
-      </p:sp>
-      <p:sp>
-        <p:nvSpPr>
-          <p:cNvPr id="22" name="文本框 21">
+              <a:rPr lang="zh-CN" altLang="en-US" sz="6050" dirty="0">
+                <a:latin typeface="Alibaba PuHuiTi B" pitchFamily="18" charset="-122"/>
+                <a:ea typeface="Alibaba PuHuiTi B" pitchFamily="18" charset="-122"/>
+                <a:cs typeface="Alibaba PuHuiTi B" pitchFamily="18" charset="-122"/>
+              </a:rPr>
+              <a:t>行程 </a:t>
+            </a:r>
+            <a:r>
+              <a:rPr lang="en-US" altLang="zh-CN" sz="6050" dirty="0">
+                <a:latin typeface="Alibaba PuHuiTi B" pitchFamily="18" charset="-122"/>
+                <a:ea typeface="Alibaba PuHuiTi B" pitchFamily="18" charset="-122"/>
+                <a:cs typeface="Alibaba PuHuiTi B" pitchFamily="18" charset="-122"/>
+              </a:rPr>
+              <a:t>  </a:t>
+            </a:r>
+            <a:r>
+              <a:rPr lang="zh-CN" altLang="en-US" sz="6050" dirty="0">
+                <a:latin typeface="Alibaba PuHuiTi B" pitchFamily="18" charset="-122"/>
+                <a:ea typeface="Alibaba PuHuiTi B" pitchFamily="18" charset="-122"/>
+                <a:cs typeface="Alibaba PuHuiTi B" pitchFamily="18" charset="-122"/>
+              </a:rPr>
+              <a:t> 游戏</a:t>
+            </a:r>
+            <a:r>
+              <a:rPr lang="en-US" altLang="zh-CN" sz="6050" dirty="0">
+                <a:latin typeface="Alibaba PuHuiTi B" pitchFamily="18" charset="-122"/>
+                <a:ea typeface="Alibaba PuHuiTi B" pitchFamily="18" charset="-122"/>
+                <a:cs typeface="Alibaba PuHuiTi B" pitchFamily="18" charset="-122"/>
+              </a:rPr>
+              <a:t> </a:t>
+            </a:r>
+            <a:r>
+              <a:rPr lang="zh-CN" altLang="en-US" sz="6050" dirty="0">
+                <a:latin typeface="Alibaba PuHuiTi B" pitchFamily="18" charset="-122"/>
+                <a:ea typeface="Alibaba PuHuiTi B" pitchFamily="18" charset="-122"/>
+                <a:cs typeface="Alibaba PuHuiTi B" pitchFamily="18" charset="-122"/>
+              </a:rPr>
+              <a:t> </a:t>
+            </a:r>
+            <a:r>
+              <a:rPr lang="en-US" altLang="zh-CN" sz="6050" dirty="0">
+                <a:latin typeface="Alibaba PuHuiTi B" pitchFamily="18" charset="-122"/>
+                <a:ea typeface="Alibaba PuHuiTi B" pitchFamily="18" charset="-122"/>
+                <a:cs typeface="Alibaba PuHuiTi B" pitchFamily="18" charset="-122"/>
+              </a:rPr>
+              <a:t> </a:t>
+            </a:r>
+            <a:r>
+              <a:rPr lang="zh-CN" altLang="en-US" sz="6050" dirty="0">
+                <a:latin typeface="Alibaba PuHuiTi B" pitchFamily="18" charset="-122"/>
+                <a:ea typeface="Alibaba PuHuiTi B" pitchFamily="18" charset="-122"/>
+                <a:cs typeface="Alibaba PuHuiTi B" pitchFamily="18" charset="-122"/>
+              </a:rPr>
+              <a:t> 时间</a:t>
+            </a:r>
+          </a:p>
+        </p:txBody>
+      </p:sp>
+      <p:sp>
+        <p:nvSpPr>
+          <p:cNvPr id="65" name="文本框 64">
             <a:extLst>
               <a:ext uri="{FF2B5EF4-FFF2-40B4-BE49-F238E27FC236}">
-                <a16:creationId xmlns:a16="http://schemas.microsoft.com/office/drawing/2014/main" id="{D4DF94F5-0D37-021D-D4CA-518A72781BD7}"/>
+                <a16:creationId xmlns:a16="http://schemas.microsoft.com/office/drawing/2014/main" id="{53A42EE9-7285-8E6E-2DDE-29C5D092F4BF}"/>
               </a:ext>
             </a:extLst>
           </p:cNvPr>
@@ -3911,8 +5477,8 @@
         </p:nvSpPr>
         <p:spPr>
           <a:xfrm>
-            <a:off x="8022552" y="9378712"/>
-            <a:ext cx="1245854" cy="1200329"/>
+            <a:off x="10163897" y="18125114"/>
+            <a:ext cx="1733167" cy="1015663"/>
           </a:xfrm>
           <a:prstGeom prst="rect">
             <a:avLst/>
@@ -3938,19 +5504,27 @@
           </a:lstStyle>
           <a:p>
             <a:r>
-              <a:rPr lang="en" altLang="zh-CN" sz="7200" dirty="0"/>
-              <a:t>F4</a:t>
-            </a:r>
-            <a:endParaRPr lang="zh-CN" altLang="en-US" sz="7200" dirty="0"/>
-          </a:p>
-        </p:txBody>
-      </p:sp>
-      <p:sp>
-        <p:nvSpPr>
-          <p:cNvPr id="23" name="文本框 22">
+              <a:rPr lang="en-US" altLang="zh-CN" sz="6000" dirty="0">
+                <a:latin typeface="Alibaba PuHuiTi B" pitchFamily="18" charset="-122"/>
+                <a:ea typeface="Alibaba PuHuiTi B" pitchFamily="18" charset="-122"/>
+                <a:cs typeface="Alibaba PuHuiTi B" pitchFamily="18" charset="-122"/>
+              </a:rPr>
+              <a:t>sym</a:t>
+            </a:r>
+            <a:endParaRPr lang="zh-CN" altLang="en-US" sz="5400" dirty="0">
+              <a:latin typeface="Alibaba PuHuiTi B" pitchFamily="18" charset="-122"/>
+              <a:ea typeface="Alibaba PuHuiTi B" pitchFamily="18" charset="-122"/>
+              <a:cs typeface="Alibaba PuHuiTi B" pitchFamily="18" charset="-122"/>
+            </a:endParaRPr>
+          </a:p>
+        </p:txBody>
+      </p:sp>
+      <p:sp>
+        <p:nvSpPr>
+          <p:cNvPr id="66" name="文本框 65">
             <a:extLst>
               <a:ext uri="{FF2B5EF4-FFF2-40B4-BE49-F238E27FC236}">
-                <a16:creationId xmlns:a16="http://schemas.microsoft.com/office/drawing/2014/main" id="{E58F534C-9F9E-CD5C-F2DD-C552800E43C2}"/>
+                <a16:creationId xmlns:a16="http://schemas.microsoft.com/office/drawing/2014/main" id="{502AC7BB-F1C0-0CCF-AE7D-2C2963CAEFAE}"/>
               </a:ext>
             </a:extLst>
           </p:cNvPr>
@@ -3958,9 +5532,52 @@
           <p:nvPr/>
         </p:nvSpPr>
         <p:spPr>
-          <a:xfrm>
-            <a:off x="10205417" y="9478071"/>
-            <a:ext cx="6404317" cy="1031051"/>
+          <a:xfrm rot="10800000">
+            <a:off x="19742002" y="15817984"/>
+            <a:ext cx="1210588" cy="1323439"/>
+          </a:xfrm>
+          <a:prstGeom prst="rect">
+            <a:avLst/>
+          </a:prstGeom>
+          <a:noFill/>
+        </p:spPr>
+        <p:txBody>
+          <a:bodyPr wrap="none" rtlCol="0" anchor="ctr">
+            <a:spAutoFit/>
+          </a:bodyPr>
+          <a:lstStyle/>
+          <a:p>
+            <a:r>
+              <a:rPr lang="en" altLang="zh-CN" sz="8000" b="1" dirty="0">
+                <a:latin typeface="Alibaba PuHuiTi B" pitchFamily="18" charset="-122"/>
+                <a:ea typeface="Alibaba PuHuiTi B" pitchFamily="18" charset="-122"/>
+                <a:cs typeface="Alibaba PuHuiTi B" pitchFamily="18" charset="-122"/>
+              </a:rPr>
+              <a:t>▼</a:t>
+            </a:r>
+            <a:endParaRPr lang="zh-CN" altLang="en-US" sz="8000" dirty="0">
+              <a:effectLst/>
+              <a:latin typeface="Helvetica Neue" panose="02000503000000020004" pitchFamily="2" charset="0"/>
+            </a:endParaRPr>
+          </a:p>
+        </p:txBody>
+      </p:sp>
+      <p:sp>
+        <p:nvSpPr>
+          <p:cNvPr id="2" name="文本框 1">
+            <a:extLst>
+              <a:ext uri="{FF2B5EF4-FFF2-40B4-BE49-F238E27FC236}">
+                <a16:creationId xmlns:a16="http://schemas.microsoft.com/office/drawing/2014/main" id="{F3CBE7FC-47C8-6470-3ECF-F54F1CEAE14F}"/>
+              </a:ext>
+            </a:extLst>
+          </p:cNvPr>
+          <p:cNvSpPr txBox="1"/>
+          <p:nvPr/>
+        </p:nvSpPr>
+        <p:spPr>
+          <a:xfrm>
+            <a:off x="809355" y="9479012"/>
+            <a:ext cx="6353021" cy="1023357"/>
           </a:xfrm>
           <a:prstGeom prst="rect">
             <a:avLst/>
@@ -3991,7 +5608,7 @@
                 <a:ea typeface="Alibaba PuHuiTi B" pitchFamily="18" charset="-122"/>
                 <a:cs typeface="Alibaba PuHuiTi B" pitchFamily="18" charset="-122"/>
               </a:rPr>
-              <a:t>英汉</a:t>
+              <a:t>电源</a:t>
             </a:r>
             <a:r>
               <a:rPr lang="en-US" altLang="zh-CN" sz="6050" dirty="0">
@@ -4023,7 +5640,7 @@
                 <a:ea typeface="Alibaba PuHuiTi B" pitchFamily="18" charset="-122"/>
                 <a:cs typeface="Alibaba PuHuiTi B" pitchFamily="18" charset="-122"/>
               </a:rPr>
-              <a:t> 名片</a:t>
+              <a:t> 发音</a:t>
             </a:r>
             <a:r>
               <a:rPr lang="en-US" altLang="zh-CN" sz="6050" dirty="0">
@@ -4055,17 +5672,17 @@
                 <a:ea typeface="Alibaba PuHuiTi B" pitchFamily="18" charset="-122"/>
                 <a:cs typeface="Alibaba PuHuiTi B" pitchFamily="18" charset="-122"/>
               </a:rPr>
-              <a:t>计算</a:t>
-            </a:r>
-          </a:p>
-        </p:txBody>
-      </p:sp>
-      <p:sp>
-        <p:nvSpPr>
-          <p:cNvPr id="24" name="文本框 23">
+              <a:t>报时</a:t>
+            </a:r>
+          </a:p>
+        </p:txBody>
+      </p:sp>
+      <p:sp>
+        <p:nvSpPr>
+          <p:cNvPr id="3" name="文本框 2">
             <a:extLst>
               <a:ext uri="{FF2B5EF4-FFF2-40B4-BE49-F238E27FC236}">
-                <a16:creationId xmlns:a16="http://schemas.microsoft.com/office/drawing/2014/main" id="{E53E1D27-6574-98EC-2CE2-12184B934099}"/>
+                <a16:creationId xmlns:a16="http://schemas.microsoft.com/office/drawing/2014/main" id="{4B3F9D74-4F81-6018-6530-E8A1E64ABCED}"/>
               </a:ext>
             </a:extLst>
           </p:cNvPr>
@@ -4074,1491 +5691,8 @@
         </p:nvSpPr>
         <p:spPr>
           <a:xfrm>
-            <a:off x="3417682" y="11431833"/>
-            <a:ext cx="1152880" cy="1323439"/>
-          </a:xfrm>
-          <a:prstGeom prst="rect">
-            <a:avLst/>
-          </a:prstGeom>
-          <a:noFill/>
-        </p:spPr>
-        <p:txBody>
-          <a:bodyPr wrap="none" rtlCol="0" anchor="ctr">
-            <a:spAutoFit/>
-          </a:bodyPr>
-          <a:lstStyle/>
-          <a:p>
-            <a:r>
-              <a:rPr lang="en" altLang="zh-CN" sz="8000" b="1" dirty="0">
-                <a:effectLst/>
-                <a:latin typeface="Helvetica Neue" panose="02000503000000020004" pitchFamily="2" charset="0"/>
-                <a:ea typeface="Helvetica Neue" panose="02000503000000020004" pitchFamily="2" charset="0"/>
-                <a:cs typeface="Helvetica Neue" panose="02000503000000020004" pitchFamily="2" charset="0"/>
-              </a:rPr>
-              <a:t>W</a:t>
-            </a:r>
-          </a:p>
-        </p:txBody>
-      </p:sp>
-      <p:sp>
-        <p:nvSpPr>
-          <p:cNvPr id="25" name="文本框 24">
-            <a:extLst>
-              <a:ext uri="{FF2B5EF4-FFF2-40B4-BE49-F238E27FC236}">
-                <a16:creationId xmlns:a16="http://schemas.microsoft.com/office/drawing/2014/main" id="{4E6C0CB4-BBB3-A7A2-9F94-540594152014}"/>
-              </a:ext>
-            </a:extLst>
-          </p:cNvPr>
-          <p:cNvSpPr txBox="1"/>
-          <p:nvPr/>
-        </p:nvSpPr>
-        <p:spPr>
-          <a:xfrm>
-            <a:off x="5891847" y="11431833"/>
-            <a:ext cx="849913" cy="1323439"/>
-          </a:xfrm>
-          <a:prstGeom prst="rect">
-            <a:avLst/>
-          </a:prstGeom>
-          <a:noFill/>
-        </p:spPr>
-        <p:txBody>
-          <a:bodyPr wrap="none" rtlCol="0" anchor="ctr">
-            <a:spAutoFit/>
-          </a:bodyPr>
-          <a:lstStyle/>
-          <a:p>
-            <a:r>
-              <a:rPr lang="en" altLang="zh-CN" sz="8000" b="1" dirty="0">
-                <a:effectLst/>
-                <a:latin typeface="Helvetica Neue" panose="02000503000000020004" pitchFamily="2" charset="0"/>
-                <a:ea typeface="Helvetica Neue" panose="02000503000000020004" pitchFamily="2" charset="0"/>
-                <a:cs typeface="Helvetica Neue" panose="02000503000000020004" pitchFamily="2" charset="0"/>
-              </a:rPr>
-              <a:t>E</a:t>
-            </a:r>
-          </a:p>
-        </p:txBody>
-      </p:sp>
-      <p:sp>
-        <p:nvSpPr>
-          <p:cNvPr id="26" name="文本框 25">
-            <a:extLst>
-              <a:ext uri="{FF2B5EF4-FFF2-40B4-BE49-F238E27FC236}">
-                <a16:creationId xmlns:a16="http://schemas.microsoft.com/office/drawing/2014/main" id="{969D5542-94C7-8874-D995-EE90BC9C2962}"/>
-              </a:ext>
-            </a:extLst>
-          </p:cNvPr>
-          <p:cNvSpPr txBox="1"/>
-          <p:nvPr/>
-        </p:nvSpPr>
-        <p:spPr>
-          <a:xfrm>
-            <a:off x="8190307" y="11442343"/>
-            <a:ext cx="925253" cy="1323439"/>
-          </a:xfrm>
-          <a:prstGeom prst="rect">
-            <a:avLst/>
-          </a:prstGeom>
-          <a:noFill/>
-        </p:spPr>
-        <p:txBody>
-          <a:bodyPr wrap="none" rtlCol="0" anchor="ctr">
-            <a:spAutoFit/>
-          </a:bodyPr>
-          <a:lstStyle/>
-          <a:p>
-            <a:r>
-              <a:rPr lang="en" altLang="zh-CN" sz="8000" b="1" dirty="0">
-                <a:effectLst/>
-                <a:latin typeface="Helvetica Neue" panose="02000503000000020004" pitchFamily="2" charset="0"/>
-                <a:ea typeface="Helvetica Neue" panose="02000503000000020004" pitchFamily="2" charset="0"/>
-                <a:cs typeface="Helvetica Neue" panose="02000503000000020004" pitchFamily="2" charset="0"/>
-              </a:rPr>
-              <a:t>R</a:t>
-            </a:r>
-          </a:p>
-        </p:txBody>
-      </p:sp>
-      <p:sp>
-        <p:nvSpPr>
-          <p:cNvPr id="27" name="文本框 26">
-            <a:extLst>
-              <a:ext uri="{FF2B5EF4-FFF2-40B4-BE49-F238E27FC236}">
-                <a16:creationId xmlns:a16="http://schemas.microsoft.com/office/drawing/2014/main" id="{9A70ADA2-9BD5-961F-957F-569BCCFF5E72}"/>
-              </a:ext>
-            </a:extLst>
-          </p:cNvPr>
-          <p:cNvSpPr txBox="1"/>
-          <p:nvPr/>
-        </p:nvSpPr>
-        <p:spPr>
-          <a:xfrm>
-            <a:off x="10570174" y="11440310"/>
-            <a:ext cx="811441" cy="1323439"/>
-          </a:xfrm>
-          <a:prstGeom prst="rect">
-            <a:avLst/>
-          </a:prstGeom>
-          <a:noFill/>
-        </p:spPr>
-        <p:txBody>
-          <a:bodyPr wrap="none" rtlCol="0" anchor="ctr">
-            <a:spAutoFit/>
-          </a:bodyPr>
-          <a:lstStyle/>
-          <a:p>
-            <a:r>
-              <a:rPr lang="en" altLang="zh-CN" sz="8000" b="1" dirty="0">
-                <a:effectLst/>
-                <a:latin typeface="Helvetica Neue" panose="02000503000000020004" pitchFamily="2" charset="0"/>
-                <a:ea typeface="Helvetica Neue" panose="02000503000000020004" pitchFamily="2" charset="0"/>
-                <a:cs typeface="Helvetica Neue" panose="02000503000000020004" pitchFamily="2" charset="0"/>
-              </a:rPr>
-              <a:t>T</a:t>
-            </a:r>
-          </a:p>
-        </p:txBody>
-      </p:sp>
-      <p:sp>
-        <p:nvSpPr>
-          <p:cNvPr id="28" name="文本框 27">
-            <a:extLst>
-              <a:ext uri="{FF2B5EF4-FFF2-40B4-BE49-F238E27FC236}">
-                <a16:creationId xmlns:a16="http://schemas.microsoft.com/office/drawing/2014/main" id="{14A38C87-DFA9-59EB-27C6-8E479846A8C1}"/>
-              </a:ext>
-            </a:extLst>
-          </p:cNvPr>
-          <p:cNvSpPr txBox="1"/>
-          <p:nvPr/>
-        </p:nvSpPr>
-        <p:spPr>
-          <a:xfrm>
-            <a:off x="12905591" y="11440310"/>
-            <a:ext cx="869149" cy="1323439"/>
-          </a:xfrm>
-          <a:prstGeom prst="rect">
-            <a:avLst/>
-          </a:prstGeom>
-          <a:noFill/>
-        </p:spPr>
-        <p:txBody>
-          <a:bodyPr wrap="none" rtlCol="0" anchor="ctr">
-            <a:spAutoFit/>
-          </a:bodyPr>
-          <a:lstStyle/>
-          <a:p>
-            <a:r>
-              <a:rPr lang="en" altLang="zh-CN" sz="8000" b="1" dirty="0">
-                <a:effectLst/>
-                <a:latin typeface="Helvetica Neue" panose="02000503000000020004" pitchFamily="2" charset="0"/>
-                <a:ea typeface="Helvetica Neue" panose="02000503000000020004" pitchFamily="2" charset="0"/>
-                <a:cs typeface="Helvetica Neue" panose="02000503000000020004" pitchFamily="2" charset="0"/>
-              </a:rPr>
-              <a:t>Y</a:t>
-            </a:r>
-          </a:p>
-        </p:txBody>
-      </p:sp>
-      <p:sp>
-        <p:nvSpPr>
-          <p:cNvPr id="29" name="文本框 28">
-            <a:extLst>
-              <a:ext uri="{FF2B5EF4-FFF2-40B4-BE49-F238E27FC236}">
-                <a16:creationId xmlns:a16="http://schemas.microsoft.com/office/drawing/2014/main" id="{68801E9F-D4C6-C537-FB55-659E4FE75AA3}"/>
-              </a:ext>
-            </a:extLst>
-          </p:cNvPr>
-          <p:cNvSpPr txBox="1"/>
-          <p:nvPr/>
-        </p:nvSpPr>
-        <p:spPr>
-          <a:xfrm>
-            <a:off x="15180541" y="11440310"/>
-            <a:ext cx="944489" cy="1323439"/>
-          </a:xfrm>
-          <a:prstGeom prst="rect">
-            <a:avLst/>
-          </a:prstGeom>
-          <a:noFill/>
-        </p:spPr>
-        <p:txBody>
-          <a:bodyPr wrap="none" rtlCol="0" anchor="ctr">
-            <a:spAutoFit/>
-          </a:bodyPr>
-          <a:lstStyle/>
-          <a:p>
-            <a:r>
-              <a:rPr lang="en" altLang="zh-CN" sz="8000" b="1" dirty="0">
-                <a:effectLst/>
-                <a:latin typeface="Helvetica Neue" panose="02000503000000020004" pitchFamily="2" charset="0"/>
-                <a:ea typeface="Helvetica Neue" panose="02000503000000020004" pitchFamily="2" charset="0"/>
-                <a:cs typeface="Helvetica Neue" panose="02000503000000020004" pitchFamily="2" charset="0"/>
-              </a:rPr>
-              <a:t>U</a:t>
-            </a:r>
-          </a:p>
-        </p:txBody>
-      </p:sp>
-      <p:sp>
-        <p:nvSpPr>
-          <p:cNvPr id="30" name="文本框 29">
-            <a:extLst>
-              <a:ext uri="{FF2B5EF4-FFF2-40B4-BE49-F238E27FC236}">
-                <a16:creationId xmlns:a16="http://schemas.microsoft.com/office/drawing/2014/main" id="{E6C03444-86AE-9C0F-30EB-16D7FD1C2B11}"/>
-              </a:ext>
-            </a:extLst>
-          </p:cNvPr>
-          <p:cNvSpPr txBox="1"/>
-          <p:nvPr/>
-        </p:nvSpPr>
-        <p:spPr>
-          <a:xfrm>
-            <a:off x="17781963" y="11440310"/>
-            <a:ext cx="487634" cy="1323439"/>
-          </a:xfrm>
-          <a:prstGeom prst="rect">
-            <a:avLst/>
-          </a:prstGeom>
-          <a:noFill/>
-        </p:spPr>
-        <p:txBody>
-          <a:bodyPr wrap="none" rtlCol="0" anchor="ctr">
-            <a:spAutoFit/>
-          </a:bodyPr>
-          <a:lstStyle/>
-          <a:p>
-            <a:r>
-              <a:rPr lang="en" altLang="zh-CN" sz="8000" b="1" dirty="0">
-                <a:effectLst/>
-                <a:latin typeface="Helvetica Neue" panose="02000503000000020004" pitchFamily="2" charset="0"/>
-                <a:ea typeface="Helvetica Neue" panose="02000503000000020004" pitchFamily="2" charset="0"/>
-                <a:cs typeface="Helvetica Neue" panose="02000503000000020004" pitchFamily="2" charset="0"/>
-              </a:rPr>
-              <a:t>I</a:t>
-            </a:r>
-          </a:p>
-        </p:txBody>
-      </p:sp>
-      <p:sp>
-        <p:nvSpPr>
-          <p:cNvPr id="31" name="文本框 30">
-            <a:extLst>
-              <a:ext uri="{FF2B5EF4-FFF2-40B4-BE49-F238E27FC236}">
-                <a16:creationId xmlns:a16="http://schemas.microsoft.com/office/drawing/2014/main" id="{A412803F-7EC3-1BC1-5118-9FAF1006241B}"/>
-              </a:ext>
-            </a:extLst>
-          </p:cNvPr>
-          <p:cNvSpPr txBox="1"/>
-          <p:nvPr/>
-        </p:nvSpPr>
-        <p:spPr>
-          <a:xfrm>
-            <a:off x="19903396" y="11440310"/>
-            <a:ext cx="982961" cy="1323439"/>
-          </a:xfrm>
-          <a:prstGeom prst="rect">
-            <a:avLst/>
-          </a:prstGeom>
-          <a:noFill/>
-        </p:spPr>
-        <p:txBody>
-          <a:bodyPr wrap="none" rtlCol="0" anchor="ctr">
-            <a:spAutoFit/>
-          </a:bodyPr>
-          <a:lstStyle/>
-          <a:p>
-            <a:r>
-              <a:rPr lang="en" altLang="zh-CN" sz="8000" b="1" dirty="0">
-                <a:effectLst/>
-                <a:latin typeface="Helvetica Neue" panose="02000503000000020004" pitchFamily="2" charset="0"/>
-                <a:ea typeface="Helvetica Neue" panose="02000503000000020004" pitchFamily="2" charset="0"/>
-                <a:cs typeface="Helvetica Neue" panose="02000503000000020004" pitchFamily="2" charset="0"/>
-              </a:rPr>
-              <a:t>O</a:t>
-            </a:r>
-          </a:p>
-        </p:txBody>
-      </p:sp>
-      <p:sp>
-        <p:nvSpPr>
-          <p:cNvPr id="32" name="文本框 31">
-            <a:extLst>
-              <a:ext uri="{FF2B5EF4-FFF2-40B4-BE49-F238E27FC236}">
-                <a16:creationId xmlns:a16="http://schemas.microsoft.com/office/drawing/2014/main" id="{410A0B21-BEA2-1F6F-7A23-7397E824CEF1}"/>
-              </a:ext>
-            </a:extLst>
-          </p:cNvPr>
-          <p:cNvSpPr txBox="1"/>
-          <p:nvPr/>
-        </p:nvSpPr>
-        <p:spPr>
-          <a:xfrm>
-            <a:off x="22313580" y="11440310"/>
-            <a:ext cx="869149" cy="1323439"/>
-          </a:xfrm>
-          <a:prstGeom prst="rect">
-            <a:avLst/>
-          </a:prstGeom>
-          <a:noFill/>
-        </p:spPr>
-        <p:txBody>
-          <a:bodyPr wrap="none" rtlCol="0" anchor="ctr">
-            <a:spAutoFit/>
-          </a:bodyPr>
-          <a:lstStyle/>
-          <a:p>
-            <a:r>
-              <a:rPr lang="en" altLang="zh-CN" sz="8000" b="1" dirty="0">
-                <a:effectLst/>
-                <a:latin typeface="Helvetica Neue" panose="02000503000000020004" pitchFamily="2" charset="0"/>
-                <a:ea typeface="Helvetica Neue" panose="02000503000000020004" pitchFamily="2" charset="0"/>
-                <a:cs typeface="Helvetica Neue" panose="02000503000000020004" pitchFamily="2" charset="0"/>
-              </a:rPr>
-              <a:t>P</a:t>
-            </a:r>
-          </a:p>
-        </p:txBody>
-      </p:sp>
-      <p:sp>
-        <p:nvSpPr>
-          <p:cNvPr id="34" name="文本框 33">
-            <a:extLst>
-              <a:ext uri="{FF2B5EF4-FFF2-40B4-BE49-F238E27FC236}">
-                <a16:creationId xmlns:a16="http://schemas.microsoft.com/office/drawing/2014/main" id="{211419F3-A4A0-49FA-5040-65187CEDCAE8}"/>
-              </a:ext>
-            </a:extLst>
-          </p:cNvPr>
-          <p:cNvSpPr txBox="1"/>
-          <p:nvPr/>
-        </p:nvSpPr>
-        <p:spPr>
-          <a:xfrm>
-            <a:off x="3560992" y="13650688"/>
-            <a:ext cx="849913" cy="1323439"/>
-          </a:xfrm>
-          <a:prstGeom prst="rect">
-            <a:avLst/>
-          </a:prstGeom>
-          <a:noFill/>
-        </p:spPr>
-        <p:txBody>
-          <a:bodyPr wrap="none" rtlCol="0" anchor="ctr">
-            <a:spAutoFit/>
-          </a:bodyPr>
-          <a:lstStyle/>
-          <a:p>
-            <a:r>
-              <a:rPr lang="en" altLang="zh-CN" sz="8000" b="1" dirty="0">
-                <a:effectLst/>
-                <a:latin typeface="Helvetica Neue" panose="02000503000000020004" pitchFamily="2" charset="0"/>
-              </a:rPr>
-              <a:t>S</a:t>
-            </a:r>
-            <a:endParaRPr lang="en" altLang="zh-CN" sz="8000" dirty="0">
-              <a:effectLst/>
-              <a:latin typeface="PingFang SC Medium" panose="020B0400000000000000" pitchFamily="34" charset="-122"/>
-              <a:ea typeface="PingFang SC Medium" panose="020B0400000000000000" pitchFamily="34" charset="-122"/>
-            </a:endParaRPr>
-          </a:p>
-        </p:txBody>
-      </p:sp>
-      <p:sp>
-        <p:nvSpPr>
-          <p:cNvPr id="35" name="文本框 34">
-            <a:extLst>
-              <a:ext uri="{FF2B5EF4-FFF2-40B4-BE49-F238E27FC236}">
-                <a16:creationId xmlns:a16="http://schemas.microsoft.com/office/drawing/2014/main" id="{F780523E-5A2E-ACF2-6F5E-1041FF292D17}"/>
-              </a:ext>
-            </a:extLst>
-          </p:cNvPr>
-          <p:cNvSpPr txBox="1"/>
-          <p:nvPr/>
-        </p:nvSpPr>
-        <p:spPr>
-          <a:xfrm>
-            <a:off x="5888014" y="13654679"/>
-            <a:ext cx="944489" cy="1323439"/>
-          </a:xfrm>
-          <a:prstGeom prst="rect">
-            <a:avLst/>
-          </a:prstGeom>
-          <a:noFill/>
-        </p:spPr>
-        <p:txBody>
-          <a:bodyPr wrap="none" rtlCol="0" anchor="ctr">
-            <a:spAutoFit/>
-          </a:bodyPr>
-          <a:lstStyle/>
-          <a:p>
-            <a:r>
-              <a:rPr lang="en" altLang="zh-CN" sz="8000" b="1" dirty="0">
-                <a:effectLst/>
-                <a:latin typeface="Helvetica Neue" panose="02000503000000020004" pitchFamily="2" charset="0"/>
-              </a:rPr>
-              <a:t>D</a:t>
-            </a:r>
-            <a:endParaRPr lang="en" altLang="zh-CN" sz="8000" dirty="0">
-              <a:effectLst/>
-              <a:latin typeface="PingFang SC Medium" panose="020B0400000000000000" pitchFamily="34" charset="-122"/>
-              <a:ea typeface="PingFang SC Medium" panose="020B0400000000000000" pitchFamily="34" charset="-122"/>
-            </a:endParaRPr>
-          </a:p>
-        </p:txBody>
-      </p:sp>
-      <p:sp>
-        <p:nvSpPr>
-          <p:cNvPr id="36" name="文本框 35">
-            <a:extLst>
-              <a:ext uri="{FF2B5EF4-FFF2-40B4-BE49-F238E27FC236}">
-                <a16:creationId xmlns:a16="http://schemas.microsoft.com/office/drawing/2014/main" id="{FE213E36-198F-CF69-2532-7DA1B1B14422}"/>
-              </a:ext>
-            </a:extLst>
-          </p:cNvPr>
-          <p:cNvSpPr txBox="1"/>
-          <p:nvPr/>
-        </p:nvSpPr>
-        <p:spPr>
-          <a:xfrm>
-            <a:off x="10526595" y="13650688"/>
-            <a:ext cx="963725" cy="1323439"/>
-          </a:xfrm>
-          <a:prstGeom prst="rect">
-            <a:avLst/>
-          </a:prstGeom>
-          <a:noFill/>
-        </p:spPr>
-        <p:txBody>
-          <a:bodyPr wrap="none" rtlCol="0" anchor="ctr">
-            <a:spAutoFit/>
-          </a:bodyPr>
-          <a:lstStyle/>
-          <a:p>
-            <a:r>
-              <a:rPr lang="en" altLang="zh-CN" sz="8000" b="1" dirty="0">
-                <a:effectLst/>
-                <a:latin typeface="Helvetica Neue" panose="02000503000000020004" pitchFamily="2" charset="0"/>
-              </a:rPr>
-              <a:t>G</a:t>
-            </a:r>
-            <a:endParaRPr lang="en" altLang="zh-CN" sz="8000" dirty="0">
-              <a:effectLst/>
-              <a:latin typeface="PingFang SC Medium" panose="020B0400000000000000" pitchFamily="34" charset="-122"/>
-              <a:ea typeface="PingFang SC Medium" panose="020B0400000000000000" pitchFamily="34" charset="-122"/>
-            </a:endParaRPr>
-          </a:p>
-        </p:txBody>
-      </p:sp>
-      <p:sp>
-        <p:nvSpPr>
-          <p:cNvPr id="37" name="文本框 36">
-            <a:extLst>
-              <a:ext uri="{FF2B5EF4-FFF2-40B4-BE49-F238E27FC236}">
-                <a16:creationId xmlns:a16="http://schemas.microsoft.com/office/drawing/2014/main" id="{1889F1AF-100E-6546-AA7C-DA2F32D7E8F8}"/>
-              </a:ext>
-            </a:extLst>
-          </p:cNvPr>
-          <p:cNvSpPr txBox="1"/>
-          <p:nvPr/>
-        </p:nvSpPr>
-        <p:spPr>
-          <a:xfrm>
-            <a:off x="8257971" y="13654679"/>
-            <a:ext cx="793807" cy="1323439"/>
-          </a:xfrm>
-          <a:prstGeom prst="rect">
-            <a:avLst/>
-          </a:prstGeom>
-          <a:noFill/>
-        </p:spPr>
-        <p:txBody>
-          <a:bodyPr wrap="none" rtlCol="0" anchor="ctr">
-            <a:spAutoFit/>
-          </a:bodyPr>
-          <a:lstStyle/>
-          <a:p>
-            <a:r>
-              <a:rPr lang="en" altLang="zh-CN" sz="8000" b="1" dirty="0">
-                <a:effectLst/>
-                <a:latin typeface="Helvetica Neue" panose="02000503000000020004" pitchFamily="2" charset="0"/>
-              </a:rPr>
-              <a:t>F</a:t>
-            </a:r>
-            <a:endParaRPr lang="en" altLang="zh-CN" sz="8000" dirty="0">
-              <a:effectLst/>
-              <a:latin typeface="PingFang SC Medium" panose="020B0400000000000000" pitchFamily="34" charset="-122"/>
-              <a:ea typeface="PingFang SC Medium" panose="020B0400000000000000" pitchFamily="34" charset="-122"/>
-            </a:endParaRPr>
-          </a:p>
-        </p:txBody>
-      </p:sp>
-      <p:sp>
-        <p:nvSpPr>
-          <p:cNvPr id="38" name="文本框 37">
-            <a:extLst>
-              <a:ext uri="{FF2B5EF4-FFF2-40B4-BE49-F238E27FC236}">
-                <a16:creationId xmlns:a16="http://schemas.microsoft.com/office/drawing/2014/main" id="{E6099EF4-558E-FB63-6E56-E19547176EF8}"/>
-              </a:ext>
-            </a:extLst>
-          </p:cNvPr>
-          <p:cNvSpPr txBox="1"/>
-          <p:nvPr/>
-        </p:nvSpPr>
-        <p:spPr>
-          <a:xfrm>
-            <a:off x="12880397" y="13671008"/>
-            <a:ext cx="944489" cy="1323439"/>
-          </a:xfrm>
-          <a:prstGeom prst="rect">
-            <a:avLst/>
-          </a:prstGeom>
-          <a:noFill/>
-        </p:spPr>
-        <p:txBody>
-          <a:bodyPr wrap="none" rtlCol="0" anchor="ctr">
-            <a:spAutoFit/>
-          </a:bodyPr>
-          <a:lstStyle/>
-          <a:p>
-            <a:r>
-              <a:rPr lang="en" altLang="zh-CN" sz="8000" b="1" dirty="0">
-                <a:latin typeface="Helvetica Neue" panose="02000503000000020004" pitchFamily="2" charset="0"/>
-              </a:rPr>
-              <a:t>H</a:t>
-            </a:r>
-            <a:endParaRPr lang="en" altLang="zh-CN" sz="8000" dirty="0">
-              <a:effectLst/>
-              <a:latin typeface="PingFang SC Medium" panose="020B0400000000000000" pitchFamily="34" charset="-122"/>
-              <a:ea typeface="PingFang SC Medium" panose="020B0400000000000000" pitchFamily="34" charset="-122"/>
-            </a:endParaRPr>
-          </a:p>
-        </p:txBody>
-      </p:sp>
-      <p:sp>
-        <p:nvSpPr>
-          <p:cNvPr id="39" name="文本框 38">
-            <a:extLst>
-              <a:ext uri="{FF2B5EF4-FFF2-40B4-BE49-F238E27FC236}">
-                <a16:creationId xmlns:a16="http://schemas.microsoft.com/office/drawing/2014/main" id="{3F7EF8A9-CF46-09C7-16ED-64777030B189}"/>
-              </a:ext>
-            </a:extLst>
-          </p:cNvPr>
-          <p:cNvSpPr txBox="1"/>
-          <p:nvPr/>
-        </p:nvSpPr>
-        <p:spPr>
-          <a:xfrm>
-            <a:off x="22283418" y="13578378"/>
-            <a:ext cx="906017" cy="1569660"/>
-          </a:xfrm>
-          <a:prstGeom prst="rect">
-            <a:avLst/>
-          </a:prstGeom>
-          <a:noFill/>
-        </p:spPr>
-        <p:txBody>
-          <a:bodyPr wrap="none" rtlCol="0" anchor="ctr">
-            <a:spAutoFit/>
-          </a:bodyPr>
-          <a:lstStyle/>
-          <a:p>
-            <a:r>
-              <a:rPr lang="en" altLang="zh-CN" sz="9600" b="1" dirty="0">
-                <a:effectLst/>
-                <a:latin typeface="Alibaba PuHuiTi B" pitchFamily="18" charset="-122"/>
-                <a:ea typeface="Alibaba PuHuiTi B" pitchFamily="18" charset="-122"/>
-                <a:cs typeface="Alibaba PuHuiTi B" pitchFamily="18" charset="-122"/>
-              </a:rPr>
-              <a:t>↵</a:t>
-            </a:r>
-            <a:endParaRPr lang="en" altLang="zh-CN" sz="8000" b="1" dirty="0">
-              <a:effectLst/>
-              <a:latin typeface="Alibaba PuHuiTi B" pitchFamily="18" charset="-122"/>
-              <a:ea typeface="Alibaba PuHuiTi B" pitchFamily="18" charset="-122"/>
-              <a:cs typeface="Alibaba PuHuiTi B" pitchFamily="18" charset="-122"/>
-            </a:endParaRPr>
-          </a:p>
-        </p:txBody>
-      </p:sp>
-      <p:sp>
-        <p:nvSpPr>
-          <p:cNvPr id="40" name="文本框 39">
-            <a:extLst>
-              <a:ext uri="{FF2B5EF4-FFF2-40B4-BE49-F238E27FC236}">
-                <a16:creationId xmlns:a16="http://schemas.microsoft.com/office/drawing/2014/main" id="{1A69E0B0-CEF2-A462-6FB5-DEA0E7DA46C6}"/>
-              </a:ext>
-            </a:extLst>
-          </p:cNvPr>
-          <p:cNvSpPr txBox="1"/>
-          <p:nvPr/>
-        </p:nvSpPr>
-        <p:spPr>
-          <a:xfrm>
-            <a:off x="15281275" y="13650688"/>
-            <a:ext cx="755335" cy="1323439"/>
-          </a:xfrm>
-          <a:prstGeom prst="rect">
-            <a:avLst/>
-          </a:prstGeom>
-          <a:noFill/>
-        </p:spPr>
-        <p:txBody>
-          <a:bodyPr wrap="none" rtlCol="0" anchor="ctr">
-            <a:spAutoFit/>
-          </a:bodyPr>
-          <a:lstStyle/>
-          <a:p>
-            <a:r>
-              <a:rPr lang="en" altLang="zh-CN" sz="8000" b="1" dirty="0">
-                <a:latin typeface="Helvetica Neue" panose="02000503000000020004" pitchFamily="2" charset="0"/>
-              </a:rPr>
-              <a:t>J</a:t>
-            </a:r>
-            <a:endParaRPr lang="en" altLang="zh-CN" sz="8000" dirty="0">
-              <a:effectLst/>
-              <a:latin typeface="PingFang SC Medium" panose="020B0400000000000000" pitchFamily="34" charset="-122"/>
-              <a:ea typeface="PingFang SC Medium" panose="020B0400000000000000" pitchFamily="34" charset="-122"/>
-            </a:endParaRPr>
-          </a:p>
-        </p:txBody>
-      </p:sp>
-      <p:sp>
-        <p:nvSpPr>
-          <p:cNvPr id="41" name="文本框 40">
-            <a:extLst>
-              <a:ext uri="{FF2B5EF4-FFF2-40B4-BE49-F238E27FC236}">
-                <a16:creationId xmlns:a16="http://schemas.microsoft.com/office/drawing/2014/main" id="{0C840016-FB03-688F-A018-A5CFF2B2A950}"/>
-              </a:ext>
-            </a:extLst>
-          </p:cNvPr>
-          <p:cNvSpPr txBox="1"/>
-          <p:nvPr/>
-        </p:nvSpPr>
-        <p:spPr>
-          <a:xfrm>
-            <a:off x="17516540" y="13671008"/>
-            <a:ext cx="925253" cy="1323439"/>
-          </a:xfrm>
-          <a:prstGeom prst="rect">
-            <a:avLst/>
-          </a:prstGeom>
-          <a:noFill/>
-        </p:spPr>
-        <p:txBody>
-          <a:bodyPr wrap="none" rtlCol="0" anchor="ctr">
-            <a:spAutoFit/>
-          </a:bodyPr>
-          <a:lstStyle/>
-          <a:p>
-            <a:r>
-              <a:rPr lang="en" altLang="zh-CN" sz="8000" b="1" dirty="0">
-                <a:latin typeface="Helvetica Neue" panose="02000503000000020004" pitchFamily="2" charset="0"/>
-              </a:rPr>
-              <a:t>K</a:t>
-            </a:r>
-            <a:endParaRPr lang="en" altLang="zh-CN" sz="8000" dirty="0">
-              <a:effectLst/>
-              <a:latin typeface="PingFang SC Medium" panose="020B0400000000000000" pitchFamily="34" charset="-122"/>
-              <a:ea typeface="PingFang SC Medium" panose="020B0400000000000000" pitchFamily="34" charset="-122"/>
-            </a:endParaRPr>
-          </a:p>
-        </p:txBody>
-      </p:sp>
-      <p:sp>
-        <p:nvSpPr>
-          <p:cNvPr id="42" name="文本框 41">
-            <a:extLst>
-              <a:ext uri="{FF2B5EF4-FFF2-40B4-BE49-F238E27FC236}">
-                <a16:creationId xmlns:a16="http://schemas.microsoft.com/office/drawing/2014/main" id="{803936B0-C0DE-11F0-C653-7D1686B6D27F}"/>
-              </a:ext>
-            </a:extLst>
-          </p:cNvPr>
-          <p:cNvSpPr txBox="1"/>
-          <p:nvPr/>
-        </p:nvSpPr>
-        <p:spPr>
-          <a:xfrm>
-            <a:off x="19955546" y="13671008"/>
-            <a:ext cx="793807" cy="1323439"/>
-          </a:xfrm>
-          <a:prstGeom prst="rect">
-            <a:avLst/>
-          </a:prstGeom>
-          <a:noFill/>
-        </p:spPr>
-        <p:txBody>
-          <a:bodyPr wrap="none" rtlCol="0" anchor="ctr">
-            <a:spAutoFit/>
-          </a:bodyPr>
-          <a:lstStyle/>
-          <a:p>
-            <a:r>
-              <a:rPr lang="en" altLang="zh-CN" sz="8000" b="1" dirty="0">
-                <a:latin typeface="Helvetica Neue" panose="02000503000000020004" pitchFamily="2" charset="0"/>
-              </a:rPr>
-              <a:t>L</a:t>
-            </a:r>
-            <a:endParaRPr lang="en" altLang="zh-CN" sz="8000" dirty="0">
-              <a:effectLst/>
-              <a:latin typeface="PingFang SC Medium" panose="020B0400000000000000" pitchFamily="34" charset="-122"/>
-              <a:ea typeface="PingFang SC Medium" panose="020B0400000000000000" pitchFamily="34" charset="-122"/>
-            </a:endParaRPr>
-          </a:p>
-        </p:txBody>
-      </p:sp>
-      <p:sp>
-        <p:nvSpPr>
-          <p:cNvPr id="43" name="文本框 42">
-            <a:extLst>
-              <a:ext uri="{FF2B5EF4-FFF2-40B4-BE49-F238E27FC236}">
-                <a16:creationId xmlns:a16="http://schemas.microsoft.com/office/drawing/2014/main" id="{1B1A895D-3610-CA9A-7281-442DD1DFEDF8}"/>
-              </a:ext>
-            </a:extLst>
-          </p:cNvPr>
-          <p:cNvSpPr txBox="1"/>
-          <p:nvPr/>
-        </p:nvSpPr>
-        <p:spPr>
-          <a:xfrm>
-            <a:off x="1234006" y="15801140"/>
-            <a:ext cx="849913" cy="1323439"/>
-          </a:xfrm>
-          <a:prstGeom prst="rect">
-            <a:avLst/>
-          </a:prstGeom>
-          <a:noFill/>
-        </p:spPr>
-        <p:txBody>
-          <a:bodyPr wrap="none" rtlCol="0" anchor="ctr">
-            <a:spAutoFit/>
-          </a:bodyPr>
-          <a:lstStyle/>
-          <a:p>
-            <a:r>
-              <a:rPr lang="en" altLang="zh-CN" sz="8000" b="1" dirty="0">
-                <a:latin typeface="Helvetica Neue" panose="02000503000000020004" pitchFamily="2" charset="0"/>
-              </a:rPr>
-              <a:t>Z</a:t>
-            </a:r>
-            <a:endParaRPr lang="en" altLang="zh-CN" sz="8000" dirty="0">
-              <a:effectLst/>
-              <a:latin typeface="PingFang SC Medium" panose="020B0400000000000000" pitchFamily="34" charset="-122"/>
-              <a:ea typeface="PingFang SC Medium" panose="020B0400000000000000" pitchFamily="34" charset="-122"/>
-            </a:endParaRPr>
-          </a:p>
-        </p:txBody>
-      </p:sp>
-      <p:sp>
-        <p:nvSpPr>
-          <p:cNvPr id="44" name="文本框 43">
-            <a:extLst>
-              <a:ext uri="{FF2B5EF4-FFF2-40B4-BE49-F238E27FC236}">
-                <a16:creationId xmlns:a16="http://schemas.microsoft.com/office/drawing/2014/main" id="{350223A7-4712-7F52-B430-75CDA674002A}"/>
-              </a:ext>
-            </a:extLst>
-          </p:cNvPr>
-          <p:cNvSpPr txBox="1"/>
-          <p:nvPr/>
-        </p:nvSpPr>
-        <p:spPr>
-          <a:xfrm>
-            <a:off x="3534132" y="15786150"/>
-            <a:ext cx="869149" cy="1323439"/>
-          </a:xfrm>
-          <a:prstGeom prst="rect">
-            <a:avLst/>
-          </a:prstGeom>
-          <a:noFill/>
-        </p:spPr>
-        <p:txBody>
-          <a:bodyPr wrap="none" rtlCol="0" anchor="ctr">
-            <a:spAutoFit/>
-          </a:bodyPr>
-          <a:lstStyle/>
-          <a:p>
-            <a:r>
-              <a:rPr lang="en" altLang="zh-CN" sz="8000" b="1" dirty="0">
-                <a:latin typeface="Helvetica Neue" panose="02000503000000020004" pitchFamily="2" charset="0"/>
-              </a:rPr>
-              <a:t>X</a:t>
-            </a:r>
-            <a:endParaRPr lang="en" altLang="zh-CN" sz="8000" dirty="0">
-              <a:effectLst/>
-              <a:latin typeface="PingFang SC Medium" panose="020B0400000000000000" pitchFamily="34" charset="-122"/>
-              <a:ea typeface="PingFang SC Medium" panose="020B0400000000000000" pitchFamily="34" charset="-122"/>
-            </a:endParaRPr>
-          </a:p>
-        </p:txBody>
-      </p:sp>
-      <p:sp>
-        <p:nvSpPr>
-          <p:cNvPr id="45" name="文本框 44">
-            <a:extLst>
-              <a:ext uri="{FF2B5EF4-FFF2-40B4-BE49-F238E27FC236}">
-                <a16:creationId xmlns:a16="http://schemas.microsoft.com/office/drawing/2014/main" id="{9570CB8B-92B9-47DD-FE4C-D1789616796C}"/>
-              </a:ext>
-            </a:extLst>
-          </p:cNvPr>
-          <p:cNvSpPr txBox="1"/>
-          <p:nvPr/>
-        </p:nvSpPr>
-        <p:spPr>
-          <a:xfrm>
-            <a:off x="5865074" y="15786150"/>
-            <a:ext cx="944489" cy="1323439"/>
-          </a:xfrm>
-          <a:prstGeom prst="rect">
-            <a:avLst/>
-          </a:prstGeom>
-          <a:noFill/>
-        </p:spPr>
-        <p:txBody>
-          <a:bodyPr wrap="none" rtlCol="0" anchor="ctr">
-            <a:spAutoFit/>
-          </a:bodyPr>
-          <a:lstStyle/>
-          <a:p>
-            <a:r>
-              <a:rPr lang="en" altLang="zh-CN" sz="8000" b="1" dirty="0">
-                <a:latin typeface="Helvetica Neue" panose="02000503000000020004" pitchFamily="2" charset="0"/>
-              </a:rPr>
-              <a:t>C</a:t>
-            </a:r>
-            <a:endParaRPr lang="en" altLang="zh-CN" sz="8000" dirty="0">
-              <a:effectLst/>
-              <a:latin typeface="PingFang SC Medium" panose="020B0400000000000000" pitchFamily="34" charset="-122"/>
-              <a:ea typeface="PingFang SC Medium" panose="020B0400000000000000" pitchFamily="34" charset="-122"/>
-            </a:endParaRPr>
-          </a:p>
-        </p:txBody>
-      </p:sp>
-      <p:sp>
-        <p:nvSpPr>
-          <p:cNvPr id="46" name="文本框 45">
-            <a:extLst>
-              <a:ext uri="{FF2B5EF4-FFF2-40B4-BE49-F238E27FC236}">
-                <a16:creationId xmlns:a16="http://schemas.microsoft.com/office/drawing/2014/main" id="{D41B772B-15B4-7C82-5957-E39B4BDF378F}"/>
-              </a:ext>
-            </a:extLst>
-          </p:cNvPr>
-          <p:cNvSpPr txBox="1"/>
-          <p:nvPr/>
-        </p:nvSpPr>
-        <p:spPr>
-          <a:xfrm>
-            <a:off x="8261547" y="15786150"/>
-            <a:ext cx="830677" cy="1323439"/>
-          </a:xfrm>
-          <a:prstGeom prst="rect">
-            <a:avLst/>
-          </a:prstGeom>
-          <a:noFill/>
-        </p:spPr>
-        <p:txBody>
-          <a:bodyPr wrap="none" rtlCol="0" anchor="ctr">
-            <a:spAutoFit/>
-          </a:bodyPr>
-          <a:lstStyle/>
-          <a:p>
-            <a:r>
-              <a:rPr lang="en" altLang="zh-CN" sz="8000" b="1" dirty="0">
-                <a:latin typeface="Helvetica Neue" panose="02000503000000020004" pitchFamily="2" charset="0"/>
-              </a:rPr>
-              <a:t>V</a:t>
-            </a:r>
-            <a:endParaRPr lang="en" altLang="zh-CN" sz="8000" dirty="0">
-              <a:effectLst/>
-              <a:latin typeface="PingFang SC Medium" panose="020B0400000000000000" pitchFamily="34" charset="-122"/>
-              <a:ea typeface="PingFang SC Medium" panose="020B0400000000000000" pitchFamily="34" charset="-122"/>
-            </a:endParaRPr>
-          </a:p>
-        </p:txBody>
-      </p:sp>
-      <p:sp>
-        <p:nvSpPr>
-          <p:cNvPr id="47" name="文本框 46">
-            <a:extLst>
-              <a:ext uri="{FF2B5EF4-FFF2-40B4-BE49-F238E27FC236}">
-                <a16:creationId xmlns:a16="http://schemas.microsoft.com/office/drawing/2014/main" id="{B63C51E3-50BC-437A-83E1-2B107C30EF8F}"/>
-              </a:ext>
-            </a:extLst>
-          </p:cNvPr>
-          <p:cNvSpPr txBox="1"/>
-          <p:nvPr/>
-        </p:nvSpPr>
-        <p:spPr>
-          <a:xfrm>
-            <a:off x="10554533" y="15786150"/>
-            <a:ext cx="907621" cy="1323439"/>
-          </a:xfrm>
-          <a:prstGeom prst="rect">
-            <a:avLst/>
-          </a:prstGeom>
-          <a:noFill/>
-        </p:spPr>
-        <p:txBody>
-          <a:bodyPr wrap="none" rtlCol="0" anchor="ctr">
-            <a:spAutoFit/>
-          </a:bodyPr>
-          <a:lstStyle/>
-          <a:p>
-            <a:r>
-              <a:rPr lang="en" altLang="zh-CN" sz="8000" b="1" dirty="0">
-                <a:latin typeface="Helvetica Neue" panose="02000503000000020004" pitchFamily="2" charset="0"/>
-              </a:rPr>
-              <a:t>B</a:t>
-            </a:r>
-            <a:endParaRPr lang="en" altLang="zh-CN" sz="8000" dirty="0">
-              <a:effectLst/>
-              <a:latin typeface="PingFang SC Medium" panose="020B0400000000000000" pitchFamily="34" charset="-122"/>
-              <a:ea typeface="PingFang SC Medium" panose="020B0400000000000000" pitchFamily="34" charset="-122"/>
-            </a:endParaRPr>
-          </a:p>
-        </p:txBody>
-      </p:sp>
-      <p:sp>
-        <p:nvSpPr>
-          <p:cNvPr id="48" name="文本框 47">
-            <a:extLst>
-              <a:ext uri="{FF2B5EF4-FFF2-40B4-BE49-F238E27FC236}">
-                <a16:creationId xmlns:a16="http://schemas.microsoft.com/office/drawing/2014/main" id="{8397050F-A31F-AA2D-BAB4-F91565B2E81D}"/>
-              </a:ext>
-            </a:extLst>
-          </p:cNvPr>
-          <p:cNvSpPr txBox="1"/>
-          <p:nvPr/>
-        </p:nvSpPr>
-        <p:spPr>
-          <a:xfrm>
-            <a:off x="12871892" y="15786150"/>
-            <a:ext cx="944489" cy="1323439"/>
-          </a:xfrm>
-          <a:prstGeom prst="rect">
-            <a:avLst/>
-          </a:prstGeom>
-          <a:noFill/>
-        </p:spPr>
-        <p:txBody>
-          <a:bodyPr wrap="none" rtlCol="0" anchor="ctr">
-            <a:spAutoFit/>
-          </a:bodyPr>
-          <a:lstStyle/>
-          <a:p>
-            <a:r>
-              <a:rPr lang="en" altLang="zh-CN" sz="8000" b="1" dirty="0">
-                <a:latin typeface="Helvetica Neue" panose="02000503000000020004" pitchFamily="2" charset="0"/>
-              </a:rPr>
-              <a:t>N</a:t>
-            </a:r>
-            <a:endParaRPr lang="en" altLang="zh-CN" sz="8000" dirty="0">
-              <a:effectLst/>
-              <a:latin typeface="PingFang SC Medium" panose="020B0400000000000000" pitchFamily="34" charset="-122"/>
-              <a:ea typeface="PingFang SC Medium" panose="020B0400000000000000" pitchFamily="34" charset="-122"/>
-            </a:endParaRPr>
-          </a:p>
-        </p:txBody>
-      </p:sp>
-      <p:sp>
-        <p:nvSpPr>
-          <p:cNvPr id="49" name="文本框 48">
-            <a:extLst>
-              <a:ext uri="{FF2B5EF4-FFF2-40B4-BE49-F238E27FC236}">
-                <a16:creationId xmlns:a16="http://schemas.microsoft.com/office/drawing/2014/main" id="{A6C4A7EC-0591-380A-5201-268956D6797C}"/>
-              </a:ext>
-            </a:extLst>
-          </p:cNvPr>
-          <p:cNvSpPr txBox="1"/>
-          <p:nvPr/>
-        </p:nvSpPr>
-        <p:spPr>
-          <a:xfrm>
-            <a:off x="15133311" y="15786150"/>
-            <a:ext cx="1114408" cy="1323439"/>
-          </a:xfrm>
-          <a:prstGeom prst="rect">
-            <a:avLst/>
-          </a:prstGeom>
-          <a:noFill/>
-        </p:spPr>
-        <p:txBody>
-          <a:bodyPr wrap="none" rtlCol="0" anchor="ctr">
-            <a:spAutoFit/>
-          </a:bodyPr>
-          <a:lstStyle/>
-          <a:p>
-            <a:r>
-              <a:rPr lang="en" altLang="zh-CN" sz="8000" b="1" dirty="0">
-                <a:latin typeface="Helvetica Neue" panose="02000503000000020004" pitchFamily="2" charset="0"/>
-              </a:rPr>
-              <a:t>M</a:t>
-            </a:r>
-            <a:endParaRPr lang="en" altLang="zh-CN" sz="8000" dirty="0">
-              <a:effectLst/>
-              <a:latin typeface="PingFang SC Medium" panose="020B0400000000000000" pitchFamily="34" charset="-122"/>
-              <a:ea typeface="PingFang SC Medium" panose="020B0400000000000000" pitchFamily="34" charset="-122"/>
-            </a:endParaRPr>
-          </a:p>
-        </p:txBody>
-      </p:sp>
-      <p:sp>
-        <p:nvSpPr>
-          <p:cNvPr id="50" name="文本框 49">
-            <a:extLst>
-              <a:ext uri="{FF2B5EF4-FFF2-40B4-BE49-F238E27FC236}">
-                <a16:creationId xmlns:a16="http://schemas.microsoft.com/office/drawing/2014/main" id="{01F08CD7-A626-31CE-F322-06383834A7B0}"/>
-              </a:ext>
-            </a:extLst>
-          </p:cNvPr>
-          <p:cNvSpPr txBox="1"/>
-          <p:nvPr/>
-        </p:nvSpPr>
-        <p:spPr>
-          <a:xfrm>
-            <a:off x="16908788" y="15904666"/>
-            <a:ext cx="2222083" cy="1015663"/>
-          </a:xfrm>
-          <a:prstGeom prst="rect">
-            <a:avLst/>
-          </a:prstGeom>
-          <a:noFill/>
-        </p:spPr>
-        <p:txBody>
-          <a:bodyPr wrap="none" rtlCol="0" anchor="ctr">
-            <a:spAutoFit/>
-          </a:bodyPr>
-          <a:lstStyle/>
-          <a:p>
-            <a:r>
-              <a:rPr lang="en" altLang="zh-CN" sz="6000" b="1" dirty="0">
-                <a:latin typeface="Alibaba PuHuiTi B" pitchFamily="18" charset="-122"/>
-                <a:ea typeface="Alibaba PuHuiTi B" pitchFamily="18" charset="-122"/>
-                <a:cs typeface="Alibaba PuHuiTi B" pitchFamily="18" charset="-122"/>
-              </a:rPr>
-              <a:t>PgUp</a:t>
-            </a:r>
-            <a:endParaRPr lang="en" altLang="zh-CN" sz="8000" b="1" dirty="0">
-              <a:effectLst/>
-              <a:latin typeface="Alibaba PuHuiTi B" pitchFamily="18" charset="-122"/>
-              <a:ea typeface="Alibaba PuHuiTi B" pitchFamily="18" charset="-122"/>
-              <a:cs typeface="Alibaba PuHuiTi B" pitchFamily="18" charset="-122"/>
-            </a:endParaRPr>
-          </a:p>
-        </p:txBody>
-      </p:sp>
-      <p:sp>
-        <p:nvSpPr>
-          <p:cNvPr id="53" name="文本框 52">
-            <a:extLst>
-              <a:ext uri="{FF2B5EF4-FFF2-40B4-BE49-F238E27FC236}">
-                <a16:creationId xmlns:a16="http://schemas.microsoft.com/office/drawing/2014/main" id="{685AB7CE-99DE-6FB3-23C3-88E52F407DEC}"/>
-              </a:ext>
-            </a:extLst>
-          </p:cNvPr>
-          <p:cNvSpPr txBox="1"/>
-          <p:nvPr/>
-        </p:nvSpPr>
-        <p:spPr>
-          <a:xfrm>
-            <a:off x="3575193" y="17913040"/>
-            <a:ext cx="814647" cy="1323439"/>
-          </a:xfrm>
-          <a:prstGeom prst="rect">
-            <a:avLst/>
-          </a:prstGeom>
-          <a:noFill/>
-        </p:spPr>
-        <p:txBody>
-          <a:bodyPr wrap="none" rtlCol="0" anchor="ctr">
-            <a:spAutoFit/>
-          </a:bodyPr>
-          <a:lstStyle/>
-          <a:p>
-            <a:r>
-              <a:rPr lang="en" altLang="zh-CN" sz="8000" b="1" dirty="0">
-                <a:effectLst/>
-                <a:latin typeface="Helvetica Neue" panose="02000503000000020004" pitchFamily="2" charset="0"/>
-                <a:ea typeface="Helvetica Neue" panose="02000503000000020004" pitchFamily="2" charset="0"/>
-                <a:cs typeface="Helvetica Neue" panose="02000503000000020004" pitchFamily="2" charset="0"/>
-              </a:rPr>
-              <a:t>⇧</a:t>
-            </a:r>
-            <a:endParaRPr lang="zh-CN" altLang="en-US" sz="8000" b="1" dirty="0">
-              <a:effectLst/>
-              <a:latin typeface="Helvetica Neue" panose="02000503000000020004" pitchFamily="2" charset="0"/>
-              <a:ea typeface="Alibaba PuHuiTi H" pitchFamily="18" charset="-122"/>
-              <a:cs typeface="Helvetica Neue" panose="02000503000000020004" pitchFamily="2" charset="0"/>
-            </a:endParaRPr>
-          </a:p>
-        </p:txBody>
-      </p:sp>
-      <p:sp>
-        <p:nvSpPr>
-          <p:cNvPr id="54" name="文本框 53">
-            <a:extLst>
-              <a:ext uri="{FF2B5EF4-FFF2-40B4-BE49-F238E27FC236}">
-                <a16:creationId xmlns:a16="http://schemas.microsoft.com/office/drawing/2014/main" id="{F815CCDC-9EF7-E897-2E31-A20F86A9AAD2}"/>
-              </a:ext>
-            </a:extLst>
-          </p:cNvPr>
-          <p:cNvSpPr txBox="1"/>
-          <p:nvPr/>
-        </p:nvSpPr>
-        <p:spPr>
-          <a:xfrm>
-            <a:off x="5933956" y="17915299"/>
-            <a:ext cx="814647" cy="1323439"/>
-          </a:xfrm>
-          <a:prstGeom prst="rect">
-            <a:avLst/>
-          </a:prstGeom>
-          <a:noFill/>
-        </p:spPr>
-        <p:txBody>
-          <a:bodyPr wrap="none" rtlCol="0" anchor="ctr">
-            <a:spAutoFit/>
-          </a:bodyPr>
-          <a:lstStyle/>
-          <a:p>
-            <a:r>
-              <a:rPr lang="en" altLang="zh-CN" sz="8000" b="1" dirty="0">
-                <a:effectLst/>
-                <a:latin typeface="Alibaba PuHuiTi B" pitchFamily="18" charset="-122"/>
-                <a:ea typeface="Alibaba PuHuiTi B" pitchFamily="18" charset="-122"/>
-                <a:cs typeface="Alibaba PuHuiTi B" pitchFamily="18" charset="-122"/>
-              </a:rPr>
-              <a:t>⇪</a:t>
-            </a:r>
-            <a:endParaRPr lang="zh-CN" altLang="en-US" sz="8000" dirty="0">
-              <a:effectLst/>
-              <a:latin typeface="Helvetica Neue" panose="02000503000000020004" pitchFamily="2" charset="0"/>
-            </a:endParaRPr>
-          </a:p>
-        </p:txBody>
-      </p:sp>
-      <p:sp>
-        <p:nvSpPr>
-          <p:cNvPr id="55" name="文本框 54">
-            <a:extLst>
-              <a:ext uri="{FF2B5EF4-FFF2-40B4-BE49-F238E27FC236}">
-                <a16:creationId xmlns:a16="http://schemas.microsoft.com/office/drawing/2014/main" id="{40B381BA-FA32-E58A-3FC0-214C4D8FB90C}"/>
-              </a:ext>
-            </a:extLst>
-          </p:cNvPr>
-          <p:cNvSpPr txBox="1"/>
-          <p:nvPr/>
-        </p:nvSpPr>
-        <p:spPr>
-          <a:xfrm>
-            <a:off x="7907912" y="18078150"/>
-            <a:ext cx="1516762" cy="1107996"/>
-          </a:xfrm>
-          <a:prstGeom prst="rect">
-            <a:avLst/>
-          </a:prstGeom>
-          <a:noFill/>
-        </p:spPr>
-        <p:txBody>
-          <a:bodyPr wrap="none" rtlCol="0" anchor="ctr">
-            <a:spAutoFit/>
-          </a:bodyPr>
-          <a:lstStyle/>
-          <a:p>
-            <a:r>
-              <a:rPr lang="en" altLang="zh-CN" sz="6600" b="1" dirty="0">
-                <a:effectLst/>
-                <a:latin typeface="Alibaba PuHuiTi B" pitchFamily="18" charset="-122"/>
-                <a:ea typeface="Alibaba PuHuiTi B" pitchFamily="18" charset="-122"/>
-                <a:cs typeface="Alibaba PuHuiTi B" pitchFamily="18" charset="-122"/>
-              </a:rPr>
-              <a:t>esc</a:t>
-            </a:r>
-            <a:endParaRPr lang="zh-CN" altLang="en-US" sz="8000" b="1" dirty="0">
-              <a:effectLst/>
-              <a:latin typeface="Alibaba PuHuiTi B" pitchFamily="18" charset="-122"/>
-              <a:ea typeface="Alibaba PuHuiTi B" pitchFamily="18" charset="-122"/>
-              <a:cs typeface="Alibaba PuHuiTi B" pitchFamily="18" charset="-122"/>
-            </a:endParaRPr>
-          </a:p>
-        </p:txBody>
-      </p:sp>
-      <p:sp>
-        <p:nvSpPr>
-          <p:cNvPr id="57" name="文本框 56">
-            <a:extLst>
-              <a:ext uri="{FF2B5EF4-FFF2-40B4-BE49-F238E27FC236}">
-                <a16:creationId xmlns:a16="http://schemas.microsoft.com/office/drawing/2014/main" id="{3173567A-5232-2BFF-A42F-544007C2ED5F}"/>
-              </a:ext>
-            </a:extLst>
-          </p:cNvPr>
-          <p:cNvSpPr txBox="1"/>
-          <p:nvPr/>
-        </p:nvSpPr>
-        <p:spPr>
-          <a:xfrm>
-            <a:off x="13064926" y="17848805"/>
-            <a:ext cx="556563" cy="1446550"/>
-          </a:xfrm>
-          <a:prstGeom prst="rect">
-            <a:avLst/>
-          </a:prstGeom>
-          <a:noFill/>
-        </p:spPr>
-        <p:txBody>
-          <a:bodyPr wrap="none" rtlCol="0" anchor="ctr">
-            <a:spAutoFit/>
-          </a:bodyPr>
-          <a:lstStyle/>
-          <a:p>
-            <a:r>
-              <a:rPr lang="en" altLang="zh-CN" sz="8800" b="1" dirty="0">
-                <a:effectLst/>
-                <a:latin typeface="Alibaba PuHuiTi B" pitchFamily="18" charset="-122"/>
-                <a:ea typeface="Alibaba PuHuiTi B" pitchFamily="18" charset="-122"/>
-                <a:cs typeface="Alibaba PuHuiTi B" pitchFamily="18" charset="-122"/>
-              </a:rPr>
-              <a:t>.</a:t>
-            </a:r>
-            <a:endParaRPr lang="zh-CN" altLang="en-US" sz="8000" dirty="0">
-              <a:effectLst/>
-              <a:latin typeface="Helvetica Neue" panose="02000503000000020004" pitchFamily="2" charset="0"/>
-            </a:endParaRPr>
-          </a:p>
-        </p:txBody>
-      </p:sp>
-      <p:sp>
-        <p:nvSpPr>
-          <p:cNvPr id="58" name="文本框 57">
-            <a:extLst>
-              <a:ext uri="{FF2B5EF4-FFF2-40B4-BE49-F238E27FC236}">
-                <a16:creationId xmlns:a16="http://schemas.microsoft.com/office/drawing/2014/main" id="{922A4934-3D9A-8E13-7A20-3A890C6A3087}"/>
-              </a:ext>
-            </a:extLst>
-          </p:cNvPr>
-          <p:cNvSpPr txBox="1"/>
-          <p:nvPr/>
-        </p:nvSpPr>
-        <p:spPr>
-          <a:xfrm>
-            <a:off x="15083278" y="17483734"/>
-            <a:ext cx="1200970" cy="1569660"/>
-          </a:xfrm>
-          <a:prstGeom prst="rect">
-            <a:avLst/>
-          </a:prstGeom>
-          <a:noFill/>
-        </p:spPr>
-        <p:txBody>
-          <a:bodyPr wrap="none" rtlCol="0" anchor="ctr">
-            <a:spAutoFit/>
-          </a:bodyPr>
-          <a:lstStyle/>
-          <a:p>
-            <a:r>
-              <a:rPr lang="en" altLang="zh-CN" sz="9600" b="1" dirty="0">
-                <a:effectLst/>
-                <a:latin typeface="Alibaba PuHuiTi B" pitchFamily="18" charset="-122"/>
-                <a:ea typeface="Alibaba PuHuiTi B" pitchFamily="18" charset="-122"/>
-                <a:cs typeface="Alibaba PuHuiTi B" pitchFamily="18" charset="-122"/>
-              </a:rPr>
-              <a:t>␣</a:t>
-            </a:r>
-            <a:endParaRPr lang="zh-CN" altLang="en-US" sz="9600" dirty="0">
-              <a:effectLst/>
-              <a:latin typeface="Helvetica Neue" panose="02000503000000020004" pitchFamily="2" charset="0"/>
-            </a:endParaRPr>
-          </a:p>
-        </p:txBody>
-      </p:sp>
-      <p:sp>
-        <p:nvSpPr>
-          <p:cNvPr id="59" name="文本框 58">
-            <a:extLst>
-              <a:ext uri="{FF2B5EF4-FFF2-40B4-BE49-F238E27FC236}">
-                <a16:creationId xmlns:a16="http://schemas.microsoft.com/office/drawing/2014/main" id="{4C7FC916-000A-693D-0E3D-FC661ACE35F8}"/>
-              </a:ext>
-            </a:extLst>
-          </p:cNvPr>
-          <p:cNvSpPr txBox="1"/>
-          <p:nvPr/>
-        </p:nvSpPr>
-        <p:spPr>
-          <a:xfrm>
-            <a:off x="19755153" y="17964961"/>
-            <a:ext cx="1210588" cy="1323439"/>
-          </a:xfrm>
-          <a:prstGeom prst="rect">
-            <a:avLst/>
-          </a:prstGeom>
-          <a:noFill/>
-        </p:spPr>
-        <p:txBody>
-          <a:bodyPr wrap="none" rtlCol="0" anchor="ctr">
-            <a:spAutoFit/>
-          </a:bodyPr>
-          <a:lstStyle/>
-          <a:p>
-            <a:r>
-              <a:rPr lang="en" altLang="zh-CN" sz="8000" b="1" dirty="0">
-                <a:latin typeface="Alibaba PuHuiTi B" pitchFamily="18" charset="-122"/>
-                <a:ea typeface="Alibaba PuHuiTi B" pitchFamily="18" charset="-122"/>
-                <a:cs typeface="Alibaba PuHuiTi B" pitchFamily="18" charset="-122"/>
-              </a:rPr>
-              <a:t>▼</a:t>
-            </a:r>
-            <a:endParaRPr lang="zh-CN" altLang="en-US" sz="8000" dirty="0">
-              <a:effectLst/>
-              <a:latin typeface="Helvetica Neue" panose="02000503000000020004" pitchFamily="2" charset="0"/>
-            </a:endParaRPr>
-          </a:p>
-        </p:txBody>
-      </p:sp>
-      <p:sp>
-        <p:nvSpPr>
-          <p:cNvPr id="61" name="文本框 60">
-            <a:extLst>
-              <a:ext uri="{FF2B5EF4-FFF2-40B4-BE49-F238E27FC236}">
-                <a16:creationId xmlns:a16="http://schemas.microsoft.com/office/drawing/2014/main" id="{3C1E8206-4B89-86EB-6CE5-461233CC0478}"/>
-              </a:ext>
-            </a:extLst>
-          </p:cNvPr>
-          <p:cNvSpPr txBox="1"/>
-          <p:nvPr/>
-        </p:nvSpPr>
-        <p:spPr>
-          <a:xfrm>
-            <a:off x="21613304" y="15901776"/>
-            <a:ext cx="2204450" cy="1015663"/>
-          </a:xfrm>
-          <a:prstGeom prst="rect">
-            <a:avLst/>
-          </a:prstGeom>
-          <a:noFill/>
-        </p:spPr>
-        <p:txBody>
-          <a:bodyPr wrap="none" rtlCol="0" anchor="ctr">
-            <a:spAutoFit/>
-          </a:bodyPr>
-          <a:lstStyle/>
-          <a:p>
-            <a:r>
-              <a:rPr lang="en" altLang="zh-CN" sz="6000" b="1" dirty="0">
-                <a:latin typeface="Alibaba PuHuiTi B" pitchFamily="18" charset="-122"/>
-                <a:ea typeface="Alibaba PuHuiTi B" pitchFamily="18" charset="-122"/>
-                <a:cs typeface="Alibaba PuHuiTi B" pitchFamily="18" charset="-122"/>
-              </a:rPr>
-              <a:t>PgDn</a:t>
-            </a:r>
-            <a:endParaRPr lang="en" altLang="zh-CN" sz="8000" b="1" dirty="0">
-              <a:effectLst/>
-              <a:latin typeface="Alibaba PuHuiTi B" pitchFamily="18" charset="-122"/>
-              <a:ea typeface="Alibaba PuHuiTi B" pitchFamily="18" charset="-122"/>
-              <a:cs typeface="Alibaba PuHuiTi B" pitchFamily="18" charset="-122"/>
-            </a:endParaRPr>
-          </a:p>
-        </p:txBody>
-      </p:sp>
-      <p:sp>
-        <p:nvSpPr>
-          <p:cNvPr id="62" name="文本框 61">
-            <a:extLst>
-              <a:ext uri="{FF2B5EF4-FFF2-40B4-BE49-F238E27FC236}">
-                <a16:creationId xmlns:a16="http://schemas.microsoft.com/office/drawing/2014/main" id="{0A499CDD-71AA-52C2-BC57-2446E5DC4E59}"/>
-              </a:ext>
-            </a:extLst>
-          </p:cNvPr>
-          <p:cNvSpPr txBox="1"/>
-          <p:nvPr/>
-        </p:nvSpPr>
-        <p:spPr>
-          <a:xfrm rot="5400000">
-            <a:off x="17300837" y="17947344"/>
-            <a:ext cx="1210588" cy="1323439"/>
-          </a:xfrm>
-          <a:prstGeom prst="rect">
-            <a:avLst/>
-          </a:prstGeom>
-          <a:noFill/>
-        </p:spPr>
-        <p:txBody>
-          <a:bodyPr wrap="none" rtlCol="0" anchor="ctr">
-            <a:spAutoFit/>
-          </a:bodyPr>
-          <a:lstStyle/>
-          <a:p>
-            <a:r>
-              <a:rPr lang="en" altLang="zh-CN" sz="8000" b="1" dirty="0">
-                <a:latin typeface="Alibaba PuHuiTi B" pitchFamily="18" charset="-122"/>
-                <a:ea typeface="Alibaba PuHuiTi B" pitchFamily="18" charset="-122"/>
-                <a:cs typeface="Alibaba PuHuiTi B" pitchFamily="18" charset="-122"/>
-              </a:rPr>
-              <a:t>▼</a:t>
-            </a:r>
-            <a:endParaRPr lang="zh-CN" altLang="en-US" sz="8000" dirty="0">
-              <a:effectLst/>
-              <a:latin typeface="Helvetica Neue" panose="02000503000000020004" pitchFamily="2" charset="0"/>
-            </a:endParaRPr>
-          </a:p>
-        </p:txBody>
-      </p:sp>
-      <p:sp>
-        <p:nvSpPr>
-          <p:cNvPr id="63" name="文本框 62">
-            <a:extLst>
-              <a:ext uri="{FF2B5EF4-FFF2-40B4-BE49-F238E27FC236}">
-                <a16:creationId xmlns:a16="http://schemas.microsoft.com/office/drawing/2014/main" id="{AA32068D-D1B3-C44E-CC46-93D310BE9B30}"/>
-              </a:ext>
-            </a:extLst>
-          </p:cNvPr>
-          <p:cNvSpPr txBox="1"/>
-          <p:nvPr/>
-        </p:nvSpPr>
-        <p:spPr>
-          <a:xfrm rot="16200000">
-            <a:off x="22155607" y="17925648"/>
-            <a:ext cx="1210588" cy="1323439"/>
-          </a:xfrm>
-          <a:prstGeom prst="rect">
-            <a:avLst/>
-          </a:prstGeom>
-          <a:noFill/>
-        </p:spPr>
-        <p:txBody>
-          <a:bodyPr wrap="none" rtlCol="0" anchor="ctr">
-            <a:spAutoFit/>
-          </a:bodyPr>
-          <a:lstStyle/>
-          <a:p>
-            <a:r>
-              <a:rPr lang="en" altLang="zh-CN" sz="8000" b="1" dirty="0">
-                <a:latin typeface="Alibaba PuHuiTi B" pitchFamily="18" charset="-122"/>
-                <a:ea typeface="Alibaba PuHuiTi B" pitchFamily="18" charset="-122"/>
-                <a:cs typeface="Alibaba PuHuiTi B" pitchFamily="18" charset="-122"/>
-              </a:rPr>
-              <a:t>▼</a:t>
-            </a:r>
-            <a:endParaRPr lang="zh-CN" altLang="en-US" sz="8000" dirty="0">
-              <a:effectLst/>
-              <a:latin typeface="Helvetica Neue" panose="02000503000000020004" pitchFamily="2" charset="0"/>
-            </a:endParaRPr>
-          </a:p>
-        </p:txBody>
-      </p:sp>
-      <p:sp>
-        <p:nvSpPr>
-          <p:cNvPr id="64" name="文本框 63">
-            <a:extLst>
-              <a:ext uri="{FF2B5EF4-FFF2-40B4-BE49-F238E27FC236}">
-                <a16:creationId xmlns:a16="http://schemas.microsoft.com/office/drawing/2014/main" id="{64E7B833-84A7-9C67-B03C-37E40F7D5C49}"/>
-              </a:ext>
-            </a:extLst>
-          </p:cNvPr>
-          <p:cNvSpPr txBox="1"/>
-          <p:nvPr/>
-        </p:nvSpPr>
-        <p:spPr>
-          <a:xfrm>
-            <a:off x="17196434" y="9478071"/>
-            <a:ext cx="6301725" cy="1015663"/>
+            <a:off x="21826187" y="9485765"/>
+            <a:ext cx="1710725" cy="1023357"/>
           </a:xfrm>
           <a:prstGeom prst="rect">
             <a:avLst/>
@@ -5589,155 +5723,8 @@
                 <a:ea typeface="Alibaba PuHuiTi B" pitchFamily="18" charset="-122"/>
                 <a:cs typeface="Alibaba PuHuiTi B" pitchFamily="18" charset="-122"/>
               </a:rPr>
-              <a:t>行程 </a:t>
-            </a:r>
-            <a:r>
-              <a:rPr lang="en-US" altLang="zh-CN" sz="6050" dirty="0">
-                <a:latin typeface="Alibaba PuHuiTi B" pitchFamily="18" charset="-122"/>
-                <a:ea typeface="Alibaba PuHuiTi B" pitchFamily="18" charset="-122"/>
-                <a:cs typeface="Alibaba PuHuiTi B" pitchFamily="18" charset="-122"/>
-              </a:rPr>
-              <a:t>  </a:t>
-            </a:r>
-            <a:r>
-              <a:rPr lang="zh-CN" altLang="en-US" sz="6050" dirty="0">
-                <a:latin typeface="Alibaba PuHuiTi B" pitchFamily="18" charset="-122"/>
-                <a:ea typeface="Alibaba PuHuiTi B" pitchFamily="18" charset="-122"/>
-                <a:cs typeface="Alibaba PuHuiTi B" pitchFamily="18" charset="-122"/>
-              </a:rPr>
-              <a:t> 测验</a:t>
-            </a:r>
-            <a:r>
-              <a:rPr lang="en-US" altLang="zh-CN" sz="6050" dirty="0">
-                <a:latin typeface="Alibaba PuHuiTi B" pitchFamily="18" charset="-122"/>
-                <a:ea typeface="Alibaba PuHuiTi B" pitchFamily="18" charset="-122"/>
-                <a:cs typeface="Alibaba PuHuiTi B" pitchFamily="18" charset="-122"/>
-              </a:rPr>
-              <a:t> </a:t>
-            </a:r>
-            <a:r>
-              <a:rPr lang="zh-CN" altLang="en-US" sz="6050" dirty="0">
-                <a:latin typeface="Alibaba PuHuiTi B" pitchFamily="18" charset="-122"/>
-                <a:ea typeface="Alibaba PuHuiTi B" pitchFamily="18" charset="-122"/>
-                <a:cs typeface="Alibaba PuHuiTi B" pitchFamily="18" charset="-122"/>
-              </a:rPr>
-              <a:t> </a:t>
-            </a:r>
-            <a:r>
-              <a:rPr lang="en-US" altLang="zh-CN" sz="6050" dirty="0">
-                <a:latin typeface="Alibaba PuHuiTi B" pitchFamily="18" charset="-122"/>
-                <a:ea typeface="Alibaba PuHuiTi B" pitchFamily="18" charset="-122"/>
-                <a:cs typeface="Alibaba PuHuiTi B" pitchFamily="18" charset="-122"/>
-              </a:rPr>
-              <a:t> </a:t>
-            </a:r>
-            <a:r>
-              <a:rPr lang="zh-CN" altLang="en-US" sz="6050" dirty="0">
-                <a:latin typeface="Alibaba PuHuiTi B" pitchFamily="18" charset="-122"/>
-                <a:ea typeface="Alibaba PuHuiTi B" pitchFamily="18" charset="-122"/>
-                <a:cs typeface="Alibaba PuHuiTi B" pitchFamily="18" charset="-122"/>
-              </a:rPr>
-              <a:t> 其他</a:t>
-            </a:r>
-          </a:p>
-        </p:txBody>
-      </p:sp>
-      <p:sp>
-        <p:nvSpPr>
-          <p:cNvPr id="65" name="文本框 64">
-            <a:extLst>
-              <a:ext uri="{FF2B5EF4-FFF2-40B4-BE49-F238E27FC236}">
-                <a16:creationId xmlns:a16="http://schemas.microsoft.com/office/drawing/2014/main" id="{53A42EE9-7285-8E6E-2DDE-29C5D092F4BF}"/>
-              </a:ext>
-            </a:extLst>
-          </p:cNvPr>
-          <p:cNvSpPr txBox="1"/>
-          <p:nvPr/>
-        </p:nvSpPr>
-        <p:spPr>
-          <a:xfrm>
-            <a:off x="10163897" y="18125114"/>
-            <a:ext cx="1733167" cy="1015663"/>
-          </a:xfrm>
-          <a:prstGeom prst="rect">
-            <a:avLst/>
-          </a:prstGeom>
-          <a:noFill/>
-        </p:spPr>
-        <p:txBody>
-          <a:bodyPr wrap="none" rtlCol="0">
-            <a:spAutoFit/>
-          </a:bodyPr>
-          <a:lstStyle>
-            <a:defPPr>
-              <a:defRPr lang="en-US"/>
-            </a:defPPr>
-            <a:lvl1pPr>
-              <a:defRPr sz="8000" b="1">
-                <a:effectLst/>
-                <a:latin typeface="Helvetica Neue" panose="02000503000000020004" pitchFamily="2" charset="0"/>
-                <a:ea typeface="Helvetica Neue" panose="02000503000000020004" pitchFamily="2" charset="0"/>
-                <a:cs typeface="Helvetica Neue" panose="02000503000000020004" pitchFamily="2" charset="0"/>
-              </a:defRPr>
-            </a:lvl1pPr>
-          </a:lstStyle>
-          <a:p>
-            <a:r>
-              <a:rPr lang="en-US" altLang="zh-CN" sz="6000" dirty="0">
-                <a:latin typeface="Alibaba PuHuiTi B" pitchFamily="18" charset="-122"/>
-                <a:ea typeface="Alibaba PuHuiTi B" pitchFamily="18" charset="-122"/>
-                <a:cs typeface="Alibaba PuHuiTi B" pitchFamily="18" charset="-122"/>
-              </a:rPr>
-              <a:t>sym</a:t>
-            </a:r>
-            <a:endParaRPr lang="zh-CN" altLang="en-US" sz="5400" dirty="0">
-              <a:latin typeface="Alibaba PuHuiTi B" pitchFamily="18" charset="-122"/>
-              <a:ea typeface="Alibaba PuHuiTi B" pitchFamily="18" charset="-122"/>
-              <a:cs typeface="Alibaba PuHuiTi B" pitchFamily="18" charset="-122"/>
-            </a:endParaRPr>
-          </a:p>
-        </p:txBody>
-      </p:sp>
-      <p:sp>
-        <p:nvSpPr>
-          <p:cNvPr id="66" name="文本框 65">
-            <a:extLst>
-              <a:ext uri="{FF2B5EF4-FFF2-40B4-BE49-F238E27FC236}">
-                <a16:creationId xmlns:a16="http://schemas.microsoft.com/office/drawing/2014/main" id="{502AC7BB-F1C0-0CCF-AE7D-2C2963CAEFAE}"/>
-              </a:ext>
-            </a:extLst>
-          </p:cNvPr>
-          <p:cNvSpPr txBox="1"/>
-          <p:nvPr/>
-        </p:nvSpPr>
-        <p:spPr>
-          <a:xfrm rot="10800000">
-            <a:off x="19742002" y="15817984"/>
-            <a:ext cx="1210588" cy="1323439"/>
-          </a:xfrm>
-          <a:prstGeom prst="rect">
-            <a:avLst/>
-          </a:prstGeom>
-          <a:noFill/>
-        </p:spPr>
-        <p:txBody>
-          <a:bodyPr wrap="none" rtlCol="0" anchor="ctr">
-            <a:spAutoFit/>
-          </a:bodyPr>
-          <a:lstStyle/>
-          <a:p>
-            <a:r>
-              <a:rPr lang="en" altLang="zh-CN" sz="8000" b="1" dirty="0">
-                <a:latin typeface="Alibaba PuHuiTi B" pitchFamily="18" charset="-122"/>
-                <a:ea typeface="Alibaba PuHuiTi B" pitchFamily="18" charset="-122"/>
-                <a:cs typeface="Alibaba PuHuiTi B" pitchFamily="18" charset="-122"/>
-              </a:rPr>
-              <a:t>▼</a:t>
-            </a:r>
-            <a:endParaRPr lang="zh-CN" altLang="en-US" sz="8000" dirty="0">
-              <a:effectLst/>
-              <a:latin typeface="Helvetica Neue" panose="02000503000000020004" pitchFamily="2" charset="0"/>
-            </a:endParaRPr>
+              <a:t>网络</a:t>
+            </a:r>
           </a:p>
         </p:txBody>
       </p:sp>

--- a/CloveV2/62x67.pptx
+++ b/CloveV2/62x67.pptx
@@ -2,15 +2,18 @@
 <file path=ppt/presentation.xml><?xml version="1.0" encoding="utf-8"?>
 <p:presentation xmlns:a="http://schemas.openxmlformats.org/drawingml/2006/main" xmlns:r="http://schemas.openxmlformats.org/officeDocument/2006/relationships" xmlns:p="http://schemas.openxmlformats.org/presentationml/2006/main" saveSubsetFonts="1" autoCompressPictures="0">
   <p:sldMasterIdLst>
-    <p:sldMasterId id="2147483660" r:id="rId1"/>
+    <p:sldMasterId id="2147483672" r:id="rId1"/>
   </p:sldMasterIdLst>
   <p:notesMasterIdLst>
-    <p:notesMasterId r:id="rId3"/>
+    <p:notesMasterId r:id="rId6"/>
   </p:notesMasterIdLst>
   <p:sldIdLst>
     <p:sldId id="256" r:id="rId2"/>
+    <p:sldId id="257" r:id="rId3"/>
+    <p:sldId id="258" r:id="rId4"/>
+    <p:sldId id="259" r:id="rId5"/>
   </p:sldIdLst>
-  <p:sldSz cx="24120475" cy="22320250"/>
+  <p:sldSz cx="28260675" cy="20520025"/>
   <p:notesSz cx="6858000" cy="9144000"/>
   <p:defaultTextStyle>
     <a:defPPr>
@@ -197,7 +200,7 @@
           <a:p>
             <a:fld id="{47387990-2C8D-6748-AB2A-2063CE69BB71}" type="datetimeFigureOut">
               <a:rPr kumimoji="1" lang="zh-CN" altLang="en-US" smtClean="0"/>
-              <a:t>2024/5/29</a:t>
+              <a:t>2024/6/19</a:t>
             </a:fld>
             <a:endParaRPr kumimoji="1" lang="zh-CN" altLang="en-US"/>
           </a:p>
@@ -215,8 +218,8 @@
         </p:nvSpPr>
         <p:spPr>
           <a:xfrm>
-            <a:off x="1762125" y="1143000"/>
-            <a:ext cx="3333750" cy="3086100"/>
+            <a:off x="1304925" y="1143000"/>
+            <a:ext cx="4248150" cy="3086100"/>
           </a:xfrm>
           <a:prstGeom prst="rect">
             <a:avLst/>
@@ -491,7 +494,12 @@
             <p:ph type="sldImg"/>
           </p:nvPr>
         </p:nvSpPr>
-        <p:spPr/>
+        <p:spPr>
+          <a:xfrm>
+            <a:off x="1304925" y="1143000"/>
+            <a:ext cx="4248150" cy="3086100"/>
+          </a:xfrm>
+        </p:spPr>
       </p:sp>
       <p:sp>
         <p:nvSpPr>
@@ -577,15 +585,15 @@
         </p:nvSpPr>
         <p:spPr>
           <a:xfrm>
-            <a:off x="1809036" y="3652876"/>
-            <a:ext cx="20502404" cy="7770754"/>
+            <a:off x="2119551" y="3358255"/>
+            <a:ext cx="24021574" cy="7144009"/>
           </a:xfrm>
         </p:spPr>
         <p:txBody>
           <a:bodyPr anchor="b"/>
           <a:lstStyle>
             <a:lvl1pPr algn="ctr">
-              <a:defRPr sz="15827"/>
+              <a:defRPr sz="17953"/>
             </a:lvl1pPr>
           </a:lstStyle>
           <a:p>
@@ -609,8 +617,8 @@
         </p:nvSpPr>
         <p:spPr>
           <a:xfrm>
-            <a:off x="3015060" y="11723300"/>
-            <a:ext cx="18090356" cy="5388892"/>
+            <a:off x="3532585" y="10777764"/>
+            <a:ext cx="21195506" cy="4954255"/>
           </a:xfrm>
         </p:spPr>
         <p:txBody>
@@ -618,39 +626,39 @@
           <a:lstStyle>
             <a:lvl1pPr marL="0" indent="0" algn="ctr">
               <a:buNone/>
-              <a:defRPr sz="6331"/>
+              <a:defRPr sz="7181"/>
             </a:lvl1pPr>
-            <a:lvl2pPr marL="1206002" indent="0" algn="ctr">
+            <a:lvl2pPr marL="1367988" indent="0" algn="ctr">
               <a:buNone/>
-              <a:defRPr sz="5276"/>
+              <a:defRPr sz="5984"/>
             </a:lvl2pPr>
-            <a:lvl3pPr marL="2412004" indent="0" algn="ctr">
+            <a:lvl3pPr marL="2735976" indent="0" algn="ctr">
               <a:buNone/>
-              <a:defRPr sz="4748"/>
+              <a:defRPr sz="5386"/>
             </a:lvl3pPr>
-            <a:lvl4pPr marL="3618006" indent="0" algn="ctr">
+            <a:lvl4pPr marL="4103964" indent="0" algn="ctr">
               <a:buNone/>
-              <a:defRPr sz="4220"/>
+              <a:defRPr sz="4787"/>
             </a:lvl4pPr>
-            <a:lvl5pPr marL="4824009" indent="0" algn="ctr">
+            <a:lvl5pPr marL="5471952" indent="0" algn="ctr">
               <a:buNone/>
-              <a:defRPr sz="4220"/>
+              <a:defRPr sz="4787"/>
             </a:lvl5pPr>
-            <a:lvl6pPr marL="6030011" indent="0" algn="ctr">
+            <a:lvl6pPr marL="6839941" indent="0" algn="ctr">
               <a:buNone/>
-              <a:defRPr sz="4220"/>
+              <a:defRPr sz="4787"/>
             </a:lvl6pPr>
-            <a:lvl7pPr marL="7236013" indent="0" algn="ctr">
+            <a:lvl7pPr marL="8207929" indent="0" algn="ctr">
               <a:buNone/>
-              <a:defRPr sz="4220"/>
+              <a:defRPr sz="4787"/>
             </a:lvl7pPr>
-            <a:lvl8pPr marL="8442015" indent="0" algn="ctr">
+            <a:lvl8pPr marL="9575917" indent="0" algn="ctr">
               <a:buNone/>
-              <a:defRPr sz="4220"/>
+              <a:defRPr sz="4787"/>
             </a:lvl8pPr>
-            <a:lvl9pPr marL="9648017" indent="0" algn="ctr">
+            <a:lvl9pPr marL="10943905" indent="0" algn="ctr">
               <a:buNone/>
-              <a:defRPr sz="4220"/>
+              <a:defRPr sz="4787"/>
             </a:lvl9pPr>
           </a:lstStyle>
           <a:p>
@@ -679,7 +687,7 @@
           <a:p>
             <a:fld id="{D1B47FD8-00A2-1B45-8BC5-7CC1CB8F2C72}" type="datetimeFigureOut">
               <a:rPr kumimoji="1" lang="zh-CN" altLang="en-US" smtClean="0"/>
-              <a:t>2024/5/29</a:t>
+              <a:t>2024/6/19</a:t>
             </a:fld>
             <a:endParaRPr kumimoji="1" lang="zh-CN" altLang="en-US"/>
           </a:p>
@@ -730,7 +738,7 @@
     </p:spTree>
     <p:extLst>
       <p:ext uri="{BB962C8B-B14F-4D97-AF65-F5344CB8AC3E}">
-        <p14:creationId xmlns:p14="http://schemas.microsoft.com/office/powerpoint/2010/main" val="1849862207"/>
+        <p14:creationId xmlns:p14="http://schemas.microsoft.com/office/powerpoint/2010/main" val="2883355058"/>
       </p:ext>
     </p:extLst>
   </p:cSld>
@@ -849,7 +857,7 @@
           <a:p>
             <a:fld id="{D1B47FD8-00A2-1B45-8BC5-7CC1CB8F2C72}" type="datetimeFigureOut">
               <a:rPr kumimoji="1" lang="zh-CN" altLang="en-US" smtClean="0"/>
-              <a:t>2024/5/29</a:t>
+              <a:t>2024/6/19</a:t>
             </a:fld>
             <a:endParaRPr kumimoji="1" lang="zh-CN" altLang="en-US"/>
           </a:p>
@@ -900,7 +908,7 @@
     </p:spTree>
     <p:extLst>
       <p:ext uri="{BB962C8B-B14F-4D97-AF65-F5344CB8AC3E}">
-        <p14:creationId xmlns:p14="http://schemas.microsoft.com/office/powerpoint/2010/main" val="1057723408"/>
+        <p14:creationId xmlns:p14="http://schemas.microsoft.com/office/powerpoint/2010/main" val="2939950063"/>
       </p:ext>
     </p:extLst>
   </p:cSld>
@@ -939,8 +947,8 @@
         </p:nvSpPr>
         <p:spPr>
           <a:xfrm>
-            <a:off x="17261216" y="1188347"/>
-            <a:ext cx="5200977" cy="18915380"/>
+            <a:off x="20224047" y="1092501"/>
+            <a:ext cx="6093708" cy="17389773"/>
           </a:xfrm>
         </p:spPr>
         <p:txBody>
@@ -967,8 +975,8 @@
         </p:nvSpPr>
         <p:spPr>
           <a:xfrm>
-            <a:off x="1658284" y="1188347"/>
-            <a:ext cx="15301426" cy="18915380"/>
+            <a:off x="1942923" y="1092501"/>
+            <a:ext cx="17927866" cy="17389773"/>
           </a:xfrm>
         </p:spPr>
         <p:txBody>
@@ -1029,7 +1037,7 @@
           <a:p>
             <a:fld id="{D1B47FD8-00A2-1B45-8BC5-7CC1CB8F2C72}" type="datetimeFigureOut">
               <a:rPr kumimoji="1" lang="zh-CN" altLang="en-US" smtClean="0"/>
-              <a:t>2024/5/29</a:t>
+              <a:t>2024/6/19</a:t>
             </a:fld>
             <a:endParaRPr kumimoji="1" lang="zh-CN" altLang="en-US"/>
           </a:p>
@@ -1080,7 +1088,7 @@
     </p:spTree>
     <p:extLst>
       <p:ext uri="{BB962C8B-B14F-4D97-AF65-F5344CB8AC3E}">
-        <p14:creationId xmlns:p14="http://schemas.microsoft.com/office/powerpoint/2010/main" val="1362031295"/>
+        <p14:creationId xmlns:p14="http://schemas.microsoft.com/office/powerpoint/2010/main" val="566688723"/>
       </p:ext>
     </p:extLst>
   </p:cSld>
@@ -1199,7 +1207,7 @@
           <a:p>
             <a:fld id="{D1B47FD8-00A2-1B45-8BC5-7CC1CB8F2C72}" type="datetimeFigureOut">
               <a:rPr kumimoji="1" lang="zh-CN" altLang="en-US" smtClean="0"/>
-              <a:t>2024/5/29</a:t>
+              <a:t>2024/6/19</a:t>
             </a:fld>
             <a:endParaRPr kumimoji="1" lang="zh-CN" altLang="en-US"/>
           </a:p>
@@ -1250,7 +1258,7 @@
     </p:spTree>
     <p:extLst>
       <p:ext uri="{BB962C8B-B14F-4D97-AF65-F5344CB8AC3E}">
-        <p14:creationId xmlns:p14="http://schemas.microsoft.com/office/powerpoint/2010/main" val="1629624401"/>
+        <p14:creationId xmlns:p14="http://schemas.microsoft.com/office/powerpoint/2010/main" val="1805389557"/>
       </p:ext>
     </p:extLst>
   </p:cSld>
@@ -1289,15 +1297,15 @@
         </p:nvSpPr>
         <p:spPr>
           <a:xfrm>
-            <a:off x="1645721" y="5564569"/>
-            <a:ext cx="20803910" cy="9284602"/>
+            <a:off x="1928204" y="5115762"/>
+            <a:ext cx="24374832" cy="8535759"/>
           </a:xfrm>
         </p:spPr>
         <p:txBody>
           <a:bodyPr anchor="b"/>
           <a:lstStyle>
             <a:lvl1pPr>
-              <a:defRPr sz="15827"/>
+              <a:defRPr sz="17953"/>
             </a:lvl1pPr>
           </a:lstStyle>
           <a:p>
@@ -1321,8 +1329,8 @@
         </p:nvSpPr>
         <p:spPr>
           <a:xfrm>
-            <a:off x="1645721" y="14937007"/>
-            <a:ext cx="20803910" cy="4882553"/>
+            <a:off x="1928204" y="13732273"/>
+            <a:ext cx="24374832" cy="4488754"/>
           </a:xfrm>
         </p:spPr>
         <p:txBody>
@@ -1330,15 +1338,15 @@
           <a:lstStyle>
             <a:lvl1pPr marL="0" indent="0">
               <a:buNone/>
-              <a:defRPr sz="6331">
+              <a:defRPr sz="7181">
                 <a:solidFill>
                   <a:schemeClr val="tx1"/>
                 </a:solidFill>
               </a:defRPr>
             </a:lvl1pPr>
-            <a:lvl2pPr marL="1206002" indent="0">
+            <a:lvl2pPr marL="1367988" indent="0">
               <a:buNone/>
-              <a:defRPr sz="5276">
+              <a:defRPr sz="5984">
                 <a:solidFill>
                   <a:schemeClr val="tx1">
                     <a:tint val="75000"/>
@@ -1346,9 +1354,9 @@
                 </a:solidFill>
               </a:defRPr>
             </a:lvl2pPr>
-            <a:lvl3pPr marL="2412004" indent="0">
+            <a:lvl3pPr marL="2735976" indent="0">
               <a:buNone/>
-              <a:defRPr sz="4748">
+              <a:defRPr sz="5386">
                 <a:solidFill>
                   <a:schemeClr val="tx1">
                     <a:tint val="75000"/>
@@ -1356,9 +1364,9 @@
                 </a:solidFill>
               </a:defRPr>
             </a:lvl3pPr>
-            <a:lvl4pPr marL="3618006" indent="0">
+            <a:lvl4pPr marL="4103964" indent="0">
               <a:buNone/>
-              <a:defRPr sz="4220">
+              <a:defRPr sz="4787">
                 <a:solidFill>
                   <a:schemeClr val="tx1">
                     <a:tint val="75000"/>
@@ -1366,9 +1374,9 @@
                 </a:solidFill>
               </a:defRPr>
             </a:lvl4pPr>
-            <a:lvl5pPr marL="4824009" indent="0">
+            <a:lvl5pPr marL="5471952" indent="0">
               <a:buNone/>
-              <a:defRPr sz="4220">
+              <a:defRPr sz="4787">
                 <a:solidFill>
                   <a:schemeClr val="tx1">
                     <a:tint val="75000"/>
@@ -1376,9 +1384,9 @@
                 </a:solidFill>
               </a:defRPr>
             </a:lvl5pPr>
-            <a:lvl6pPr marL="6030011" indent="0">
+            <a:lvl6pPr marL="6839941" indent="0">
               <a:buNone/>
-              <a:defRPr sz="4220">
+              <a:defRPr sz="4787">
                 <a:solidFill>
                   <a:schemeClr val="tx1">
                     <a:tint val="75000"/>
@@ -1386,9 +1394,9 @@
                 </a:solidFill>
               </a:defRPr>
             </a:lvl6pPr>
-            <a:lvl7pPr marL="7236013" indent="0">
+            <a:lvl7pPr marL="8207929" indent="0">
               <a:buNone/>
-              <a:defRPr sz="4220">
+              <a:defRPr sz="4787">
                 <a:solidFill>
                   <a:schemeClr val="tx1">
                     <a:tint val="75000"/>
@@ -1396,9 +1404,9 @@
                 </a:solidFill>
               </a:defRPr>
             </a:lvl7pPr>
-            <a:lvl8pPr marL="8442015" indent="0">
+            <a:lvl8pPr marL="9575917" indent="0">
               <a:buNone/>
-              <a:defRPr sz="4220">
+              <a:defRPr sz="4787">
                 <a:solidFill>
                   <a:schemeClr val="tx1">
                     <a:tint val="75000"/>
@@ -1406,9 +1414,9 @@
                 </a:solidFill>
               </a:defRPr>
             </a:lvl8pPr>
-            <a:lvl9pPr marL="9648017" indent="0">
+            <a:lvl9pPr marL="10943905" indent="0">
               <a:buNone/>
-              <a:defRPr sz="4220">
+              <a:defRPr sz="4787">
                 <a:solidFill>
                   <a:schemeClr val="tx1">
                     <a:tint val="75000"/>
@@ -1443,7 +1451,7 @@
           <a:p>
             <a:fld id="{D1B47FD8-00A2-1B45-8BC5-7CC1CB8F2C72}" type="datetimeFigureOut">
               <a:rPr kumimoji="1" lang="zh-CN" altLang="en-US" smtClean="0"/>
-              <a:t>2024/5/29</a:t>
+              <a:t>2024/6/19</a:t>
             </a:fld>
             <a:endParaRPr kumimoji="1" lang="zh-CN" altLang="en-US"/>
           </a:p>
@@ -1494,7 +1502,7 @@
     </p:spTree>
     <p:extLst>
       <p:ext uri="{BB962C8B-B14F-4D97-AF65-F5344CB8AC3E}">
-        <p14:creationId xmlns:p14="http://schemas.microsoft.com/office/powerpoint/2010/main" val="2011046679"/>
+        <p14:creationId xmlns:p14="http://schemas.microsoft.com/office/powerpoint/2010/main" val="4259682460"/>
       </p:ext>
     </p:extLst>
   </p:cSld>
@@ -1556,8 +1564,8 @@
         </p:nvSpPr>
         <p:spPr>
           <a:xfrm>
-            <a:off x="1658283" y="5941733"/>
-            <a:ext cx="10251202" cy="14161994"/>
+            <a:off x="1942921" y="5462507"/>
+            <a:ext cx="12010787" cy="13019767"/>
           </a:xfrm>
         </p:spPr>
         <p:txBody>
@@ -1613,8 +1621,8 @@
         </p:nvSpPr>
         <p:spPr>
           <a:xfrm>
-            <a:off x="12210990" y="5941733"/>
-            <a:ext cx="10251202" cy="14161994"/>
+            <a:off x="14306967" y="5462507"/>
+            <a:ext cx="12010787" cy="13019767"/>
           </a:xfrm>
         </p:spPr>
         <p:txBody>
@@ -1675,7 +1683,7 @@
           <a:p>
             <a:fld id="{D1B47FD8-00A2-1B45-8BC5-7CC1CB8F2C72}" type="datetimeFigureOut">
               <a:rPr kumimoji="1" lang="zh-CN" altLang="en-US" smtClean="0"/>
-              <a:t>2024/5/29</a:t>
+              <a:t>2024/6/19</a:t>
             </a:fld>
             <a:endParaRPr kumimoji="1" lang="zh-CN" altLang="en-US"/>
           </a:p>
@@ -1726,7 +1734,7 @@
     </p:spTree>
     <p:extLst>
       <p:ext uri="{BB962C8B-B14F-4D97-AF65-F5344CB8AC3E}">
-        <p14:creationId xmlns:p14="http://schemas.microsoft.com/office/powerpoint/2010/main" val="882627862"/>
+        <p14:creationId xmlns:p14="http://schemas.microsoft.com/office/powerpoint/2010/main" val="3298886174"/>
       </p:ext>
     </p:extLst>
   </p:cSld>
@@ -1765,8 +1773,8 @@
         </p:nvSpPr>
         <p:spPr>
           <a:xfrm>
-            <a:off x="1661424" y="1188351"/>
-            <a:ext cx="20803910" cy="4314217"/>
+            <a:off x="1946602" y="1092506"/>
+            <a:ext cx="24374832" cy="3966256"/>
           </a:xfrm>
         </p:spPr>
         <p:txBody>
@@ -1793,8 +1801,8 @@
         </p:nvSpPr>
         <p:spPr>
           <a:xfrm>
-            <a:off x="1661427" y="5471563"/>
-            <a:ext cx="10204090" cy="2681528"/>
+            <a:off x="1946606" y="5030257"/>
+            <a:ext cx="11955588" cy="2465252"/>
           </a:xfrm>
         </p:spPr>
         <p:txBody>
@@ -1802,39 +1810,39 @@
           <a:lstStyle>
             <a:lvl1pPr marL="0" indent="0">
               <a:buNone/>
-              <a:defRPr sz="6331" b="1"/>
+              <a:defRPr sz="7181" b="1"/>
             </a:lvl1pPr>
-            <a:lvl2pPr marL="1206002" indent="0">
+            <a:lvl2pPr marL="1367988" indent="0">
               <a:buNone/>
-              <a:defRPr sz="5276" b="1"/>
+              <a:defRPr sz="5984" b="1"/>
             </a:lvl2pPr>
-            <a:lvl3pPr marL="2412004" indent="0">
+            <a:lvl3pPr marL="2735976" indent="0">
               <a:buNone/>
-              <a:defRPr sz="4748" b="1"/>
+              <a:defRPr sz="5386" b="1"/>
             </a:lvl3pPr>
-            <a:lvl4pPr marL="3618006" indent="0">
+            <a:lvl4pPr marL="4103964" indent="0">
               <a:buNone/>
-              <a:defRPr sz="4220" b="1"/>
+              <a:defRPr sz="4787" b="1"/>
             </a:lvl4pPr>
-            <a:lvl5pPr marL="4824009" indent="0">
+            <a:lvl5pPr marL="5471952" indent="0">
               <a:buNone/>
-              <a:defRPr sz="4220" b="1"/>
+              <a:defRPr sz="4787" b="1"/>
             </a:lvl5pPr>
-            <a:lvl6pPr marL="6030011" indent="0">
+            <a:lvl6pPr marL="6839941" indent="0">
               <a:buNone/>
-              <a:defRPr sz="4220" b="1"/>
+              <a:defRPr sz="4787" b="1"/>
             </a:lvl6pPr>
-            <a:lvl7pPr marL="7236013" indent="0">
+            <a:lvl7pPr marL="8207929" indent="0">
               <a:buNone/>
-              <a:defRPr sz="4220" b="1"/>
+              <a:defRPr sz="4787" b="1"/>
             </a:lvl7pPr>
-            <a:lvl8pPr marL="8442015" indent="0">
+            <a:lvl8pPr marL="9575917" indent="0">
               <a:buNone/>
-              <a:defRPr sz="4220" b="1"/>
+              <a:defRPr sz="4787" b="1"/>
             </a:lvl8pPr>
-            <a:lvl9pPr marL="9648017" indent="0">
+            <a:lvl9pPr marL="10943905" indent="0">
               <a:buNone/>
-              <a:defRPr sz="4220" b="1"/>
+              <a:defRPr sz="4787" b="1"/>
             </a:lvl9pPr>
           </a:lstStyle>
           <a:p>
@@ -1858,8 +1866,8 @@
         </p:nvSpPr>
         <p:spPr>
           <a:xfrm>
-            <a:off x="1661427" y="8153091"/>
-            <a:ext cx="10204090" cy="11991969"/>
+            <a:off x="1946606" y="7495509"/>
+            <a:ext cx="11955588" cy="11024765"/>
           </a:xfrm>
         </p:spPr>
         <p:txBody>
@@ -1915,8 +1923,8 @@
         </p:nvSpPr>
         <p:spPr>
           <a:xfrm>
-            <a:off x="12210992" y="5471563"/>
-            <a:ext cx="10254344" cy="2681528"/>
+            <a:off x="14306968" y="5030257"/>
+            <a:ext cx="12014468" cy="2465252"/>
           </a:xfrm>
         </p:spPr>
         <p:txBody>
@@ -1924,39 +1932,39 @@
           <a:lstStyle>
             <a:lvl1pPr marL="0" indent="0">
               <a:buNone/>
-              <a:defRPr sz="6331" b="1"/>
+              <a:defRPr sz="7181" b="1"/>
             </a:lvl1pPr>
-            <a:lvl2pPr marL="1206002" indent="0">
+            <a:lvl2pPr marL="1367988" indent="0">
               <a:buNone/>
-              <a:defRPr sz="5276" b="1"/>
+              <a:defRPr sz="5984" b="1"/>
             </a:lvl2pPr>
-            <a:lvl3pPr marL="2412004" indent="0">
+            <a:lvl3pPr marL="2735976" indent="0">
               <a:buNone/>
-              <a:defRPr sz="4748" b="1"/>
+              <a:defRPr sz="5386" b="1"/>
             </a:lvl3pPr>
-            <a:lvl4pPr marL="3618006" indent="0">
+            <a:lvl4pPr marL="4103964" indent="0">
               <a:buNone/>
-              <a:defRPr sz="4220" b="1"/>
+              <a:defRPr sz="4787" b="1"/>
             </a:lvl4pPr>
-            <a:lvl5pPr marL="4824009" indent="0">
+            <a:lvl5pPr marL="5471952" indent="0">
               <a:buNone/>
-              <a:defRPr sz="4220" b="1"/>
+              <a:defRPr sz="4787" b="1"/>
             </a:lvl5pPr>
-            <a:lvl6pPr marL="6030011" indent="0">
+            <a:lvl6pPr marL="6839941" indent="0">
               <a:buNone/>
-              <a:defRPr sz="4220" b="1"/>
+              <a:defRPr sz="4787" b="1"/>
             </a:lvl6pPr>
-            <a:lvl7pPr marL="7236013" indent="0">
+            <a:lvl7pPr marL="8207929" indent="0">
               <a:buNone/>
-              <a:defRPr sz="4220" b="1"/>
+              <a:defRPr sz="4787" b="1"/>
             </a:lvl7pPr>
-            <a:lvl8pPr marL="8442015" indent="0">
+            <a:lvl8pPr marL="9575917" indent="0">
               <a:buNone/>
-              <a:defRPr sz="4220" b="1"/>
+              <a:defRPr sz="4787" b="1"/>
             </a:lvl8pPr>
-            <a:lvl9pPr marL="9648017" indent="0">
+            <a:lvl9pPr marL="10943905" indent="0">
               <a:buNone/>
-              <a:defRPr sz="4220" b="1"/>
+              <a:defRPr sz="4787" b="1"/>
             </a:lvl9pPr>
           </a:lstStyle>
           <a:p>
@@ -1980,8 +1988,8 @@
         </p:nvSpPr>
         <p:spPr>
           <a:xfrm>
-            <a:off x="12210992" y="8153091"/>
-            <a:ext cx="10254344" cy="11991969"/>
+            <a:off x="14306968" y="7495509"/>
+            <a:ext cx="12014468" cy="11024765"/>
           </a:xfrm>
         </p:spPr>
         <p:txBody>
@@ -2042,7 +2050,7 @@
           <a:p>
             <a:fld id="{D1B47FD8-00A2-1B45-8BC5-7CC1CB8F2C72}" type="datetimeFigureOut">
               <a:rPr kumimoji="1" lang="zh-CN" altLang="en-US" smtClean="0"/>
-              <a:t>2024/5/29</a:t>
+              <a:t>2024/6/19</a:t>
             </a:fld>
             <a:endParaRPr kumimoji="1" lang="zh-CN" altLang="en-US"/>
           </a:p>
@@ -2093,7 +2101,7 @@
     </p:spTree>
     <p:extLst>
       <p:ext uri="{BB962C8B-B14F-4D97-AF65-F5344CB8AC3E}">
-        <p14:creationId xmlns:p14="http://schemas.microsoft.com/office/powerpoint/2010/main" val="1869228298"/>
+        <p14:creationId xmlns:p14="http://schemas.microsoft.com/office/powerpoint/2010/main" val="3983030127"/>
       </p:ext>
     </p:extLst>
   </p:cSld>
@@ -2160,7 +2168,7 @@
           <a:p>
             <a:fld id="{D1B47FD8-00A2-1B45-8BC5-7CC1CB8F2C72}" type="datetimeFigureOut">
               <a:rPr kumimoji="1" lang="zh-CN" altLang="en-US" smtClean="0"/>
-              <a:t>2024/5/29</a:t>
+              <a:t>2024/6/19</a:t>
             </a:fld>
             <a:endParaRPr kumimoji="1" lang="zh-CN" altLang="en-US"/>
           </a:p>
@@ -2211,7 +2219,7 @@
     </p:spTree>
     <p:extLst>
       <p:ext uri="{BB962C8B-B14F-4D97-AF65-F5344CB8AC3E}">
-        <p14:creationId xmlns:p14="http://schemas.microsoft.com/office/powerpoint/2010/main" val="1919506267"/>
+        <p14:creationId xmlns:p14="http://schemas.microsoft.com/office/powerpoint/2010/main" val="1895472195"/>
       </p:ext>
     </p:extLst>
   </p:cSld>
@@ -2255,7 +2263,7 @@
           <a:p>
             <a:fld id="{D1B47FD8-00A2-1B45-8BC5-7CC1CB8F2C72}" type="datetimeFigureOut">
               <a:rPr kumimoji="1" lang="zh-CN" altLang="en-US" smtClean="0"/>
-              <a:t>2024/5/29</a:t>
+              <a:t>2024/6/19</a:t>
             </a:fld>
             <a:endParaRPr kumimoji="1" lang="zh-CN" altLang="en-US"/>
           </a:p>
@@ -2306,7 +2314,7 @@
     </p:spTree>
     <p:extLst>
       <p:ext uri="{BB962C8B-B14F-4D97-AF65-F5344CB8AC3E}">
-        <p14:creationId xmlns:p14="http://schemas.microsoft.com/office/powerpoint/2010/main" val="3270694947"/>
+        <p14:creationId xmlns:p14="http://schemas.microsoft.com/office/powerpoint/2010/main" val="3198997210"/>
       </p:ext>
     </p:extLst>
   </p:cSld>
@@ -2345,15 +2353,15 @@
         </p:nvSpPr>
         <p:spPr>
           <a:xfrm>
-            <a:off x="1661424" y="1488017"/>
-            <a:ext cx="7779481" cy="5208058"/>
+            <a:off x="1946602" y="1368002"/>
+            <a:ext cx="9114803" cy="4788006"/>
           </a:xfrm>
         </p:spPr>
         <p:txBody>
           <a:bodyPr anchor="b"/>
           <a:lstStyle>
             <a:lvl1pPr>
-              <a:defRPr sz="8441"/>
+              <a:defRPr sz="9575"/>
             </a:lvl1pPr>
           </a:lstStyle>
           <a:p>
@@ -2377,39 +2385,39 @@
         </p:nvSpPr>
         <p:spPr>
           <a:xfrm>
-            <a:off x="10254344" y="3213708"/>
-            <a:ext cx="12210990" cy="15861844"/>
+            <a:off x="12014468" y="2954508"/>
+            <a:ext cx="14306967" cy="14582518"/>
           </a:xfrm>
         </p:spPr>
         <p:txBody>
           <a:bodyPr/>
           <a:lstStyle>
             <a:lvl1pPr>
-              <a:defRPr sz="8441"/>
+              <a:defRPr sz="9575"/>
             </a:lvl1pPr>
             <a:lvl2pPr>
-              <a:defRPr sz="7386"/>
+              <a:defRPr sz="8378"/>
             </a:lvl2pPr>
             <a:lvl3pPr>
-              <a:defRPr sz="6331"/>
+              <a:defRPr sz="7181"/>
             </a:lvl3pPr>
             <a:lvl4pPr>
-              <a:defRPr sz="5276"/>
+              <a:defRPr sz="5984"/>
             </a:lvl4pPr>
             <a:lvl5pPr>
-              <a:defRPr sz="5276"/>
+              <a:defRPr sz="5984"/>
             </a:lvl5pPr>
             <a:lvl6pPr>
-              <a:defRPr sz="5276"/>
+              <a:defRPr sz="5984"/>
             </a:lvl6pPr>
             <a:lvl7pPr>
-              <a:defRPr sz="5276"/>
+              <a:defRPr sz="5984"/>
             </a:lvl7pPr>
             <a:lvl8pPr>
-              <a:defRPr sz="5276"/>
+              <a:defRPr sz="5984"/>
             </a:lvl8pPr>
             <a:lvl9pPr>
-              <a:defRPr sz="5276"/>
+              <a:defRPr sz="5984"/>
             </a:lvl9pPr>
           </a:lstStyle>
           <a:p>
@@ -2462,8 +2470,8 @@
         </p:nvSpPr>
         <p:spPr>
           <a:xfrm>
-            <a:off x="1661424" y="6696075"/>
-            <a:ext cx="7779481" cy="12405307"/>
+            <a:off x="1946602" y="6156008"/>
+            <a:ext cx="9114803" cy="11404765"/>
           </a:xfrm>
         </p:spPr>
         <p:txBody>
@@ -2471,39 +2479,39 @@
           <a:lstStyle>
             <a:lvl1pPr marL="0" indent="0">
               <a:buNone/>
-              <a:defRPr sz="4220"/>
+              <a:defRPr sz="4787"/>
             </a:lvl1pPr>
-            <a:lvl2pPr marL="1206002" indent="0">
+            <a:lvl2pPr marL="1367988" indent="0">
               <a:buNone/>
-              <a:defRPr sz="3693"/>
+              <a:defRPr sz="4189"/>
             </a:lvl2pPr>
-            <a:lvl3pPr marL="2412004" indent="0">
+            <a:lvl3pPr marL="2735976" indent="0">
               <a:buNone/>
-              <a:defRPr sz="3165"/>
+              <a:defRPr sz="3591"/>
             </a:lvl3pPr>
-            <a:lvl4pPr marL="3618006" indent="0">
+            <a:lvl4pPr marL="4103964" indent="0">
               <a:buNone/>
-              <a:defRPr sz="2638"/>
+              <a:defRPr sz="2992"/>
             </a:lvl4pPr>
-            <a:lvl5pPr marL="4824009" indent="0">
+            <a:lvl5pPr marL="5471952" indent="0">
               <a:buNone/>
-              <a:defRPr sz="2638"/>
+              <a:defRPr sz="2992"/>
             </a:lvl5pPr>
-            <a:lvl6pPr marL="6030011" indent="0">
+            <a:lvl6pPr marL="6839941" indent="0">
               <a:buNone/>
-              <a:defRPr sz="2638"/>
+              <a:defRPr sz="2992"/>
             </a:lvl6pPr>
-            <a:lvl7pPr marL="7236013" indent="0">
+            <a:lvl7pPr marL="8207929" indent="0">
               <a:buNone/>
-              <a:defRPr sz="2638"/>
+              <a:defRPr sz="2992"/>
             </a:lvl7pPr>
-            <a:lvl8pPr marL="8442015" indent="0">
+            <a:lvl8pPr marL="9575917" indent="0">
               <a:buNone/>
-              <a:defRPr sz="2638"/>
+              <a:defRPr sz="2992"/>
             </a:lvl8pPr>
-            <a:lvl9pPr marL="9648017" indent="0">
+            <a:lvl9pPr marL="10943905" indent="0">
               <a:buNone/>
-              <a:defRPr sz="2638"/>
+              <a:defRPr sz="2992"/>
             </a:lvl9pPr>
           </a:lstStyle>
           <a:p>
@@ -2532,7 +2540,7 @@
           <a:p>
             <a:fld id="{D1B47FD8-00A2-1B45-8BC5-7CC1CB8F2C72}" type="datetimeFigureOut">
               <a:rPr kumimoji="1" lang="zh-CN" altLang="en-US" smtClean="0"/>
-              <a:t>2024/5/29</a:t>
+              <a:t>2024/6/19</a:t>
             </a:fld>
             <a:endParaRPr kumimoji="1" lang="zh-CN" altLang="en-US"/>
           </a:p>
@@ -2583,7 +2591,7 @@
     </p:spTree>
     <p:extLst>
       <p:ext uri="{BB962C8B-B14F-4D97-AF65-F5344CB8AC3E}">
-        <p14:creationId xmlns:p14="http://schemas.microsoft.com/office/powerpoint/2010/main" val="1385258995"/>
+        <p14:creationId xmlns:p14="http://schemas.microsoft.com/office/powerpoint/2010/main" val="2377294679"/>
       </p:ext>
     </p:extLst>
   </p:cSld>
@@ -2622,15 +2630,15 @@
         </p:nvSpPr>
         <p:spPr>
           <a:xfrm>
-            <a:off x="1661424" y="1488017"/>
-            <a:ext cx="7779481" cy="5208058"/>
+            <a:off x="1946602" y="1368002"/>
+            <a:ext cx="9114803" cy="4788006"/>
           </a:xfrm>
         </p:spPr>
         <p:txBody>
           <a:bodyPr anchor="b"/>
           <a:lstStyle>
             <a:lvl1pPr>
-              <a:defRPr sz="8441"/>
+              <a:defRPr sz="9575"/>
             </a:lvl1pPr>
           </a:lstStyle>
           <a:p>
@@ -2654,8 +2662,8 @@
         </p:nvSpPr>
         <p:spPr>
           <a:xfrm>
-            <a:off x="10254344" y="3213708"/>
-            <a:ext cx="12210990" cy="15861844"/>
+            <a:off x="12014468" y="2954508"/>
+            <a:ext cx="14306967" cy="14582518"/>
           </a:xfrm>
         </p:spPr>
         <p:txBody>
@@ -2663,39 +2671,39 @@
           <a:lstStyle>
             <a:lvl1pPr marL="0" indent="0">
               <a:buNone/>
-              <a:defRPr sz="8441"/>
+              <a:defRPr sz="9575"/>
             </a:lvl1pPr>
-            <a:lvl2pPr marL="1206002" indent="0">
+            <a:lvl2pPr marL="1367988" indent="0">
               <a:buNone/>
-              <a:defRPr sz="7386"/>
+              <a:defRPr sz="8378"/>
             </a:lvl2pPr>
-            <a:lvl3pPr marL="2412004" indent="0">
+            <a:lvl3pPr marL="2735976" indent="0">
               <a:buNone/>
-              <a:defRPr sz="6331"/>
+              <a:defRPr sz="7181"/>
             </a:lvl3pPr>
-            <a:lvl4pPr marL="3618006" indent="0">
+            <a:lvl4pPr marL="4103964" indent="0">
               <a:buNone/>
-              <a:defRPr sz="5276"/>
+              <a:defRPr sz="5984"/>
             </a:lvl4pPr>
-            <a:lvl5pPr marL="4824009" indent="0">
+            <a:lvl5pPr marL="5471952" indent="0">
               <a:buNone/>
-              <a:defRPr sz="5276"/>
+              <a:defRPr sz="5984"/>
             </a:lvl5pPr>
-            <a:lvl6pPr marL="6030011" indent="0">
+            <a:lvl6pPr marL="6839941" indent="0">
               <a:buNone/>
-              <a:defRPr sz="5276"/>
+              <a:defRPr sz="5984"/>
             </a:lvl6pPr>
-            <a:lvl7pPr marL="7236013" indent="0">
+            <a:lvl7pPr marL="8207929" indent="0">
               <a:buNone/>
-              <a:defRPr sz="5276"/>
+              <a:defRPr sz="5984"/>
             </a:lvl7pPr>
-            <a:lvl8pPr marL="8442015" indent="0">
+            <a:lvl8pPr marL="9575917" indent="0">
               <a:buNone/>
-              <a:defRPr sz="5276"/>
+              <a:defRPr sz="5984"/>
             </a:lvl8pPr>
-            <a:lvl9pPr marL="9648017" indent="0">
+            <a:lvl9pPr marL="10943905" indent="0">
               <a:buNone/>
-              <a:defRPr sz="5276"/>
+              <a:defRPr sz="5984"/>
             </a:lvl9pPr>
           </a:lstStyle>
           <a:p>
@@ -2719,8 +2727,8 @@
         </p:nvSpPr>
         <p:spPr>
           <a:xfrm>
-            <a:off x="1661424" y="6696075"/>
-            <a:ext cx="7779481" cy="12405307"/>
+            <a:off x="1946602" y="6156008"/>
+            <a:ext cx="9114803" cy="11404765"/>
           </a:xfrm>
         </p:spPr>
         <p:txBody>
@@ -2728,39 +2736,39 @@
           <a:lstStyle>
             <a:lvl1pPr marL="0" indent="0">
               <a:buNone/>
-              <a:defRPr sz="4220"/>
+              <a:defRPr sz="4787"/>
             </a:lvl1pPr>
-            <a:lvl2pPr marL="1206002" indent="0">
+            <a:lvl2pPr marL="1367988" indent="0">
               <a:buNone/>
-              <a:defRPr sz="3693"/>
+              <a:defRPr sz="4189"/>
             </a:lvl2pPr>
-            <a:lvl3pPr marL="2412004" indent="0">
+            <a:lvl3pPr marL="2735976" indent="0">
               <a:buNone/>
-              <a:defRPr sz="3165"/>
+              <a:defRPr sz="3591"/>
             </a:lvl3pPr>
-            <a:lvl4pPr marL="3618006" indent="0">
+            <a:lvl4pPr marL="4103964" indent="0">
               <a:buNone/>
-              <a:defRPr sz="2638"/>
+              <a:defRPr sz="2992"/>
             </a:lvl4pPr>
-            <a:lvl5pPr marL="4824009" indent="0">
+            <a:lvl5pPr marL="5471952" indent="0">
               <a:buNone/>
-              <a:defRPr sz="2638"/>
+              <a:defRPr sz="2992"/>
             </a:lvl5pPr>
-            <a:lvl6pPr marL="6030011" indent="0">
+            <a:lvl6pPr marL="6839941" indent="0">
               <a:buNone/>
-              <a:defRPr sz="2638"/>
+              <a:defRPr sz="2992"/>
             </a:lvl6pPr>
-            <a:lvl7pPr marL="7236013" indent="0">
+            <a:lvl7pPr marL="8207929" indent="0">
               <a:buNone/>
-              <a:defRPr sz="2638"/>
+              <a:defRPr sz="2992"/>
             </a:lvl7pPr>
-            <a:lvl8pPr marL="8442015" indent="0">
+            <a:lvl8pPr marL="9575917" indent="0">
               <a:buNone/>
-              <a:defRPr sz="2638"/>
+              <a:defRPr sz="2992"/>
             </a:lvl8pPr>
-            <a:lvl9pPr marL="9648017" indent="0">
+            <a:lvl9pPr marL="10943905" indent="0">
               <a:buNone/>
-              <a:defRPr sz="2638"/>
+              <a:defRPr sz="2992"/>
             </a:lvl9pPr>
           </a:lstStyle>
           <a:p>
@@ -2789,7 +2797,7 @@
           <a:p>
             <a:fld id="{D1B47FD8-00A2-1B45-8BC5-7CC1CB8F2C72}" type="datetimeFigureOut">
               <a:rPr kumimoji="1" lang="zh-CN" altLang="en-US" smtClean="0"/>
-              <a:t>2024/5/29</a:t>
+              <a:t>2024/6/19</a:t>
             </a:fld>
             <a:endParaRPr kumimoji="1" lang="zh-CN" altLang="en-US"/>
           </a:p>
@@ -2840,7 +2848,7 @@
     </p:spTree>
     <p:extLst>
       <p:ext uri="{BB962C8B-B14F-4D97-AF65-F5344CB8AC3E}">
-        <p14:creationId xmlns:p14="http://schemas.microsoft.com/office/powerpoint/2010/main" val="711507991"/>
+        <p14:creationId xmlns:p14="http://schemas.microsoft.com/office/powerpoint/2010/main" val="768075358"/>
       </p:ext>
     </p:extLst>
   </p:cSld>
@@ -2884,8 +2892,8 @@
         </p:nvSpPr>
         <p:spPr>
           <a:xfrm>
-            <a:off x="1658283" y="1188351"/>
-            <a:ext cx="20803910" cy="4314217"/>
+            <a:off x="1942922" y="1092506"/>
+            <a:ext cx="24374832" cy="3966256"/>
           </a:xfrm>
           <a:prstGeom prst="rect">
             <a:avLst/>
@@ -2917,8 +2925,8 @@
         </p:nvSpPr>
         <p:spPr>
           <a:xfrm>
-            <a:off x="1658283" y="5941733"/>
-            <a:ext cx="20803910" cy="14161994"/>
+            <a:off x="1942922" y="5462507"/>
+            <a:ext cx="24374832" cy="13019767"/>
           </a:xfrm>
           <a:prstGeom prst="rect">
             <a:avLst/>
@@ -2979,8 +2987,8 @@
         </p:nvSpPr>
         <p:spPr>
           <a:xfrm>
-            <a:off x="1658283" y="20687570"/>
-            <a:ext cx="5427107" cy="1188347"/>
+            <a:off x="1942921" y="19019028"/>
+            <a:ext cx="6358652" cy="1092501"/>
           </a:xfrm>
           <a:prstGeom prst="rect">
             <a:avLst/>
@@ -2990,7 +2998,7 @@
           <a:bodyPr vert="horz" lIns="91440" tIns="45720" rIns="91440" bIns="45720" rtlCol="0" anchor="ctr"/>
           <a:lstStyle>
             <a:lvl1pPr algn="l">
-              <a:defRPr sz="3165">
+              <a:defRPr sz="3591">
                 <a:solidFill>
                   <a:schemeClr val="tx1">
                     <a:tint val="75000"/>
@@ -3002,7 +3010,7 @@
           <a:p>
             <a:fld id="{D1B47FD8-00A2-1B45-8BC5-7CC1CB8F2C72}" type="datetimeFigureOut">
               <a:rPr kumimoji="1" lang="zh-CN" altLang="en-US" smtClean="0"/>
-              <a:t>2024/5/29</a:t>
+              <a:t>2024/6/19</a:t>
             </a:fld>
             <a:endParaRPr kumimoji="1" lang="zh-CN" altLang="en-US"/>
           </a:p>
@@ -3020,8 +3028,8 @@
         </p:nvSpPr>
         <p:spPr>
           <a:xfrm>
-            <a:off x="7989908" y="20687570"/>
-            <a:ext cx="8140660" cy="1188347"/>
+            <a:off x="9361349" y="19019028"/>
+            <a:ext cx="9537978" cy="1092501"/>
           </a:xfrm>
           <a:prstGeom prst="rect">
             <a:avLst/>
@@ -3031,7 +3039,7 @@
           <a:bodyPr vert="horz" lIns="91440" tIns="45720" rIns="91440" bIns="45720" rtlCol="0" anchor="ctr"/>
           <a:lstStyle>
             <a:lvl1pPr algn="ctr">
-              <a:defRPr sz="3165">
+              <a:defRPr sz="3591">
                 <a:solidFill>
                   <a:schemeClr val="tx1">
                     <a:tint val="75000"/>
@@ -3057,8 +3065,8 @@
         </p:nvSpPr>
         <p:spPr>
           <a:xfrm>
-            <a:off x="17035085" y="20687570"/>
-            <a:ext cx="5427107" cy="1188347"/>
+            <a:off x="19959102" y="19019028"/>
+            <a:ext cx="6358652" cy="1092501"/>
           </a:xfrm>
           <a:prstGeom prst="rect">
             <a:avLst/>
@@ -3068,7 +3076,7 @@
           <a:bodyPr vert="horz" lIns="91440" tIns="45720" rIns="91440" bIns="45720" rtlCol="0" anchor="ctr"/>
           <a:lstStyle>
             <a:lvl1pPr algn="r">
-              <a:defRPr sz="3165">
+              <a:defRPr sz="3591">
                 <a:solidFill>
                   <a:schemeClr val="tx1">
                     <a:tint val="75000"/>
@@ -3089,27 +3097,27 @@
     </p:spTree>
     <p:extLst>
       <p:ext uri="{BB962C8B-B14F-4D97-AF65-F5344CB8AC3E}">
-        <p14:creationId xmlns:p14="http://schemas.microsoft.com/office/powerpoint/2010/main" val="3097788748"/>
+        <p14:creationId xmlns:p14="http://schemas.microsoft.com/office/powerpoint/2010/main" val="3926528887"/>
       </p:ext>
     </p:extLst>
   </p:cSld>
   <p:clrMap bg1="lt1" tx1="dk1" bg2="lt2" tx2="dk2" accent1="accent1" accent2="accent2" accent3="accent3" accent4="accent4" accent5="accent5" accent6="accent6" hlink="hlink" folHlink="folHlink"/>
   <p:sldLayoutIdLst>
-    <p:sldLayoutId id="2147483661" r:id="rId1"/>
-    <p:sldLayoutId id="2147483662" r:id="rId2"/>
-    <p:sldLayoutId id="2147483663" r:id="rId3"/>
-    <p:sldLayoutId id="2147483664" r:id="rId4"/>
-    <p:sldLayoutId id="2147483665" r:id="rId5"/>
-    <p:sldLayoutId id="2147483666" r:id="rId6"/>
-    <p:sldLayoutId id="2147483667" r:id="rId7"/>
-    <p:sldLayoutId id="2147483668" r:id="rId8"/>
-    <p:sldLayoutId id="2147483669" r:id="rId9"/>
-    <p:sldLayoutId id="2147483670" r:id="rId10"/>
-    <p:sldLayoutId id="2147483671" r:id="rId11"/>
+    <p:sldLayoutId id="2147483673" r:id="rId1"/>
+    <p:sldLayoutId id="2147483674" r:id="rId2"/>
+    <p:sldLayoutId id="2147483675" r:id="rId3"/>
+    <p:sldLayoutId id="2147483676" r:id="rId4"/>
+    <p:sldLayoutId id="2147483677" r:id="rId5"/>
+    <p:sldLayoutId id="2147483678" r:id="rId6"/>
+    <p:sldLayoutId id="2147483679" r:id="rId7"/>
+    <p:sldLayoutId id="2147483680" r:id="rId8"/>
+    <p:sldLayoutId id="2147483681" r:id="rId9"/>
+    <p:sldLayoutId id="2147483682" r:id="rId10"/>
+    <p:sldLayoutId id="2147483683" r:id="rId11"/>
   </p:sldLayoutIdLst>
   <p:txStyles>
     <p:titleStyle>
-      <a:lvl1pPr algn="l" defTabSz="2412004" rtl="0" eaLnBrk="1" latinLnBrk="0" hangingPunct="1">
+      <a:lvl1pPr algn="l" defTabSz="2735976" rtl="0" eaLnBrk="1" latinLnBrk="0" hangingPunct="1">
         <a:lnSpc>
           <a:spcPct val="90000"/>
         </a:lnSpc>
@@ -3117,7 +3125,7 @@
           <a:spcPct val="0"/>
         </a:spcBef>
         <a:buNone/>
-        <a:defRPr sz="11606" kern="1200">
+        <a:defRPr sz="13165" kern="1200">
           <a:solidFill>
             <a:schemeClr val="tx1"/>
           </a:solidFill>
@@ -3128,16 +3136,16 @@
       </a:lvl1pPr>
     </p:titleStyle>
     <p:bodyStyle>
-      <a:lvl1pPr marL="603001" indent="-603001" algn="l" defTabSz="2412004" rtl="0" eaLnBrk="1" latinLnBrk="0" hangingPunct="1">
+      <a:lvl1pPr marL="683994" indent="-683994" algn="l" defTabSz="2735976" rtl="0" eaLnBrk="1" latinLnBrk="0" hangingPunct="1">
         <a:lnSpc>
           <a:spcPct val="90000"/>
         </a:lnSpc>
         <a:spcBef>
-          <a:spcPts val="2638"/>
+          <a:spcPts val="2992"/>
         </a:spcBef>
         <a:buFont typeface="Arial" panose="020B0604020202020204" pitchFamily="34" charset="0"/>
         <a:buChar char="•"/>
-        <a:defRPr sz="7386" kern="1200">
+        <a:defRPr sz="8378" kern="1200">
           <a:solidFill>
             <a:schemeClr val="tx1"/>
           </a:solidFill>
@@ -3146,16 +3154,16 @@
           <a:cs typeface="+mn-cs"/>
         </a:defRPr>
       </a:lvl1pPr>
-      <a:lvl2pPr marL="1809003" indent="-603001" algn="l" defTabSz="2412004" rtl="0" eaLnBrk="1" latinLnBrk="0" hangingPunct="1">
+      <a:lvl2pPr marL="2051982" indent="-683994" algn="l" defTabSz="2735976" rtl="0" eaLnBrk="1" latinLnBrk="0" hangingPunct="1">
         <a:lnSpc>
           <a:spcPct val="90000"/>
         </a:lnSpc>
         <a:spcBef>
-          <a:spcPts val="1319"/>
+          <a:spcPts val="1496"/>
         </a:spcBef>
         <a:buFont typeface="Arial" panose="020B0604020202020204" pitchFamily="34" charset="0"/>
         <a:buChar char="•"/>
-        <a:defRPr sz="6331" kern="1200">
+        <a:defRPr sz="7181" kern="1200">
           <a:solidFill>
             <a:schemeClr val="tx1"/>
           </a:solidFill>
@@ -3164,16 +3172,16 @@
           <a:cs typeface="+mn-cs"/>
         </a:defRPr>
       </a:lvl2pPr>
-      <a:lvl3pPr marL="3015005" indent="-603001" algn="l" defTabSz="2412004" rtl="0" eaLnBrk="1" latinLnBrk="0" hangingPunct="1">
+      <a:lvl3pPr marL="3419970" indent="-683994" algn="l" defTabSz="2735976" rtl="0" eaLnBrk="1" latinLnBrk="0" hangingPunct="1">
         <a:lnSpc>
           <a:spcPct val="90000"/>
         </a:lnSpc>
         <a:spcBef>
-          <a:spcPts val="1319"/>
+          <a:spcPts val="1496"/>
         </a:spcBef>
         <a:buFont typeface="Arial" panose="020B0604020202020204" pitchFamily="34" charset="0"/>
         <a:buChar char="•"/>
-        <a:defRPr sz="5276" kern="1200">
+        <a:defRPr sz="5984" kern="1200">
           <a:solidFill>
             <a:schemeClr val="tx1"/>
           </a:solidFill>
@@ -3182,16 +3190,16 @@
           <a:cs typeface="+mn-cs"/>
         </a:defRPr>
       </a:lvl3pPr>
-      <a:lvl4pPr marL="4221008" indent="-603001" algn="l" defTabSz="2412004" rtl="0" eaLnBrk="1" latinLnBrk="0" hangingPunct="1">
+      <a:lvl4pPr marL="4787958" indent="-683994" algn="l" defTabSz="2735976" rtl="0" eaLnBrk="1" latinLnBrk="0" hangingPunct="1">
         <a:lnSpc>
           <a:spcPct val="90000"/>
         </a:lnSpc>
         <a:spcBef>
-          <a:spcPts val="1319"/>
+          <a:spcPts val="1496"/>
         </a:spcBef>
         <a:buFont typeface="Arial" panose="020B0604020202020204" pitchFamily="34" charset="0"/>
         <a:buChar char="•"/>
-        <a:defRPr sz="4748" kern="1200">
+        <a:defRPr sz="5386" kern="1200">
           <a:solidFill>
             <a:schemeClr val="tx1"/>
           </a:solidFill>
@@ -3200,16 +3208,16 @@
           <a:cs typeface="+mn-cs"/>
         </a:defRPr>
       </a:lvl4pPr>
-      <a:lvl5pPr marL="5427010" indent="-603001" algn="l" defTabSz="2412004" rtl="0" eaLnBrk="1" latinLnBrk="0" hangingPunct="1">
+      <a:lvl5pPr marL="6155947" indent="-683994" algn="l" defTabSz="2735976" rtl="0" eaLnBrk="1" latinLnBrk="0" hangingPunct="1">
         <a:lnSpc>
           <a:spcPct val="90000"/>
         </a:lnSpc>
         <a:spcBef>
-          <a:spcPts val="1319"/>
+          <a:spcPts val="1496"/>
         </a:spcBef>
         <a:buFont typeface="Arial" panose="020B0604020202020204" pitchFamily="34" charset="0"/>
         <a:buChar char="•"/>
-        <a:defRPr sz="4748" kern="1200">
+        <a:defRPr sz="5386" kern="1200">
           <a:solidFill>
             <a:schemeClr val="tx1"/>
           </a:solidFill>
@@ -3218,16 +3226,16 @@
           <a:cs typeface="+mn-cs"/>
         </a:defRPr>
       </a:lvl5pPr>
-      <a:lvl6pPr marL="6633012" indent="-603001" algn="l" defTabSz="2412004" rtl="0" eaLnBrk="1" latinLnBrk="0" hangingPunct="1">
+      <a:lvl6pPr marL="7523935" indent="-683994" algn="l" defTabSz="2735976" rtl="0" eaLnBrk="1" latinLnBrk="0" hangingPunct="1">
         <a:lnSpc>
           <a:spcPct val="90000"/>
         </a:lnSpc>
         <a:spcBef>
-          <a:spcPts val="1319"/>
+          <a:spcPts val="1496"/>
         </a:spcBef>
         <a:buFont typeface="Arial" panose="020B0604020202020204" pitchFamily="34" charset="0"/>
         <a:buChar char="•"/>
-        <a:defRPr sz="4748" kern="1200">
+        <a:defRPr sz="5386" kern="1200">
           <a:solidFill>
             <a:schemeClr val="tx1"/>
           </a:solidFill>
@@ -3236,16 +3244,16 @@
           <a:cs typeface="+mn-cs"/>
         </a:defRPr>
       </a:lvl6pPr>
-      <a:lvl7pPr marL="7839014" indent="-603001" algn="l" defTabSz="2412004" rtl="0" eaLnBrk="1" latinLnBrk="0" hangingPunct="1">
+      <a:lvl7pPr marL="8891923" indent="-683994" algn="l" defTabSz="2735976" rtl="0" eaLnBrk="1" latinLnBrk="0" hangingPunct="1">
         <a:lnSpc>
           <a:spcPct val="90000"/>
         </a:lnSpc>
         <a:spcBef>
-          <a:spcPts val="1319"/>
+          <a:spcPts val="1496"/>
         </a:spcBef>
         <a:buFont typeface="Arial" panose="020B0604020202020204" pitchFamily="34" charset="0"/>
         <a:buChar char="•"/>
-        <a:defRPr sz="4748" kern="1200">
+        <a:defRPr sz="5386" kern="1200">
           <a:solidFill>
             <a:schemeClr val="tx1"/>
           </a:solidFill>
@@ -3254,16 +3262,16 @@
           <a:cs typeface="+mn-cs"/>
         </a:defRPr>
       </a:lvl7pPr>
-      <a:lvl8pPr marL="9045016" indent="-603001" algn="l" defTabSz="2412004" rtl="0" eaLnBrk="1" latinLnBrk="0" hangingPunct="1">
+      <a:lvl8pPr marL="10259911" indent="-683994" algn="l" defTabSz="2735976" rtl="0" eaLnBrk="1" latinLnBrk="0" hangingPunct="1">
         <a:lnSpc>
           <a:spcPct val="90000"/>
         </a:lnSpc>
         <a:spcBef>
-          <a:spcPts val="1319"/>
+          <a:spcPts val="1496"/>
         </a:spcBef>
         <a:buFont typeface="Arial" panose="020B0604020202020204" pitchFamily="34" charset="0"/>
         <a:buChar char="•"/>
-        <a:defRPr sz="4748" kern="1200">
+        <a:defRPr sz="5386" kern="1200">
           <a:solidFill>
             <a:schemeClr val="tx1"/>
           </a:solidFill>
@@ -3272,16 +3280,16 @@
           <a:cs typeface="+mn-cs"/>
         </a:defRPr>
       </a:lvl8pPr>
-      <a:lvl9pPr marL="10251018" indent="-603001" algn="l" defTabSz="2412004" rtl="0" eaLnBrk="1" latinLnBrk="0" hangingPunct="1">
+      <a:lvl9pPr marL="11627899" indent="-683994" algn="l" defTabSz="2735976" rtl="0" eaLnBrk="1" latinLnBrk="0" hangingPunct="1">
         <a:lnSpc>
           <a:spcPct val="90000"/>
         </a:lnSpc>
         <a:spcBef>
-          <a:spcPts val="1319"/>
+          <a:spcPts val="1496"/>
         </a:spcBef>
         <a:buFont typeface="Arial" panose="020B0604020202020204" pitchFamily="34" charset="0"/>
         <a:buChar char="•"/>
-        <a:defRPr sz="4748" kern="1200">
+        <a:defRPr sz="5386" kern="1200">
           <a:solidFill>
             <a:schemeClr val="tx1"/>
           </a:solidFill>
@@ -3295,8 +3303,8 @@
       <a:defPPr>
         <a:defRPr lang="en-US"/>
       </a:defPPr>
-      <a:lvl1pPr marL="0" algn="l" defTabSz="2412004" rtl="0" eaLnBrk="1" latinLnBrk="0" hangingPunct="1">
-        <a:defRPr sz="4748" kern="1200">
+      <a:lvl1pPr marL="0" algn="l" defTabSz="2735976" rtl="0" eaLnBrk="1" latinLnBrk="0" hangingPunct="1">
+        <a:defRPr sz="5386" kern="1200">
           <a:solidFill>
             <a:schemeClr val="tx1"/>
           </a:solidFill>
@@ -3305,8 +3313,8 @@
           <a:cs typeface="+mn-cs"/>
         </a:defRPr>
       </a:lvl1pPr>
-      <a:lvl2pPr marL="1206002" algn="l" defTabSz="2412004" rtl="0" eaLnBrk="1" latinLnBrk="0" hangingPunct="1">
-        <a:defRPr sz="4748" kern="1200">
+      <a:lvl2pPr marL="1367988" algn="l" defTabSz="2735976" rtl="0" eaLnBrk="1" latinLnBrk="0" hangingPunct="1">
+        <a:defRPr sz="5386" kern="1200">
           <a:solidFill>
             <a:schemeClr val="tx1"/>
           </a:solidFill>
@@ -3315,8 +3323,8 @@
           <a:cs typeface="+mn-cs"/>
         </a:defRPr>
       </a:lvl2pPr>
-      <a:lvl3pPr marL="2412004" algn="l" defTabSz="2412004" rtl="0" eaLnBrk="1" latinLnBrk="0" hangingPunct="1">
-        <a:defRPr sz="4748" kern="1200">
+      <a:lvl3pPr marL="2735976" algn="l" defTabSz="2735976" rtl="0" eaLnBrk="1" latinLnBrk="0" hangingPunct="1">
+        <a:defRPr sz="5386" kern="1200">
           <a:solidFill>
             <a:schemeClr val="tx1"/>
           </a:solidFill>
@@ -3325,8 +3333,8 @@
           <a:cs typeface="+mn-cs"/>
         </a:defRPr>
       </a:lvl3pPr>
-      <a:lvl4pPr marL="3618006" algn="l" defTabSz="2412004" rtl="0" eaLnBrk="1" latinLnBrk="0" hangingPunct="1">
-        <a:defRPr sz="4748" kern="1200">
+      <a:lvl4pPr marL="4103964" algn="l" defTabSz="2735976" rtl="0" eaLnBrk="1" latinLnBrk="0" hangingPunct="1">
+        <a:defRPr sz="5386" kern="1200">
           <a:solidFill>
             <a:schemeClr val="tx1"/>
           </a:solidFill>
@@ -3335,8 +3343,8 @@
           <a:cs typeface="+mn-cs"/>
         </a:defRPr>
       </a:lvl4pPr>
-      <a:lvl5pPr marL="4824009" algn="l" defTabSz="2412004" rtl="0" eaLnBrk="1" latinLnBrk="0" hangingPunct="1">
-        <a:defRPr sz="4748" kern="1200">
+      <a:lvl5pPr marL="5471952" algn="l" defTabSz="2735976" rtl="0" eaLnBrk="1" latinLnBrk="0" hangingPunct="1">
+        <a:defRPr sz="5386" kern="1200">
           <a:solidFill>
             <a:schemeClr val="tx1"/>
           </a:solidFill>
@@ -3345,8 +3353,8 @@
           <a:cs typeface="+mn-cs"/>
         </a:defRPr>
       </a:lvl5pPr>
-      <a:lvl6pPr marL="6030011" algn="l" defTabSz="2412004" rtl="0" eaLnBrk="1" latinLnBrk="0" hangingPunct="1">
-        <a:defRPr sz="4748" kern="1200">
+      <a:lvl6pPr marL="6839941" algn="l" defTabSz="2735976" rtl="0" eaLnBrk="1" latinLnBrk="0" hangingPunct="1">
+        <a:defRPr sz="5386" kern="1200">
           <a:solidFill>
             <a:schemeClr val="tx1"/>
           </a:solidFill>
@@ -3355,8 +3363,8 @@
           <a:cs typeface="+mn-cs"/>
         </a:defRPr>
       </a:lvl6pPr>
-      <a:lvl7pPr marL="7236013" algn="l" defTabSz="2412004" rtl="0" eaLnBrk="1" latinLnBrk="0" hangingPunct="1">
-        <a:defRPr sz="4748" kern="1200">
+      <a:lvl7pPr marL="8207929" algn="l" defTabSz="2735976" rtl="0" eaLnBrk="1" latinLnBrk="0" hangingPunct="1">
+        <a:defRPr sz="5386" kern="1200">
           <a:solidFill>
             <a:schemeClr val="tx1"/>
           </a:solidFill>
@@ -3365,8 +3373,8 @@
           <a:cs typeface="+mn-cs"/>
         </a:defRPr>
       </a:lvl7pPr>
-      <a:lvl8pPr marL="8442015" algn="l" defTabSz="2412004" rtl="0" eaLnBrk="1" latinLnBrk="0" hangingPunct="1">
-        <a:defRPr sz="4748" kern="1200">
+      <a:lvl8pPr marL="9575917" algn="l" defTabSz="2735976" rtl="0" eaLnBrk="1" latinLnBrk="0" hangingPunct="1">
+        <a:defRPr sz="5386" kern="1200">
           <a:solidFill>
             <a:schemeClr val="tx1"/>
           </a:solidFill>
@@ -3375,8 +3383,8 @@
           <a:cs typeface="+mn-cs"/>
         </a:defRPr>
       </a:lvl8pPr>
-      <a:lvl9pPr marL="9648017" algn="l" defTabSz="2412004" rtl="0" eaLnBrk="1" latinLnBrk="0" hangingPunct="1">
-        <a:defRPr sz="4748" kern="1200">
+      <a:lvl9pPr marL="10943905" algn="l" defTabSz="2735976" rtl="0" eaLnBrk="1" latinLnBrk="0" hangingPunct="1">
+        <a:defRPr sz="5386" kern="1200">
           <a:solidFill>
             <a:schemeClr val="tx1"/>
           </a:solidFill>
@@ -3429,8 +3437,8 @@
         </p:blipFill>
         <p:spPr>
           <a:xfrm>
-            <a:off x="475" y="3853"/>
-            <a:ext cx="24120000" cy="22316397"/>
+            <a:off x="557" y="-2811197"/>
+            <a:ext cx="28260118" cy="26146933"/>
           </a:xfrm>
           <a:prstGeom prst="rect">
             <a:avLst/>
@@ -3452,8 +3460,8 @@
         </p:nvSpPr>
         <p:spPr>
           <a:xfrm>
-            <a:off x="-397565" y="-516835"/>
-            <a:ext cx="795130" cy="1033669"/>
+            <a:off x="-465805" y="-3421259"/>
+            <a:ext cx="931611" cy="1211095"/>
           </a:xfrm>
           <a:prstGeom prst="ellipse">
             <a:avLst/>
@@ -3480,7 +3488,7 @@
           <a:lstStyle/>
           <a:p>
             <a:pPr algn="ctr"/>
-            <a:endParaRPr kumimoji="1" lang="zh-CN" altLang="en-US"/>
+            <a:endParaRPr kumimoji="1" lang="zh-CN" altLang="en-US" sz="2109"/>
           </a:p>
         </p:txBody>
       </p:sp>
@@ -3498,8 +3506,8 @@
         </p:nvSpPr>
         <p:spPr>
           <a:xfrm>
-            <a:off x="-397565" y="21799562"/>
-            <a:ext cx="795130" cy="1033669"/>
+            <a:off x="-465805" y="22725674"/>
+            <a:ext cx="931611" cy="1211095"/>
           </a:xfrm>
           <a:prstGeom prst="ellipse">
             <a:avLst/>
@@ -3526,7 +3534,7 @@
           <a:lstStyle/>
           <a:p>
             <a:pPr algn="ctr"/>
-            <a:endParaRPr kumimoji="1" lang="zh-CN" altLang="en-US">
+            <a:endParaRPr kumimoji="1" lang="zh-CN" altLang="en-US" sz="2109">
               <a:ln w="0"/>
               <a:solidFill>
                 <a:schemeClr val="tx1"/>
@@ -3556,8 +3564,8 @@
         </p:nvSpPr>
         <p:spPr>
           <a:xfrm>
-            <a:off x="23711651" y="-516836"/>
-            <a:ext cx="795130" cy="1033669"/>
+            <a:off x="27781678" y="-3421260"/>
+            <a:ext cx="931611" cy="1211095"/>
           </a:xfrm>
           <a:prstGeom prst="ellipse">
             <a:avLst/>
@@ -3584,7 +3592,7 @@
           <a:lstStyle/>
           <a:p>
             <a:pPr algn="ctr"/>
-            <a:endParaRPr kumimoji="1" lang="zh-CN" altLang="en-US"/>
+            <a:endParaRPr kumimoji="1" lang="zh-CN" altLang="en-US" sz="2109"/>
           </a:p>
         </p:txBody>
       </p:sp>
@@ -3602,8 +3610,8 @@
         </p:nvSpPr>
         <p:spPr>
           <a:xfrm>
-            <a:off x="23723385" y="21803415"/>
-            <a:ext cx="795130" cy="1033669"/>
+            <a:off x="27795426" y="22730188"/>
+            <a:ext cx="931611" cy="1211095"/>
           </a:xfrm>
           <a:prstGeom prst="ellipse">
             <a:avLst/>
@@ -3630,7 +3638,7 @@
           <a:lstStyle/>
           <a:p>
             <a:pPr algn="ctr"/>
-            <a:endParaRPr kumimoji="1" lang="zh-CN" altLang="en-US"/>
+            <a:endParaRPr kumimoji="1" lang="zh-CN" altLang="en-US" sz="2109"/>
           </a:p>
         </p:txBody>
       </p:sp>
@@ -3648,8 +3656,8 @@
         </p:nvSpPr>
         <p:spPr>
           <a:xfrm>
-            <a:off x="1136388" y="11396662"/>
-            <a:ext cx="982961" cy="1323439"/>
+            <a:off x="1331446" y="10545093"/>
+            <a:ext cx="1119217" cy="1534716"/>
           </a:xfrm>
           <a:prstGeom prst="rect">
             <a:avLst/>
@@ -3663,16 +3671,14 @@
           <a:lstStyle/>
           <a:p>
             <a:r>
-              <a:rPr lang="en-US" altLang="zh-CN" sz="8000" b="1" dirty="0">
-                <a:effectLst/>
+              <a:rPr lang="en-US" altLang="zh-CN" sz="9373" b="1" dirty="0">
                 <a:latin typeface="Helvetica Neue" panose="02000503000000020004" pitchFamily="2" charset="0"/>
                 <a:ea typeface="Helvetica Neue" panose="02000503000000020004" pitchFamily="2" charset="0"/>
                 <a:cs typeface="Helvetica Neue" panose="02000503000000020004" pitchFamily="2" charset="0"/>
               </a:rPr>
               <a:t>Q</a:t>
             </a:r>
-            <a:endParaRPr lang="en" altLang="zh-CN" sz="8000" b="1" dirty="0">
-              <a:effectLst/>
+            <a:endParaRPr lang="en" altLang="zh-CN" sz="9373" b="1" dirty="0">
               <a:latin typeface="Helvetica Neue" panose="02000503000000020004" pitchFamily="2" charset="0"/>
               <a:ea typeface="Helvetica Neue" panose="02000503000000020004" pitchFamily="2" charset="0"/>
               <a:cs typeface="Helvetica Neue" panose="02000503000000020004" pitchFamily="2" charset="0"/>
@@ -3694,8 +3700,8 @@
         </p:nvSpPr>
         <p:spPr>
           <a:xfrm>
-            <a:off x="1230663" y="13654679"/>
-            <a:ext cx="886781" cy="1323439"/>
+            <a:off x="1441903" y="13190692"/>
+            <a:ext cx="1008609" cy="1534716"/>
           </a:xfrm>
           <a:prstGeom prst="rect">
             <a:avLst/>
@@ -3709,14 +3715,12 @@
           <a:lstStyle/>
           <a:p>
             <a:r>
-              <a:rPr lang="en" altLang="zh-CN" sz="8000" b="1" dirty="0">
-                <a:effectLst/>
+              <a:rPr lang="en" altLang="zh-CN" sz="9373" b="1" dirty="0">
                 <a:latin typeface="Helvetica Neue" panose="02000503000000020004" pitchFamily="2" charset="0"/>
               </a:rPr>
               <a:t>A</a:t>
             </a:r>
-            <a:endParaRPr lang="en" altLang="zh-CN" sz="8000" dirty="0">
-              <a:effectLst/>
+            <a:endParaRPr lang="en" altLang="zh-CN" sz="9373" dirty="0">
               <a:latin typeface="PingFang SC Medium" panose="020B0400000000000000" pitchFamily="34" charset="-122"/>
               <a:ea typeface="PingFang SC Medium" panose="020B0400000000000000" pitchFamily="34" charset="-122"/>
             </a:endParaRPr>
@@ -3737,8 +3741,8 @@
         </p:nvSpPr>
         <p:spPr>
           <a:xfrm>
-            <a:off x="768560" y="18085658"/>
-            <a:ext cx="1851789" cy="1015663"/>
+            <a:off x="900482" y="18382206"/>
+            <a:ext cx="2138727" cy="1174168"/>
           </a:xfrm>
           <a:prstGeom prst="rect">
             <a:avLst/>
@@ -3752,15 +3756,14 @@
           <a:lstStyle/>
           <a:p>
             <a:r>
-              <a:rPr lang="en-US" altLang="zh-CN" sz="6000" b="1" dirty="0">
+              <a:rPr lang="en-US" altLang="zh-CN" sz="7030" b="1" dirty="0">
                 <a:latin typeface="Alibaba PuHuiTi B" pitchFamily="18" charset="-122"/>
                 <a:ea typeface="Alibaba PuHuiTi B" pitchFamily="18" charset="-122"/>
                 <a:cs typeface="Alibaba PuHuiTi B" pitchFamily="18" charset="-122"/>
               </a:rPr>
               <a:t>help</a:t>
             </a:r>
-            <a:endParaRPr lang="zh-CN" altLang="en-US" sz="8000" dirty="0">
-              <a:effectLst/>
+            <a:endParaRPr lang="zh-CN" altLang="en-US" sz="9373" dirty="0">
               <a:latin typeface="Helvetica Neue" panose="02000503000000020004" pitchFamily="2" charset="0"/>
             </a:endParaRPr>
           </a:p>
@@ -3780,8 +3783,8 @@
         </p:nvSpPr>
         <p:spPr>
           <a:xfrm>
-            <a:off x="7828321" y="9478071"/>
-            <a:ext cx="6404317" cy="1031051"/>
+            <a:off x="9172027" y="8289240"/>
+            <a:ext cx="7423827" cy="1183081"/>
           </a:xfrm>
           <a:prstGeom prst="rect">
             <a:avLst/>
@@ -3807,7 +3810,7 @@
           </a:lstStyle>
           <a:p>
             <a:r>
-              <a:rPr lang="zh-CN" altLang="en-US" sz="6050" dirty="0">
+              <a:rPr lang="zh-CN" altLang="en-US" sz="7088" dirty="0">
                 <a:latin typeface="Alibaba PuHuiTi B" pitchFamily="18" charset="-122"/>
                 <a:ea typeface="Alibaba PuHuiTi B" pitchFamily="18" charset="-122"/>
                 <a:cs typeface="Alibaba PuHuiTi B" pitchFamily="18" charset="-122"/>
@@ -3815,7 +3818,7 @@
               <a:t>英汉</a:t>
             </a:r>
             <a:r>
-              <a:rPr lang="en-US" altLang="zh-CN" sz="6050" dirty="0">
+              <a:rPr lang="en-US" altLang="zh-CN" sz="7088" dirty="0">
                 <a:latin typeface="Alibaba PuHuiTi B" pitchFamily="18" charset="-122"/>
                 <a:ea typeface="Alibaba PuHuiTi B" pitchFamily="18" charset="-122"/>
                 <a:cs typeface="Alibaba PuHuiTi B" pitchFamily="18" charset="-122"/>
@@ -3823,7 +3826,7 @@
               <a:t> </a:t>
             </a:r>
             <a:r>
-              <a:rPr lang="zh-CN" altLang="en-US" sz="6050" dirty="0">
+              <a:rPr lang="zh-CN" altLang="en-US" sz="7088" dirty="0">
                 <a:latin typeface="Alibaba PuHuiTi B" pitchFamily="18" charset="-122"/>
                 <a:ea typeface="Alibaba PuHuiTi B" pitchFamily="18" charset="-122"/>
                 <a:cs typeface="Alibaba PuHuiTi B" pitchFamily="18" charset="-122"/>
@@ -3831,7 +3834,7 @@
               <a:t> </a:t>
             </a:r>
             <a:r>
-              <a:rPr lang="en-US" altLang="zh-CN" sz="6050" dirty="0">
+              <a:rPr lang="en-US" altLang="zh-CN" sz="7088" dirty="0">
                 <a:latin typeface="Alibaba PuHuiTi B" pitchFamily="18" charset="-122"/>
                 <a:ea typeface="Alibaba PuHuiTi B" pitchFamily="18" charset="-122"/>
                 <a:cs typeface="Alibaba PuHuiTi B" pitchFamily="18" charset="-122"/>
@@ -3839,7 +3842,7 @@
               <a:t> </a:t>
             </a:r>
             <a:r>
-              <a:rPr lang="zh-CN" altLang="en-US" sz="6050" dirty="0">
+              <a:rPr lang="zh-CN" altLang="en-US" sz="7088" dirty="0">
                 <a:latin typeface="Alibaba PuHuiTi B" pitchFamily="18" charset="-122"/>
                 <a:ea typeface="Alibaba PuHuiTi B" pitchFamily="18" charset="-122"/>
                 <a:cs typeface="Alibaba PuHuiTi B" pitchFamily="18" charset="-122"/>
@@ -3847,7 +3850,7 @@
               <a:t> 名片</a:t>
             </a:r>
             <a:r>
-              <a:rPr lang="en-US" altLang="zh-CN" sz="6050" dirty="0">
+              <a:rPr lang="en-US" altLang="zh-CN" sz="7088" dirty="0">
                 <a:latin typeface="Alibaba PuHuiTi B" pitchFamily="18" charset="-122"/>
                 <a:ea typeface="Alibaba PuHuiTi B" pitchFamily="18" charset="-122"/>
                 <a:cs typeface="Alibaba PuHuiTi B" pitchFamily="18" charset="-122"/>
@@ -3855,7 +3858,7 @@
               <a:t> </a:t>
             </a:r>
             <a:r>
-              <a:rPr lang="zh-CN" altLang="en-US" sz="6050" dirty="0">
+              <a:rPr lang="zh-CN" altLang="en-US" sz="7088" dirty="0">
                 <a:latin typeface="Alibaba PuHuiTi B" pitchFamily="18" charset="-122"/>
                 <a:ea typeface="Alibaba PuHuiTi B" pitchFamily="18" charset="-122"/>
                 <a:cs typeface="Alibaba PuHuiTi B" pitchFamily="18" charset="-122"/>
@@ -3863,7 +3866,7 @@
               <a:t>  </a:t>
             </a:r>
             <a:r>
-              <a:rPr lang="en-US" altLang="zh-CN" sz="6050" dirty="0">
+              <a:rPr lang="en-US" altLang="zh-CN" sz="7088" dirty="0">
                 <a:latin typeface="Alibaba PuHuiTi B" pitchFamily="18" charset="-122"/>
                 <a:ea typeface="Alibaba PuHuiTi B" pitchFamily="18" charset="-122"/>
                 <a:cs typeface="Alibaba PuHuiTi B" pitchFamily="18" charset="-122"/>
@@ -3871,7 +3874,7 @@
               <a:t> </a:t>
             </a:r>
             <a:r>
-              <a:rPr lang="zh-CN" altLang="en-US" sz="6050" dirty="0">
+              <a:rPr lang="zh-CN" altLang="en-US" sz="7088" dirty="0">
                 <a:latin typeface="Alibaba PuHuiTi B" pitchFamily="18" charset="-122"/>
                 <a:ea typeface="Alibaba PuHuiTi B" pitchFamily="18" charset="-122"/>
                 <a:cs typeface="Alibaba PuHuiTi B" pitchFamily="18" charset="-122"/>
@@ -3895,8 +3898,8 @@
         </p:nvSpPr>
         <p:spPr>
           <a:xfrm>
-            <a:off x="3417682" y="11431833"/>
-            <a:ext cx="1152880" cy="1323439"/>
+            <a:off x="4004316" y="10586301"/>
+            <a:ext cx="1319592" cy="1534716"/>
           </a:xfrm>
           <a:prstGeom prst="rect">
             <a:avLst/>
@@ -3910,8 +3913,7 @@
           <a:lstStyle/>
           <a:p>
             <a:r>
-              <a:rPr lang="en" altLang="zh-CN" sz="8000" b="1" dirty="0">
-                <a:effectLst/>
+              <a:rPr lang="en" altLang="zh-CN" sz="9373" b="1" dirty="0">
                 <a:latin typeface="Helvetica Neue" panose="02000503000000020004" pitchFamily="2" charset="0"/>
                 <a:ea typeface="Helvetica Neue" panose="02000503000000020004" pitchFamily="2" charset="0"/>
                 <a:cs typeface="Helvetica Neue" panose="02000503000000020004" pitchFamily="2" charset="0"/>
@@ -3935,8 +3937,8 @@
         </p:nvSpPr>
         <p:spPr>
           <a:xfrm>
-            <a:off x="5891847" y="11431833"/>
-            <a:ext cx="849913" cy="1323439"/>
+            <a:off x="6903164" y="10586301"/>
+            <a:ext cx="963725" cy="1534716"/>
           </a:xfrm>
           <a:prstGeom prst="rect">
             <a:avLst/>
@@ -3950,8 +3952,7 @@
           <a:lstStyle/>
           <a:p>
             <a:r>
-              <a:rPr lang="en" altLang="zh-CN" sz="8000" b="1" dirty="0">
-                <a:effectLst/>
+              <a:rPr lang="en" altLang="zh-CN" sz="9373" b="1" dirty="0">
                 <a:latin typeface="Helvetica Neue" panose="02000503000000020004" pitchFamily="2" charset="0"/>
                 <a:ea typeface="Helvetica Neue" panose="02000503000000020004" pitchFamily="2" charset="0"/>
                 <a:cs typeface="Helvetica Neue" panose="02000503000000020004" pitchFamily="2" charset="0"/>
@@ -3975,8 +3976,8 @@
         </p:nvSpPr>
         <p:spPr>
           <a:xfrm>
-            <a:off x="8190307" y="11442343"/>
-            <a:ext cx="925253" cy="1323439"/>
+            <a:off x="9596147" y="10598615"/>
+            <a:ext cx="1051891" cy="1534716"/>
           </a:xfrm>
           <a:prstGeom prst="rect">
             <a:avLst/>
@@ -3990,8 +3991,7 @@
           <a:lstStyle/>
           <a:p>
             <a:r>
-              <a:rPr lang="en" altLang="zh-CN" sz="8000" b="1" dirty="0">
-                <a:effectLst/>
+              <a:rPr lang="en" altLang="zh-CN" sz="9373" b="1" dirty="0">
                 <a:latin typeface="Helvetica Neue" panose="02000503000000020004" pitchFamily="2" charset="0"/>
                 <a:ea typeface="Helvetica Neue" panose="02000503000000020004" pitchFamily="2" charset="0"/>
                 <a:cs typeface="Helvetica Neue" panose="02000503000000020004" pitchFamily="2" charset="0"/>
@@ -4015,8 +4015,8 @@
         </p:nvSpPr>
         <p:spPr>
           <a:xfrm>
-            <a:off x="10570174" y="11440310"/>
-            <a:ext cx="811441" cy="1323439"/>
+            <a:off x="12384510" y="10596233"/>
+            <a:ext cx="918841" cy="1534716"/>
           </a:xfrm>
           <a:prstGeom prst="rect">
             <a:avLst/>
@@ -4030,8 +4030,7 @@
           <a:lstStyle/>
           <a:p>
             <a:r>
-              <a:rPr lang="en" altLang="zh-CN" sz="8000" b="1" dirty="0">
-                <a:effectLst/>
+              <a:rPr lang="en" altLang="zh-CN" sz="9373" b="1" dirty="0">
                 <a:latin typeface="Helvetica Neue" panose="02000503000000020004" pitchFamily="2" charset="0"/>
                 <a:ea typeface="Helvetica Neue" panose="02000503000000020004" pitchFamily="2" charset="0"/>
                 <a:cs typeface="Helvetica Neue" panose="02000503000000020004" pitchFamily="2" charset="0"/>
@@ -4055,8 +4054,8 @@
         </p:nvSpPr>
         <p:spPr>
           <a:xfrm>
-            <a:off x="12905591" y="11440310"/>
-            <a:ext cx="869149" cy="1323439"/>
+            <a:off x="15120794" y="10596233"/>
+            <a:ext cx="986167" cy="1534716"/>
           </a:xfrm>
           <a:prstGeom prst="rect">
             <a:avLst/>
@@ -4070,8 +4069,7 @@
           <a:lstStyle/>
           <a:p>
             <a:r>
-              <a:rPr lang="en" altLang="zh-CN" sz="8000" b="1" dirty="0">
-                <a:effectLst/>
+              <a:rPr lang="en" altLang="zh-CN" sz="9373" b="1" dirty="0">
                 <a:latin typeface="Helvetica Neue" panose="02000503000000020004" pitchFamily="2" charset="0"/>
                 <a:ea typeface="Helvetica Neue" panose="02000503000000020004" pitchFamily="2" charset="0"/>
                 <a:cs typeface="Helvetica Neue" panose="02000503000000020004" pitchFamily="2" charset="0"/>
@@ -4095,8 +4093,8 @@
         </p:nvSpPr>
         <p:spPr>
           <a:xfrm>
-            <a:off x="15180541" y="11440310"/>
-            <a:ext cx="944489" cy="1323439"/>
+            <a:off x="17786231" y="10596233"/>
+            <a:ext cx="1075936" cy="1534716"/>
           </a:xfrm>
           <a:prstGeom prst="rect">
             <a:avLst/>
@@ -4110,8 +4108,7 @@
           <a:lstStyle/>
           <a:p>
             <a:r>
-              <a:rPr lang="en" altLang="zh-CN" sz="8000" b="1" dirty="0">
-                <a:effectLst/>
+              <a:rPr lang="en" altLang="zh-CN" sz="9373" b="1" dirty="0">
                 <a:latin typeface="Helvetica Neue" panose="02000503000000020004" pitchFamily="2" charset="0"/>
                 <a:ea typeface="Helvetica Neue" panose="02000503000000020004" pitchFamily="2" charset="0"/>
                 <a:cs typeface="Helvetica Neue" panose="02000503000000020004" pitchFamily="2" charset="0"/>
@@ -4135,8 +4132,8 @@
         </p:nvSpPr>
         <p:spPr>
           <a:xfrm>
-            <a:off x="17781963" y="11440310"/>
-            <a:ext cx="487634" cy="1323439"/>
+            <a:off x="20834178" y="10596233"/>
+            <a:ext cx="538930" cy="1534716"/>
           </a:xfrm>
           <a:prstGeom prst="rect">
             <a:avLst/>
@@ -4150,8 +4147,7 @@
           <a:lstStyle/>
           <a:p>
             <a:r>
-              <a:rPr lang="en" altLang="zh-CN" sz="8000" b="1" dirty="0">
-                <a:effectLst/>
+              <a:rPr lang="en" altLang="zh-CN" sz="9373" b="1" dirty="0">
                 <a:latin typeface="Helvetica Neue" panose="02000503000000020004" pitchFamily="2" charset="0"/>
                 <a:ea typeface="Helvetica Neue" panose="02000503000000020004" pitchFamily="2" charset="0"/>
                 <a:cs typeface="Helvetica Neue" panose="02000503000000020004" pitchFamily="2" charset="0"/>
@@ -4175,8 +4171,8 @@
         </p:nvSpPr>
         <p:spPr>
           <a:xfrm>
-            <a:off x="19903396" y="11440310"/>
-            <a:ext cx="982961" cy="1323439"/>
+            <a:off x="23319749" y="10596233"/>
+            <a:ext cx="1119217" cy="1534716"/>
           </a:xfrm>
           <a:prstGeom prst="rect">
             <a:avLst/>
@@ -4190,8 +4186,7 @@
           <a:lstStyle/>
           <a:p>
             <a:r>
-              <a:rPr lang="en" altLang="zh-CN" sz="8000" b="1" dirty="0">
-                <a:effectLst/>
+              <a:rPr lang="en" altLang="zh-CN" sz="9373" b="1" dirty="0">
                 <a:latin typeface="Helvetica Neue" panose="02000503000000020004" pitchFamily="2" charset="0"/>
                 <a:ea typeface="Helvetica Neue" panose="02000503000000020004" pitchFamily="2" charset="0"/>
                 <a:cs typeface="Helvetica Neue" panose="02000503000000020004" pitchFamily="2" charset="0"/>
@@ -4215,8 +4210,8 @@
         </p:nvSpPr>
         <p:spPr>
           <a:xfrm>
-            <a:off x="22313580" y="11440310"/>
-            <a:ext cx="869149" cy="1323439"/>
+            <a:off x="26143633" y="10596233"/>
+            <a:ext cx="986167" cy="1534716"/>
           </a:xfrm>
           <a:prstGeom prst="rect">
             <a:avLst/>
@@ -4230,8 +4225,7 @@
           <a:lstStyle/>
           <a:p>
             <a:r>
-              <a:rPr lang="en" altLang="zh-CN" sz="8000" b="1" dirty="0">
-                <a:effectLst/>
+              <a:rPr lang="en" altLang="zh-CN" sz="9373" b="1" dirty="0">
                 <a:latin typeface="Helvetica Neue" panose="02000503000000020004" pitchFamily="2" charset="0"/>
                 <a:ea typeface="Helvetica Neue" panose="02000503000000020004" pitchFamily="2" charset="0"/>
                 <a:cs typeface="Helvetica Neue" panose="02000503000000020004" pitchFamily="2" charset="0"/>
@@ -4255,8 +4249,8 @@
         </p:nvSpPr>
         <p:spPr>
           <a:xfrm>
-            <a:off x="3560992" y="13650688"/>
-            <a:ext cx="849913" cy="1323439"/>
+            <a:off x="4172225" y="13186015"/>
+            <a:ext cx="965329" cy="1534716"/>
           </a:xfrm>
           <a:prstGeom prst="rect">
             <a:avLst/>
@@ -4270,14 +4264,12 @@
           <a:lstStyle/>
           <a:p>
             <a:r>
-              <a:rPr lang="en" altLang="zh-CN" sz="8000" b="1" dirty="0">
-                <a:effectLst/>
+              <a:rPr lang="en" altLang="zh-CN" sz="9373" b="1" dirty="0">
                 <a:latin typeface="Helvetica Neue" panose="02000503000000020004" pitchFamily="2" charset="0"/>
               </a:rPr>
               <a:t>S</a:t>
             </a:r>
-            <a:endParaRPr lang="en" altLang="zh-CN" sz="8000" dirty="0">
-              <a:effectLst/>
+            <a:endParaRPr lang="en" altLang="zh-CN" sz="9373" dirty="0">
               <a:latin typeface="PingFang SC Medium" panose="020B0400000000000000" pitchFamily="34" charset="-122"/>
               <a:ea typeface="PingFang SC Medium" panose="020B0400000000000000" pitchFamily="34" charset="-122"/>
             </a:endParaRPr>
@@ -4298,8 +4290,8 @@
         </p:nvSpPr>
         <p:spPr>
           <a:xfrm>
-            <a:off x="5888014" y="13654679"/>
-            <a:ext cx="944489" cy="1323439"/>
+            <a:off x="6898672" y="13190692"/>
+            <a:ext cx="1075936" cy="1534716"/>
           </a:xfrm>
           <a:prstGeom prst="rect">
             <a:avLst/>
@@ -4313,14 +4305,12 @@
           <a:lstStyle/>
           <a:p>
             <a:r>
-              <a:rPr lang="en" altLang="zh-CN" sz="8000" b="1" dirty="0">
-                <a:effectLst/>
+              <a:rPr lang="en" altLang="zh-CN" sz="9373" b="1" dirty="0">
                 <a:latin typeface="Helvetica Neue" panose="02000503000000020004" pitchFamily="2" charset="0"/>
               </a:rPr>
               <a:t>D</a:t>
             </a:r>
-            <a:endParaRPr lang="en" altLang="zh-CN" sz="8000" dirty="0">
-              <a:effectLst/>
+            <a:endParaRPr lang="en" altLang="zh-CN" sz="9373" dirty="0">
               <a:latin typeface="PingFang SC Medium" panose="020B0400000000000000" pitchFamily="34" charset="-122"/>
               <a:ea typeface="PingFang SC Medium" panose="020B0400000000000000" pitchFamily="34" charset="-122"/>
             </a:endParaRPr>
@@ -4341,8 +4331,8 @@
         </p:nvSpPr>
         <p:spPr>
           <a:xfrm>
-            <a:off x="10526595" y="13650688"/>
-            <a:ext cx="963725" cy="1323439"/>
+            <a:off x="12333451" y="13186015"/>
+            <a:ext cx="1096775" cy="1534716"/>
           </a:xfrm>
           <a:prstGeom prst="rect">
             <a:avLst/>
@@ -4356,14 +4346,12 @@
           <a:lstStyle/>
           <a:p>
             <a:r>
-              <a:rPr lang="en" altLang="zh-CN" sz="8000" b="1" dirty="0">
-                <a:effectLst/>
+              <a:rPr lang="en" altLang="zh-CN" sz="9373" b="1" dirty="0">
                 <a:latin typeface="Helvetica Neue" panose="02000503000000020004" pitchFamily="2" charset="0"/>
               </a:rPr>
               <a:t>G</a:t>
             </a:r>
-            <a:endParaRPr lang="en" altLang="zh-CN" sz="8000" dirty="0">
-              <a:effectLst/>
+            <a:endParaRPr lang="en" altLang="zh-CN" sz="9373" dirty="0">
               <a:latin typeface="PingFang SC Medium" panose="020B0400000000000000" pitchFamily="34" charset="-122"/>
               <a:ea typeface="PingFang SC Medium" panose="020B0400000000000000" pitchFamily="34" charset="-122"/>
             </a:endParaRPr>
@@ -4384,8 +4372,8 @@
         </p:nvSpPr>
         <p:spPr>
           <a:xfrm>
-            <a:off x="8257971" y="13654679"/>
-            <a:ext cx="793807" cy="1323439"/>
+            <a:off x="9675425" y="13190692"/>
+            <a:ext cx="898003" cy="1534716"/>
           </a:xfrm>
           <a:prstGeom prst="rect">
             <a:avLst/>
@@ -4399,14 +4387,12 @@
           <a:lstStyle/>
           <a:p>
             <a:r>
-              <a:rPr lang="en" altLang="zh-CN" sz="8000" b="1" dirty="0">
-                <a:effectLst/>
+              <a:rPr lang="en" altLang="zh-CN" sz="9373" b="1" dirty="0">
                 <a:latin typeface="Helvetica Neue" panose="02000503000000020004" pitchFamily="2" charset="0"/>
               </a:rPr>
               <a:t>F</a:t>
             </a:r>
-            <a:endParaRPr lang="en" altLang="zh-CN" sz="8000" dirty="0">
-              <a:effectLst/>
+            <a:endParaRPr lang="en" altLang="zh-CN" sz="9373" dirty="0">
               <a:latin typeface="PingFang SC Medium" panose="020B0400000000000000" pitchFamily="34" charset="-122"/>
               <a:ea typeface="PingFang SC Medium" panose="020B0400000000000000" pitchFamily="34" charset="-122"/>
             </a:endParaRPr>
@@ -4427,8 +4413,8 @@
         </p:nvSpPr>
         <p:spPr>
           <a:xfrm>
-            <a:off x="12880397" y="13671008"/>
-            <a:ext cx="944489" cy="1323439"/>
+            <a:off x="15091275" y="13209823"/>
+            <a:ext cx="1075936" cy="1534716"/>
           </a:xfrm>
           <a:prstGeom prst="rect">
             <a:avLst/>
@@ -4442,13 +4428,12 @@
           <a:lstStyle/>
           <a:p>
             <a:r>
-              <a:rPr lang="en" altLang="zh-CN" sz="8000" b="1" dirty="0">
+              <a:rPr lang="en" altLang="zh-CN" sz="9373" b="1" dirty="0">
                 <a:latin typeface="Helvetica Neue" panose="02000503000000020004" pitchFamily="2" charset="0"/>
               </a:rPr>
               <a:t>H</a:t>
             </a:r>
-            <a:endParaRPr lang="en" altLang="zh-CN" sz="8000" dirty="0">
-              <a:effectLst/>
+            <a:endParaRPr lang="en" altLang="zh-CN" sz="9373" dirty="0">
               <a:latin typeface="PingFang SC Medium" panose="020B0400000000000000" pitchFamily="34" charset="-122"/>
               <a:ea typeface="PingFang SC Medium" panose="020B0400000000000000" pitchFamily="34" charset="-122"/>
             </a:endParaRPr>
@@ -4469,8 +4454,8 @@
         </p:nvSpPr>
         <p:spPr>
           <a:xfrm>
-            <a:off x="22283418" y="13578378"/>
-            <a:ext cx="906017" cy="1569660"/>
+            <a:off x="26108294" y="13101330"/>
+            <a:ext cx="1029449" cy="1823128"/>
           </a:xfrm>
           <a:prstGeom prst="rect">
             <a:avLst/>
@@ -4484,16 +4469,14 @@
           <a:lstStyle/>
           <a:p>
             <a:r>
-              <a:rPr lang="en" altLang="zh-CN" sz="9600" b="1" dirty="0">
-                <a:effectLst/>
+              <a:rPr lang="en" altLang="zh-CN" sz="11247" b="1" dirty="0">
                 <a:latin typeface="Alibaba PuHuiTi B" pitchFamily="18" charset="-122"/>
                 <a:ea typeface="Alibaba PuHuiTi B" pitchFamily="18" charset="-122"/>
                 <a:cs typeface="Alibaba PuHuiTi B" pitchFamily="18" charset="-122"/>
               </a:rPr>
               <a:t>↵</a:t>
             </a:r>
-            <a:endParaRPr lang="en" altLang="zh-CN" sz="8000" b="1" dirty="0">
-              <a:effectLst/>
+            <a:endParaRPr lang="en" altLang="zh-CN" sz="9373" b="1" dirty="0">
               <a:latin typeface="Alibaba PuHuiTi B" pitchFamily="18" charset="-122"/>
               <a:ea typeface="Alibaba PuHuiTi B" pitchFamily="18" charset="-122"/>
               <a:cs typeface="Alibaba PuHuiTi B" pitchFamily="18" charset="-122"/>
@@ -4515,8 +4498,8 @@
         </p:nvSpPr>
         <p:spPr>
           <a:xfrm>
-            <a:off x="15281275" y="13650688"/>
-            <a:ext cx="755335" cy="1323439"/>
+            <a:off x="17904256" y="13186015"/>
+            <a:ext cx="853119" cy="1534716"/>
           </a:xfrm>
           <a:prstGeom prst="rect">
             <a:avLst/>
@@ -4530,13 +4513,12 @@
           <a:lstStyle/>
           <a:p>
             <a:r>
-              <a:rPr lang="en" altLang="zh-CN" sz="8000" b="1" dirty="0">
+              <a:rPr lang="en" altLang="zh-CN" sz="9373" b="1" dirty="0">
                 <a:latin typeface="Helvetica Neue" panose="02000503000000020004" pitchFamily="2" charset="0"/>
               </a:rPr>
               <a:t>J</a:t>
             </a:r>
-            <a:endParaRPr lang="en" altLang="zh-CN" sz="8000" dirty="0">
-              <a:effectLst/>
+            <a:endParaRPr lang="en" altLang="zh-CN" sz="9373" dirty="0">
               <a:latin typeface="PingFang SC Medium" panose="020B0400000000000000" pitchFamily="34" charset="-122"/>
               <a:ea typeface="PingFang SC Medium" panose="020B0400000000000000" pitchFamily="34" charset="-122"/>
             </a:endParaRPr>
@@ -4557,8 +4539,8 @@
         </p:nvSpPr>
         <p:spPr>
           <a:xfrm>
-            <a:off x="17516540" y="13671008"/>
-            <a:ext cx="925253" cy="1323439"/>
+            <a:off x="20523197" y="13209823"/>
+            <a:ext cx="1051891" cy="1534716"/>
           </a:xfrm>
           <a:prstGeom prst="rect">
             <a:avLst/>
@@ -4572,13 +4554,12 @@
           <a:lstStyle/>
           <a:p>
             <a:r>
-              <a:rPr lang="en" altLang="zh-CN" sz="8000" b="1" dirty="0">
+              <a:rPr lang="en" altLang="zh-CN" sz="9373" b="1" dirty="0">
                 <a:latin typeface="Helvetica Neue" panose="02000503000000020004" pitchFamily="2" charset="0"/>
               </a:rPr>
               <a:t>K</a:t>
             </a:r>
-            <a:endParaRPr lang="en" altLang="zh-CN" sz="8000" dirty="0">
-              <a:effectLst/>
+            <a:endParaRPr lang="en" altLang="zh-CN" sz="9373" dirty="0">
               <a:latin typeface="PingFang SC Medium" panose="020B0400000000000000" pitchFamily="34" charset="-122"/>
               <a:ea typeface="PingFang SC Medium" panose="020B0400000000000000" pitchFamily="34" charset="-122"/>
             </a:endParaRPr>
@@ -4599,8 +4580,8 @@
         </p:nvSpPr>
         <p:spPr>
           <a:xfrm>
-            <a:off x="19955546" y="13671008"/>
-            <a:ext cx="793807" cy="1323439"/>
+            <a:off x="23380850" y="13209823"/>
+            <a:ext cx="898003" cy="1534716"/>
           </a:xfrm>
           <a:prstGeom prst="rect">
             <a:avLst/>
@@ -4614,13 +4595,12 @@
           <a:lstStyle/>
           <a:p>
             <a:r>
-              <a:rPr lang="en" altLang="zh-CN" sz="8000" b="1" dirty="0">
+              <a:rPr lang="en" altLang="zh-CN" sz="9373" b="1" dirty="0">
                 <a:latin typeface="Helvetica Neue" panose="02000503000000020004" pitchFamily="2" charset="0"/>
               </a:rPr>
               <a:t>L</a:t>
             </a:r>
-            <a:endParaRPr lang="en" altLang="zh-CN" sz="8000" dirty="0">
-              <a:effectLst/>
+            <a:endParaRPr lang="en" altLang="zh-CN" sz="9373" dirty="0">
               <a:latin typeface="PingFang SC Medium" panose="020B0400000000000000" pitchFamily="34" charset="-122"/>
               <a:ea typeface="PingFang SC Medium" panose="020B0400000000000000" pitchFamily="34" charset="-122"/>
             </a:endParaRPr>
@@ -4641,8 +4621,8 @@
         </p:nvSpPr>
         <p:spPr>
           <a:xfrm>
-            <a:off x="1234006" y="15801140"/>
-            <a:ext cx="849913" cy="1323439"/>
+            <a:off x="1445820" y="15705585"/>
+            <a:ext cx="963725" cy="1534716"/>
           </a:xfrm>
           <a:prstGeom prst="rect">
             <a:avLst/>
@@ -4656,13 +4636,12 @@
           <a:lstStyle/>
           <a:p>
             <a:r>
-              <a:rPr lang="en" altLang="zh-CN" sz="8000" b="1" dirty="0">
+              <a:rPr lang="en" altLang="zh-CN" sz="9373" b="1" dirty="0">
                 <a:latin typeface="Helvetica Neue" panose="02000503000000020004" pitchFamily="2" charset="0"/>
               </a:rPr>
               <a:t>Z</a:t>
             </a:r>
-            <a:endParaRPr lang="en" altLang="zh-CN" sz="8000" dirty="0">
-              <a:effectLst/>
+            <a:endParaRPr lang="en" altLang="zh-CN" sz="9373" dirty="0">
               <a:latin typeface="PingFang SC Medium" panose="020B0400000000000000" pitchFamily="34" charset="-122"/>
               <a:ea typeface="PingFang SC Medium" panose="020B0400000000000000" pitchFamily="34" charset="-122"/>
             </a:endParaRPr>
@@ -4683,8 +4662,8 @@
         </p:nvSpPr>
         <p:spPr>
           <a:xfrm>
-            <a:off x="3534132" y="15786150"/>
-            <a:ext cx="869149" cy="1323439"/>
+            <a:off x="4140755" y="15688022"/>
+            <a:ext cx="986167" cy="1534716"/>
           </a:xfrm>
           <a:prstGeom prst="rect">
             <a:avLst/>
@@ -4698,13 +4677,12 @@
           <a:lstStyle/>
           <a:p>
             <a:r>
-              <a:rPr lang="en" altLang="zh-CN" sz="8000" b="1" dirty="0">
+              <a:rPr lang="en" altLang="zh-CN" sz="9373" b="1" dirty="0">
                 <a:latin typeface="Helvetica Neue" panose="02000503000000020004" pitchFamily="2" charset="0"/>
               </a:rPr>
               <a:t>X</a:t>
             </a:r>
-            <a:endParaRPr lang="en" altLang="zh-CN" sz="8000" dirty="0">
-              <a:effectLst/>
+            <a:endParaRPr lang="en" altLang="zh-CN" sz="9373" dirty="0">
               <a:latin typeface="PingFang SC Medium" panose="020B0400000000000000" pitchFamily="34" charset="-122"/>
               <a:ea typeface="PingFang SC Medium" panose="020B0400000000000000" pitchFamily="34" charset="-122"/>
             </a:endParaRPr>
@@ -4725,8 +4703,8 @@
         </p:nvSpPr>
         <p:spPr>
           <a:xfrm>
-            <a:off x="5865074" y="15786150"/>
-            <a:ext cx="944489" cy="1323439"/>
+            <a:off x="6871795" y="15688022"/>
+            <a:ext cx="1075936" cy="1534716"/>
           </a:xfrm>
           <a:prstGeom prst="rect">
             <a:avLst/>
@@ -4740,13 +4718,12 @@
           <a:lstStyle/>
           <a:p>
             <a:r>
-              <a:rPr lang="en" altLang="zh-CN" sz="8000" b="1" dirty="0">
+              <a:rPr lang="en" altLang="zh-CN" sz="9373" b="1" dirty="0">
                 <a:latin typeface="Helvetica Neue" panose="02000503000000020004" pitchFamily="2" charset="0"/>
               </a:rPr>
               <a:t>C</a:t>
             </a:r>
-            <a:endParaRPr lang="en" altLang="zh-CN" sz="8000" dirty="0">
-              <a:effectLst/>
+            <a:endParaRPr lang="en" altLang="zh-CN" sz="9373" dirty="0">
               <a:latin typeface="PingFang SC Medium" panose="020B0400000000000000" pitchFamily="34" charset="-122"/>
               <a:ea typeface="PingFang SC Medium" panose="020B0400000000000000" pitchFamily="34" charset="-122"/>
             </a:endParaRPr>
@@ -4767,8 +4744,8 @@
         </p:nvSpPr>
         <p:spPr>
           <a:xfrm>
-            <a:off x="8261547" y="15786150"/>
-            <a:ext cx="830677" cy="1323439"/>
+            <a:off x="9679615" y="15688022"/>
+            <a:ext cx="941283" cy="1534716"/>
           </a:xfrm>
           <a:prstGeom prst="rect">
             <a:avLst/>
@@ -4782,13 +4759,12 @@
           <a:lstStyle/>
           <a:p>
             <a:r>
-              <a:rPr lang="en" altLang="zh-CN" sz="8000" b="1" dirty="0">
+              <a:rPr lang="en" altLang="zh-CN" sz="9373" b="1" dirty="0">
                 <a:latin typeface="Helvetica Neue" panose="02000503000000020004" pitchFamily="2" charset="0"/>
               </a:rPr>
               <a:t>V</a:t>
             </a:r>
-            <a:endParaRPr lang="en" altLang="zh-CN" sz="8000" dirty="0">
-              <a:effectLst/>
+            <a:endParaRPr lang="en" altLang="zh-CN" sz="9373" dirty="0">
               <a:latin typeface="PingFang SC Medium" panose="020B0400000000000000" pitchFamily="34" charset="-122"/>
               <a:ea typeface="PingFang SC Medium" panose="020B0400000000000000" pitchFamily="34" charset="-122"/>
             </a:endParaRPr>
@@ -4809,8 +4785,8 @@
         </p:nvSpPr>
         <p:spPr>
           <a:xfrm>
-            <a:off x="10554533" y="15786150"/>
-            <a:ext cx="907621" cy="1323439"/>
+            <a:off x="12366184" y="15688022"/>
+            <a:ext cx="1031051" cy="1534716"/>
           </a:xfrm>
           <a:prstGeom prst="rect">
             <a:avLst/>
@@ -4824,13 +4800,12 @@
           <a:lstStyle/>
           <a:p>
             <a:r>
-              <a:rPr lang="en" altLang="zh-CN" sz="8000" b="1" dirty="0">
+              <a:rPr lang="en" altLang="zh-CN" sz="9373" b="1" dirty="0">
                 <a:latin typeface="Helvetica Neue" panose="02000503000000020004" pitchFamily="2" charset="0"/>
               </a:rPr>
               <a:t>B</a:t>
             </a:r>
-            <a:endParaRPr lang="en" altLang="zh-CN" sz="8000" dirty="0">
-              <a:effectLst/>
+            <a:endParaRPr lang="en" altLang="zh-CN" sz="9373" dirty="0">
               <a:latin typeface="PingFang SC Medium" panose="020B0400000000000000" pitchFamily="34" charset="-122"/>
               <a:ea typeface="PingFang SC Medium" panose="020B0400000000000000" pitchFamily="34" charset="-122"/>
             </a:endParaRPr>
@@ -4851,8 +4826,8 @@
         </p:nvSpPr>
         <p:spPr>
           <a:xfrm>
-            <a:off x="12871892" y="15786150"/>
-            <a:ext cx="944489" cy="1323439"/>
+            <a:off x="15081310" y="15688022"/>
+            <a:ext cx="1075936" cy="1534716"/>
           </a:xfrm>
           <a:prstGeom prst="rect">
             <a:avLst/>
@@ -4866,13 +4841,12 @@
           <a:lstStyle/>
           <a:p>
             <a:r>
-              <a:rPr lang="en" altLang="zh-CN" sz="8000" b="1" dirty="0">
+              <a:rPr lang="en" altLang="zh-CN" sz="9373" b="1" dirty="0">
                 <a:latin typeface="Helvetica Neue" panose="02000503000000020004" pitchFamily="2" charset="0"/>
               </a:rPr>
               <a:t>N</a:t>
             </a:r>
-            <a:endParaRPr lang="en" altLang="zh-CN" sz="8000" dirty="0">
-              <a:effectLst/>
+            <a:endParaRPr lang="en" altLang="zh-CN" sz="9373" dirty="0">
               <a:latin typeface="PingFang SC Medium" panose="020B0400000000000000" pitchFamily="34" charset="-122"/>
               <a:ea typeface="PingFang SC Medium" panose="020B0400000000000000" pitchFamily="34" charset="-122"/>
             </a:endParaRPr>
@@ -4893,8 +4867,8 @@
         </p:nvSpPr>
         <p:spPr>
           <a:xfrm>
-            <a:off x="15133311" y="15786150"/>
-            <a:ext cx="1114408" cy="1323439"/>
+            <a:off x="17730894" y="15688022"/>
+            <a:ext cx="1274708" cy="1534716"/>
           </a:xfrm>
           <a:prstGeom prst="rect">
             <a:avLst/>
@@ -4908,13 +4882,12 @@
           <a:lstStyle/>
           <a:p>
             <a:r>
-              <a:rPr lang="en" altLang="zh-CN" sz="8000" b="1" dirty="0">
+              <a:rPr lang="en" altLang="zh-CN" sz="9373" b="1" dirty="0">
                 <a:latin typeface="Helvetica Neue" panose="02000503000000020004" pitchFamily="2" charset="0"/>
               </a:rPr>
               <a:t>M</a:t>
             </a:r>
-            <a:endParaRPr lang="en" altLang="zh-CN" sz="8000" dirty="0">
-              <a:effectLst/>
+            <a:endParaRPr lang="en" altLang="zh-CN" sz="9373" dirty="0">
               <a:latin typeface="PingFang SC Medium" panose="020B0400000000000000" pitchFamily="34" charset="-122"/>
               <a:ea typeface="PingFang SC Medium" panose="020B0400000000000000" pitchFamily="34" charset="-122"/>
             </a:endParaRPr>
@@ -4935,8 +4908,8 @@
         </p:nvSpPr>
         <p:spPr>
           <a:xfrm>
-            <a:off x="16908788" y="15904666"/>
-            <a:ext cx="2222083" cy="1015663"/>
+            <a:off x="19811126" y="15826854"/>
+            <a:ext cx="2573140" cy="1174168"/>
           </a:xfrm>
           <a:prstGeom prst="rect">
             <a:avLst/>
@@ -4950,15 +4923,14 @@
           <a:lstStyle/>
           <a:p>
             <a:r>
-              <a:rPr lang="en" altLang="zh-CN" sz="6000" b="1" dirty="0">
+              <a:rPr lang="en" altLang="zh-CN" sz="7030" b="1" dirty="0">
                 <a:latin typeface="Alibaba PuHuiTi B" pitchFamily="18" charset="-122"/>
                 <a:ea typeface="Alibaba PuHuiTi B" pitchFamily="18" charset="-122"/>
                 <a:cs typeface="Alibaba PuHuiTi B" pitchFamily="18" charset="-122"/>
               </a:rPr>
               <a:t>PgUp</a:t>
             </a:r>
-            <a:endParaRPr lang="en" altLang="zh-CN" sz="8000" b="1" dirty="0">
-              <a:effectLst/>
+            <a:endParaRPr lang="en" altLang="zh-CN" sz="9373" b="1" dirty="0">
               <a:latin typeface="Alibaba PuHuiTi B" pitchFamily="18" charset="-122"/>
               <a:ea typeface="Alibaba PuHuiTi B" pitchFamily="18" charset="-122"/>
               <a:cs typeface="Alibaba PuHuiTi B" pitchFamily="18" charset="-122"/>
@@ -4980,8 +4952,8 @@
         </p:nvSpPr>
         <p:spPr>
           <a:xfrm>
-            <a:off x="3575193" y="17913040"/>
-            <a:ext cx="814647" cy="1323439"/>
+            <a:off x="4188864" y="18179986"/>
+            <a:ext cx="922047" cy="1534716"/>
           </a:xfrm>
           <a:prstGeom prst="rect">
             <a:avLst/>
@@ -4995,16 +4967,14 @@
           <a:lstStyle/>
           <a:p>
             <a:r>
-              <a:rPr lang="en" altLang="zh-CN" sz="8000" b="1" dirty="0">
-                <a:effectLst/>
+              <a:rPr lang="en" altLang="zh-CN" sz="9373" b="1" dirty="0">
                 <a:latin typeface="Helvetica Neue" panose="02000503000000020004" pitchFamily="2" charset="0"/>
                 <a:ea typeface="Helvetica Neue" panose="02000503000000020004" pitchFamily="2" charset="0"/>
                 <a:cs typeface="Helvetica Neue" panose="02000503000000020004" pitchFamily="2" charset="0"/>
               </a:rPr>
               <a:t>⇧</a:t>
             </a:r>
-            <a:endParaRPr lang="zh-CN" altLang="en-US" sz="8000" b="1" dirty="0">
-              <a:effectLst/>
+            <a:endParaRPr lang="zh-CN" altLang="en-US" sz="9373" b="1" dirty="0">
               <a:latin typeface="Helvetica Neue" panose="02000503000000020004" pitchFamily="2" charset="0"/>
               <a:ea typeface="Alibaba PuHuiTi H" pitchFamily="18" charset="-122"/>
               <a:cs typeface="Helvetica Neue" panose="02000503000000020004" pitchFamily="2" charset="0"/>
@@ -5026,8 +4996,8 @@
         </p:nvSpPr>
         <p:spPr>
           <a:xfrm>
-            <a:off x="5933956" y="17915299"/>
-            <a:ext cx="814647" cy="1323439"/>
+            <a:off x="6952501" y="18182633"/>
+            <a:ext cx="922047" cy="1534716"/>
           </a:xfrm>
           <a:prstGeom prst="rect">
             <a:avLst/>
@@ -5041,16 +5011,14 @@
           <a:lstStyle/>
           <a:p>
             <a:r>
-              <a:rPr lang="en" altLang="zh-CN" sz="8000" b="1" dirty="0">
-                <a:effectLst/>
+              <a:rPr lang="en" altLang="zh-CN" sz="9373" b="1" dirty="0">
                 <a:latin typeface="Alibaba PuHuiTi B" pitchFamily="18" charset="-122"/>
                 <a:ea typeface="Alibaba PuHuiTi B" pitchFamily="18" charset="-122"/>
                 <a:cs typeface="Alibaba PuHuiTi B" pitchFamily="18" charset="-122"/>
               </a:rPr>
               <a:t>⇪</a:t>
             </a:r>
-            <a:endParaRPr lang="zh-CN" altLang="en-US" sz="8000" dirty="0">
-              <a:effectLst/>
+            <a:endParaRPr lang="zh-CN" altLang="en-US" sz="9373" dirty="0">
               <a:latin typeface="Helvetica Neue" panose="02000503000000020004" pitchFamily="2" charset="0"/>
             </a:endParaRPr>
           </a:p>
@@ -5070,8 +5038,8 @@
         </p:nvSpPr>
         <p:spPr>
           <a:xfrm>
-            <a:off x="7907912" y="18078150"/>
-            <a:ext cx="1516762" cy="1107996"/>
+            <a:off x="9265279" y="18373414"/>
+            <a:ext cx="1747594" cy="1282339"/>
           </a:xfrm>
           <a:prstGeom prst="rect">
             <a:avLst/>
@@ -5085,16 +5053,14 @@
           <a:lstStyle/>
           <a:p>
             <a:r>
-              <a:rPr lang="en" altLang="zh-CN" sz="6600" b="1" dirty="0">
-                <a:effectLst/>
+              <a:rPr lang="en" altLang="zh-CN" sz="7733" b="1" dirty="0">
                 <a:latin typeface="Alibaba PuHuiTi B" pitchFamily="18" charset="-122"/>
                 <a:ea typeface="Alibaba PuHuiTi B" pitchFamily="18" charset="-122"/>
                 <a:cs typeface="Alibaba PuHuiTi B" pitchFamily="18" charset="-122"/>
               </a:rPr>
               <a:t>esc</a:t>
             </a:r>
-            <a:endParaRPr lang="zh-CN" altLang="en-US" sz="8000" b="1" dirty="0">
-              <a:effectLst/>
+            <a:endParaRPr lang="zh-CN" altLang="en-US" sz="9373" b="1" dirty="0">
               <a:latin typeface="Alibaba PuHuiTi B" pitchFamily="18" charset="-122"/>
               <a:ea typeface="Alibaba PuHuiTi B" pitchFamily="18" charset="-122"/>
               <a:cs typeface="Alibaba PuHuiTi B" pitchFamily="18" charset="-122"/>
@@ -5116,8 +5082,8 @@
         </p:nvSpPr>
         <p:spPr>
           <a:xfrm>
-            <a:off x="13064926" y="17848805"/>
-            <a:ext cx="556563" cy="1446550"/>
+            <a:off x="15307478" y="18104745"/>
+            <a:ext cx="619080" cy="1678921"/>
           </a:xfrm>
           <a:prstGeom prst="rect">
             <a:avLst/>
@@ -5131,16 +5097,14 @@
           <a:lstStyle/>
           <a:p>
             <a:r>
-              <a:rPr lang="en" altLang="zh-CN" sz="8800" b="1" dirty="0">
-                <a:effectLst/>
+              <a:rPr lang="en" altLang="zh-CN" sz="10310" b="1" dirty="0">
                 <a:latin typeface="Alibaba PuHuiTi B" pitchFamily="18" charset="-122"/>
                 <a:ea typeface="Alibaba PuHuiTi B" pitchFamily="18" charset="-122"/>
                 <a:cs typeface="Alibaba PuHuiTi B" pitchFamily="18" charset="-122"/>
               </a:rPr>
               <a:t>.</a:t>
             </a:r>
-            <a:endParaRPr lang="zh-CN" altLang="en-US" sz="8000" dirty="0">
-              <a:effectLst/>
+            <a:endParaRPr lang="zh-CN" altLang="en-US" sz="9373" dirty="0">
               <a:latin typeface="Helvetica Neue" panose="02000503000000020004" pitchFamily="2" charset="0"/>
             </a:endParaRPr>
           </a:p>
@@ -5160,8 +5124,8 @@
         </p:nvSpPr>
         <p:spPr>
           <a:xfrm>
-            <a:off x="15083278" y="17483734"/>
-            <a:ext cx="1200970" cy="1569660"/>
+            <a:off x="17672273" y="17677027"/>
+            <a:ext cx="1375698" cy="1823128"/>
           </a:xfrm>
           <a:prstGeom prst="rect">
             <a:avLst/>
@@ -5175,16 +5139,14 @@
           <a:lstStyle/>
           <a:p>
             <a:r>
-              <a:rPr lang="en" altLang="zh-CN" sz="9600" b="1" dirty="0">
-                <a:effectLst/>
+              <a:rPr lang="en" altLang="zh-CN" sz="11247" b="1" dirty="0">
                 <a:latin typeface="Alibaba PuHuiTi B" pitchFamily="18" charset="-122"/>
                 <a:ea typeface="Alibaba PuHuiTi B" pitchFamily="18" charset="-122"/>
                 <a:cs typeface="Alibaba PuHuiTi B" pitchFamily="18" charset="-122"/>
               </a:rPr>
               <a:t>␣</a:t>
             </a:r>
-            <a:endParaRPr lang="zh-CN" altLang="en-US" sz="9600" dirty="0">
-              <a:effectLst/>
+            <a:endParaRPr lang="zh-CN" altLang="en-US" sz="11247" dirty="0">
               <a:latin typeface="Helvetica Neue" panose="02000503000000020004" pitchFamily="2" charset="0"/>
             </a:endParaRPr>
           </a:p>
@@ -5204,8 +5166,8 @@
         </p:nvSpPr>
         <p:spPr>
           <a:xfrm>
-            <a:off x="19755153" y="17964961"/>
-            <a:ext cx="1210588" cy="1323439"/>
+            <a:off x="23146060" y="18240819"/>
+            <a:ext cx="1386918" cy="1534716"/>
           </a:xfrm>
           <a:prstGeom prst="rect">
             <a:avLst/>
@@ -5219,15 +5181,14 @@
           <a:lstStyle/>
           <a:p>
             <a:r>
-              <a:rPr lang="en" altLang="zh-CN" sz="8000" b="1" dirty="0">
+              <a:rPr lang="en" altLang="zh-CN" sz="9373" b="1" dirty="0">
                 <a:latin typeface="Alibaba PuHuiTi B" pitchFamily="18" charset="-122"/>
                 <a:ea typeface="Alibaba PuHuiTi B" pitchFamily="18" charset="-122"/>
                 <a:cs typeface="Alibaba PuHuiTi B" pitchFamily="18" charset="-122"/>
               </a:rPr>
               <a:t>▼</a:t>
             </a:r>
-            <a:endParaRPr lang="zh-CN" altLang="en-US" sz="8000" dirty="0">
-              <a:effectLst/>
+            <a:endParaRPr lang="zh-CN" altLang="en-US" sz="9373" dirty="0">
               <a:latin typeface="Helvetica Neue" panose="02000503000000020004" pitchFamily="2" charset="0"/>
             </a:endParaRPr>
           </a:p>
@@ -5247,8 +5208,8 @@
         </p:nvSpPr>
         <p:spPr>
           <a:xfrm>
-            <a:off x="21613304" y="15901776"/>
-            <a:ext cx="2204450" cy="1015663"/>
+            <a:off x="25323157" y="15823467"/>
+            <a:ext cx="2553904" cy="1174168"/>
           </a:xfrm>
           <a:prstGeom prst="rect">
             <a:avLst/>
@@ -5262,15 +5223,14 @@
           <a:lstStyle/>
           <a:p>
             <a:r>
-              <a:rPr lang="en" altLang="zh-CN" sz="6000" b="1" dirty="0">
+              <a:rPr lang="en" altLang="zh-CN" sz="7030" b="1" dirty="0">
                 <a:latin typeface="Alibaba PuHuiTi B" pitchFamily="18" charset="-122"/>
                 <a:ea typeface="Alibaba PuHuiTi B" pitchFamily="18" charset="-122"/>
                 <a:cs typeface="Alibaba PuHuiTi B" pitchFamily="18" charset="-122"/>
               </a:rPr>
               <a:t>PgDn</a:t>
             </a:r>
-            <a:endParaRPr lang="en" altLang="zh-CN" sz="8000" b="1" dirty="0">
-              <a:effectLst/>
+            <a:endParaRPr lang="en" altLang="zh-CN" sz="9373" b="1" dirty="0">
               <a:latin typeface="Alibaba PuHuiTi B" pitchFamily="18" charset="-122"/>
               <a:ea typeface="Alibaba PuHuiTi B" pitchFamily="18" charset="-122"/>
               <a:cs typeface="Alibaba PuHuiTi B" pitchFamily="18" charset="-122"/>
@@ -5292,8 +5252,8 @@
         </p:nvSpPr>
         <p:spPr>
           <a:xfrm rot="5400000">
-            <a:off x="17300837" y="17947344"/>
-            <a:ext cx="1210588" cy="1323439"/>
+            <a:off x="20286200" y="18220178"/>
+            <a:ext cx="1386918" cy="1534716"/>
           </a:xfrm>
           <a:prstGeom prst="rect">
             <a:avLst/>
@@ -5307,15 +5267,14 @@
           <a:lstStyle/>
           <a:p>
             <a:r>
-              <a:rPr lang="en" altLang="zh-CN" sz="8000" b="1" dirty="0">
+              <a:rPr lang="en" altLang="zh-CN" sz="9373" b="1" dirty="0">
                 <a:latin typeface="Alibaba PuHuiTi B" pitchFamily="18" charset="-122"/>
                 <a:ea typeface="Alibaba PuHuiTi B" pitchFamily="18" charset="-122"/>
                 <a:cs typeface="Alibaba PuHuiTi B" pitchFamily="18" charset="-122"/>
               </a:rPr>
               <a:t>▼</a:t>
             </a:r>
-            <a:endParaRPr lang="zh-CN" altLang="en-US" sz="8000" dirty="0">
-              <a:effectLst/>
+            <a:endParaRPr lang="zh-CN" altLang="en-US" sz="9373" dirty="0">
               <a:latin typeface="Helvetica Neue" panose="02000503000000020004" pitchFamily="2" charset="0"/>
             </a:endParaRPr>
           </a:p>
@@ -5335,8 +5294,8 @@
         </p:nvSpPr>
         <p:spPr>
           <a:xfrm rot="16200000">
-            <a:off x="22155607" y="17925648"/>
-            <a:ext cx="1210588" cy="1323439"/>
+            <a:off x="25974276" y="18194758"/>
+            <a:ext cx="1386918" cy="1534716"/>
           </a:xfrm>
           <a:prstGeom prst="rect">
             <a:avLst/>
@@ -5350,15 +5309,14 @@
           <a:lstStyle/>
           <a:p>
             <a:r>
-              <a:rPr lang="en" altLang="zh-CN" sz="8000" b="1" dirty="0">
+              <a:rPr lang="en" altLang="zh-CN" sz="9373" b="1" dirty="0">
                 <a:latin typeface="Alibaba PuHuiTi B" pitchFamily="18" charset="-122"/>
                 <a:ea typeface="Alibaba PuHuiTi B" pitchFamily="18" charset="-122"/>
                 <a:cs typeface="Alibaba PuHuiTi B" pitchFamily="18" charset="-122"/>
               </a:rPr>
               <a:t>▼</a:t>
             </a:r>
-            <a:endParaRPr lang="zh-CN" altLang="en-US" sz="8000" dirty="0">
-              <a:effectLst/>
+            <a:endParaRPr lang="zh-CN" altLang="en-US" sz="9373" dirty="0">
               <a:latin typeface="Helvetica Neue" panose="02000503000000020004" pitchFamily="2" charset="0"/>
             </a:endParaRPr>
           </a:p>
@@ -5378,8 +5336,8 @@
         </p:nvSpPr>
         <p:spPr>
           <a:xfrm>
-            <a:off x="14828303" y="9478071"/>
-            <a:ext cx="6353021" cy="1023357"/>
+            <a:off x="17373533" y="8289240"/>
+            <a:ext cx="7423827" cy="1183081"/>
           </a:xfrm>
           <a:prstGeom prst="rect">
             <a:avLst/>
@@ -5405,7 +5363,7 @@
           </a:lstStyle>
           <a:p>
             <a:r>
-              <a:rPr lang="zh-CN" altLang="en-US" sz="6050" dirty="0">
+              <a:rPr lang="zh-CN" altLang="en-US" sz="7088" dirty="0">
                 <a:latin typeface="Alibaba PuHuiTi B" pitchFamily="18" charset="-122"/>
                 <a:ea typeface="Alibaba PuHuiTi B" pitchFamily="18" charset="-122"/>
                 <a:cs typeface="Alibaba PuHuiTi B" pitchFamily="18" charset="-122"/>
@@ -5413,7 +5371,7 @@
               <a:t>行程 </a:t>
             </a:r>
             <a:r>
-              <a:rPr lang="en-US" altLang="zh-CN" sz="6050" dirty="0">
+              <a:rPr lang="en-US" altLang="zh-CN" sz="7088" dirty="0">
                 <a:latin typeface="Alibaba PuHuiTi B" pitchFamily="18" charset="-122"/>
                 <a:ea typeface="Alibaba PuHuiTi B" pitchFamily="18" charset="-122"/>
                 <a:cs typeface="Alibaba PuHuiTi B" pitchFamily="18" charset="-122"/>
@@ -5421,7 +5379,7 @@
               <a:t>  </a:t>
             </a:r>
             <a:r>
-              <a:rPr lang="zh-CN" altLang="en-US" sz="6050" dirty="0">
+              <a:rPr lang="zh-CN" altLang="en-US" sz="7088" dirty="0">
                 <a:latin typeface="Alibaba PuHuiTi B" pitchFamily="18" charset="-122"/>
                 <a:ea typeface="Alibaba PuHuiTi B" pitchFamily="18" charset="-122"/>
                 <a:cs typeface="Alibaba PuHuiTi B" pitchFamily="18" charset="-122"/>
@@ -5429,7 +5387,7 @@
               <a:t> 游戏</a:t>
             </a:r>
             <a:r>
-              <a:rPr lang="en-US" altLang="zh-CN" sz="6050" dirty="0">
+              <a:rPr lang="en-US" altLang="zh-CN" sz="7088" dirty="0">
                 <a:latin typeface="Alibaba PuHuiTi B" pitchFamily="18" charset="-122"/>
                 <a:ea typeface="Alibaba PuHuiTi B" pitchFamily="18" charset="-122"/>
                 <a:cs typeface="Alibaba PuHuiTi B" pitchFamily="18" charset="-122"/>
@@ -5437,7 +5395,7 @@
               <a:t> </a:t>
             </a:r>
             <a:r>
-              <a:rPr lang="zh-CN" altLang="en-US" sz="6050" dirty="0">
+              <a:rPr lang="zh-CN" altLang="en-US" sz="7088" dirty="0">
                 <a:latin typeface="Alibaba PuHuiTi B" pitchFamily="18" charset="-122"/>
                 <a:ea typeface="Alibaba PuHuiTi B" pitchFamily="18" charset="-122"/>
                 <a:cs typeface="Alibaba PuHuiTi B" pitchFamily="18" charset="-122"/>
@@ -5445,7 +5403,7 @@
               <a:t> </a:t>
             </a:r>
             <a:r>
-              <a:rPr lang="en-US" altLang="zh-CN" sz="6050" dirty="0">
+              <a:rPr lang="en-US" altLang="zh-CN" sz="7088" dirty="0">
                 <a:latin typeface="Alibaba PuHuiTi B" pitchFamily="18" charset="-122"/>
                 <a:ea typeface="Alibaba PuHuiTi B" pitchFamily="18" charset="-122"/>
                 <a:cs typeface="Alibaba PuHuiTi B" pitchFamily="18" charset="-122"/>
@@ -5453,7 +5411,7 @@
               <a:t> </a:t>
             </a:r>
             <a:r>
-              <a:rPr lang="zh-CN" altLang="en-US" sz="6050" dirty="0">
+              <a:rPr lang="zh-CN" altLang="en-US" sz="7088" dirty="0">
                 <a:latin typeface="Alibaba PuHuiTi B" pitchFamily="18" charset="-122"/>
                 <a:ea typeface="Alibaba PuHuiTi B" pitchFamily="18" charset="-122"/>
                 <a:cs typeface="Alibaba PuHuiTi B" pitchFamily="18" charset="-122"/>
@@ -5477,8 +5435,8 @@
         </p:nvSpPr>
         <p:spPr>
           <a:xfrm>
-            <a:off x="10163897" y="18125114"/>
-            <a:ext cx="1733167" cy="1015663"/>
+            <a:off x="11908497" y="18420518"/>
+            <a:ext cx="1999265" cy="1174168"/>
           </a:xfrm>
           <a:prstGeom prst="rect">
             <a:avLst/>
@@ -5504,14 +5462,14 @@
           </a:lstStyle>
           <a:p>
             <a:r>
-              <a:rPr lang="en-US" altLang="zh-CN" sz="6000" dirty="0">
+              <a:rPr lang="en-US" altLang="zh-CN" sz="7030" dirty="0">
                 <a:latin typeface="Alibaba PuHuiTi B" pitchFamily="18" charset="-122"/>
                 <a:ea typeface="Alibaba PuHuiTi B" pitchFamily="18" charset="-122"/>
                 <a:cs typeface="Alibaba PuHuiTi B" pitchFamily="18" charset="-122"/>
               </a:rPr>
               <a:t>sym</a:t>
             </a:r>
-            <a:endParaRPr lang="zh-CN" altLang="en-US" sz="5400" dirty="0">
+            <a:endParaRPr lang="zh-CN" altLang="en-US" sz="6327" dirty="0">
               <a:latin typeface="Alibaba PuHuiTi B" pitchFamily="18" charset="-122"/>
               <a:ea typeface="Alibaba PuHuiTi B" pitchFamily="18" charset="-122"/>
               <a:cs typeface="Alibaba PuHuiTi B" pitchFamily="18" charset="-122"/>
@@ -5533,8 +5491,8 @@
         </p:nvSpPr>
         <p:spPr>
           <a:xfrm rot="10800000">
-            <a:off x="19742002" y="15817984"/>
-            <a:ext cx="1210588" cy="1323439"/>
+            <a:off x="23146383" y="15725321"/>
+            <a:ext cx="1386918" cy="1534716"/>
           </a:xfrm>
           <a:prstGeom prst="rect">
             <a:avLst/>
@@ -5548,15 +5506,14 @@
           <a:lstStyle/>
           <a:p>
             <a:r>
-              <a:rPr lang="en" altLang="zh-CN" sz="8000" b="1" dirty="0">
+              <a:rPr lang="en" altLang="zh-CN" sz="9373" b="1" dirty="0">
                 <a:latin typeface="Alibaba PuHuiTi B" pitchFamily="18" charset="-122"/>
                 <a:ea typeface="Alibaba PuHuiTi B" pitchFamily="18" charset="-122"/>
                 <a:cs typeface="Alibaba PuHuiTi B" pitchFamily="18" charset="-122"/>
               </a:rPr>
               <a:t>▼</a:t>
             </a:r>
-            <a:endParaRPr lang="zh-CN" altLang="en-US" sz="8000" dirty="0">
-              <a:effectLst/>
+            <a:endParaRPr lang="zh-CN" altLang="en-US" sz="9373" dirty="0">
               <a:latin typeface="Helvetica Neue" panose="02000503000000020004" pitchFamily="2" charset="0"/>
             </a:endParaRPr>
           </a:p>
@@ -5576,8 +5533,8 @@
         </p:nvSpPr>
         <p:spPr>
           <a:xfrm>
-            <a:off x="809355" y="9479012"/>
-            <a:ext cx="6353021" cy="1023357"/>
+            <a:off x="948279" y="8290342"/>
+            <a:ext cx="7423827" cy="1183081"/>
           </a:xfrm>
           <a:prstGeom prst="rect">
             <a:avLst/>
@@ -5603,7 +5560,7 @@
           </a:lstStyle>
           <a:p>
             <a:r>
-              <a:rPr lang="zh-CN" altLang="en-US" sz="6050" dirty="0">
+              <a:rPr lang="zh-CN" altLang="en-US" sz="7088" dirty="0">
                 <a:latin typeface="Alibaba PuHuiTi B" pitchFamily="18" charset="-122"/>
                 <a:ea typeface="Alibaba PuHuiTi B" pitchFamily="18" charset="-122"/>
                 <a:cs typeface="Alibaba PuHuiTi B" pitchFamily="18" charset="-122"/>
@@ -5611,7 +5568,7 @@
               <a:t>电源</a:t>
             </a:r>
             <a:r>
-              <a:rPr lang="en-US" altLang="zh-CN" sz="6050" dirty="0">
+              <a:rPr lang="en-US" altLang="zh-CN" sz="7088" dirty="0">
                 <a:latin typeface="Alibaba PuHuiTi B" pitchFamily="18" charset="-122"/>
                 <a:ea typeface="Alibaba PuHuiTi B" pitchFamily="18" charset="-122"/>
                 <a:cs typeface="Alibaba PuHuiTi B" pitchFamily="18" charset="-122"/>
@@ -5619,7 +5576,7 @@
               <a:t> </a:t>
             </a:r>
             <a:r>
-              <a:rPr lang="zh-CN" altLang="en-US" sz="6050" dirty="0">
+              <a:rPr lang="zh-CN" altLang="en-US" sz="7088" dirty="0">
                 <a:latin typeface="Alibaba PuHuiTi B" pitchFamily="18" charset="-122"/>
                 <a:ea typeface="Alibaba PuHuiTi B" pitchFamily="18" charset="-122"/>
                 <a:cs typeface="Alibaba PuHuiTi B" pitchFamily="18" charset="-122"/>
@@ -5627,7 +5584,7 @@
               <a:t> </a:t>
             </a:r>
             <a:r>
-              <a:rPr lang="en-US" altLang="zh-CN" sz="6050" dirty="0">
+              <a:rPr lang="en-US" altLang="zh-CN" sz="7088" dirty="0">
                 <a:latin typeface="Alibaba PuHuiTi B" pitchFamily="18" charset="-122"/>
                 <a:ea typeface="Alibaba PuHuiTi B" pitchFamily="18" charset="-122"/>
                 <a:cs typeface="Alibaba PuHuiTi B" pitchFamily="18" charset="-122"/>
@@ -5635,7 +5592,7 @@
               <a:t> </a:t>
             </a:r>
             <a:r>
-              <a:rPr lang="zh-CN" altLang="en-US" sz="6050" dirty="0">
+              <a:rPr lang="zh-CN" altLang="en-US" sz="7088" dirty="0">
                 <a:latin typeface="Alibaba PuHuiTi B" pitchFamily="18" charset="-122"/>
                 <a:ea typeface="Alibaba PuHuiTi B" pitchFamily="18" charset="-122"/>
                 <a:cs typeface="Alibaba PuHuiTi B" pitchFamily="18" charset="-122"/>
@@ -5643,7 +5600,7 @@
               <a:t> 发音</a:t>
             </a:r>
             <a:r>
-              <a:rPr lang="en-US" altLang="zh-CN" sz="6050" dirty="0">
+              <a:rPr lang="en-US" altLang="zh-CN" sz="7088" dirty="0">
                 <a:latin typeface="Alibaba PuHuiTi B" pitchFamily="18" charset="-122"/>
                 <a:ea typeface="Alibaba PuHuiTi B" pitchFamily="18" charset="-122"/>
                 <a:cs typeface="Alibaba PuHuiTi B" pitchFamily="18" charset="-122"/>
@@ -5651,7 +5608,7 @@
               <a:t> </a:t>
             </a:r>
             <a:r>
-              <a:rPr lang="zh-CN" altLang="en-US" sz="6050" dirty="0">
+              <a:rPr lang="zh-CN" altLang="en-US" sz="7088" dirty="0">
                 <a:latin typeface="Alibaba PuHuiTi B" pitchFamily="18" charset="-122"/>
                 <a:ea typeface="Alibaba PuHuiTi B" pitchFamily="18" charset="-122"/>
                 <a:cs typeface="Alibaba PuHuiTi B" pitchFamily="18" charset="-122"/>
@@ -5659,7 +5616,7 @@
               <a:t>  </a:t>
             </a:r>
             <a:r>
-              <a:rPr lang="en-US" altLang="zh-CN" sz="6050" dirty="0">
+              <a:rPr lang="en-US" altLang="zh-CN" sz="7088" dirty="0">
                 <a:latin typeface="Alibaba PuHuiTi B" pitchFamily="18" charset="-122"/>
                 <a:ea typeface="Alibaba PuHuiTi B" pitchFamily="18" charset="-122"/>
                 <a:cs typeface="Alibaba PuHuiTi B" pitchFamily="18" charset="-122"/>
@@ -5667,7 +5624,7 @@
               <a:t> </a:t>
             </a:r>
             <a:r>
-              <a:rPr lang="zh-CN" altLang="en-US" sz="6050" dirty="0">
+              <a:rPr lang="zh-CN" altLang="en-US" sz="7088" dirty="0">
                 <a:latin typeface="Alibaba PuHuiTi B" pitchFamily="18" charset="-122"/>
                 <a:ea typeface="Alibaba PuHuiTi B" pitchFamily="18" charset="-122"/>
                 <a:cs typeface="Alibaba PuHuiTi B" pitchFamily="18" charset="-122"/>
@@ -5691,8 +5648,8 @@
         </p:nvSpPr>
         <p:spPr>
           <a:xfrm>
-            <a:off x="21826187" y="9485765"/>
-            <a:ext cx="1710725" cy="1023357"/>
+            <a:off x="25572581" y="8298254"/>
+            <a:ext cx="1973617" cy="1183081"/>
           </a:xfrm>
           <a:prstGeom prst="rect">
             <a:avLst/>
@@ -5718,7 +5675,7 @@
           </a:lstStyle>
           <a:p>
             <a:r>
-              <a:rPr lang="zh-CN" altLang="en-US" sz="6050" dirty="0">
+              <a:rPr lang="zh-CN" altLang="en-US" sz="7088" dirty="0">
                 <a:latin typeface="Alibaba PuHuiTi B" pitchFamily="18" charset="-122"/>
                 <a:ea typeface="Alibaba PuHuiTi B" pitchFamily="18" charset="-122"/>
                 <a:cs typeface="Alibaba PuHuiTi B" pitchFamily="18" charset="-122"/>
@@ -5732,6 +5689,2221 @@
     <p:extLst>
       <p:ext uri="{BB962C8B-B14F-4D97-AF65-F5344CB8AC3E}">
         <p14:creationId xmlns:p14="http://schemas.microsoft.com/office/powerpoint/2010/main" val="78498091"/>
+      </p:ext>
+    </p:extLst>
+  </p:cSld>
+  <p:clrMapOvr>
+    <a:masterClrMapping/>
+  </p:clrMapOvr>
+</p:sld>
+</file>
+
+<file path=ppt/slides/slide2.xml><?xml version="1.0" encoding="utf-8"?>
+<p:sld xmlns:a="http://schemas.openxmlformats.org/drawingml/2006/main" xmlns:r="http://schemas.openxmlformats.org/officeDocument/2006/relationships" xmlns:p="http://schemas.openxmlformats.org/presentationml/2006/main">
+  <p:cSld>
+    <p:spTree>
+      <p:nvGrpSpPr>
+        <p:cNvPr id="1" name=""/>
+        <p:cNvGrpSpPr/>
+        <p:nvPr/>
+      </p:nvGrpSpPr>
+      <p:grpSpPr>
+        <a:xfrm>
+          <a:off x="0" y="0"/>
+          <a:ext cx="0" cy="0"/>
+          <a:chOff x="0" y="0"/>
+          <a:chExt cx="0" cy="0"/>
+        </a:xfrm>
+      </p:grpSpPr>
+      <p:sp>
+        <p:nvSpPr>
+          <p:cNvPr id="2" name="标题 1">
+            <a:extLst>
+              <a:ext uri="{FF2B5EF4-FFF2-40B4-BE49-F238E27FC236}">
+                <a16:creationId xmlns:a16="http://schemas.microsoft.com/office/drawing/2014/main" id="{624E6CEA-629C-E5CD-5EB6-0BEE0E7A5E2B}"/>
+              </a:ext>
+            </a:extLst>
+          </p:cNvPr>
+          <p:cNvSpPr>
+            <a:spLocks noGrp="1"/>
+          </p:cNvSpPr>
+          <p:nvPr>
+            <p:ph type="title"/>
+          </p:nvPr>
+        </p:nvSpPr>
+        <p:spPr/>
+        <p:txBody>
+          <a:bodyPr/>
+          <a:lstStyle/>
+          <a:p>
+            <a:endParaRPr kumimoji="1" lang="zh-CN" altLang="en-US"/>
+          </a:p>
+        </p:txBody>
+      </p:sp>
+      <p:pic>
+        <p:nvPicPr>
+          <p:cNvPr id="5" name="内容占位符 4">
+            <a:extLst>
+              <a:ext uri="{FF2B5EF4-FFF2-40B4-BE49-F238E27FC236}">
+                <a16:creationId xmlns:a16="http://schemas.microsoft.com/office/drawing/2014/main" id="{45DC60A2-87BC-17E9-9F7D-4175A3987E24}"/>
+              </a:ext>
+            </a:extLst>
+          </p:cNvPr>
+          <p:cNvPicPr>
+            <a:picLocks noGrp="1" noChangeAspect="1"/>
+          </p:cNvPicPr>
+          <p:nvPr>
+            <p:ph idx="1"/>
+          </p:nvPr>
+        </p:nvPicPr>
+        <p:blipFill>
+          <a:blip r:embed="rId2"/>
+          <a:stretch>
+            <a:fillRect/>
+          </a:stretch>
+        </p:blipFill>
+        <p:spPr>
+          <a:xfrm>
+            <a:off x="1451279" y="-1"/>
+            <a:ext cx="20520025" cy="20520025"/>
+          </a:xfrm>
+        </p:spPr>
+      </p:pic>
+    </p:spTree>
+    <p:extLst>
+      <p:ext uri="{BB962C8B-B14F-4D97-AF65-F5344CB8AC3E}">
+        <p14:creationId xmlns:p14="http://schemas.microsoft.com/office/powerpoint/2010/main" val="588672571"/>
+      </p:ext>
+    </p:extLst>
+  </p:cSld>
+  <p:clrMapOvr>
+    <a:masterClrMapping/>
+  </p:clrMapOvr>
+</p:sld>
+</file>
+
+<file path=ppt/slides/slide3.xml><?xml version="1.0" encoding="utf-8"?>
+<p:sld xmlns:a="http://schemas.openxmlformats.org/drawingml/2006/main" xmlns:r="http://schemas.openxmlformats.org/officeDocument/2006/relationships" xmlns:p="http://schemas.openxmlformats.org/presentationml/2006/main">
+  <p:cSld>
+    <p:spTree>
+      <p:nvGrpSpPr>
+        <p:cNvPr id="1" name=""/>
+        <p:cNvGrpSpPr/>
+        <p:nvPr/>
+      </p:nvGrpSpPr>
+      <p:grpSpPr>
+        <a:xfrm>
+          <a:off x="0" y="0"/>
+          <a:ext cx="0" cy="0"/>
+          <a:chOff x="0" y="0"/>
+          <a:chExt cx="0" cy="0"/>
+        </a:xfrm>
+      </p:grpSpPr>
+      <p:sp>
+        <p:nvSpPr>
+          <p:cNvPr id="2" name="标题 1">
+            <a:extLst>
+              <a:ext uri="{FF2B5EF4-FFF2-40B4-BE49-F238E27FC236}">
+                <a16:creationId xmlns:a16="http://schemas.microsoft.com/office/drawing/2014/main" id="{00A7F51C-E163-070D-2A46-99A6563A3B8F}"/>
+              </a:ext>
+            </a:extLst>
+          </p:cNvPr>
+          <p:cNvSpPr>
+            <a:spLocks noGrp="1"/>
+          </p:cNvSpPr>
+          <p:nvPr>
+            <p:ph type="title"/>
+          </p:nvPr>
+        </p:nvSpPr>
+        <p:spPr/>
+        <p:txBody>
+          <a:bodyPr/>
+          <a:lstStyle/>
+          <a:p>
+            <a:endParaRPr kumimoji="1" lang="zh-CN" altLang="en-US"/>
+          </a:p>
+        </p:txBody>
+      </p:sp>
+      <p:graphicFrame>
+        <p:nvGraphicFramePr>
+          <p:cNvPr id="4" name="内容占位符 3">
+            <a:extLst>
+              <a:ext uri="{FF2B5EF4-FFF2-40B4-BE49-F238E27FC236}">
+                <a16:creationId xmlns:a16="http://schemas.microsoft.com/office/drawing/2014/main" id="{93165D1C-D948-A0F3-7C2F-20BD4DEC71A6}"/>
+              </a:ext>
+            </a:extLst>
+          </p:cNvPr>
+          <p:cNvGraphicFramePr>
+            <a:graphicFrameLocks noGrp="1"/>
+          </p:cNvGraphicFramePr>
+          <p:nvPr>
+            <p:ph idx="1"/>
+            <p:extLst>
+              <p:ext uri="{D42A27DB-BD31-4B8C-83A1-F6EECF244321}">
+                <p14:modId xmlns:p14="http://schemas.microsoft.com/office/powerpoint/2010/main" val="922302268"/>
+              </p:ext>
+            </p:extLst>
+          </p:nvPr>
+        </p:nvGraphicFramePr>
+        <p:xfrm>
+          <a:off x="-1" y="5801956"/>
+          <a:ext cx="28260680" cy="11573336"/>
+        </p:xfrm>
+        <a:graphic>
+          <a:graphicData uri="http://schemas.openxmlformats.org/drawingml/2006/table">
+            <a:tbl>
+              <a:tblPr firstRow="1" bandRow="1">
+                <a:tableStyleId>{5C22544A-7EE6-4342-B048-85BDC9FD1C3A}</a:tableStyleId>
+              </a:tblPr>
+              <a:tblGrid>
+                <a:gridCol w="2018620">
+                  <a:extLst>
+                    <a:ext uri="{9D8B030D-6E8A-4147-A177-3AD203B41FA5}">
+                      <a16:colId xmlns:a16="http://schemas.microsoft.com/office/drawing/2014/main" val="1232871714"/>
+                    </a:ext>
+                  </a:extLst>
+                </a:gridCol>
+                <a:gridCol w="2018620">
+                  <a:extLst>
+                    <a:ext uri="{9D8B030D-6E8A-4147-A177-3AD203B41FA5}">
+                      <a16:colId xmlns:a16="http://schemas.microsoft.com/office/drawing/2014/main" val="3191323551"/>
+                    </a:ext>
+                  </a:extLst>
+                </a:gridCol>
+                <a:gridCol w="2018620">
+                  <a:extLst>
+                    <a:ext uri="{9D8B030D-6E8A-4147-A177-3AD203B41FA5}">
+                      <a16:colId xmlns:a16="http://schemas.microsoft.com/office/drawing/2014/main" val="2052934404"/>
+                    </a:ext>
+                  </a:extLst>
+                </a:gridCol>
+                <a:gridCol w="2018620">
+                  <a:extLst>
+                    <a:ext uri="{9D8B030D-6E8A-4147-A177-3AD203B41FA5}">
+                      <a16:colId xmlns:a16="http://schemas.microsoft.com/office/drawing/2014/main" val="2692203000"/>
+                    </a:ext>
+                  </a:extLst>
+                </a:gridCol>
+                <a:gridCol w="2018620">
+                  <a:extLst>
+                    <a:ext uri="{9D8B030D-6E8A-4147-A177-3AD203B41FA5}">
+                      <a16:colId xmlns:a16="http://schemas.microsoft.com/office/drawing/2014/main" val="2105288800"/>
+                    </a:ext>
+                  </a:extLst>
+                </a:gridCol>
+                <a:gridCol w="2018620">
+                  <a:extLst>
+                    <a:ext uri="{9D8B030D-6E8A-4147-A177-3AD203B41FA5}">
+                      <a16:colId xmlns:a16="http://schemas.microsoft.com/office/drawing/2014/main" val="1832658585"/>
+                    </a:ext>
+                  </a:extLst>
+                </a:gridCol>
+                <a:gridCol w="2018620">
+                  <a:extLst>
+                    <a:ext uri="{9D8B030D-6E8A-4147-A177-3AD203B41FA5}">
+                      <a16:colId xmlns:a16="http://schemas.microsoft.com/office/drawing/2014/main" val="112553421"/>
+                    </a:ext>
+                  </a:extLst>
+                </a:gridCol>
+                <a:gridCol w="2018620">
+                  <a:extLst>
+                    <a:ext uri="{9D8B030D-6E8A-4147-A177-3AD203B41FA5}">
+                      <a16:colId xmlns:a16="http://schemas.microsoft.com/office/drawing/2014/main" val="840313944"/>
+                    </a:ext>
+                  </a:extLst>
+                </a:gridCol>
+                <a:gridCol w="2018620">
+                  <a:extLst>
+                    <a:ext uri="{9D8B030D-6E8A-4147-A177-3AD203B41FA5}">
+                      <a16:colId xmlns:a16="http://schemas.microsoft.com/office/drawing/2014/main" val="4276768426"/>
+                    </a:ext>
+                  </a:extLst>
+                </a:gridCol>
+                <a:gridCol w="2018620">
+                  <a:extLst>
+                    <a:ext uri="{9D8B030D-6E8A-4147-A177-3AD203B41FA5}">
+                      <a16:colId xmlns:a16="http://schemas.microsoft.com/office/drawing/2014/main" val="3466659328"/>
+                    </a:ext>
+                  </a:extLst>
+                </a:gridCol>
+                <a:gridCol w="2018620">
+                  <a:extLst>
+                    <a:ext uri="{9D8B030D-6E8A-4147-A177-3AD203B41FA5}">
+                      <a16:colId xmlns:a16="http://schemas.microsoft.com/office/drawing/2014/main" val="2110554946"/>
+                    </a:ext>
+                  </a:extLst>
+                </a:gridCol>
+                <a:gridCol w="2018620">
+                  <a:extLst>
+                    <a:ext uri="{9D8B030D-6E8A-4147-A177-3AD203B41FA5}">
+                      <a16:colId xmlns:a16="http://schemas.microsoft.com/office/drawing/2014/main" val="992554461"/>
+                    </a:ext>
+                  </a:extLst>
+                </a:gridCol>
+                <a:gridCol w="2018620">
+                  <a:extLst>
+                    <a:ext uri="{9D8B030D-6E8A-4147-A177-3AD203B41FA5}">
+                      <a16:colId xmlns:a16="http://schemas.microsoft.com/office/drawing/2014/main" val="542499309"/>
+                    </a:ext>
+                  </a:extLst>
+                </a:gridCol>
+                <a:gridCol w="2018620">
+                  <a:extLst>
+                    <a:ext uri="{9D8B030D-6E8A-4147-A177-3AD203B41FA5}">
+                      <a16:colId xmlns:a16="http://schemas.microsoft.com/office/drawing/2014/main" val="242023557"/>
+                    </a:ext>
+                  </a:extLst>
+                </a:gridCol>
+              </a:tblGrid>
+              <a:tr h="2123600">
+                <a:tc>
+                  <a:txBody>
+                    <a:bodyPr/>
+                    <a:lstStyle/>
+                    <a:p>
+                      <a:pPr algn="ctr"/>
+                      <a:r>
+                        <a:rPr lang="en-US" altLang="zh-CN" sz="6500" dirty="0"/>
+                        <a:t>`</a:t>
+                      </a:r>
+                      <a:endParaRPr lang="zh-CN" altLang="en-US" sz="6500" dirty="0"/>
+                    </a:p>
+                  </a:txBody>
+                  <a:tcPr marL="107135" marR="107135" marT="53568" marB="53568" anchor="ctr"/>
+                </a:tc>
+                <a:tc>
+                  <a:txBody>
+                    <a:bodyPr/>
+                    <a:lstStyle/>
+                    <a:p>
+                      <a:pPr algn="ctr"/>
+                      <a:r>
+                        <a:rPr lang="en-US" altLang="zh-CN" sz="6500" dirty="0"/>
+                        <a:t>1</a:t>
+                      </a:r>
+                      <a:endParaRPr lang="zh-CN" altLang="en-US" sz="6500" dirty="0"/>
+                    </a:p>
+                  </a:txBody>
+                  <a:tcPr marL="107135" marR="107135" marT="53568" marB="53568" anchor="ctr"/>
+                </a:tc>
+                <a:tc>
+                  <a:txBody>
+                    <a:bodyPr/>
+                    <a:lstStyle/>
+                    <a:p>
+                      <a:pPr algn="ctr"/>
+                      <a:r>
+                        <a:rPr lang="en-US" altLang="zh-CN" sz="6500" dirty="0"/>
+                        <a:t>2</a:t>
+                      </a:r>
+                      <a:endParaRPr lang="zh-CN" altLang="en-US" sz="6500" dirty="0"/>
+                    </a:p>
+                  </a:txBody>
+                  <a:tcPr marL="107135" marR="107135" marT="53568" marB="53568" anchor="ctr"/>
+                </a:tc>
+                <a:tc>
+                  <a:txBody>
+                    <a:bodyPr/>
+                    <a:lstStyle/>
+                    <a:p>
+                      <a:pPr algn="ctr"/>
+                      <a:r>
+                        <a:rPr lang="en-US" altLang="zh-CN" sz="6500" dirty="0"/>
+                        <a:t>3</a:t>
+                      </a:r>
+                      <a:endParaRPr lang="zh-CN" altLang="en-US" sz="6500" dirty="0"/>
+                    </a:p>
+                  </a:txBody>
+                  <a:tcPr marL="107135" marR="107135" marT="53568" marB="53568" anchor="ctr"/>
+                </a:tc>
+                <a:tc>
+                  <a:txBody>
+                    <a:bodyPr/>
+                    <a:lstStyle/>
+                    <a:p>
+                      <a:pPr algn="ctr"/>
+                      <a:r>
+                        <a:rPr lang="en-US" altLang="zh-CN" sz="6500" dirty="0"/>
+                        <a:t>4</a:t>
+                      </a:r>
+                      <a:endParaRPr lang="zh-CN" altLang="en-US" sz="6500" dirty="0"/>
+                    </a:p>
+                  </a:txBody>
+                  <a:tcPr marL="107135" marR="107135" marT="53568" marB="53568" anchor="ctr"/>
+                </a:tc>
+                <a:tc>
+                  <a:txBody>
+                    <a:bodyPr/>
+                    <a:lstStyle/>
+                    <a:p>
+                      <a:pPr algn="ctr"/>
+                      <a:r>
+                        <a:rPr lang="en-US" altLang="zh-CN" sz="6500" dirty="0"/>
+                        <a:t>5</a:t>
+                      </a:r>
+                      <a:endParaRPr lang="zh-CN" altLang="en-US" sz="6500" dirty="0"/>
+                    </a:p>
+                  </a:txBody>
+                  <a:tcPr marL="107135" marR="107135" marT="53568" marB="53568" anchor="ctr"/>
+                </a:tc>
+                <a:tc>
+                  <a:txBody>
+                    <a:bodyPr/>
+                    <a:lstStyle/>
+                    <a:p>
+                      <a:pPr algn="ctr"/>
+                      <a:r>
+                        <a:rPr lang="en-US" altLang="zh-CN" sz="6500" dirty="0"/>
+                        <a:t>6</a:t>
+                      </a:r>
+                      <a:endParaRPr lang="zh-CN" altLang="en-US" sz="6500" dirty="0"/>
+                    </a:p>
+                  </a:txBody>
+                  <a:tcPr marL="107135" marR="107135" marT="53568" marB="53568" anchor="ctr"/>
+                </a:tc>
+                <a:tc>
+                  <a:txBody>
+                    <a:bodyPr/>
+                    <a:lstStyle/>
+                    <a:p>
+                      <a:pPr algn="ctr"/>
+                      <a:r>
+                        <a:rPr lang="en-US" altLang="zh-CN" sz="6500" dirty="0"/>
+                        <a:t>7</a:t>
+                      </a:r>
+                      <a:endParaRPr lang="zh-CN" altLang="en-US" sz="6500" dirty="0"/>
+                    </a:p>
+                  </a:txBody>
+                  <a:tcPr marL="107135" marR="107135" marT="53568" marB="53568" anchor="ctr"/>
+                </a:tc>
+                <a:tc>
+                  <a:txBody>
+                    <a:bodyPr/>
+                    <a:lstStyle/>
+                    <a:p>
+                      <a:pPr algn="ctr"/>
+                      <a:r>
+                        <a:rPr lang="en-US" altLang="zh-CN" sz="6500" dirty="0"/>
+                        <a:t>8</a:t>
+                      </a:r>
+                      <a:endParaRPr lang="zh-CN" altLang="en-US" sz="6500" dirty="0"/>
+                    </a:p>
+                  </a:txBody>
+                  <a:tcPr marL="107135" marR="107135" marT="53568" marB="53568" anchor="ctr"/>
+                </a:tc>
+                <a:tc>
+                  <a:txBody>
+                    <a:bodyPr/>
+                    <a:lstStyle/>
+                    <a:p>
+                      <a:pPr algn="ctr"/>
+                      <a:r>
+                        <a:rPr lang="en-US" altLang="zh-CN" sz="6500" dirty="0"/>
+                        <a:t>9</a:t>
+                      </a:r>
+                      <a:endParaRPr lang="zh-CN" altLang="en-US" sz="6500" dirty="0"/>
+                    </a:p>
+                  </a:txBody>
+                  <a:tcPr marL="107135" marR="107135" marT="53568" marB="53568" anchor="ctr"/>
+                </a:tc>
+                <a:tc>
+                  <a:txBody>
+                    <a:bodyPr/>
+                    <a:lstStyle/>
+                    <a:p>
+                      <a:pPr algn="ctr"/>
+                      <a:r>
+                        <a:rPr lang="en-US" altLang="zh-CN" sz="6500" dirty="0"/>
+                        <a:t>0</a:t>
+                      </a:r>
+                      <a:endParaRPr lang="zh-CN" altLang="en-US" sz="6500" dirty="0"/>
+                    </a:p>
+                  </a:txBody>
+                  <a:tcPr marL="107135" marR="107135" marT="53568" marB="53568" anchor="ctr"/>
+                </a:tc>
+                <a:tc>
+                  <a:txBody>
+                    <a:bodyPr/>
+                    <a:lstStyle/>
+                    <a:p>
+                      <a:pPr algn="ctr"/>
+                      <a:r>
+                        <a:rPr lang="en-US" altLang="zh-CN" sz="6500" dirty="0"/>
+                        <a:t>_</a:t>
+                      </a:r>
+                      <a:endParaRPr lang="zh-CN" altLang="en-US" sz="6500" dirty="0"/>
+                    </a:p>
+                  </a:txBody>
+                  <a:tcPr marL="107135" marR="107135" marT="53568" marB="53568" anchor="ctr"/>
+                </a:tc>
+                <a:tc>
+                  <a:txBody>
+                    <a:bodyPr/>
+                    <a:lstStyle/>
+                    <a:p>
+                      <a:pPr algn="ctr"/>
+                      <a:r>
+                        <a:rPr lang="en-US" altLang="zh-CN" sz="6500" dirty="0"/>
+                        <a:t>=</a:t>
+                      </a:r>
+                      <a:endParaRPr lang="zh-CN" altLang="en-US" sz="6500" dirty="0"/>
+                    </a:p>
+                  </a:txBody>
+                  <a:tcPr marL="107135" marR="107135" marT="53568" marB="53568" anchor="ctr"/>
+                </a:tc>
+                <a:tc>
+                  <a:txBody>
+                    <a:bodyPr/>
+                    <a:lstStyle/>
+                    <a:p>
+                      <a:pPr algn="ctr"/>
+                      <a:r>
+                        <a:rPr lang="en-US" altLang="zh-CN" sz="6500" dirty="0"/>
+                        <a:t>Del</a:t>
+                      </a:r>
+                      <a:endParaRPr lang="zh-CN" altLang="en-US" sz="6500" dirty="0"/>
+                    </a:p>
+                  </a:txBody>
+                  <a:tcPr marL="107135" marR="107135" marT="53568" marB="53568" anchor="ctr"/>
+                </a:tc>
+                <a:extLst>
+                  <a:ext uri="{0D108BD9-81ED-4DB2-BD59-A6C34878D82A}">
+                    <a16:rowId xmlns:a16="http://schemas.microsoft.com/office/drawing/2014/main" val="254030097"/>
+                  </a:ext>
+                </a:extLst>
+              </a:tr>
+              <a:tr h="2123600">
+                <a:tc>
+                  <a:txBody>
+                    <a:bodyPr/>
+                    <a:lstStyle/>
+                    <a:p>
+                      <a:pPr algn="ctr"/>
+                      <a:r>
+                        <a:rPr lang="en-US" altLang="zh-CN" sz="6500" dirty="0"/>
+                        <a:t>tab</a:t>
+                      </a:r>
+                      <a:endParaRPr lang="zh-CN" altLang="en-US" sz="6500" dirty="0"/>
+                    </a:p>
+                  </a:txBody>
+                  <a:tcPr marL="107135" marR="107135" marT="53568" marB="53568" anchor="ctr"/>
+                </a:tc>
+                <a:tc>
+                  <a:txBody>
+                    <a:bodyPr/>
+                    <a:lstStyle/>
+                    <a:p>
+                      <a:pPr algn="ctr"/>
+                      <a:r>
+                        <a:rPr lang="en-US" altLang="zh-CN" sz="6500" dirty="0"/>
+                        <a:t>Q</a:t>
+                      </a:r>
+                      <a:endParaRPr lang="zh-CN" altLang="en-US" sz="6500" dirty="0"/>
+                    </a:p>
+                  </a:txBody>
+                  <a:tcPr marL="107135" marR="107135" marT="53568" marB="53568" anchor="ctr"/>
+                </a:tc>
+                <a:tc>
+                  <a:txBody>
+                    <a:bodyPr/>
+                    <a:lstStyle/>
+                    <a:p>
+                      <a:pPr algn="ctr"/>
+                      <a:r>
+                        <a:rPr lang="en-US" altLang="zh-CN" sz="6500" dirty="0"/>
+                        <a:t>W</a:t>
+                      </a:r>
+                      <a:endParaRPr lang="zh-CN" altLang="en-US" sz="6500" dirty="0"/>
+                    </a:p>
+                  </a:txBody>
+                  <a:tcPr marL="107135" marR="107135" marT="53568" marB="53568" anchor="ctr"/>
+                </a:tc>
+                <a:tc>
+                  <a:txBody>
+                    <a:bodyPr/>
+                    <a:lstStyle/>
+                    <a:p>
+                      <a:pPr algn="ctr"/>
+                      <a:r>
+                        <a:rPr lang="en-US" altLang="zh-CN" sz="6500" dirty="0"/>
+                        <a:t>E</a:t>
+                      </a:r>
+                      <a:endParaRPr lang="zh-CN" altLang="en-US" sz="6500" dirty="0"/>
+                    </a:p>
+                  </a:txBody>
+                  <a:tcPr marL="107135" marR="107135" marT="53568" marB="53568" anchor="ctr"/>
+                </a:tc>
+                <a:tc>
+                  <a:txBody>
+                    <a:bodyPr/>
+                    <a:lstStyle/>
+                    <a:p>
+                      <a:pPr algn="ctr"/>
+                      <a:r>
+                        <a:rPr lang="en-US" altLang="zh-CN" sz="6500" dirty="0"/>
+                        <a:t>R</a:t>
+                      </a:r>
+                      <a:endParaRPr lang="zh-CN" altLang="en-US" sz="6500" dirty="0"/>
+                    </a:p>
+                  </a:txBody>
+                  <a:tcPr marL="107135" marR="107135" marT="53568" marB="53568" anchor="ctr"/>
+                </a:tc>
+                <a:tc>
+                  <a:txBody>
+                    <a:bodyPr/>
+                    <a:lstStyle/>
+                    <a:p>
+                      <a:pPr algn="ctr"/>
+                      <a:r>
+                        <a:rPr lang="en-US" altLang="zh-CN" sz="6500" dirty="0"/>
+                        <a:t>T</a:t>
+                      </a:r>
+                      <a:endParaRPr lang="zh-CN" altLang="en-US" sz="6500" dirty="0"/>
+                    </a:p>
+                  </a:txBody>
+                  <a:tcPr marL="107135" marR="107135" marT="53568" marB="53568" anchor="ctr"/>
+                </a:tc>
+                <a:tc>
+                  <a:txBody>
+                    <a:bodyPr/>
+                    <a:lstStyle/>
+                    <a:p>
+                      <a:pPr algn="ctr"/>
+                      <a:r>
+                        <a:rPr lang="en-US" altLang="zh-CN" sz="6500" dirty="0"/>
+                        <a:t>Y</a:t>
+                      </a:r>
+                      <a:endParaRPr lang="zh-CN" altLang="en-US" sz="6500" dirty="0"/>
+                    </a:p>
+                  </a:txBody>
+                  <a:tcPr marL="107135" marR="107135" marT="53568" marB="53568" anchor="ctr"/>
+                </a:tc>
+                <a:tc>
+                  <a:txBody>
+                    <a:bodyPr/>
+                    <a:lstStyle/>
+                    <a:p>
+                      <a:pPr algn="ctr"/>
+                      <a:r>
+                        <a:rPr lang="en-US" altLang="zh-CN" sz="6500" dirty="0"/>
+                        <a:t>U</a:t>
+                      </a:r>
+                      <a:endParaRPr lang="zh-CN" altLang="en-US" sz="6500" dirty="0"/>
+                    </a:p>
+                  </a:txBody>
+                  <a:tcPr marL="107135" marR="107135" marT="53568" marB="53568" anchor="ctr"/>
+                </a:tc>
+                <a:tc>
+                  <a:txBody>
+                    <a:bodyPr/>
+                    <a:lstStyle/>
+                    <a:p>
+                      <a:pPr algn="ctr"/>
+                      <a:r>
+                        <a:rPr lang="en-US" altLang="zh-CN" sz="6500" dirty="0"/>
+                        <a:t>I</a:t>
+                      </a:r>
+                      <a:endParaRPr lang="zh-CN" altLang="en-US" sz="6500" dirty="0"/>
+                    </a:p>
+                  </a:txBody>
+                  <a:tcPr marL="107135" marR="107135" marT="53568" marB="53568" anchor="ctr"/>
+                </a:tc>
+                <a:tc>
+                  <a:txBody>
+                    <a:bodyPr/>
+                    <a:lstStyle/>
+                    <a:p>
+                      <a:pPr algn="ctr"/>
+                      <a:r>
+                        <a:rPr lang="en-US" altLang="zh-CN" sz="6500" dirty="0"/>
+                        <a:t>O</a:t>
+                      </a:r>
+                      <a:endParaRPr lang="zh-CN" altLang="en-US" sz="6500" dirty="0"/>
+                    </a:p>
+                  </a:txBody>
+                  <a:tcPr marL="107135" marR="107135" marT="53568" marB="53568" anchor="ctr"/>
+                </a:tc>
+                <a:tc>
+                  <a:txBody>
+                    <a:bodyPr/>
+                    <a:lstStyle/>
+                    <a:p>
+                      <a:pPr algn="ctr"/>
+                      <a:r>
+                        <a:rPr lang="en-US" altLang="zh-CN" sz="6500" dirty="0"/>
+                        <a:t>P</a:t>
+                      </a:r>
+                      <a:endParaRPr lang="zh-CN" altLang="en-US" sz="6500" dirty="0"/>
+                    </a:p>
+                  </a:txBody>
+                  <a:tcPr marL="107135" marR="107135" marT="53568" marB="53568" anchor="ctr"/>
+                </a:tc>
+                <a:tc>
+                  <a:txBody>
+                    <a:bodyPr/>
+                    <a:lstStyle/>
+                    <a:p>
+                      <a:pPr algn="ctr"/>
+                      <a:r>
+                        <a:rPr lang="en-US" altLang="zh-CN" sz="6500" dirty="0"/>
+                        <a:t>[</a:t>
+                      </a:r>
+                      <a:endParaRPr lang="zh-CN" altLang="en-US" sz="6500" dirty="0"/>
+                    </a:p>
+                  </a:txBody>
+                  <a:tcPr marL="107135" marR="107135" marT="53568" marB="53568" anchor="ctr"/>
+                </a:tc>
+                <a:tc>
+                  <a:txBody>
+                    <a:bodyPr/>
+                    <a:lstStyle/>
+                    <a:p>
+                      <a:pPr algn="ctr"/>
+                      <a:r>
+                        <a:rPr lang="en-US" altLang="zh-CN" sz="6500" dirty="0"/>
+                        <a:t>]</a:t>
+                      </a:r>
+                      <a:endParaRPr lang="zh-CN" altLang="en-US" sz="6500" dirty="0"/>
+                    </a:p>
+                  </a:txBody>
+                  <a:tcPr marL="107135" marR="107135" marT="53568" marB="53568" anchor="ctr"/>
+                </a:tc>
+                <a:tc>
+                  <a:txBody>
+                    <a:bodyPr/>
+                    <a:lstStyle/>
+                    <a:p>
+                      <a:pPr algn="ctr"/>
+                      <a:r>
+                        <a:rPr lang="en-US" altLang="zh-CN" sz="6500" dirty="0"/>
+                        <a:t>\</a:t>
+                      </a:r>
+                      <a:endParaRPr lang="zh-CN" altLang="en-US" sz="6500" dirty="0"/>
+                    </a:p>
+                  </a:txBody>
+                  <a:tcPr marL="107135" marR="107135" marT="53568" marB="53568" anchor="ctr"/>
+                </a:tc>
+                <a:extLst>
+                  <a:ext uri="{0D108BD9-81ED-4DB2-BD59-A6C34878D82A}">
+                    <a16:rowId xmlns:a16="http://schemas.microsoft.com/office/drawing/2014/main" val="771241706"/>
+                  </a:ext>
+                </a:extLst>
+              </a:tr>
+              <a:tr h="2123600">
+                <a:tc>
+                  <a:txBody>
+                    <a:bodyPr/>
+                    <a:lstStyle/>
+                    <a:p>
+                      <a:pPr algn="ctr"/>
+                      <a:r>
+                        <a:rPr lang="en-US" altLang="zh-CN" sz="6500" dirty="0" err="1"/>
+                        <a:t>Fn</a:t>
+                      </a:r>
+                      <a:endParaRPr lang="zh-CN" altLang="en-US" sz="6500" dirty="0"/>
+                    </a:p>
+                  </a:txBody>
+                  <a:tcPr marL="107135" marR="107135" marT="53568" marB="53568" anchor="ctr"/>
+                </a:tc>
+                <a:tc>
+                  <a:txBody>
+                    <a:bodyPr/>
+                    <a:lstStyle/>
+                    <a:p>
+                      <a:pPr algn="ctr"/>
+                      <a:r>
+                        <a:rPr lang="en-US" altLang="zh-CN" sz="6500" dirty="0" err="1"/>
+                        <a:t>Zh</a:t>
+                      </a:r>
+                      <a:r>
+                        <a:rPr lang="en-US" altLang="zh-CN" sz="6500" dirty="0"/>
+                        <a:t>/En</a:t>
+                      </a:r>
+                      <a:endParaRPr lang="zh-CN" altLang="en-US" sz="6500" dirty="0"/>
+                    </a:p>
+                  </a:txBody>
+                  <a:tcPr marL="107135" marR="107135" marT="53568" marB="53568" anchor="ctr"/>
+                </a:tc>
+                <a:tc>
+                  <a:txBody>
+                    <a:bodyPr/>
+                    <a:lstStyle/>
+                    <a:p>
+                      <a:pPr algn="ctr"/>
+                      <a:r>
+                        <a:rPr lang="en-US" altLang="zh-CN" sz="6500" dirty="0"/>
+                        <a:t>A</a:t>
+                      </a:r>
+                      <a:endParaRPr lang="zh-CN" altLang="en-US" sz="6500" dirty="0"/>
+                    </a:p>
+                  </a:txBody>
+                  <a:tcPr marL="107135" marR="107135" marT="53568" marB="53568" anchor="ctr"/>
+                </a:tc>
+                <a:tc>
+                  <a:txBody>
+                    <a:bodyPr/>
+                    <a:lstStyle/>
+                    <a:p>
+                      <a:pPr algn="ctr"/>
+                      <a:r>
+                        <a:rPr lang="en-US" altLang="zh-CN" sz="6500" dirty="0"/>
+                        <a:t>S</a:t>
+                      </a:r>
+                      <a:endParaRPr lang="zh-CN" altLang="en-US" sz="6500" dirty="0"/>
+                    </a:p>
+                  </a:txBody>
+                  <a:tcPr marL="107135" marR="107135" marT="53568" marB="53568" anchor="ctr"/>
+                </a:tc>
+                <a:tc>
+                  <a:txBody>
+                    <a:bodyPr/>
+                    <a:lstStyle/>
+                    <a:p>
+                      <a:pPr algn="ctr"/>
+                      <a:r>
+                        <a:rPr lang="en-US" altLang="zh-CN" sz="6500" dirty="0"/>
+                        <a:t>D</a:t>
+                      </a:r>
+                      <a:endParaRPr lang="zh-CN" altLang="en-US" sz="6500" dirty="0"/>
+                    </a:p>
+                  </a:txBody>
+                  <a:tcPr marL="107135" marR="107135" marT="53568" marB="53568" anchor="ctr"/>
+                </a:tc>
+                <a:tc>
+                  <a:txBody>
+                    <a:bodyPr/>
+                    <a:lstStyle/>
+                    <a:p>
+                      <a:pPr algn="ctr"/>
+                      <a:r>
+                        <a:rPr lang="en-US" altLang="zh-CN" sz="6500" dirty="0"/>
+                        <a:t>F</a:t>
+                      </a:r>
+                      <a:endParaRPr lang="zh-CN" altLang="en-US" sz="6500" dirty="0"/>
+                    </a:p>
+                  </a:txBody>
+                  <a:tcPr marL="107135" marR="107135" marT="53568" marB="53568" anchor="ctr"/>
+                </a:tc>
+                <a:tc>
+                  <a:txBody>
+                    <a:bodyPr/>
+                    <a:lstStyle/>
+                    <a:p>
+                      <a:pPr algn="ctr"/>
+                      <a:r>
+                        <a:rPr lang="en-US" altLang="zh-CN" sz="6500" dirty="0"/>
+                        <a:t>G</a:t>
+                      </a:r>
+                      <a:endParaRPr lang="zh-CN" altLang="en-US" sz="6500" dirty="0"/>
+                    </a:p>
+                  </a:txBody>
+                  <a:tcPr marL="107135" marR="107135" marT="53568" marB="53568" anchor="ctr"/>
+                </a:tc>
+                <a:tc>
+                  <a:txBody>
+                    <a:bodyPr/>
+                    <a:lstStyle/>
+                    <a:p>
+                      <a:pPr algn="ctr"/>
+                      <a:r>
+                        <a:rPr lang="en-US" altLang="zh-CN" sz="6500" dirty="0"/>
+                        <a:t>H</a:t>
+                      </a:r>
+                      <a:endParaRPr lang="zh-CN" altLang="en-US" sz="6500" dirty="0"/>
+                    </a:p>
+                  </a:txBody>
+                  <a:tcPr marL="107135" marR="107135" marT="53568" marB="53568" anchor="ctr"/>
+                </a:tc>
+                <a:tc>
+                  <a:txBody>
+                    <a:bodyPr/>
+                    <a:lstStyle/>
+                    <a:p>
+                      <a:pPr algn="ctr"/>
+                      <a:r>
+                        <a:rPr lang="en-US" altLang="zh-CN" sz="6500" dirty="0"/>
+                        <a:t>J</a:t>
+                      </a:r>
+                      <a:endParaRPr lang="zh-CN" altLang="en-US" sz="6500" dirty="0"/>
+                    </a:p>
+                  </a:txBody>
+                  <a:tcPr marL="107135" marR="107135" marT="53568" marB="53568" anchor="ctr"/>
+                </a:tc>
+                <a:tc>
+                  <a:txBody>
+                    <a:bodyPr/>
+                    <a:lstStyle/>
+                    <a:p>
+                      <a:pPr algn="ctr"/>
+                      <a:r>
+                        <a:rPr lang="en-US" altLang="zh-CN" sz="6500" dirty="0"/>
+                        <a:t>K</a:t>
+                      </a:r>
+                      <a:endParaRPr lang="zh-CN" altLang="en-US" sz="6500" dirty="0"/>
+                    </a:p>
+                  </a:txBody>
+                  <a:tcPr marL="107135" marR="107135" marT="53568" marB="53568" anchor="ctr"/>
+                </a:tc>
+                <a:tc>
+                  <a:txBody>
+                    <a:bodyPr/>
+                    <a:lstStyle/>
+                    <a:p>
+                      <a:pPr algn="ctr"/>
+                      <a:r>
+                        <a:rPr lang="en-US" altLang="zh-CN" sz="6500" dirty="0"/>
+                        <a:t>L</a:t>
+                      </a:r>
+                      <a:endParaRPr lang="zh-CN" altLang="en-US" sz="6500" dirty="0"/>
+                    </a:p>
+                  </a:txBody>
+                  <a:tcPr marL="107135" marR="107135" marT="53568" marB="53568" anchor="ctr"/>
+                </a:tc>
+                <a:tc>
+                  <a:txBody>
+                    <a:bodyPr/>
+                    <a:lstStyle/>
+                    <a:p>
+                      <a:pPr algn="ctr"/>
+                      <a:r>
+                        <a:rPr lang="en-US" altLang="zh-CN" sz="6500" dirty="0"/>
+                        <a:t>;</a:t>
+                      </a:r>
+                      <a:endParaRPr lang="zh-CN" altLang="en-US" sz="6500" dirty="0"/>
+                    </a:p>
+                  </a:txBody>
+                  <a:tcPr marL="107135" marR="107135" marT="53568" marB="53568" anchor="ctr"/>
+                </a:tc>
+                <a:tc>
+                  <a:txBody>
+                    <a:bodyPr/>
+                    <a:lstStyle/>
+                    <a:p>
+                      <a:pPr algn="ctr"/>
+                      <a:r>
+                        <a:rPr lang="en-US" altLang="zh-CN" sz="6500" dirty="0"/>
+                        <a:t>‘</a:t>
+                      </a:r>
+                      <a:endParaRPr lang="zh-CN" altLang="en-US" sz="6500" dirty="0"/>
+                    </a:p>
+                  </a:txBody>
+                  <a:tcPr marL="107135" marR="107135" marT="53568" marB="53568" anchor="ctr"/>
+                </a:tc>
+                <a:tc>
+                  <a:txBody>
+                    <a:bodyPr/>
+                    <a:lstStyle/>
+                    <a:p>
+                      <a:pPr algn="ctr"/>
+                      <a:r>
+                        <a:rPr lang="en-US" altLang="zh-CN" sz="6500" dirty="0"/>
+                        <a:t>Enter</a:t>
+                      </a:r>
+                      <a:endParaRPr lang="zh-CN" altLang="en-US" sz="6500" dirty="0"/>
+                    </a:p>
+                  </a:txBody>
+                  <a:tcPr marL="107135" marR="107135" marT="53568" marB="53568" anchor="ctr"/>
+                </a:tc>
+                <a:extLst>
+                  <a:ext uri="{0D108BD9-81ED-4DB2-BD59-A6C34878D82A}">
+                    <a16:rowId xmlns:a16="http://schemas.microsoft.com/office/drawing/2014/main" val="3936026186"/>
+                  </a:ext>
+                </a:extLst>
+              </a:tr>
+              <a:tr h="2123600">
+                <a:tc>
+                  <a:txBody>
+                    <a:bodyPr/>
+                    <a:lstStyle/>
+                    <a:p>
+                      <a:pPr algn="ctr"/>
+                      <a:r>
+                        <a:rPr lang="en-US" altLang="zh-CN" sz="6500" dirty="0"/>
+                        <a:t>ctrl</a:t>
+                      </a:r>
+                      <a:endParaRPr lang="zh-CN" altLang="en-US" sz="6500" dirty="0"/>
+                    </a:p>
+                  </a:txBody>
+                  <a:tcPr marL="107135" marR="107135" marT="53568" marB="53568" anchor="ctr"/>
+                </a:tc>
+                <a:tc>
+                  <a:txBody>
+                    <a:bodyPr/>
+                    <a:lstStyle/>
+                    <a:p>
+                      <a:pPr algn="ctr"/>
+                      <a:r>
+                        <a:rPr lang="en-US" altLang="zh-CN" sz="6500" dirty="0"/>
+                        <a:t>opt</a:t>
+                      </a:r>
+                      <a:endParaRPr lang="zh-CN" altLang="en-US" sz="6500" dirty="0"/>
+                    </a:p>
+                  </a:txBody>
+                  <a:tcPr marL="107135" marR="107135" marT="53568" marB="53568" anchor="ctr"/>
+                </a:tc>
+                <a:tc>
+                  <a:txBody>
+                    <a:bodyPr/>
+                    <a:lstStyle/>
+                    <a:p>
+                      <a:pPr algn="ctr"/>
+                      <a:r>
+                        <a:rPr lang="en-US" altLang="zh-CN" sz="6500" dirty="0"/>
+                        <a:t>alt</a:t>
+                      </a:r>
+                      <a:endParaRPr lang="zh-CN" altLang="en-US" sz="6500" dirty="0"/>
+                    </a:p>
+                  </a:txBody>
+                  <a:tcPr marL="107135" marR="107135" marT="53568" marB="53568" anchor="ctr"/>
+                </a:tc>
+                <a:tc>
+                  <a:txBody>
+                    <a:bodyPr/>
+                    <a:lstStyle/>
+                    <a:p>
+                      <a:pPr algn="ctr"/>
+                      <a:r>
+                        <a:rPr lang="en-US" altLang="zh-CN" sz="6500" dirty="0"/>
+                        <a:t>Z</a:t>
+                      </a:r>
+                      <a:endParaRPr lang="zh-CN" altLang="en-US" sz="6500" dirty="0"/>
+                    </a:p>
+                  </a:txBody>
+                  <a:tcPr marL="107135" marR="107135" marT="53568" marB="53568" anchor="ctr"/>
+                </a:tc>
+                <a:tc>
+                  <a:txBody>
+                    <a:bodyPr/>
+                    <a:lstStyle/>
+                    <a:p>
+                      <a:pPr algn="ctr"/>
+                      <a:r>
+                        <a:rPr lang="en-US" altLang="zh-CN" sz="6500" dirty="0"/>
+                        <a:t>X</a:t>
+                      </a:r>
+                      <a:endParaRPr lang="zh-CN" altLang="en-US" sz="6500" dirty="0"/>
+                    </a:p>
+                  </a:txBody>
+                  <a:tcPr marL="107135" marR="107135" marT="53568" marB="53568" anchor="ctr"/>
+                </a:tc>
+                <a:tc>
+                  <a:txBody>
+                    <a:bodyPr/>
+                    <a:lstStyle/>
+                    <a:p>
+                      <a:pPr algn="ctr"/>
+                      <a:r>
+                        <a:rPr lang="en-US" altLang="zh-CN" sz="6500" dirty="0"/>
+                        <a:t>C</a:t>
+                      </a:r>
+                      <a:endParaRPr lang="zh-CN" altLang="en-US" sz="6500" dirty="0"/>
+                    </a:p>
+                  </a:txBody>
+                  <a:tcPr marL="107135" marR="107135" marT="53568" marB="53568" anchor="ctr"/>
+                </a:tc>
+                <a:tc>
+                  <a:txBody>
+                    <a:bodyPr/>
+                    <a:lstStyle/>
+                    <a:p>
+                      <a:pPr algn="ctr"/>
+                      <a:r>
+                        <a:rPr lang="en-US" altLang="zh-CN" sz="6500" dirty="0"/>
+                        <a:t>V</a:t>
+                      </a:r>
+                      <a:endParaRPr lang="zh-CN" altLang="en-US" sz="6500" dirty="0"/>
+                    </a:p>
+                  </a:txBody>
+                  <a:tcPr marL="107135" marR="107135" marT="53568" marB="53568" anchor="ctr"/>
+                </a:tc>
+                <a:tc>
+                  <a:txBody>
+                    <a:bodyPr/>
+                    <a:lstStyle/>
+                    <a:p>
+                      <a:pPr algn="ctr"/>
+                      <a:r>
+                        <a:rPr lang="en-US" altLang="zh-CN" sz="6500" dirty="0"/>
+                        <a:t>B</a:t>
+                      </a:r>
+                      <a:endParaRPr lang="zh-CN" altLang="en-US" sz="6500" dirty="0"/>
+                    </a:p>
+                  </a:txBody>
+                  <a:tcPr marL="107135" marR="107135" marT="53568" marB="53568" anchor="ctr"/>
+                </a:tc>
+                <a:tc>
+                  <a:txBody>
+                    <a:bodyPr/>
+                    <a:lstStyle/>
+                    <a:p>
+                      <a:pPr algn="ctr"/>
+                      <a:r>
+                        <a:rPr lang="en-US" altLang="zh-CN" sz="6500" dirty="0"/>
+                        <a:t>N</a:t>
+                      </a:r>
+                      <a:endParaRPr lang="zh-CN" altLang="en-US" sz="6500" dirty="0"/>
+                    </a:p>
+                  </a:txBody>
+                  <a:tcPr marL="107135" marR="107135" marT="53568" marB="53568" anchor="ctr"/>
+                </a:tc>
+                <a:tc>
+                  <a:txBody>
+                    <a:bodyPr/>
+                    <a:lstStyle/>
+                    <a:p>
+                      <a:pPr algn="ctr"/>
+                      <a:r>
+                        <a:rPr lang="en-US" altLang="zh-CN" sz="6500" dirty="0"/>
+                        <a:t>M</a:t>
+                      </a:r>
+                      <a:endParaRPr lang="zh-CN" altLang="en-US" sz="6500" dirty="0"/>
+                    </a:p>
+                  </a:txBody>
+                  <a:tcPr marL="107135" marR="107135" marT="53568" marB="53568" anchor="ctr"/>
+                </a:tc>
+                <a:tc>
+                  <a:txBody>
+                    <a:bodyPr/>
+                    <a:lstStyle/>
+                    <a:p>
+                      <a:pPr algn="ctr"/>
+                      <a:r>
+                        <a:rPr lang="en-US" altLang="zh-CN" sz="6500" dirty="0"/>
+                        <a:t>,</a:t>
+                      </a:r>
+                      <a:endParaRPr lang="zh-CN" altLang="en-US" sz="6500" dirty="0"/>
+                    </a:p>
+                  </a:txBody>
+                  <a:tcPr marL="107135" marR="107135" marT="53568" marB="53568" anchor="ctr"/>
+                </a:tc>
+                <a:tc>
+                  <a:txBody>
+                    <a:bodyPr/>
+                    <a:lstStyle/>
+                    <a:p>
+                      <a:pPr algn="ctr"/>
+                      <a:r>
+                        <a:rPr lang="en-US" altLang="zh-CN" sz="6500" dirty="0"/>
+                        <a:t>.</a:t>
+                      </a:r>
+                      <a:endParaRPr lang="zh-CN" altLang="en-US" sz="6500" dirty="0"/>
+                    </a:p>
+                  </a:txBody>
+                  <a:tcPr marL="107135" marR="107135" marT="53568" marB="53568" anchor="ctr"/>
+                </a:tc>
+                <a:tc>
+                  <a:txBody>
+                    <a:bodyPr/>
+                    <a:lstStyle/>
+                    <a:p>
+                      <a:pPr algn="ctr"/>
+                      <a:r>
+                        <a:rPr lang="en-US" altLang="zh-CN" sz="6500" dirty="0"/>
+                        <a:t>/</a:t>
+                      </a:r>
+                      <a:endParaRPr lang="zh-CN" altLang="en-US" sz="6500" dirty="0"/>
+                    </a:p>
+                  </a:txBody>
+                  <a:tcPr marL="107135" marR="107135" marT="53568" marB="53568" anchor="ctr"/>
+                </a:tc>
+                <a:tc>
+                  <a:txBody>
+                    <a:bodyPr/>
+                    <a:lstStyle/>
+                    <a:p>
+                      <a:pPr algn="ctr"/>
+                      <a:r>
+                        <a:rPr lang="en-US" altLang="zh-CN" sz="6500" dirty="0"/>
+                        <a:t>Space</a:t>
+                      </a:r>
+                      <a:endParaRPr lang="zh-CN" altLang="en-US" sz="6500" dirty="0"/>
+                    </a:p>
+                  </a:txBody>
+                  <a:tcPr marL="107135" marR="107135" marT="53568" marB="53568" anchor="ctr"/>
+                </a:tc>
+                <a:extLst>
+                  <a:ext uri="{0D108BD9-81ED-4DB2-BD59-A6C34878D82A}">
+                    <a16:rowId xmlns:a16="http://schemas.microsoft.com/office/drawing/2014/main" val="2480119987"/>
+                  </a:ext>
+                </a:extLst>
+              </a:tr>
+              <a:tr h="2123600">
+                <a:tc>
+                  <a:txBody>
+                    <a:bodyPr/>
+                    <a:lstStyle/>
+                    <a:p>
+                      <a:pPr algn="ctr"/>
+                      <a:r>
+                        <a:rPr lang="en" altLang="zh-CN" sz="6500" dirty="0"/>
+                        <a:t>^⌘⌥⇧⇧</a:t>
+                      </a:r>
+                    </a:p>
+                    <a:p>
+                      <a:pPr algn="ctr"/>
+                      <a:r>
+                        <a:rPr lang="en" altLang="zh-CN" sz="6500" dirty="0"/>
+                        <a:t>⌃</a:t>
+                      </a:r>
+                      <a:endParaRPr lang="zh-CN" altLang="en-US" sz="6500" dirty="0"/>
+                    </a:p>
+                  </a:txBody>
+                  <a:tcPr marL="107135" marR="107135" marT="53568" marB="53568" anchor="ctr"/>
+                </a:tc>
+                <a:tc>
+                  <a:txBody>
+                    <a:bodyPr/>
+                    <a:lstStyle/>
+                    <a:p>
+                      <a:pPr algn="ctr"/>
+                      <a:endParaRPr lang="zh-CN" altLang="en-US" sz="6500"/>
+                    </a:p>
+                  </a:txBody>
+                  <a:tcPr marL="107135" marR="107135" marT="53568" marB="53568" anchor="ctr"/>
+                </a:tc>
+                <a:tc>
+                  <a:txBody>
+                    <a:bodyPr/>
+                    <a:lstStyle/>
+                    <a:p>
+                      <a:pPr algn="ctr"/>
+                      <a:r>
+                        <a:rPr lang="en" altLang="zh-CN" sz="6500" dirty="0"/>
+                        <a:t>⌫</a:t>
+                      </a:r>
+                      <a:endParaRPr lang="zh-CN" altLang="en-US" sz="6500" dirty="0"/>
+                    </a:p>
+                  </a:txBody>
+                  <a:tcPr marL="107135" marR="107135" marT="53568" marB="53568" anchor="ctr"/>
+                </a:tc>
+                <a:tc>
+                  <a:txBody>
+                    <a:bodyPr/>
+                    <a:lstStyle/>
+                    <a:p>
+                      <a:pPr algn="ctr"/>
+                      <a:endParaRPr lang="zh-CN" altLang="en-US" sz="6500"/>
+                    </a:p>
+                  </a:txBody>
+                  <a:tcPr marL="107135" marR="107135" marT="53568" marB="53568" anchor="ctr"/>
+                </a:tc>
+                <a:tc>
+                  <a:txBody>
+                    <a:bodyPr/>
+                    <a:lstStyle/>
+                    <a:p>
+                      <a:pPr algn="ctr"/>
+                      <a:endParaRPr lang="zh-CN" altLang="en-US" sz="6500"/>
+                    </a:p>
+                  </a:txBody>
+                  <a:tcPr marL="107135" marR="107135" marT="53568" marB="53568" anchor="ctr"/>
+                </a:tc>
+                <a:tc>
+                  <a:txBody>
+                    <a:bodyPr/>
+                    <a:lstStyle/>
+                    <a:p>
+                      <a:pPr algn="ctr"/>
+                      <a:endParaRPr lang="zh-CN" altLang="en-US" sz="6500"/>
+                    </a:p>
+                  </a:txBody>
+                  <a:tcPr marL="107135" marR="107135" marT="53568" marB="53568" anchor="ctr"/>
+                </a:tc>
+                <a:tc>
+                  <a:txBody>
+                    <a:bodyPr/>
+                    <a:lstStyle/>
+                    <a:p>
+                      <a:pPr algn="ctr"/>
+                      <a:endParaRPr lang="zh-CN" altLang="en-US" sz="6500"/>
+                    </a:p>
+                  </a:txBody>
+                  <a:tcPr marL="107135" marR="107135" marT="53568" marB="53568" anchor="ctr"/>
+                </a:tc>
+                <a:tc>
+                  <a:txBody>
+                    <a:bodyPr/>
+                    <a:lstStyle/>
+                    <a:p>
+                      <a:pPr algn="ctr"/>
+                      <a:endParaRPr lang="zh-CN" altLang="en-US" sz="6500" dirty="0"/>
+                    </a:p>
+                  </a:txBody>
+                  <a:tcPr marL="107135" marR="107135" marT="53568" marB="53568" anchor="ctr"/>
+                </a:tc>
+                <a:tc>
+                  <a:txBody>
+                    <a:bodyPr/>
+                    <a:lstStyle/>
+                    <a:p>
+                      <a:pPr algn="ctr"/>
+                      <a:endParaRPr lang="zh-CN" altLang="en-US" sz="6500" dirty="0"/>
+                    </a:p>
+                  </a:txBody>
+                  <a:tcPr marL="107135" marR="107135" marT="53568" marB="53568" anchor="ctr"/>
+                </a:tc>
+                <a:tc>
+                  <a:txBody>
+                    <a:bodyPr/>
+                    <a:lstStyle/>
+                    <a:p>
+                      <a:pPr algn="ctr"/>
+                      <a:endParaRPr lang="zh-CN" altLang="en-US" sz="6500" dirty="0"/>
+                    </a:p>
+                  </a:txBody>
+                  <a:tcPr marL="107135" marR="107135" marT="53568" marB="53568" anchor="ctr"/>
+                </a:tc>
+                <a:tc>
+                  <a:txBody>
+                    <a:bodyPr/>
+                    <a:lstStyle/>
+                    <a:p>
+                      <a:pPr algn="ctr"/>
+                      <a:endParaRPr lang="zh-CN" altLang="en-US" sz="6500" dirty="0"/>
+                    </a:p>
+                  </a:txBody>
+                  <a:tcPr marL="107135" marR="107135" marT="53568" marB="53568" anchor="ctr"/>
+                </a:tc>
+                <a:tc>
+                  <a:txBody>
+                    <a:bodyPr/>
+                    <a:lstStyle/>
+                    <a:p>
+                      <a:pPr algn="ctr"/>
+                      <a:endParaRPr lang="zh-CN" altLang="en-US" sz="6500" dirty="0"/>
+                    </a:p>
+                  </a:txBody>
+                  <a:tcPr marL="107135" marR="107135" marT="53568" marB="53568" anchor="ctr"/>
+                </a:tc>
+                <a:tc>
+                  <a:txBody>
+                    <a:bodyPr/>
+                    <a:lstStyle/>
+                    <a:p>
+                      <a:pPr algn="ctr"/>
+                      <a:endParaRPr lang="zh-CN" altLang="en-US" sz="6500" dirty="0"/>
+                    </a:p>
+                  </a:txBody>
+                  <a:tcPr marL="107135" marR="107135" marT="53568" marB="53568" anchor="ctr"/>
+                </a:tc>
+                <a:tc>
+                  <a:txBody>
+                    <a:bodyPr/>
+                    <a:lstStyle/>
+                    <a:p>
+                      <a:pPr algn="ctr"/>
+                      <a:endParaRPr lang="zh-CN" altLang="en-US" sz="6500" dirty="0"/>
+                    </a:p>
+                  </a:txBody>
+                  <a:tcPr marL="107135" marR="107135" marT="53568" marB="53568" anchor="ctr"/>
+                </a:tc>
+                <a:extLst>
+                  <a:ext uri="{0D108BD9-81ED-4DB2-BD59-A6C34878D82A}">
+                    <a16:rowId xmlns:a16="http://schemas.microsoft.com/office/drawing/2014/main" val="1300611167"/>
+                  </a:ext>
+                </a:extLst>
+              </a:tr>
+            </a:tbl>
+          </a:graphicData>
+        </a:graphic>
+      </p:graphicFrame>
+    </p:spTree>
+    <p:extLst>
+      <p:ext uri="{BB962C8B-B14F-4D97-AF65-F5344CB8AC3E}">
+        <p14:creationId xmlns:p14="http://schemas.microsoft.com/office/powerpoint/2010/main" val="3329698385"/>
+      </p:ext>
+    </p:extLst>
+  </p:cSld>
+  <p:clrMapOvr>
+    <a:masterClrMapping/>
+  </p:clrMapOvr>
+</p:sld>
+</file>
+
+<file path=ppt/slides/slide4.xml><?xml version="1.0" encoding="utf-8"?>
+<p:sld xmlns:a="http://schemas.openxmlformats.org/drawingml/2006/main" xmlns:r="http://schemas.openxmlformats.org/officeDocument/2006/relationships" xmlns:p="http://schemas.openxmlformats.org/presentationml/2006/main">
+  <p:cSld>
+    <p:spTree>
+      <p:nvGrpSpPr>
+        <p:cNvPr id="1" name=""/>
+        <p:cNvGrpSpPr/>
+        <p:nvPr/>
+      </p:nvGrpSpPr>
+      <p:grpSpPr>
+        <a:xfrm>
+          <a:off x="0" y="0"/>
+          <a:ext cx="0" cy="0"/>
+          <a:chOff x="0" y="0"/>
+          <a:chExt cx="0" cy="0"/>
+        </a:xfrm>
+      </p:grpSpPr>
+      <p:pic>
+        <p:nvPicPr>
+          <p:cNvPr id="6" name="内容占位符 8">
+            <a:extLst>
+              <a:ext uri="{FF2B5EF4-FFF2-40B4-BE49-F238E27FC236}">
+                <a16:creationId xmlns:a16="http://schemas.microsoft.com/office/drawing/2014/main" id="{859274B6-E700-C723-5AD8-2F5989FC4455}"/>
+              </a:ext>
+            </a:extLst>
+          </p:cNvPr>
+          <p:cNvPicPr>
+            <a:picLocks noGrp="1" noChangeAspect="1"/>
+          </p:cNvPicPr>
+          <p:nvPr>
+            <p:ph idx="1"/>
+          </p:nvPr>
+        </p:nvPicPr>
+        <p:blipFill>
+          <a:blip r:embed="rId2"/>
+          <a:stretch>
+            <a:fillRect/>
+          </a:stretch>
+        </p:blipFill>
+        <p:spPr>
+          <a:xfrm>
+            <a:off x="36429" y="-23126"/>
+            <a:ext cx="28286257" cy="20566275"/>
+          </a:xfrm>
+        </p:spPr>
+      </p:pic>
+      <p:sp>
+        <p:nvSpPr>
+          <p:cNvPr id="10" name="椭圆 9">
+            <a:extLst>
+              <a:ext uri="{FF2B5EF4-FFF2-40B4-BE49-F238E27FC236}">
+                <a16:creationId xmlns:a16="http://schemas.microsoft.com/office/drawing/2014/main" id="{8D287E22-1B75-460B-01CF-8CFBE4FB5D8B}"/>
+              </a:ext>
+            </a:extLst>
+          </p:cNvPr>
+          <p:cNvSpPr/>
+          <p:nvPr/>
+        </p:nvSpPr>
+        <p:spPr>
+          <a:xfrm>
+            <a:off x="-377282" y="-411058"/>
+            <a:ext cx="754563" cy="822116"/>
+          </a:xfrm>
+          <a:prstGeom prst="ellipse">
+            <a:avLst/>
+          </a:prstGeom>
+        </p:spPr>
+        <p:style>
+          <a:lnRef idx="2">
+            <a:schemeClr val="dk1">
+              <a:shade val="15000"/>
+            </a:schemeClr>
+          </a:lnRef>
+          <a:fillRef idx="1">
+            <a:schemeClr val="dk1"/>
+          </a:fillRef>
+          <a:effectRef idx="0">
+            <a:schemeClr val="dk1"/>
+          </a:effectRef>
+          <a:fontRef idx="minor">
+            <a:schemeClr val="lt1"/>
+          </a:fontRef>
+        </p:style>
+        <p:txBody>
+          <a:bodyPr rtlCol="0" anchor="ctr"/>
+          <a:lstStyle/>
+          <a:p>
+            <a:pPr algn="ctr"/>
+            <a:endParaRPr kumimoji="1" lang="zh-CN" altLang="en-US" sz="2109"/>
+          </a:p>
+        </p:txBody>
+      </p:sp>
+      <p:sp>
+        <p:nvSpPr>
+          <p:cNvPr id="11" name="椭圆 10">
+            <a:extLst>
+              <a:ext uri="{FF2B5EF4-FFF2-40B4-BE49-F238E27FC236}">
+                <a16:creationId xmlns:a16="http://schemas.microsoft.com/office/drawing/2014/main" id="{5B6E2D1F-7C13-63D6-B4A2-B2D7C9AE77E2}"/>
+              </a:ext>
+            </a:extLst>
+          </p:cNvPr>
+          <p:cNvSpPr/>
+          <p:nvPr/>
+        </p:nvSpPr>
+        <p:spPr>
+          <a:xfrm>
+            <a:off x="-377282" y="20108967"/>
+            <a:ext cx="754563" cy="822116"/>
+          </a:xfrm>
+          <a:prstGeom prst="ellipse">
+            <a:avLst/>
+          </a:prstGeom>
+        </p:spPr>
+        <p:style>
+          <a:lnRef idx="2">
+            <a:schemeClr val="dk1">
+              <a:shade val="15000"/>
+            </a:schemeClr>
+          </a:lnRef>
+          <a:fillRef idx="1">
+            <a:schemeClr val="dk1"/>
+          </a:fillRef>
+          <a:effectRef idx="0">
+            <a:schemeClr val="dk1"/>
+          </a:effectRef>
+          <a:fontRef idx="minor">
+            <a:schemeClr val="lt1"/>
+          </a:fontRef>
+        </p:style>
+        <p:txBody>
+          <a:bodyPr rtlCol="0" anchor="ctr"/>
+          <a:lstStyle/>
+          <a:p>
+            <a:pPr algn="ctr"/>
+            <a:endParaRPr kumimoji="1" lang="zh-CN" altLang="en-US" sz="2109"/>
+          </a:p>
+        </p:txBody>
+      </p:sp>
+      <p:sp>
+        <p:nvSpPr>
+          <p:cNvPr id="12" name="椭圆 11">
+            <a:extLst>
+              <a:ext uri="{FF2B5EF4-FFF2-40B4-BE49-F238E27FC236}">
+                <a16:creationId xmlns:a16="http://schemas.microsoft.com/office/drawing/2014/main" id="{7E574B26-CBFA-F638-7141-5FB386EBE374}"/>
+              </a:ext>
+            </a:extLst>
+          </p:cNvPr>
+          <p:cNvSpPr/>
+          <p:nvPr/>
+        </p:nvSpPr>
+        <p:spPr>
+          <a:xfrm>
+            <a:off x="27883393" y="-338761"/>
+            <a:ext cx="754563" cy="822116"/>
+          </a:xfrm>
+          <a:prstGeom prst="ellipse">
+            <a:avLst/>
+          </a:prstGeom>
+        </p:spPr>
+        <p:style>
+          <a:lnRef idx="2">
+            <a:schemeClr val="dk1">
+              <a:shade val="15000"/>
+            </a:schemeClr>
+          </a:lnRef>
+          <a:fillRef idx="1">
+            <a:schemeClr val="dk1"/>
+          </a:fillRef>
+          <a:effectRef idx="0">
+            <a:schemeClr val="dk1"/>
+          </a:effectRef>
+          <a:fontRef idx="minor">
+            <a:schemeClr val="lt1"/>
+          </a:fontRef>
+        </p:style>
+        <p:txBody>
+          <a:bodyPr rtlCol="0" anchor="ctr"/>
+          <a:lstStyle/>
+          <a:p>
+            <a:pPr algn="ctr"/>
+            <a:endParaRPr kumimoji="1" lang="zh-CN" altLang="en-US" sz="2109"/>
+          </a:p>
+        </p:txBody>
+      </p:sp>
+      <p:sp>
+        <p:nvSpPr>
+          <p:cNvPr id="13" name="椭圆 12">
+            <a:extLst>
+              <a:ext uri="{FF2B5EF4-FFF2-40B4-BE49-F238E27FC236}">
+                <a16:creationId xmlns:a16="http://schemas.microsoft.com/office/drawing/2014/main" id="{E130AEE5-F419-1546-4C1D-29479B0D5C82}"/>
+              </a:ext>
+            </a:extLst>
+          </p:cNvPr>
+          <p:cNvSpPr/>
+          <p:nvPr/>
+        </p:nvSpPr>
+        <p:spPr>
+          <a:xfrm>
+            <a:off x="27883392" y="20108967"/>
+            <a:ext cx="754563" cy="822116"/>
+          </a:xfrm>
+          <a:prstGeom prst="ellipse">
+            <a:avLst/>
+          </a:prstGeom>
+        </p:spPr>
+        <p:style>
+          <a:lnRef idx="2">
+            <a:schemeClr val="dk1">
+              <a:shade val="15000"/>
+            </a:schemeClr>
+          </a:lnRef>
+          <a:fillRef idx="1">
+            <a:schemeClr val="dk1"/>
+          </a:fillRef>
+          <a:effectRef idx="0">
+            <a:schemeClr val="dk1"/>
+          </a:effectRef>
+          <a:fontRef idx="minor">
+            <a:schemeClr val="lt1"/>
+          </a:fontRef>
+        </p:style>
+        <p:txBody>
+          <a:bodyPr rtlCol="0" anchor="ctr"/>
+          <a:lstStyle/>
+          <a:p>
+            <a:pPr algn="ctr"/>
+            <a:endParaRPr kumimoji="1" lang="zh-CN" altLang="en-US" sz="2109"/>
+          </a:p>
+        </p:txBody>
+      </p:sp>
+      <p:sp>
+        <p:nvSpPr>
+          <p:cNvPr id="14" name="文本框 13">
+            <a:extLst>
+              <a:ext uri="{FF2B5EF4-FFF2-40B4-BE49-F238E27FC236}">
+                <a16:creationId xmlns:a16="http://schemas.microsoft.com/office/drawing/2014/main" id="{06EE3EB5-EACA-9BD5-6590-601C18168221}"/>
+              </a:ext>
+            </a:extLst>
+          </p:cNvPr>
+          <p:cNvSpPr txBox="1"/>
+          <p:nvPr/>
+        </p:nvSpPr>
+        <p:spPr>
+          <a:xfrm>
+            <a:off x="715897" y="17571503"/>
+            <a:ext cx="21350717" cy="957185"/>
+          </a:xfrm>
+          <a:prstGeom prst="rect">
+            <a:avLst/>
+          </a:prstGeom>
+          <a:noFill/>
+        </p:spPr>
+        <p:txBody>
+          <a:bodyPr wrap="none" rtlCol="0">
+            <a:spAutoFit/>
+          </a:bodyPr>
+          <a:lstStyle>
+            <a:defPPr>
+              <a:defRPr lang="en-US"/>
+            </a:defPPr>
+            <a:lvl1pPr>
+              <a:defRPr sz="8000" b="1">
+                <a:effectLst/>
+                <a:latin typeface="Helvetica Neue" panose="02000503000000020004" pitchFamily="2" charset="0"/>
+                <a:ea typeface="Helvetica Neue" panose="02000503000000020004" pitchFamily="2" charset="0"/>
+                <a:cs typeface="Helvetica Neue" panose="02000503000000020004" pitchFamily="2" charset="0"/>
+              </a:defRPr>
+            </a:lvl1pPr>
+          </a:lstStyle>
+          <a:p>
+            <a:r>
+              <a:rPr lang="zh-CN" altLang="en-US" sz="5600" dirty="0">
+                <a:latin typeface="Alibaba PuHuiTi B" pitchFamily="18" charset="-122"/>
+                <a:ea typeface="Alibaba PuHuiTi B" pitchFamily="18" charset="-122"/>
+                <a:cs typeface="Alibaba PuHuiTi B" pitchFamily="18" charset="-122"/>
+              </a:rPr>
+              <a:t>帮助  </a:t>
+            </a:r>
+            <a:r>
+              <a:rPr lang="en-US" altLang="zh-CN" sz="5600" dirty="0">
+                <a:latin typeface="Alibaba PuHuiTi B" pitchFamily="18" charset="-122"/>
+                <a:ea typeface="Alibaba PuHuiTi B" pitchFamily="18" charset="-122"/>
+                <a:cs typeface="Alibaba PuHuiTi B" pitchFamily="18" charset="-122"/>
+              </a:rPr>
+              <a:t> </a:t>
+            </a:r>
+            <a:r>
+              <a:rPr lang="zh-CN" altLang="en-US" sz="5600" dirty="0">
+                <a:latin typeface="Alibaba PuHuiTi B" pitchFamily="18" charset="-122"/>
+                <a:ea typeface="Alibaba PuHuiTi B" pitchFamily="18" charset="-122"/>
+                <a:cs typeface="Alibaba PuHuiTi B" pitchFamily="18" charset="-122"/>
+              </a:rPr>
+              <a:t>电源</a:t>
+            </a:r>
+            <a:r>
+              <a:rPr lang="en-US" altLang="zh-CN" sz="5600" dirty="0">
+                <a:latin typeface="Alibaba PuHuiTi B" pitchFamily="18" charset="-122"/>
+                <a:ea typeface="Alibaba PuHuiTi B" pitchFamily="18" charset="-122"/>
+                <a:cs typeface="Alibaba PuHuiTi B" pitchFamily="18" charset="-122"/>
+              </a:rPr>
+              <a:t>  </a:t>
+            </a:r>
+            <a:r>
+              <a:rPr lang="zh-CN" altLang="en-US" sz="5600" dirty="0">
+                <a:latin typeface="Alibaba PuHuiTi B" pitchFamily="18" charset="-122"/>
+                <a:ea typeface="Alibaba PuHuiTi B" pitchFamily="18" charset="-122"/>
+                <a:cs typeface="Alibaba PuHuiTi B" pitchFamily="18" charset="-122"/>
+              </a:rPr>
+              <a:t> 发音</a:t>
+            </a:r>
+            <a:r>
+              <a:rPr lang="en-US" altLang="zh-CN" sz="5600" dirty="0">
+                <a:latin typeface="Alibaba PuHuiTi B" pitchFamily="18" charset="-122"/>
+                <a:ea typeface="Alibaba PuHuiTi B" pitchFamily="18" charset="-122"/>
+                <a:cs typeface="Alibaba PuHuiTi B" pitchFamily="18" charset="-122"/>
+              </a:rPr>
+              <a:t> </a:t>
+            </a:r>
+            <a:r>
+              <a:rPr lang="zh-CN" altLang="en-US" sz="5600" dirty="0">
+                <a:latin typeface="Alibaba PuHuiTi B" pitchFamily="18" charset="-122"/>
+                <a:ea typeface="Alibaba PuHuiTi B" pitchFamily="18" charset="-122"/>
+                <a:cs typeface="Alibaba PuHuiTi B" pitchFamily="18" charset="-122"/>
+              </a:rPr>
+              <a:t> </a:t>
+            </a:r>
+            <a:r>
+              <a:rPr lang="en-US" altLang="zh-CN" sz="5600" dirty="0">
+                <a:latin typeface="Alibaba PuHuiTi B" pitchFamily="18" charset="-122"/>
+                <a:ea typeface="Alibaba PuHuiTi B" pitchFamily="18" charset="-122"/>
+                <a:cs typeface="Alibaba PuHuiTi B" pitchFamily="18" charset="-122"/>
+              </a:rPr>
+              <a:t> </a:t>
+            </a:r>
+            <a:r>
+              <a:rPr lang="zh-CN" altLang="en-US" sz="5600" dirty="0">
+                <a:latin typeface="Alibaba PuHuiTi B" pitchFamily="18" charset="-122"/>
+                <a:ea typeface="Alibaba PuHuiTi B" pitchFamily="18" charset="-122"/>
+                <a:cs typeface="Alibaba PuHuiTi B" pitchFamily="18" charset="-122"/>
+              </a:rPr>
+              <a:t>报时 </a:t>
+            </a:r>
+            <a:r>
+              <a:rPr lang="en-US" altLang="zh-CN" sz="5600" dirty="0">
+                <a:latin typeface="Alibaba PuHuiTi B" pitchFamily="18" charset="-122"/>
+                <a:ea typeface="Alibaba PuHuiTi B" pitchFamily="18" charset="-122"/>
+                <a:cs typeface="Alibaba PuHuiTi B" pitchFamily="18" charset="-122"/>
+              </a:rPr>
+              <a:t>  </a:t>
+            </a:r>
+            <a:r>
+              <a:rPr lang="zh-CN" altLang="en-US" sz="5600" dirty="0">
+                <a:latin typeface="Alibaba PuHuiTi B" pitchFamily="18" charset="-122"/>
+                <a:ea typeface="Alibaba PuHuiTi B" pitchFamily="18" charset="-122"/>
+                <a:cs typeface="Alibaba PuHuiTi B" pitchFamily="18" charset="-122"/>
+              </a:rPr>
+              <a:t>英汉</a:t>
+            </a:r>
+            <a:r>
+              <a:rPr lang="en-US" altLang="zh-CN" sz="5600" dirty="0">
+                <a:latin typeface="Alibaba PuHuiTi B" pitchFamily="18" charset="-122"/>
+                <a:ea typeface="Alibaba PuHuiTi B" pitchFamily="18" charset="-122"/>
+                <a:cs typeface="Alibaba PuHuiTi B" pitchFamily="18" charset="-122"/>
+              </a:rPr>
+              <a:t> </a:t>
+            </a:r>
+            <a:r>
+              <a:rPr lang="zh-CN" altLang="en-US" sz="5600" dirty="0">
+                <a:latin typeface="Alibaba PuHuiTi B" pitchFamily="18" charset="-122"/>
+                <a:ea typeface="Alibaba PuHuiTi B" pitchFamily="18" charset="-122"/>
+                <a:cs typeface="Alibaba PuHuiTi B" pitchFamily="18" charset="-122"/>
+              </a:rPr>
+              <a:t> </a:t>
+            </a:r>
+            <a:r>
+              <a:rPr lang="en-US" altLang="zh-CN" sz="5600" dirty="0">
+                <a:latin typeface="Alibaba PuHuiTi B" pitchFamily="18" charset="-122"/>
+                <a:ea typeface="Alibaba PuHuiTi B" pitchFamily="18" charset="-122"/>
+                <a:cs typeface="Alibaba PuHuiTi B" pitchFamily="18" charset="-122"/>
+              </a:rPr>
+              <a:t> </a:t>
+            </a:r>
+            <a:r>
+              <a:rPr lang="zh-CN" altLang="en-US" sz="5600" dirty="0">
+                <a:latin typeface="Alibaba PuHuiTi B" pitchFamily="18" charset="-122"/>
+                <a:ea typeface="Alibaba PuHuiTi B" pitchFamily="18" charset="-122"/>
+                <a:cs typeface="Alibaba PuHuiTi B" pitchFamily="18" charset="-122"/>
+              </a:rPr>
+              <a:t>名片</a:t>
+            </a:r>
+            <a:r>
+              <a:rPr lang="en-US" altLang="zh-CN" sz="5600" dirty="0">
+                <a:latin typeface="Alibaba PuHuiTi B" pitchFamily="18" charset="-122"/>
+                <a:ea typeface="Alibaba PuHuiTi B" pitchFamily="18" charset="-122"/>
+                <a:cs typeface="Alibaba PuHuiTi B" pitchFamily="18" charset="-122"/>
+              </a:rPr>
+              <a:t> </a:t>
+            </a:r>
+            <a:r>
+              <a:rPr lang="zh-CN" altLang="en-US" sz="5600" dirty="0">
+                <a:latin typeface="Alibaba PuHuiTi B" pitchFamily="18" charset="-122"/>
+                <a:ea typeface="Alibaba PuHuiTi B" pitchFamily="18" charset="-122"/>
+                <a:cs typeface="Alibaba PuHuiTi B" pitchFamily="18" charset="-122"/>
+              </a:rPr>
+              <a:t> </a:t>
+            </a:r>
+            <a:r>
+              <a:rPr lang="en-US" altLang="zh-CN" sz="5600" dirty="0">
+                <a:latin typeface="Alibaba PuHuiTi B" pitchFamily="18" charset="-122"/>
+                <a:ea typeface="Alibaba PuHuiTi B" pitchFamily="18" charset="-122"/>
+                <a:cs typeface="Alibaba PuHuiTi B" pitchFamily="18" charset="-122"/>
+              </a:rPr>
+              <a:t> </a:t>
+            </a:r>
+            <a:r>
+              <a:rPr lang="zh-CN" altLang="en-US" sz="5600" dirty="0">
+                <a:latin typeface="Alibaba PuHuiTi B" pitchFamily="18" charset="-122"/>
+                <a:ea typeface="Alibaba PuHuiTi B" pitchFamily="18" charset="-122"/>
+                <a:cs typeface="Alibaba PuHuiTi B" pitchFamily="18" charset="-122"/>
+              </a:rPr>
+              <a:t>计算  </a:t>
+            </a:r>
+            <a:r>
+              <a:rPr lang="en-US" altLang="zh-CN" sz="5600" dirty="0">
+                <a:latin typeface="Alibaba PuHuiTi B" pitchFamily="18" charset="-122"/>
+                <a:ea typeface="Alibaba PuHuiTi B" pitchFamily="18" charset="-122"/>
+                <a:cs typeface="Alibaba PuHuiTi B" pitchFamily="18" charset="-122"/>
+              </a:rPr>
+              <a:t> </a:t>
+            </a:r>
+            <a:r>
+              <a:rPr lang="zh-CN" altLang="en-US" sz="5600" dirty="0">
+                <a:latin typeface="Alibaba PuHuiTi B" pitchFamily="18" charset="-122"/>
+                <a:ea typeface="Alibaba PuHuiTi B" pitchFamily="18" charset="-122"/>
+                <a:cs typeface="Alibaba PuHuiTi B" pitchFamily="18" charset="-122"/>
+              </a:rPr>
+              <a:t>行程 </a:t>
+            </a:r>
+            <a:r>
+              <a:rPr lang="en-US" altLang="zh-CN" sz="5600" dirty="0">
+                <a:latin typeface="Alibaba PuHuiTi B" pitchFamily="18" charset="-122"/>
+                <a:ea typeface="Alibaba PuHuiTi B" pitchFamily="18" charset="-122"/>
+                <a:cs typeface="Alibaba PuHuiTi B" pitchFamily="18" charset="-122"/>
+              </a:rPr>
+              <a:t>  </a:t>
+            </a:r>
+            <a:r>
+              <a:rPr lang="zh-CN" altLang="en-US" sz="5600" dirty="0">
+                <a:latin typeface="Alibaba PuHuiTi B" pitchFamily="18" charset="-122"/>
+                <a:ea typeface="Alibaba PuHuiTi B" pitchFamily="18" charset="-122"/>
+                <a:cs typeface="Alibaba PuHuiTi B" pitchFamily="18" charset="-122"/>
+              </a:rPr>
+              <a:t>游戏</a:t>
+            </a:r>
+            <a:r>
+              <a:rPr lang="en-US" altLang="zh-CN" sz="5600" dirty="0">
+                <a:latin typeface="Alibaba PuHuiTi B" pitchFamily="18" charset="-122"/>
+                <a:ea typeface="Alibaba PuHuiTi B" pitchFamily="18" charset="-122"/>
+                <a:cs typeface="Alibaba PuHuiTi B" pitchFamily="18" charset="-122"/>
+              </a:rPr>
+              <a:t> </a:t>
+            </a:r>
+            <a:r>
+              <a:rPr lang="zh-CN" altLang="en-US" sz="5600" dirty="0">
+                <a:latin typeface="Alibaba PuHuiTi B" pitchFamily="18" charset="-122"/>
+                <a:ea typeface="Alibaba PuHuiTi B" pitchFamily="18" charset="-122"/>
+                <a:cs typeface="Alibaba PuHuiTi B" pitchFamily="18" charset="-122"/>
+              </a:rPr>
+              <a:t> </a:t>
+            </a:r>
+            <a:r>
+              <a:rPr lang="en-US" altLang="zh-CN" sz="5600" dirty="0">
+                <a:latin typeface="Alibaba PuHuiTi B" pitchFamily="18" charset="-122"/>
+                <a:ea typeface="Alibaba PuHuiTi B" pitchFamily="18" charset="-122"/>
+                <a:cs typeface="Alibaba PuHuiTi B" pitchFamily="18" charset="-122"/>
+              </a:rPr>
+              <a:t> </a:t>
+            </a:r>
+            <a:r>
+              <a:rPr lang="zh-CN" altLang="en-US" sz="5600" dirty="0">
+                <a:latin typeface="Alibaba PuHuiTi B" pitchFamily="18" charset="-122"/>
+                <a:ea typeface="Alibaba PuHuiTi B" pitchFamily="18" charset="-122"/>
+                <a:cs typeface="Alibaba PuHuiTi B" pitchFamily="18" charset="-122"/>
+              </a:rPr>
+              <a:t>时间  </a:t>
+            </a:r>
+            <a:r>
+              <a:rPr lang="en-US" altLang="zh-CN" sz="5600" dirty="0">
+                <a:latin typeface="Alibaba PuHuiTi B" pitchFamily="18" charset="-122"/>
+                <a:ea typeface="Alibaba PuHuiTi B" pitchFamily="18" charset="-122"/>
+                <a:cs typeface="Alibaba PuHuiTi B" pitchFamily="18" charset="-122"/>
+              </a:rPr>
+              <a:t> </a:t>
+            </a:r>
+            <a:r>
+              <a:rPr lang="zh-CN" altLang="en-US" sz="5600" dirty="0">
+                <a:latin typeface="Alibaba PuHuiTi B" pitchFamily="18" charset="-122"/>
+                <a:ea typeface="Alibaba PuHuiTi B" pitchFamily="18" charset="-122"/>
+                <a:cs typeface="Alibaba PuHuiTi B" pitchFamily="18" charset="-122"/>
+              </a:rPr>
+              <a:t>网络</a:t>
+            </a:r>
+            <a:endParaRPr lang="zh-CN" altLang="en-US" sz="5600" dirty="0">
+              <a:latin typeface="Helvetica Neue" panose="02000503000000020004" pitchFamily="2" charset="0"/>
+            </a:endParaRPr>
+          </a:p>
+        </p:txBody>
+      </p:sp>
+      <p:sp>
+        <p:nvSpPr>
+          <p:cNvPr id="15" name="文本框 14">
+            <a:extLst>
+              <a:ext uri="{FF2B5EF4-FFF2-40B4-BE49-F238E27FC236}">
+                <a16:creationId xmlns:a16="http://schemas.microsoft.com/office/drawing/2014/main" id="{CD69C7B5-8807-02B3-69F6-23B2E0BF1FFC}"/>
+              </a:ext>
+            </a:extLst>
+          </p:cNvPr>
+          <p:cNvSpPr txBox="1"/>
+          <p:nvPr/>
+        </p:nvSpPr>
+        <p:spPr>
+          <a:xfrm>
+            <a:off x="692553" y="11956991"/>
+            <a:ext cx="30397046" cy="1034899"/>
+          </a:xfrm>
+          <a:prstGeom prst="rect">
+            <a:avLst/>
+          </a:prstGeom>
+          <a:noFill/>
+        </p:spPr>
+        <p:txBody>
+          <a:bodyPr wrap="square" rtlCol="0" anchor="ctr" anchorCtr="0">
+            <a:noAutofit/>
+          </a:bodyPr>
+          <a:lstStyle/>
+          <a:p>
+            <a:r>
+              <a:rPr lang="en-US" altLang="zh-CN" sz="7500" b="1" spc="-300" dirty="0">
+                <a:latin typeface="Consolas" panose="020B0609020204030204" pitchFamily="49" charset="0"/>
+                <a:ea typeface="Helvetica Neue" panose="02000503000000020004" pitchFamily="2" charset="0"/>
+                <a:cs typeface="Consolas" panose="020B0609020204030204" pitchFamily="49" charset="0"/>
+              </a:rPr>
+              <a:t>Tab  Q</a:t>
+            </a:r>
+            <a:r>
+              <a:rPr lang="zh-CN" altLang="en-US" sz="7500" b="1" spc="-300" dirty="0">
+                <a:latin typeface="Consolas" panose="020B0609020204030204" pitchFamily="49" charset="0"/>
+                <a:ea typeface="Helvetica Neue" panose="02000503000000020004" pitchFamily="2" charset="0"/>
+                <a:cs typeface="Consolas" panose="020B0609020204030204" pitchFamily="49" charset="0"/>
+              </a:rPr>
+              <a:t>   </a:t>
+            </a:r>
+            <a:r>
+              <a:rPr lang="en-US" altLang="zh-CN" sz="7500" b="1" spc="-300" dirty="0">
+                <a:latin typeface="Consolas" panose="020B0609020204030204" pitchFamily="49" charset="0"/>
+                <a:ea typeface="Helvetica Neue" panose="02000503000000020004" pitchFamily="2" charset="0"/>
+                <a:cs typeface="Consolas" panose="020B0609020204030204" pitchFamily="49" charset="0"/>
+              </a:rPr>
+              <a:t>W   E   R   T   Y   U   I   O   P   [   ]   \</a:t>
+            </a:r>
+            <a:endParaRPr lang="en" altLang="zh-CN" sz="7500" b="1" spc="-300" dirty="0">
+              <a:latin typeface="Consolas" panose="020B0609020204030204" pitchFamily="49" charset="0"/>
+              <a:ea typeface="Helvetica Neue" panose="02000503000000020004" pitchFamily="2" charset="0"/>
+              <a:cs typeface="Consolas" panose="020B0609020204030204" pitchFamily="49" charset="0"/>
+            </a:endParaRPr>
+          </a:p>
+        </p:txBody>
+      </p:sp>
+      <p:sp>
+        <p:nvSpPr>
+          <p:cNvPr id="16" name="文本框 15">
+            <a:extLst>
+              <a:ext uri="{FF2B5EF4-FFF2-40B4-BE49-F238E27FC236}">
+                <a16:creationId xmlns:a16="http://schemas.microsoft.com/office/drawing/2014/main" id="{8E4F86B7-3EF7-5528-F1ED-992B956FC489}"/>
+              </a:ext>
+            </a:extLst>
+          </p:cNvPr>
+          <p:cNvSpPr txBox="1"/>
+          <p:nvPr/>
+        </p:nvSpPr>
+        <p:spPr>
+          <a:xfrm>
+            <a:off x="692552" y="10009183"/>
+            <a:ext cx="30397047" cy="1246495"/>
+          </a:xfrm>
+          <a:prstGeom prst="rect">
+            <a:avLst/>
+          </a:prstGeom>
+          <a:noFill/>
+        </p:spPr>
+        <p:txBody>
+          <a:bodyPr wrap="square" rtlCol="0" anchor="b">
+            <a:spAutoFit/>
+          </a:bodyPr>
+          <a:lstStyle/>
+          <a:p>
+            <a:r>
+              <a:rPr lang="en-US" altLang="zh-CN" sz="7500" b="1" spc="-300" dirty="0">
+                <a:latin typeface="Consolas" panose="020B0609020204030204" pitchFamily="49" charset="0"/>
+                <a:ea typeface="Helvetica Neue" panose="02000503000000020004" pitchFamily="2" charset="0"/>
+                <a:cs typeface="Consolas" panose="020B0609020204030204" pitchFamily="49" charset="0"/>
+              </a:rPr>
+              <a:t> `   1   2</a:t>
+            </a:r>
+            <a:r>
+              <a:rPr lang="zh-CN" altLang="en-US" sz="7500" b="1" spc="-300" dirty="0">
+                <a:latin typeface="Consolas" panose="020B0609020204030204" pitchFamily="49" charset="0"/>
+                <a:ea typeface="Helvetica Neue" panose="02000503000000020004" pitchFamily="2" charset="0"/>
+                <a:cs typeface="Consolas" panose="020B0609020204030204" pitchFamily="49" charset="0"/>
+              </a:rPr>
+              <a:t>   </a:t>
+            </a:r>
+            <a:r>
+              <a:rPr lang="en-US" altLang="zh-CN" sz="7500" b="1" spc="-300" dirty="0">
+                <a:latin typeface="Consolas" panose="020B0609020204030204" pitchFamily="49" charset="0"/>
+                <a:ea typeface="Helvetica Neue" panose="02000503000000020004" pitchFamily="2" charset="0"/>
+                <a:cs typeface="Consolas" panose="020B0609020204030204" pitchFamily="49" charset="0"/>
+              </a:rPr>
+              <a:t>3   4   5   6   7   8   9   0   _   =  ⌫</a:t>
+            </a:r>
+            <a:endParaRPr lang="en" altLang="zh-CN" sz="7500" b="1" spc="-300" dirty="0">
+              <a:latin typeface="Consolas" panose="020B0609020204030204" pitchFamily="49" charset="0"/>
+              <a:ea typeface="Helvetica Neue" panose="02000503000000020004" pitchFamily="2" charset="0"/>
+              <a:cs typeface="Consolas" panose="020B0609020204030204" pitchFamily="49" charset="0"/>
+            </a:endParaRPr>
+          </a:p>
+        </p:txBody>
+      </p:sp>
+      <p:sp>
+        <p:nvSpPr>
+          <p:cNvPr id="17" name="文本框 16">
+            <a:extLst>
+              <a:ext uri="{FF2B5EF4-FFF2-40B4-BE49-F238E27FC236}">
+                <a16:creationId xmlns:a16="http://schemas.microsoft.com/office/drawing/2014/main" id="{6372257C-1F17-99B3-2151-11C574492336}"/>
+              </a:ext>
+            </a:extLst>
+          </p:cNvPr>
+          <p:cNvSpPr txBox="1"/>
+          <p:nvPr/>
+        </p:nvSpPr>
+        <p:spPr>
+          <a:xfrm>
+            <a:off x="631593" y="13853469"/>
+            <a:ext cx="27921924" cy="1034899"/>
+          </a:xfrm>
+          <a:prstGeom prst="rect">
+            <a:avLst/>
+          </a:prstGeom>
+          <a:noFill/>
+        </p:spPr>
+        <p:txBody>
+          <a:bodyPr wrap="square" rtlCol="0" anchor="ctr" anchorCtr="0">
+            <a:noAutofit/>
+          </a:bodyPr>
+          <a:lstStyle/>
+          <a:p>
+            <a:r>
+              <a:rPr lang="en-US" altLang="zh-CN" sz="7500" b="1" spc="-300" dirty="0" err="1">
+                <a:latin typeface="Consolas" panose="020B0609020204030204" pitchFamily="49" charset="0"/>
+                <a:ea typeface="Helvetica Neue" panose="02000503000000020004" pitchFamily="2" charset="0"/>
+                <a:cs typeface="Consolas" panose="020B0609020204030204" pitchFamily="49" charset="0"/>
+              </a:rPr>
+              <a:t>Fn</a:t>
+            </a:r>
+            <a:r>
+              <a:rPr lang="en-US" altLang="zh-CN" sz="7500" b="1" spc="-300" dirty="0">
+                <a:latin typeface="Consolas" panose="020B0609020204030204" pitchFamily="49" charset="0"/>
+                <a:ea typeface="Helvetica Neue" panose="02000503000000020004" pitchFamily="2" charset="0"/>
+                <a:cs typeface="Consolas" panose="020B0609020204030204" pitchFamily="49" charset="0"/>
+              </a:rPr>
+              <a:t>   ⇪</a:t>
+            </a:r>
+            <a:r>
+              <a:rPr lang="zh-CN" altLang="en-US" sz="7500" b="1" spc="-300" dirty="0">
+                <a:latin typeface="Consolas" panose="020B0609020204030204" pitchFamily="49" charset="0"/>
+                <a:ea typeface="Helvetica Neue" panose="02000503000000020004" pitchFamily="2" charset="0"/>
+                <a:cs typeface="Consolas" panose="020B0609020204030204" pitchFamily="49" charset="0"/>
+              </a:rPr>
+              <a:t> </a:t>
+            </a:r>
+            <a:r>
+              <a:rPr lang="en-US" altLang="zh-CN" sz="7500" b="1" spc="-300" dirty="0">
+                <a:latin typeface="Consolas" panose="020B0609020204030204" pitchFamily="49" charset="0"/>
+                <a:ea typeface="Helvetica Neue" panose="02000503000000020004" pitchFamily="2" charset="0"/>
+                <a:cs typeface="Consolas" panose="020B0609020204030204" pitchFamily="49" charset="0"/>
+              </a:rPr>
+              <a:t> </a:t>
+            </a:r>
+            <a:r>
+              <a:rPr lang="zh-CN" altLang="en-US" sz="7500" b="1" spc="-300" dirty="0">
+                <a:latin typeface="Consolas" panose="020B0609020204030204" pitchFamily="49" charset="0"/>
+                <a:ea typeface="Helvetica Neue" panose="02000503000000020004" pitchFamily="2" charset="0"/>
+                <a:cs typeface="Consolas" panose="020B0609020204030204" pitchFamily="49" charset="0"/>
+              </a:rPr>
+              <a:t> </a:t>
+            </a:r>
+            <a:r>
+              <a:rPr lang="en-US" altLang="zh-CN" sz="7500" b="1" spc="-300" dirty="0">
+                <a:latin typeface="Consolas" panose="020B0609020204030204" pitchFamily="49" charset="0"/>
+                <a:ea typeface="Helvetica Neue" panose="02000503000000020004" pitchFamily="2" charset="0"/>
+                <a:cs typeface="Consolas" panose="020B0609020204030204" pitchFamily="49" charset="0"/>
+              </a:rPr>
+              <a:t>A   S   D   F   G   H   J   K   L   ;   '   ↵</a:t>
+            </a:r>
+          </a:p>
+        </p:txBody>
+      </p:sp>
+      <p:sp>
+        <p:nvSpPr>
+          <p:cNvPr id="18" name="文本框 17">
+            <a:extLst>
+              <a:ext uri="{FF2B5EF4-FFF2-40B4-BE49-F238E27FC236}">
+                <a16:creationId xmlns:a16="http://schemas.microsoft.com/office/drawing/2014/main" id="{D90D9F02-E3B9-8693-484A-7FED78A6E80D}"/>
+              </a:ext>
+            </a:extLst>
+          </p:cNvPr>
+          <p:cNvSpPr txBox="1"/>
+          <p:nvPr/>
+        </p:nvSpPr>
+        <p:spPr>
+          <a:xfrm>
+            <a:off x="758592" y="15712486"/>
+            <a:ext cx="29751887" cy="1034899"/>
+          </a:xfrm>
+          <a:prstGeom prst="rect">
+            <a:avLst/>
+          </a:prstGeom>
+          <a:noFill/>
+        </p:spPr>
+        <p:txBody>
+          <a:bodyPr wrap="square" rtlCol="0" anchor="ctr" anchorCtr="0">
+            <a:noAutofit/>
+          </a:bodyPr>
+          <a:lstStyle/>
+          <a:p>
+            <a:r>
+              <a:rPr lang="en-US" altLang="zh-CN" sz="7500" b="1" spc="-300" dirty="0">
+                <a:latin typeface="Consolas" panose="020B0609020204030204" pitchFamily="49" charset="0"/>
+                <a:ea typeface="Helvetica Neue" panose="02000503000000020004" pitchFamily="2" charset="0"/>
+                <a:cs typeface="Consolas" panose="020B0609020204030204" pitchFamily="49" charset="0"/>
+              </a:rPr>
+              <a:t> ^   ⌥</a:t>
+            </a:r>
+            <a:r>
+              <a:rPr lang="zh-CN" altLang="en-US" sz="7500" b="1" spc="-300" dirty="0">
+                <a:latin typeface="Consolas" panose="020B0609020204030204" pitchFamily="49" charset="0"/>
+                <a:ea typeface="Helvetica Neue" panose="02000503000000020004" pitchFamily="2" charset="0"/>
+                <a:cs typeface="Consolas" panose="020B0609020204030204" pitchFamily="49" charset="0"/>
+              </a:rPr>
+              <a:t> </a:t>
+            </a:r>
+            <a:r>
+              <a:rPr lang="en-US" altLang="zh-CN" sz="7500" b="1" spc="-300" dirty="0">
+                <a:latin typeface="Consolas" panose="020B0609020204030204" pitchFamily="49" charset="0"/>
+                <a:ea typeface="Helvetica Neue" panose="02000503000000020004" pitchFamily="2" charset="0"/>
+                <a:cs typeface="Consolas" panose="020B0609020204030204" pitchFamily="49" charset="0"/>
+              </a:rPr>
+              <a:t> ⌘  Z   X   C   V   B   N   M   ,   .   /   ⇧</a:t>
+            </a:r>
+          </a:p>
+        </p:txBody>
+      </p:sp>
+      <p:sp>
+        <p:nvSpPr>
+          <p:cNvPr id="2" name="文本框 1">
+            <a:extLst>
+              <a:ext uri="{FF2B5EF4-FFF2-40B4-BE49-F238E27FC236}">
+                <a16:creationId xmlns:a16="http://schemas.microsoft.com/office/drawing/2014/main" id="{33AFEA68-20D1-9428-326D-5E0B3422D4E3}"/>
+              </a:ext>
+            </a:extLst>
+          </p:cNvPr>
+          <p:cNvSpPr txBox="1"/>
+          <p:nvPr/>
+        </p:nvSpPr>
+        <p:spPr>
+          <a:xfrm>
+            <a:off x="24431323" y="17571503"/>
+            <a:ext cx="3482549" cy="954107"/>
+          </a:xfrm>
+          <a:prstGeom prst="rect">
+            <a:avLst/>
+          </a:prstGeom>
+          <a:noFill/>
+        </p:spPr>
+        <p:txBody>
+          <a:bodyPr wrap="square" rtlCol="0">
+            <a:spAutoFit/>
+          </a:bodyPr>
+          <a:lstStyle>
+            <a:defPPr>
+              <a:defRPr lang="en-US"/>
+            </a:defPPr>
+            <a:lvl1pPr>
+              <a:defRPr sz="8000" b="1">
+                <a:effectLst/>
+                <a:latin typeface="Helvetica Neue" panose="02000503000000020004" pitchFamily="2" charset="0"/>
+                <a:ea typeface="Helvetica Neue" panose="02000503000000020004" pitchFamily="2" charset="0"/>
+                <a:cs typeface="Helvetica Neue" panose="02000503000000020004" pitchFamily="2" charset="0"/>
+              </a:defRPr>
+            </a:lvl1pPr>
+          </a:lstStyle>
+          <a:p>
+            <a:r>
+              <a:rPr lang="en" altLang="zh-CN" sz="5600" b="1" dirty="0">
+                <a:latin typeface="Alibaba PuHuiTi B" pitchFamily="18" charset="-122"/>
+                <a:ea typeface="Alibaba PuHuiTi B" pitchFamily="18" charset="-122"/>
+                <a:cs typeface="Alibaba PuHuiTi B" pitchFamily="18" charset="-122"/>
+              </a:rPr>
+              <a:t>▲ </a:t>
+            </a:r>
+            <a:r>
+              <a:rPr lang="en-US" altLang="zh-CN" sz="5600" b="1" spc="-300" dirty="0">
+                <a:latin typeface="Consolas" panose="020B0609020204030204" pitchFamily="49" charset="0"/>
+                <a:ea typeface="Helvetica Neue" panose="02000503000000020004" pitchFamily="2" charset="0"/>
+                <a:cs typeface="Consolas" panose="020B0609020204030204" pitchFamily="49" charset="0"/>
+              </a:rPr>
+              <a:t>   </a:t>
+            </a:r>
+            <a:r>
+              <a:rPr lang="en" altLang="zh-CN" sz="5600" b="1" dirty="0">
+                <a:latin typeface="Alibaba PuHuiTi B" pitchFamily="18" charset="-122"/>
+                <a:ea typeface="Alibaba PuHuiTi B" pitchFamily="18" charset="-122"/>
+                <a:cs typeface="Alibaba PuHuiTi B" pitchFamily="18" charset="-122"/>
+              </a:rPr>
+              <a:t>▼</a:t>
+            </a:r>
+            <a:endParaRPr lang="zh-CN" altLang="en-US" sz="5600" dirty="0">
+              <a:latin typeface="Helvetica Neue" panose="02000503000000020004" pitchFamily="2" charset="0"/>
+            </a:endParaRPr>
+          </a:p>
+        </p:txBody>
+      </p:sp>
+      <p:sp>
+        <p:nvSpPr>
+          <p:cNvPr id="3" name="文本框 2">
+            <a:extLst>
+              <a:ext uri="{FF2B5EF4-FFF2-40B4-BE49-F238E27FC236}">
+                <a16:creationId xmlns:a16="http://schemas.microsoft.com/office/drawing/2014/main" id="{4D3F382D-0F47-6391-6EA5-F657EC6629F3}"/>
+              </a:ext>
+            </a:extLst>
+          </p:cNvPr>
+          <p:cNvSpPr txBox="1"/>
+          <p:nvPr/>
+        </p:nvSpPr>
+        <p:spPr>
+          <a:xfrm>
+            <a:off x="22541285" y="17290296"/>
+            <a:ext cx="653995" cy="1107996"/>
+          </a:xfrm>
+          <a:prstGeom prst="rect">
+            <a:avLst/>
+          </a:prstGeom>
+          <a:noFill/>
+        </p:spPr>
+        <p:txBody>
+          <a:bodyPr wrap="square" rtlCol="0">
+            <a:spAutoFit/>
+          </a:bodyPr>
+          <a:lstStyle>
+            <a:defPPr>
+              <a:defRPr lang="en-US"/>
+            </a:defPPr>
+            <a:lvl1pPr>
+              <a:defRPr sz="8000" b="1">
+                <a:effectLst/>
+                <a:latin typeface="Helvetica Neue" panose="02000503000000020004" pitchFamily="2" charset="0"/>
+                <a:ea typeface="Helvetica Neue" panose="02000503000000020004" pitchFamily="2" charset="0"/>
+                <a:cs typeface="Helvetica Neue" panose="02000503000000020004" pitchFamily="2" charset="0"/>
+              </a:defRPr>
+            </a:lvl1pPr>
+          </a:lstStyle>
+          <a:p>
+            <a:r>
+              <a:rPr lang="en-US" altLang="zh-CN" sz="6600" spc="-300" dirty="0"/>
+              <a:t>␣</a:t>
+            </a:r>
+            <a:endParaRPr lang="zh-CN" altLang="en-US" sz="5600" dirty="0"/>
+          </a:p>
+        </p:txBody>
+      </p:sp>
+    </p:spTree>
+    <p:extLst>
+      <p:ext uri="{BB962C8B-B14F-4D97-AF65-F5344CB8AC3E}">
+        <p14:creationId xmlns:p14="http://schemas.microsoft.com/office/powerpoint/2010/main" val="422702036"/>
       </p:ext>
     </p:extLst>
   </p:cSld>
